--- a/Presentation.pptx
+++ b/Presentation.pptx
@@ -6,6 +6,22 @@
   </p:sldMasterIdLst>
   <p:sldIdLst>
     <p:sldId id="256" r:id="rId2"/>
+    <p:sldId id="273" r:id="rId3"/>
+    <p:sldId id="258" r:id="rId4"/>
+    <p:sldId id="272" r:id="rId5"/>
+    <p:sldId id="263" r:id="rId6"/>
+    <p:sldId id="274" r:id="rId7"/>
+    <p:sldId id="275" r:id="rId8"/>
+    <p:sldId id="276" r:id="rId9"/>
+    <p:sldId id="268" r:id="rId10"/>
+    <p:sldId id="269" r:id="rId11"/>
+    <p:sldId id="270" r:id="rId12"/>
+    <p:sldId id="271" r:id="rId13"/>
+    <p:sldId id="259" r:id="rId14"/>
+    <p:sldId id="260" r:id="rId15"/>
+    <p:sldId id="261" r:id="rId16"/>
+    <p:sldId id="262" r:id="rId17"/>
+    <p:sldId id="267" r:id="rId18"/>
   </p:sldIdLst>
   <p:sldSz cx="12192000" cy="6858000"/>
   <p:notesSz cx="6858000" cy="9144000"/>
@@ -5826,6 +5842,1251 @@
 </p:sld>
 </file>
 
+<file path=ppt/slides/slide10.xml><?xml version="1.0" encoding="utf-8"?>
+<p:sld xmlns:a="http://schemas.openxmlformats.org/drawingml/2006/main" xmlns:r="http://schemas.openxmlformats.org/officeDocument/2006/relationships" xmlns:p="http://schemas.openxmlformats.org/presentationml/2006/main">
+  <p:cSld>
+    <p:spTree>
+      <p:nvGrpSpPr>
+        <p:cNvPr id="1" name=""/>
+        <p:cNvGrpSpPr/>
+        <p:nvPr/>
+      </p:nvGrpSpPr>
+      <p:grpSpPr>
+        <a:xfrm>
+          <a:off x="0" y="0"/>
+          <a:ext cx="0" cy="0"/>
+          <a:chOff x="0" y="0"/>
+          <a:chExt cx="0" cy="0"/>
+        </a:xfrm>
+      </p:grpSpPr>
+      <p:sp>
+        <p:nvSpPr>
+          <p:cNvPr id="2" name="Title 1"/>
+          <p:cNvSpPr>
+            <a:spLocks noGrp="1"/>
+          </p:cNvSpPr>
+          <p:nvPr>
+            <p:ph type="title"/>
+          </p:nvPr>
+        </p:nvSpPr>
+        <p:spPr/>
+        <p:txBody>
+          <a:bodyPr/>
+          <a:lstStyle/>
+          <a:p>
+            <a:r>
+              <a:rPr lang="en-US" dirty="0" smtClean="0"/>
+              <a:t>Goal Model</a:t>
+            </a:r>
+            <a:endParaRPr lang="en-US" dirty="0"/>
+          </a:p>
+        </p:txBody>
+      </p:sp>
+      <p:sp>
+        <p:nvSpPr>
+          <p:cNvPr id="3" name="Content Placeholder 2"/>
+          <p:cNvSpPr>
+            <a:spLocks noGrp="1"/>
+          </p:cNvSpPr>
+          <p:nvPr>
+            <p:ph idx="1"/>
+          </p:nvPr>
+        </p:nvSpPr>
+        <p:spPr/>
+        <p:txBody>
+          <a:bodyPr/>
+          <a:lstStyle/>
+          <a:p>
+            <a:endParaRPr lang="en-US"/>
+          </a:p>
+        </p:txBody>
+      </p:sp>
+    </p:spTree>
+    <p:extLst>
+      <p:ext uri="{BB962C8B-B14F-4D97-AF65-F5344CB8AC3E}">
+        <p14:creationId xmlns:p14="http://schemas.microsoft.com/office/powerpoint/2010/main" val="696837872"/>
+      </p:ext>
+    </p:extLst>
+  </p:cSld>
+  <p:clrMapOvr>
+    <a:masterClrMapping/>
+  </p:clrMapOvr>
+</p:sld>
+</file>
+
+<file path=ppt/slides/slide11.xml><?xml version="1.0" encoding="utf-8"?>
+<p:sld xmlns:a="http://schemas.openxmlformats.org/drawingml/2006/main" xmlns:r="http://schemas.openxmlformats.org/officeDocument/2006/relationships" xmlns:p="http://schemas.openxmlformats.org/presentationml/2006/main">
+  <p:cSld>
+    <p:spTree>
+      <p:nvGrpSpPr>
+        <p:cNvPr id="1" name=""/>
+        <p:cNvGrpSpPr/>
+        <p:nvPr/>
+      </p:nvGrpSpPr>
+      <p:grpSpPr>
+        <a:xfrm>
+          <a:off x="0" y="0"/>
+          <a:ext cx="0" cy="0"/>
+          <a:chOff x="0" y="0"/>
+          <a:chExt cx="0" cy="0"/>
+        </a:xfrm>
+      </p:grpSpPr>
+      <p:sp>
+        <p:nvSpPr>
+          <p:cNvPr id="2" name="Title 1"/>
+          <p:cNvSpPr>
+            <a:spLocks noGrp="1"/>
+          </p:cNvSpPr>
+          <p:nvPr>
+            <p:ph type="title"/>
+          </p:nvPr>
+        </p:nvSpPr>
+        <p:spPr/>
+        <p:txBody>
+          <a:bodyPr/>
+          <a:lstStyle/>
+          <a:p>
+            <a:r>
+              <a:rPr lang="en-US" dirty="0" smtClean="0"/>
+              <a:t>Entry Model</a:t>
+            </a:r>
+            <a:endParaRPr lang="en-US" dirty="0"/>
+          </a:p>
+        </p:txBody>
+      </p:sp>
+      <p:sp>
+        <p:nvSpPr>
+          <p:cNvPr id="3" name="Content Placeholder 2"/>
+          <p:cNvSpPr>
+            <a:spLocks noGrp="1"/>
+          </p:cNvSpPr>
+          <p:nvPr>
+            <p:ph idx="1"/>
+          </p:nvPr>
+        </p:nvSpPr>
+        <p:spPr/>
+        <p:txBody>
+          <a:bodyPr/>
+          <a:lstStyle/>
+          <a:p>
+            <a:endParaRPr lang="en-US"/>
+          </a:p>
+        </p:txBody>
+      </p:sp>
+    </p:spTree>
+    <p:extLst>
+      <p:ext uri="{BB962C8B-B14F-4D97-AF65-F5344CB8AC3E}">
+        <p14:creationId xmlns:p14="http://schemas.microsoft.com/office/powerpoint/2010/main" val="1933665589"/>
+      </p:ext>
+    </p:extLst>
+  </p:cSld>
+  <p:clrMapOvr>
+    <a:masterClrMapping/>
+  </p:clrMapOvr>
+</p:sld>
+</file>
+
+<file path=ppt/slides/slide12.xml><?xml version="1.0" encoding="utf-8"?>
+<p:sld xmlns:a="http://schemas.openxmlformats.org/drawingml/2006/main" xmlns:r="http://schemas.openxmlformats.org/officeDocument/2006/relationships" xmlns:p="http://schemas.openxmlformats.org/presentationml/2006/main">
+  <p:cSld>
+    <p:spTree>
+      <p:nvGrpSpPr>
+        <p:cNvPr id="1" name=""/>
+        <p:cNvGrpSpPr/>
+        <p:nvPr/>
+      </p:nvGrpSpPr>
+      <p:grpSpPr>
+        <a:xfrm>
+          <a:off x="0" y="0"/>
+          <a:ext cx="0" cy="0"/>
+          <a:chOff x="0" y="0"/>
+          <a:chExt cx="0" cy="0"/>
+        </a:xfrm>
+      </p:grpSpPr>
+      <p:sp>
+        <p:nvSpPr>
+          <p:cNvPr id="6" name="Title 5"/>
+          <p:cNvSpPr>
+            <a:spLocks noGrp="1"/>
+          </p:cNvSpPr>
+          <p:nvPr>
+            <p:ph type="title"/>
+          </p:nvPr>
+        </p:nvSpPr>
+        <p:spPr/>
+        <p:txBody>
+          <a:bodyPr/>
+          <a:lstStyle/>
+          <a:p>
+            <a:r>
+              <a:rPr lang="en-US" dirty="0" smtClean="0"/>
+              <a:t>Day 2 – User Side &amp; Demo</a:t>
+            </a:r>
+            <a:endParaRPr lang="en-US" dirty="0"/>
+          </a:p>
+        </p:txBody>
+      </p:sp>
+      <p:sp>
+        <p:nvSpPr>
+          <p:cNvPr id="7" name="Content Placeholder 6"/>
+          <p:cNvSpPr>
+            <a:spLocks noGrp="1"/>
+          </p:cNvSpPr>
+          <p:nvPr>
+            <p:ph idx="1"/>
+          </p:nvPr>
+        </p:nvSpPr>
+        <p:spPr/>
+        <p:txBody>
+          <a:bodyPr/>
+          <a:lstStyle/>
+          <a:p>
+            <a:r>
+              <a:rPr lang="en-US" dirty="0"/>
+              <a:t>Client Side</a:t>
+            </a:r>
+          </a:p>
+          <a:p>
+            <a:pPr lvl="1"/>
+            <a:r>
+              <a:rPr lang="en-US" dirty="0"/>
+              <a:t>Sign Up/Login</a:t>
+            </a:r>
+          </a:p>
+          <a:p>
+            <a:pPr lvl="1"/>
+            <a:r>
+              <a:rPr lang="en-US" dirty="0"/>
+              <a:t>Goals</a:t>
+            </a:r>
+          </a:p>
+          <a:p>
+            <a:pPr lvl="1"/>
+            <a:r>
+              <a:rPr lang="en-US" dirty="0"/>
+              <a:t>Entries</a:t>
+            </a:r>
+          </a:p>
+          <a:p>
+            <a:pPr lvl="1"/>
+            <a:r>
+              <a:rPr lang="en-US" dirty="0"/>
+              <a:t>Progress</a:t>
+            </a:r>
+          </a:p>
+          <a:p>
+            <a:r>
+              <a:rPr lang="en-US" dirty="0"/>
+              <a:t>Demo</a:t>
+            </a:r>
+          </a:p>
+          <a:p>
+            <a:pPr marL="0" indent="0">
+              <a:buNone/>
+            </a:pPr>
+            <a:endParaRPr lang="en-US" dirty="0"/>
+          </a:p>
+        </p:txBody>
+      </p:sp>
+    </p:spTree>
+    <p:extLst>
+      <p:ext uri="{BB962C8B-B14F-4D97-AF65-F5344CB8AC3E}">
+        <p14:creationId xmlns:p14="http://schemas.microsoft.com/office/powerpoint/2010/main" val="1959523211"/>
+      </p:ext>
+    </p:extLst>
+  </p:cSld>
+  <p:clrMapOvr>
+    <a:masterClrMapping/>
+  </p:clrMapOvr>
+</p:sld>
+</file>
+
+<file path=ppt/slides/slide13.xml><?xml version="1.0" encoding="utf-8"?>
+<p:sld xmlns:a="http://schemas.openxmlformats.org/drawingml/2006/main" xmlns:r="http://schemas.openxmlformats.org/officeDocument/2006/relationships" xmlns:p="http://schemas.openxmlformats.org/presentationml/2006/main">
+  <p:cSld>
+    <p:spTree>
+      <p:nvGrpSpPr>
+        <p:cNvPr id="1" name=""/>
+        <p:cNvGrpSpPr/>
+        <p:nvPr/>
+      </p:nvGrpSpPr>
+      <p:grpSpPr>
+        <a:xfrm>
+          <a:off x="0" y="0"/>
+          <a:ext cx="0" cy="0"/>
+          <a:chOff x="0" y="0"/>
+          <a:chExt cx="0" cy="0"/>
+        </a:xfrm>
+      </p:grpSpPr>
+      <p:sp>
+        <p:nvSpPr>
+          <p:cNvPr id="2" name="Title 1"/>
+          <p:cNvSpPr>
+            <a:spLocks noGrp="1"/>
+          </p:cNvSpPr>
+          <p:nvPr>
+            <p:ph type="title"/>
+          </p:nvPr>
+        </p:nvSpPr>
+        <p:spPr/>
+        <p:txBody>
+          <a:bodyPr/>
+          <a:lstStyle/>
+          <a:p>
+            <a:r>
+              <a:rPr lang="en-US" dirty="0" smtClean="0"/>
+              <a:t>Signup/Login</a:t>
+            </a:r>
+            <a:endParaRPr lang="en-US" dirty="0"/>
+          </a:p>
+        </p:txBody>
+      </p:sp>
+      <p:sp>
+        <p:nvSpPr>
+          <p:cNvPr id="3" name="Content Placeholder 2"/>
+          <p:cNvSpPr>
+            <a:spLocks noGrp="1"/>
+          </p:cNvSpPr>
+          <p:nvPr>
+            <p:ph idx="1"/>
+          </p:nvPr>
+        </p:nvSpPr>
+        <p:spPr/>
+        <p:txBody>
+          <a:bodyPr/>
+          <a:lstStyle/>
+          <a:p>
+            <a:endParaRPr lang="en-US" dirty="0"/>
+          </a:p>
+        </p:txBody>
+      </p:sp>
+    </p:spTree>
+    <p:extLst>
+      <p:ext uri="{BB962C8B-B14F-4D97-AF65-F5344CB8AC3E}">
+        <p14:creationId xmlns:p14="http://schemas.microsoft.com/office/powerpoint/2010/main" val="216520187"/>
+      </p:ext>
+    </p:extLst>
+  </p:cSld>
+  <p:clrMapOvr>
+    <a:masterClrMapping/>
+  </p:clrMapOvr>
+</p:sld>
+</file>
+
+<file path=ppt/slides/slide14.xml><?xml version="1.0" encoding="utf-8"?>
+<p:sld xmlns:a="http://schemas.openxmlformats.org/drawingml/2006/main" xmlns:r="http://schemas.openxmlformats.org/officeDocument/2006/relationships" xmlns:p="http://schemas.openxmlformats.org/presentationml/2006/main">
+  <p:cSld>
+    <p:spTree>
+      <p:nvGrpSpPr>
+        <p:cNvPr id="1" name=""/>
+        <p:cNvGrpSpPr/>
+        <p:nvPr/>
+      </p:nvGrpSpPr>
+      <p:grpSpPr>
+        <a:xfrm>
+          <a:off x="0" y="0"/>
+          <a:ext cx="0" cy="0"/>
+          <a:chOff x="0" y="0"/>
+          <a:chExt cx="0" cy="0"/>
+        </a:xfrm>
+      </p:grpSpPr>
+      <p:sp>
+        <p:nvSpPr>
+          <p:cNvPr id="2" name="Title 1"/>
+          <p:cNvSpPr>
+            <a:spLocks noGrp="1"/>
+          </p:cNvSpPr>
+          <p:nvPr>
+            <p:ph type="title"/>
+          </p:nvPr>
+        </p:nvSpPr>
+        <p:spPr/>
+        <p:txBody>
+          <a:bodyPr/>
+          <a:lstStyle/>
+          <a:p>
+            <a:r>
+              <a:rPr lang="en-US" dirty="0" smtClean="0"/>
+              <a:t>Goals</a:t>
+            </a:r>
+            <a:endParaRPr lang="en-US" dirty="0"/>
+          </a:p>
+        </p:txBody>
+      </p:sp>
+      <p:sp>
+        <p:nvSpPr>
+          <p:cNvPr id="3" name="Content Placeholder 2"/>
+          <p:cNvSpPr>
+            <a:spLocks noGrp="1"/>
+          </p:cNvSpPr>
+          <p:nvPr>
+            <p:ph idx="1"/>
+          </p:nvPr>
+        </p:nvSpPr>
+        <p:spPr/>
+        <p:txBody>
+          <a:bodyPr/>
+          <a:lstStyle/>
+          <a:p>
+            <a:endParaRPr lang="en-US"/>
+          </a:p>
+        </p:txBody>
+      </p:sp>
+    </p:spTree>
+    <p:extLst>
+      <p:ext uri="{BB962C8B-B14F-4D97-AF65-F5344CB8AC3E}">
+        <p14:creationId xmlns:p14="http://schemas.microsoft.com/office/powerpoint/2010/main" val="312113819"/>
+      </p:ext>
+    </p:extLst>
+  </p:cSld>
+  <p:clrMapOvr>
+    <a:masterClrMapping/>
+  </p:clrMapOvr>
+</p:sld>
+</file>
+
+<file path=ppt/slides/slide15.xml><?xml version="1.0" encoding="utf-8"?>
+<p:sld xmlns:a="http://schemas.openxmlformats.org/drawingml/2006/main" xmlns:r="http://schemas.openxmlformats.org/officeDocument/2006/relationships" xmlns:p="http://schemas.openxmlformats.org/presentationml/2006/main">
+  <p:cSld>
+    <p:spTree>
+      <p:nvGrpSpPr>
+        <p:cNvPr id="1" name=""/>
+        <p:cNvGrpSpPr/>
+        <p:nvPr/>
+      </p:nvGrpSpPr>
+      <p:grpSpPr>
+        <a:xfrm>
+          <a:off x="0" y="0"/>
+          <a:ext cx="0" cy="0"/>
+          <a:chOff x="0" y="0"/>
+          <a:chExt cx="0" cy="0"/>
+        </a:xfrm>
+      </p:grpSpPr>
+      <p:sp>
+        <p:nvSpPr>
+          <p:cNvPr id="2" name="Title 1"/>
+          <p:cNvSpPr>
+            <a:spLocks noGrp="1"/>
+          </p:cNvSpPr>
+          <p:nvPr>
+            <p:ph type="title"/>
+          </p:nvPr>
+        </p:nvSpPr>
+        <p:spPr/>
+        <p:txBody>
+          <a:bodyPr/>
+          <a:lstStyle/>
+          <a:p>
+            <a:r>
+              <a:rPr lang="en-US" dirty="0" smtClean="0"/>
+              <a:t>Entries</a:t>
+            </a:r>
+            <a:endParaRPr lang="en-US" dirty="0"/>
+          </a:p>
+        </p:txBody>
+      </p:sp>
+      <p:sp>
+        <p:nvSpPr>
+          <p:cNvPr id="3" name="Content Placeholder 2"/>
+          <p:cNvSpPr>
+            <a:spLocks noGrp="1"/>
+          </p:cNvSpPr>
+          <p:nvPr>
+            <p:ph idx="1"/>
+          </p:nvPr>
+        </p:nvSpPr>
+        <p:spPr/>
+        <p:txBody>
+          <a:bodyPr/>
+          <a:lstStyle/>
+          <a:p>
+            <a:endParaRPr lang="en-US"/>
+          </a:p>
+        </p:txBody>
+      </p:sp>
+    </p:spTree>
+    <p:extLst>
+      <p:ext uri="{BB962C8B-B14F-4D97-AF65-F5344CB8AC3E}">
+        <p14:creationId xmlns:p14="http://schemas.microsoft.com/office/powerpoint/2010/main" val="1104864759"/>
+      </p:ext>
+    </p:extLst>
+  </p:cSld>
+  <p:clrMapOvr>
+    <a:masterClrMapping/>
+  </p:clrMapOvr>
+</p:sld>
+</file>
+
+<file path=ppt/slides/slide16.xml><?xml version="1.0" encoding="utf-8"?>
+<p:sld xmlns:a="http://schemas.openxmlformats.org/drawingml/2006/main" xmlns:r="http://schemas.openxmlformats.org/officeDocument/2006/relationships" xmlns:p="http://schemas.openxmlformats.org/presentationml/2006/main">
+  <p:cSld>
+    <p:spTree>
+      <p:nvGrpSpPr>
+        <p:cNvPr id="1" name=""/>
+        <p:cNvGrpSpPr/>
+        <p:nvPr/>
+      </p:nvGrpSpPr>
+      <p:grpSpPr>
+        <a:xfrm>
+          <a:off x="0" y="0"/>
+          <a:ext cx="0" cy="0"/>
+          <a:chOff x="0" y="0"/>
+          <a:chExt cx="0" cy="0"/>
+        </a:xfrm>
+      </p:grpSpPr>
+      <p:sp>
+        <p:nvSpPr>
+          <p:cNvPr id="2" name="Title 1"/>
+          <p:cNvSpPr>
+            <a:spLocks noGrp="1"/>
+          </p:cNvSpPr>
+          <p:nvPr>
+            <p:ph type="title"/>
+          </p:nvPr>
+        </p:nvSpPr>
+        <p:spPr/>
+        <p:txBody>
+          <a:bodyPr/>
+          <a:lstStyle/>
+          <a:p>
+            <a:r>
+              <a:rPr lang="en-US" dirty="0" smtClean="0"/>
+              <a:t>Progress</a:t>
+            </a:r>
+            <a:endParaRPr lang="en-US" dirty="0"/>
+          </a:p>
+        </p:txBody>
+      </p:sp>
+      <p:sp>
+        <p:nvSpPr>
+          <p:cNvPr id="3" name="Content Placeholder 2"/>
+          <p:cNvSpPr>
+            <a:spLocks noGrp="1"/>
+          </p:cNvSpPr>
+          <p:nvPr>
+            <p:ph idx="1"/>
+          </p:nvPr>
+        </p:nvSpPr>
+        <p:spPr/>
+        <p:txBody>
+          <a:bodyPr/>
+          <a:lstStyle/>
+          <a:p>
+            <a:endParaRPr lang="en-US"/>
+          </a:p>
+        </p:txBody>
+      </p:sp>
+    </p:spTree>
+    <p:extLst>
+      <p:ext uri="{BB962C8B-B14F-4D97-AF65-F5344CB8AC3E}">
+        <p14:creationId xmlns:p14="http://schemas.microsoft.com/office/powerpoint/2010/main" val="1100070192"/>
+      </p:ext>
+    </p:extLst>
+  </p:cSld>
+  <p:clrMapOvr>
+    <a:masterClrMapping/>
+  </p:clrMapOvr>
+</p:sld>
+</file>
+
+<file path=ppt/slides/slide17.xml><?xml version="1.0" encoding="utf-8"?>
+<p:sld xmlns:a="http://schemas.openxmlformats.org/drawingml/2006/main" xmlns:r="http://schemas.openxmlformats.org/officeDocument/2006/relationships" xmlns:p="http://schemas.openxmlformats.org/presentationml/2006/main">
+  <p:cSld>
+    <p:spTree>
+      <p:nvGrpSpPr>
+        <p:cNvPr id="1" name=""/>
+        <p:cNvGrpSpPr/>
+        <p:nvPr/>
+      </p:nvGrpSpPr>
+      <p:grpSpPr>
+        <a:xfrm>
+          <a:off x="0" y="0"/>
+          <a:ext cx="0" cy="0"/>
+          <a:chOff x="0" y="0"/>
+          <a:chExt cx="0" cy="0"/>
+        </a:xfrm>
+      </p:grpSpPr>
+      <p:sp>
+        <p:nvSpPr>
+          <p:cNvPr id="2" name="Title 1"/>
+          <p:cNvSpPr>
+            <a:spLocks noGrp="1"/>
+          </p:cNvSpPr>
+          <p:nvPr>
+            <p:ph type="title"/>
+          </p:nvPr>
+        </p:nvSpPr>
+        <p:spPr/>
+        <p:txBody>
+          <a:bodyPr/>
+          <a:lstStyle/>
+          <a:p>
+            <a:r>
+              <a:rPr lang="en-US" dirty="0" smtClean="0"/>
+              <a:t>Demo</a:t>
+            </a:r>
+            <a:endParaRPr lang="en-US" dirty="0"/>
+          </a:p>
+        </p:txBody>
+      </p:sp>
+    </p:spTree>
+    <p:extLst>
+      <p:ext uri="{BB962C8B-B14F-4D97-AF65-F5344CB8AC3E}">
+        <p14:creationId xmlns:p14="http://schemas.microsoft.com/office/powerpoint/2010/main" val="181446149"/>
+      </p:ext>
+    </p:extLst>
+  </p:cSld>
+  <p:clrMapOvr>
+    <a:masterClrMapping/>
+  </p:clrMapOvr>
+</p:sld>
+</file>
+
+<file path=ppt/slides/slide2.xml><?xml version="1.0" encoding="utf-8"?>
+<p:sld xmlns:a="http://schemas.openxmlformats.org/drawingml/2006/main" xmlns:r="http://schemas.openxmlformats.org/officeDocument/2006/relationships" xmlns:p="http://schemas.openxmlformats.org/presentationml/2006/main">
+  <p:cSld>
+    <p:spTree>
+      <p:nvGrpSpPr>
+        <p:cNvPr id="1" name=""/>
+        <p:cNvGrpSpPr/>
+        <p:nvPr/>
+      </p:nvGrpSpPr>
+      <p:grpSpPr>
+        <a:xfrm>
+          <a:off x="0" y="0"/>
+          <a:ext cx="0" cy="0"/>
+          <a:chOff x="0" y="0"/>
+          <a:chExt cx="0" cy="0"/>
+        </a:xfrm>
+      </p:grpSpPr>
+      <p:sp>
+        <p:nvSpPr>
+          <p:cNvPr id="4" name="Title 3"/>
+          <p:cNvSpPr>
+            <a:spLocks noGrp="1"/>
+          </p:cNvSpPr>
+          <p:nvPr>
+            <p:ph type="title"/>
+          </p:nvPr>
+        </p:nvSpPr>
+        <p:spPr/>
+        <p:txBody>
+          <a:bodyPr/>
+          <a:lstStyle/>
+          <a:p>
+            <a:r>
+              <a:rPr lang="en-US" dirty="0" smtClean="0"/>
+              <a:t>Introduction</a:t>
+            </a:r>
+            <a:endParaRPr lang="en-US" dirty="0"/>
+          </a:p>
+        </p:txBody>
+      </p:sp>
+      <p:sp>
+        <p:nvSpPr>
+          <p:cNvPr id="7" name="Content Placeholder 6"/>
+          <p:cNvSpPr>
+            <a:spLocks noGrp="1"/>
+          </p:cNvSpPr>
+          <p:nvPr>
+            <p:ph idx="1"/>
+          </p:nvPr>
+        </p:nvSpPr>
+        <p:spPr/>
+        <p:txBody>
+          <a:bodyPr/>
+          <a:lstStyle/>
+          <a:p>
+            <a:r>
+              <a:rPr lang="en-US" dirty="0" smtClean="0"/>
+              <a:t>Program Details</a:t>
+            </a:r>
+          </a:p>
+          <a:p>
+            <a:r>
+              <a:rPr lang="en-US" dirty="0" smtClean="0"/>
+              <a:t>Day 1 – Implementer Side</a:t>
+            </a:r>
+          </a:p>
+          <a:p>
+            <a:r>
+              <a:rPr lang="en-US" dirty="0" smtClean="0"/>
+              <a:t>Day 2 – Client Side &amp; Demo</a:t>
+            </a:r>
+            <a:endParaRPr lang="en-US" dirty="0"/>
+          </a:p>
+        </p:txBody>
+      </p:sp>
+    </p:spTree>
+    <p:extLst>
+      <p:ext uri="{BB962C8B-B14F-4D97-AF65-F5344CB8AC3E}">
+        <p14:creationId xmlns:p14="http://schemas.microsoft.com/office/powerpoint/2010/main" val="1495789145"/>
+      </p:ext>
+    </p:extLst>
+  </p:cSld>
+  <p:clrMapOvr>
+    <a:masterClrMapping/>
+  </p:clrMapOvr>
+</p:sld>
+</file>
+
+<file path=ppt/slides/slide3.xml><?xml version="1.0" encoding="utf-8"?>
+<p:sld xmlns:a="http://schemas.openxmlformats.org/drawingml/2006/main" xmlns:r="http://schemas.openxmlformats.org/officeDocument/2006/relationships" xmlns:p="http://schemas.openxmlformats.org/presentationml/2006/main">
+  <p:cSld>
+    <p:spTree>
+      <p:nvGrpSpPr>
+        <p:cNvPr id="1" name=""/>
+        <p:cNvGrpSpPr/>
+        <p:nvPr/>
+      </p:nvGrpSpPr>
+      <p:grpSpPr>
+        <a:xfrm>
+          <a:off x="0" y="0"/>
+          <a:ext cx="0" cy="0"/>
+          <a:chOff x="0" y="0"/>
+          <a:chExt cx="0" cy="0"/>
+        </a:xfrm>
+      </p:grpSpPr>
+      <p:sp>
+        <p:nvSpPr>
+          <p:cNvPr id="2" name="Title 1"/>
+          <p:cNvSpPr>
+            <a:spLocks noGrp="1"/>
+          </p:cNvSpPr>
+          <p:nvPr>
+            <p:ph type="title"/>
+          </p:nvPr>
+        </p:nvSpPr>
+        <p:spPr/>
+        <p:txBody>
+          <a:bodyPr>
+            <a:noAutofit/>
+          </a:bodyPr>
+          <a:lstStyle/>
+          <a:p>
+            <a:r>
+              <a:rPr lang="en-US" sz="4800" dirty="0" smtClean="0"/>
+              <a:t>Program Details</a:t>
+            </a:r>
+            <a:endParaRPr lang="en-US" sz="4800" dirty="0"/>
+          </a:p>
+        </p:txBody>
+      </p:sp>
+      <p:sp>
+        <p:nvSpPr>
+          <p:cNvPr id="3" name="Content Placeholder 2"/>
+          <p:cNvSpPr>
+            <a:spLocks noGrp="1"/>
+          </p:cNvSpPr>
+          <p:nvPr>
+            <p:ph idx="1"/>
+          </p:nvPr>
+        </p:nvSpPr>
+        <p:spPr/>
+        <p:txBody>
+          <a:bodyPr/>
+          <a:lstStyle/>
+          <a:p>
+            <a:pPr marL="0" indent="0">
+              <a:buNone/>
+            </a:pPr>
+            <a:endParaRPr lang="en-US" dirty="0"/>
+          </a:p>
+        </p:txBody>
+      </p:sp>
+    </p:spTree>
+    <p:extLst>
+      <p:ext uri="{BB962C8B-B14F-4D97-AF65-F5344CB8AC3E}">
+        <p14:creationId xmlns:p14="http://schemas.microsoft.com/office/powerpoint/2010/main" val="1485147723"/>
+      </p:ext>
+    </p:extLst>
+  </p:cSld>
+  <p:clrMapOvr>
+    <a:masterClrMapping/>
+  </p:clrMapOvr>
+</p:sld>
+</file>
+
+<file path=ppt/slides/slide4.xml><?xml version="1.0" encoding="utf-8"?>
+<p:sld xmlns:a="http://schemas.openxmlformats.org/drawingml/2006/main" xmlns:r="http://schemas.openxmlformats.org/officeDocument/2006/relationships" xmlns:p="http://schemas.openxmlformats.org/presentationml/2006/main">
+  <p:cSld>
+    <p:spTree>
+      <p:nvGrpSpPr>
+        <p:cNvPr id="1" name=""/>
+        <p:cNvGrpSpPr/>
+        <p:nvPr/>
+      </p:nvGrpSpPr>
+      <p:grpSpPr>
+        <a:xfrm>
+          <a:off x="0" y="0"/>
+          <a:ext cx="0" cy="0"/>
+          <a:chOff x="0" y="0"/>
+          <a:chExt cx="0" cy="0"/>
+        </a:xfrm>
+      </p:grpSpPr>
+      <p:sp>
+        <p:nvSpPr>
+          <p:cNvPr id="4" name="Title 3"/>
+          <p:cNvSpPr>
+            <a:spLocks noGrp="1"/>
+          </p:cNvSpPr>
+          <p:nvPr>
+            <p:ph type="title"/>
+          </p:nvPr>
+        </p:nvSpPr>
+        <p:spPr/>
+        <p:txBody>
+          <a:bodyPr/>
+          <a:lstStyle/>
+          <a:p>
+            <a:r>
+              <a:rPr lang="en-US" dirty="0" smtClean="0"/>
+              <a:t>Day 1 – Implementer Side</a:t>
+            </a:r>
+            <a:endParaRPr lang="en-US" dirty="0"/>
+          </a:p>
+        </p:txBody>
+      </p:sp>
+      <p:sp>
+        <p:nvSpPr>
+          <p:cNvPr id="5" name="Content Placeholder 4"/>
+          <p:cNvSpPr>
+            <a:spLocks noGrp="1"/>
+          </p:cNvSpPr>
+          <p:nvPr>
+            <p:ph idx="1"/>
+          </p:nvPr>
+        </p:nvSpPr>
+        <p:spPr/>
+        <p:txBody>
+          <a:bodyPr/>
+          <a:lstStyle/>
+          <a:p>
+            <a:r>
+              <a:rPr lang="en-US" dirty="0" smtClean="0"/>
+              <a:t>Technologies</a:t>
+            </a:r>
+            <a:endParaRPr lang="en-US" dirty="0"/>
+          </a:p>
+          <a:p>
+            <a:pPr lvl="1"/>
+            <a:r>
+              <a:rPr lang="en-US" dirty="0"/>
+              <a:t>Ruby on Rails</a:t>
+            </a:r>
+          </a:p>
+          <a:p>
+            <a:pPr lvl="1"/>
+            <a:r>
+              <a:rPr lang="en-US" dirty="0"/>
+              <a:t>Foundation</a:t>
+            </a:r>
+          </a:p>
+          <a:p>
+            <a:pPr lvl="1"/>
+            <a:r>
+              <a:rPr lang="en-US" dirty="0"/>
+              <a:t>Devise</a:t>
+            </a:r>
+          </a:p>
+          <a:p>
+            <a:pPr lvl="1"/>
+            <a:r>
+              <a:rPr lang="en-US" dirty="0" err="1"/>
+              <a:t>ChartKick</a:t>
+            </a:r>
+            <a:endParaRPr lang="en-US" dirty="0"/>
+          </a:p>
+          <a:p>
+            <a:pPr lvl="1"/>
+            <a:r>
+              <a:rPr lang="en-US" dirty="0" err="1"/>
+              <a:t>SimpleCalendar</a:t>
+            </a:r>
+            <a:endParaRPr lang="en-US" dirty="0"/>
+          </a:p>
+          <a:p>
+            <a:r>
+              <a:rPr lang="en-US" dirty="0" smtClean="0"/>
+              <a:t>Models</a:t>
+            </a:r>
+            <a:endParaRPr lang="en-US" dirty="0"/>
+          </a:p>
+        </p:txBody>
+      </p:sp>
+    </p:spTree>
+    <p:extLst>
+      <p:ext uri="{BB962C8B-B14F-4D97-AF65-F5344CB8AC3E}">
+        <p14:creationId xmlns:p14="http://schemas.microsoft.com/office/powerpoint/2010/main" val="663531385"/>
+      </p:ext>
+    </p:extLst>
+  </p:cSld>
+  <p:clrMapOvr>
+    <a:masterClrMapping/>
+  </p:clrMapOvr>
+</p:sld>
+</file>
+
+<file path=ppt/slides/slide5.xml><?xml version="1.0" encoding="utf-8"?>
+<p:sld xmlns:a="http://schemas.openxmlformats.org/drawingml/2006/main" xmlns:r="http://schemas.openxmlformats.org/officeDocument/2006/relationships" xmlns:p="http://schemas.openxmlformats.org/presentationml/2006/main">
+  <p:cSld>
+    <p:spTree>
+      <p:nvGrpSpPr>
+        <p:cNvPr id="1" name=""/>
+        <p:cNvGrpSpPr/>
+        <p:nvPr/>
+      </p:nvGrpSpPr>
+      <p:grpSpPr>
+        <a:xfrm>
+          <a:off x="0" y="0"/>
+          <a:ext cx="0" cy="0"/>
+          <a:chOff x="0" y="0"/>
+          <a:chExt cx="0" cy="0"/>
+        </a:xfrm>
+      </p:grpSpPr>
+      <p:sp>
+        <p:nvSpPr>
+          <p:cNvPr id="2" name="Title 1"/>
+          <p:cNvSpPr>
+            <a:spLocks noGrp="1"/>
+          </p:cNvSpPr>
+          <p:nvPr>
+            <p:ph type="title"/>
+          </p:nvPr>
+        </p:nvSpPr>
+        <p:spPr/>
+        <p:txBody>
+          <a:bodyPr/>
+          <a:lstStyle/>
+          <a:p>
+            <a:r>
+              <a:rPr lang="en-US" dirty="0" smtClean="0"/>
+              <a:t>Ruby on Rails &amp; Foundation</a:t>
+            </a:r>
+            <a:endParaRPr lang="en-US" dirty="0"/>
+          </a:p>
+        </p:txBody>
+      </p:sp>
+      <p:sp>
+        <p:nvSpPr>
+          <p:cNvPr id="3" name="Content Placeholder 2"/>
+          <p:cNvSpPr>
+            <a:spLocks noGrp="1"/>
+          </p:cNvSpPr>
+          <p:nvPr>
+            <p:ph idx="1"/>
+          </p:nvPr>
+        </p:nvSpPr>
+        <p:spPr/>
+        <p:txBody>
+          <a:bodyPr/>
+          <a:lstStyle/>
+          <a:p>
+            <a:endParaRPr lang="en-US" dirty="0"/>
+          </a:p>
+        </p:txBody>
+      </p:sp>
+    </p:spTree>
+    <p:extLst>
+      <p:ext uri="{BB962C8B-B14F-4D97-AF65-F5344CB8AC3E}">
+        <p14:creationId xmlns:p14="http://schemas.microsoft.com/office/powerpoint/2010/main" val="1515712989"/>
+      </p:ext>
+    </p:extLst>
+  </p:cSld>
+  <p:clrMapOvr>
+    <a:masterClrMapping/>
+  </p:clrMapOvr>
+</p:sld>
+</file>
+
+<file path=ppt/slides/slide6.xml><?xml version="1.0" encoding="utf-8"?>
+<p:sld xmlns:a="http://schemas.openxmlformats.org/drawingml/2006/main" xmlns:r="http://schemas.openxmlformats.org/officeDocument/2006/relationships" xmlns:p="http://schemas.openxmlformats.org/presentationml/2006/main">
+  <p:cSld>
+    <p:spTree>
+      <p:nvGrpSpPr>
+        <p:cNvPr id="1" name=""/>
+        <p:cNvGrpSpPr/>
+        <p:nvPr/>
+      </p:nvGrpSpPr>
+      <p:grpSpPr>
+        <a:xfrm>
+          <a:off x="0" y="0"/>
+          <a:ext cx="0" cy="0"/>
+          <a:chOff x="0" y="0"/>
+          <a:chExt cx="0" cy="0"/>
+        </a:xfrm>
+      </p:grpSpPr>
+      <p:sp>
+        <p:nvSpPr>
+          <p:cNvPr id="2" name="Title 1"/>
+          <p:cNvSpPr>
+            <a:spLocks noGrp="1"/>
+          </p:cNvSpPr>
+          <p:nvPr>
+            <p:ph type="title"/>
+          </p:nvPr>
+        </p:nvSpPr>
+        <p:spPr/>
+        <p:txBody>
+          <a:bodyPr/>
+          <a:lstStyle/>
+          <a:p>
+            <a:r>
+              <a:rPr lang="en-US" dirty="0" smtClean="0"/>
+              <a:t>Devise</a:t>
+            </a:r>
+            <a:endParaRPr lang="en-US" dirty="0"/>
+          </a:p>
+        </p:txBody>
+      </p:sp>
+      <p:sp>
+        <p:nvSpPr>
+          <p:cNvPr id="3" name="Content Placeholder 2"/>
+          <p:cNvSpPr>
+            <a:spLocks noGrp="1"/>
+          </p:cNvSpPr>
+          <p:nvPr>
+            <p:ph idx="1"/>
+          </p:nvPr>
+        </p:nvSpPr>
+        <p:spPr/>
+        <p:txBody>
+          <a:bodyPr/>
+          <a:lstStyle/>
+          <a:p>
+            <a:endParaRPr lang="en-US"/>
+          </a:p>
+        </p:txBody>
+      </p:sp>
+    </p:spTree>
+    <p:extLst>
+      <p:ext uri="{BB962C8B-B14F-4D97-AF65-F5344CB8AC3E}">
+        <p14:creationId xmlns:p14="http://schemas.microsoft.com/office/powerpoint/2010/main" val="1634398721"/>
+      </p:ext>
+    </p:extLst>
+  </p:cSld>
+  <p:clrMapOvr>
+    <a:masterClrMapping/>
+  </p:clrMapOvr>
+</p:sld>
+</file>
+
+<file path=ppt/slides/slide7.xml><?xml version="1.0" encoding="utf-8"?>
+<p:sld xmlns:a="http://schemas.openxmlformats.org/drawingml/2006/main" xmlns:r="http://schemas.openxmlformats.org/officeDocument/2006/relationships" xmlns:p="http://schemas.openxmlformats.org/presentationml/2006/main">
+  <p:cSld>
+    <p:spTree>
+      <p:nvGrpSpPr>
+        <p:cNvPr id="1" name=""/>
+        <p:cNvGrpSpPr/>
+        <p:nvPr/>
+      </p:nvGrpSpPr>
+      <p:grpSpPr>
+        <a:xfrm>
+          <a:off x="0" y="0"/>
+          <a:ext cx="0" cy="0"/>
+          <a:chOff x="0" y="0"/>
+          <a:chExt cx="0" cy="0"/>
+        </a:xfrm>
+      </p:grpSpPr>
+      <p:sp>
+        <p:nvSpPr>
+          <p:cNvPr id="2" name="Title 1"/>
+          <p:cNvSpPr>
+            <a:spLocks noGrp="1"/>
+          </p:cNvSpPr>
+          <p:nvPr>
+            <p:ph type="title"/>
+          </p:nvPr>
+        </p:nvSpPr>
+        <p:spPr/>
+        <p:txBody>
+          <a:bodyPr/>
+          <a:lstStyle/>
+          <a:p>
+            <a:r>
+              <a:rPr lang="en-US" dirty="0" err="1" smtClean="0"/>
+              <a:t>ChartKick</a:t>
+            </a:r>
+            <a:endParaRPr lang="en-US" dirty="0"/>
+          </a:p>
+        </p:txBody>
+      </p:sp>
+      <p:sp>
+        <p:nvSpPr>
+          <p:cNvPr id="3" name="Content Placeholder 2"/>
+          <p:cNvSpPr>
+            <a:spLocks noGrp="1"/>
+          </p:cNvSpPr>
+          <p:nvPr>
+            <p:ph idx="1"/>
+          </p:nvPr>
+        </p:nvSpPr>
+        <p:spPr/>
+        <p:txBody>
+          <a:bodyPr/>
+          <a:lstStyle/>
+          <a:p>
+            <a:endParaRPr lang="en-US"/>
+          </a:p>
+        </p:txBody>
+      </p:sp>
+    </p:spTree>
+    <p:extLst>
+      <p:ext uri="{BB962C8B-B14F-4D97-AF65-F5344CB8AC3E}">
+        <p14:creationId xmlns:p14="http://schemas.microsoft.com/office/powerpoint/2010/main" val="2107986310"/>
+      </p:ext>
+    </p:extLst>
+  </p:cSld>
+  <p:clrMapOvr>
+    <a:masterClrMapping/>
+  </p:clrMapOvr>
+</p:sld>
+</file>
+
+<file path=ppt/slides/slide8.xml><?xml version="1.0" encoding="utf-8"?>
+<p:sld xmlns:a="http://schemas.openxmlformats.org/drawingml/2006/main" xmlns:r="http://schemas.openxmlformats.org/officeDocument/2006/relationships" xmlns:p="http://schemas.openxmlformats.org/presentationml/2006/main">
+  <p:cSld>
+    <p:spTree>
+      <p:nvGrpSpPr>
+        <p:cNvPr id="1" name=""/>
+        <p:cNvGrpSpPr/>
+        <p:nvPr/>
+      </p:nvGrpSpPr>
+      <p:grpSpPr>
+        <a:xfrm>
+          <a:off x="0" y="0"/>
+          <a:ext cx="0" cy="0"/>
+          <a:chOff x="0" y="0"/>
+          <a:chExt cx="0" cy="0"/>
+        </a:xfrm>
+      </p:grpSpPr>
+      <p:sp>
+        <p:nvSpPr>
+          <p:cNvPr id="2" name="Title 1"/>
+          <p:cNvSpPr>
+            <a:spLocks noGrp="1"/>
+          </p:cNvSpPr>
+          <p:nvPr>
+            <p:ph type="title"/>
+          </p:nvPr>
+        </p:nvSpPr>
+        <p:spPr/>
+        <p:txBody>
+          <a:bodyPr/>
+          <a:lstStyle/>
+          <a:p>
+            <a:r>
+              <a:rPr lang="en-US" dirty="0" err="1" smtClean="0"/>
+              <a:t>SimpleCalendar</a:t>
+            </a:r>
+            <a:endParaRPr lang="en-US" dirty="0"/>
+          </a:p>
+        </p:txBody>
+      </p:sp>
+      <p:sp>
+        <p:nvSpPr>
+          <p:cNvPr id="3" name="Content Placeholder 2"/>
+          <p:cNvSpPr>
+            <a:spLocks noGrp="1"/>
+          </p:cNvSpPr>
+          <p:nvPr>
+            <p:ph idx="1"/>
+          </p:nvPr>
+        </p:nvSpPr>
+        <p:spPr/>
+        <p:txBody>
+          <a:bodyPr/>
+          <a:lstStyle/>
+          <a:p>
+            <a:endParaRPr lang="en-US"/>
+          </a:p>
+        </p:txBody>
+      </p:sp>
+    </p:spTree>
+    <p:extLst>
+      <p:ext uri="{BB962C8B-B14F-4D97-AF65-F5344CB8AC3E}">
+        <p14:creationId xmlns:p14="http://schemas.microsoft.com/office/powerpoint/2010/main" val="1480213789"/>
+      </p:ext>
+    </p:extLst>
+  </p:cSld>
+  <p:clrMapOvr>
+    <a:masterClrMapping/>
+  </p:clrMapOvr>
+</p:sld>
+</file>
+
+<file path=ppt/slides/slide9.xml><?xml version="1.0" encoding="utf-8"?>
+<p:sld xmlns:a="http://schemas.openxmlformats.org/drawingml/2006/main" xmlns:r="http://schemas.openxmlformats.org/officeDocument/2006/relationships" xmlns:p="http://schemas.openxmlformats.org/presentationml/2006/main">
+  <p:cSld>
+    <p:spTree>
+      <p:nvGrpSpPr>
+        <p:cNvPr id="1" name=""/>
+        <p:cNvGrpSpPr/>
+        <p:nvPr/>
+      </p:nvGrpSpPr>
+      <p:grpSpPr>
+        <a:xfrm>
+          <a:off x="0" y="0"/>
+          <a:ext cx="0" cy="0"/>
+          <a:chOff x="0" y="0"/>
+          <a:chExt cx="0" cy="0"/>
+        </a:xfrm>
+      </p:grpSpPr>
+      <p:sp>
+        <p:nvSpPr>
+          <p:cNvPr id="2" name="Title 1"/>
+          <p:cNvSpPr>
+            <a:spLocks noGrp="1"/>
+          </p:cNvSpPr>
+          <p:nvPr>
+            <p:ph type="title"/>
+          </p:nvPr>
+        </p:nvSpPr>
+        <p:spPr/>
+        <p:txBody>
+          <a:bodyPr/>
+          <a:lstStyle/>
+          <a:p>
+            <a:r>
+              <a:rPr lang="en-US" dirty="0" smtClean="0"/>
+              <a:t>User Model</a:t>
+            </a:r>
+            <a:endParaRPr lang="en-US" dirty="0"/>
+          </a:p>
+        </p:txBody>
+      </p:sp>
+      <p:sp>
+        <p:nvSpPr>
+          <p:cNvPr id="3" name="Content Placeholder 2"/>
+          <p:cNvSpPr>
+            <a:spLocks noGrp="1"/>
+          </p:cNvSpPr>
+          <p:nvPr>
+            <p:ph idx="1"/>
+          </p:nvPr>
+        </p:nvSpPr>
+        <p:spPr/>
+        <p:txBody>
+          <a:bodyPr/>
+          <a:lstStyle/>
+          <a:p>
+            <a:endParaRPr lang="en-US"/>
+          </a:p>
+        </p:txBody>
+      </p:sp>
+    </p:spTree>
+    <p:extLst>
+      <p:ext uri="{BB962C8B-B14F-4D97-AF65-F5344CB8AC3E}">
+        <p14:creationId xmlns:p14="http://schemas.microsoft.com/office/powerpoint/2010/main" val="1527033261"/>
+      </p:ext>
+    </p:extLst>
+  </p:cSld>
+  <p:clrMapOvr>
+    <a:masterClrMapping/>
+  </p:clrMapOvr>
+</p:sld>
+</file>
+
 <file path=ppt/theme/theme1.xml><?xml version="1.0" encoding="utf-8"?>
 <a:theme xmlns:a="http://schemas.openxmlformats.org/drawingml/2006/main" name="Depth">
   <a:themeElements>

--- a/Presentation.pptx
+++ b/Presentation.pptx
@@ -120,6 +120,11 @@
       </a:defRPr>
     </a:lvl9pPr>
   </p:defaultTextStyle>
+  <p:extLst>
+    <p:ext uri="{EFAFB233-063F-42B5-8137-9DF3F51BA10A}">
+      <p15:sldGuideLst xmlns:p15="http://schemas.microsoft.com/office/powerpoint/2012/main"/>
+    </p:ext>
+  </p:extLst>
 </p:presentation>
 </file>
 
@@ -6494,26 +6499,28 @@
         </p:nvSpPr>
         <p:spPr/>
         <p:txBody>
-          <a:bodyPr/>
-          <a:lstStyle/>
-          <a:p>
-            <a:r>
-              <a:rPr lang="en-US" dirty="0" smtClean="0"/>
+          <a:bodyPr>
+            <a:normAutofit/>
+          </a:bodyPr>
+          <a:lstStyle/>
+          <a:p>
+            <a:r>
+              <a:rPr lang="en-US" sz="4000" dirty="0" smtClean="0"/>
               <a:t>Program Details</a:t>
             </a:r>
           </a:p>
           <a:p>
             <a:r>
-              <a:rPr lang="en-US" dirty="0" smtClean="0"/>
+              <a:rPr lang="en-US" sz="4000" dirty="0" smtClean="0"/>
               <a:t>Day 1 – Implementer Side</a:t>
             </a:r>
           </a:p>
           <a:p>
             <a:r>
-              <a:rPr lang="en-US" dirty="0" smtClean="0"/>
+              <a:rPr lang="en-US" sz="4000" dirty="0" smtClean="0"/>
               <a:t>Day 2 – Client Side &amp; Demo</a:t>
             </a:r>
-            <a:endParaRPr lang="en-US" dirty="0"/>
+            <a:endParaRPr lang="en-US" sz="4000" dirty="0"/>
           </a:p>
         </p:txBody>
       </p:sp>
@@ -6657,60 +6664,67 @@
             <p:ph idx="1"/>
           </p:nvPr>
         </p:nvSpPr>
-        <p:spPr/>
-        <p:txBody>
-          <a:bodyPr/>
-          <a:lstStyle/>
-          <a:p>
-            <a:r>
-              <a:rPr lang="en-US" dirty="0" smtClean="0"/>
+        <p:spPr>
+          <a:xfrm>
+            <a:off x="1120000" y="1825625"/>
+            <a:ext cx="10233800" cy="4588054"/>
+          </a:xfrm>
+        </p:spPr>
+        <p:txBody>
+          <a:bodyPr>
+            <a:noAutofit/>
+          </a:bodyPr>
+          <a:lstStyle/>
+          <a:p>
+            <a:r>
+              <a:rPr lang="en-US" sz="4000" dirty="0" smtClean="0"/>
               <a:t>Technologies</a:t>
             </a:r>
-            <a:endParaRPr lang="en-US" dirty="0"/>
+            <a:endParaRPr lang="en-US" sz="4000" dirty="0"/>
           </a:p>
           <a:p>
             <a:pPr lvl="1"/>
             <a:r>
-              <a:rPr lang="en-US" dirty="0"/>
+              <a:rPr lang="en-US" sz="4000" dirty="0"/>
               <a:t>Ruby on Rails</a:t>
             </a:r>
           </a:p>
           <a:p>
             <a:pPr lvl="1"/>
             <a:r>
-              <a:rPr lang="en-US" dirty="0"/>
+              <a:rPr lang="en-US" sz="4000" dirty="0"/>
               <a:t>Foundation</a:t>
             </a:r>
           </a:p>
           <a:p>
             <a:pPr lvl="1"/>
             <a:r>
-              <a:rPr lang="en-US" dirty="0"/>
+              <a:rPr lang="en-US" sz="4000" dirty="0"/>
               <a:t>Devise</a:t>
             </a:r>
           </a:p>
           <a:p>
             <a:pPr lvl="1"/>
             <a:r>
-              <a:rPr lang="en-US" dirty="0" err="1"/>
+              <a:rPr lang="en-US" sz="4000" dirty="0" err="1"/>
               <a:t>ChartKick</a:t>
             </a:r>
-            <a:endParaRPr lang="en-US" dirty="0"/>
+            <a:endParaRPr lang="en-US" sz="4000" dirty="0"/>
           </a:p>
           <a:p>
             <a:pPr lvl="1"/>
             <a:r>
-              <a:rPr lang="en-US" dirty="0" err="1"/>
+              <a:rPr lang="en-US" sz="4000" dirty="0" err="1"/>
               <a:t>SimpleCalendar</a:t>
             </a:r>
-            <a:endParaRPr lang="en-US" dirty="0"/>
-          </a:p>
-          <a:p>
-            <a:r>
-              <a:rPr lang="en-US" dirty="0" smtClean="0"/>
+            <a:endParaRPr lang="en-US" sz="4000" dirty="0"/>
+          </a:p>
+          <a:p>
+            <a:r>
+              <a:rPr lang="en-US" sz="4000" dirty="0" smtClean="0"/>
               <a:t>Models</a:t>
             </a:r>
-            <a:endParaRPr lang="en-US" dirty="0"/>
+            <a:endParaRPr lang="en-US" sz="4000" dirty="0"/>
           </a:p>
         </p:txBody>
       </p:sp>
@@ -6759,6 +6773,7 @@
           <a:bodyPr/>
           <a:lstStyle/>
           <a:p>
+            <a:pPr algn="ctr"/>
             <a:r>
               <a:rPr lang="en-US" dirty="0" smtClean="0"/>
               <a:t>Ruby on Rails &amp; Foundation</a:t>
@@ -6767,25 +6782,288 @@
           </a:p>
         </p:txBody>
       </p:sp>
-      <p:sp>
-        <p:nvSpPr>
-          <p:cNvPr id="3" name="Content Placeholder 2"/>
-          <p:cNvSpPr>
-            <a:spLocks noGrp="1"/>
-          </p:cNvSpPr>
-          <p:nvPr>
-            <p:ph idx="1"/>
-          </p:nvPr>
-        </p:nvSpPr>
-        <p:spPr/>
-        <p:txBody>
-          <a:bodyPr/>
-          <a:lstStyle/>
-          <a:p>
-            <a:endParaRPr lang="en-US" dirty="0"/>
-          </a:p>
-        </p:txBody>
-      </p:sp>
+      <p:graphicFrame>
+        <p:nvGraphicFramePr>
+          <p:cNvPr id="6" name="Table 5"/>
+          <p:cNvGraphicFramePr>
+            <a:graphicFrameLocks noGrp="1"/>
+          </p:cNvGraphicFramePr>
+          <p:nvPr>
+            <p:extLst>
+              <p:ext uri="{D42A27DB-BD31-4B8C-83A1-F6EECF244321}">
+                <p14:modId xmlns:p14="http://schemas.microsoft.com/office/powerpoint/2010/main" val="1351556453"/>
+              </p:ext>
+            </p:extLst>
+          </p:nvPr>
+        </p:nvGraphicFramePr>
+        <p:xfrm>
+          <a:off x="2157132" y="1690688"/>
+          <a:ext cx="8128000" cy="1708617"/>
+        </p:xfrm>
+        <a:graphic>
+          <a:graphicData uri="http://schemas.openxmlformats.org/drawingml/2006/table">
+            <a:tbl>
+              <a:tblPr firstRow="1" bandRow="1">
+                <a:tableStyleId>{073A0DAA-6AF3-43AB-8588-CEC1D06C72B9}</a:tableStyleId>
+              </a:tblPr>
+              <a:tblGrid>
+                <a:gridCol w="8128000"/>
+              </a:tblGrid>
+              <a:tr h="1708617">
+                <a:tc>
+                  <a:txBody>
+                    <a:bodyPr/>
+                    <a:lstStyle/>
+                    <a:p>
+                      <a:r>
+                        <a:rPr lang="en-US" dirty="0" smtClean="0">
+                          <a:solidFill>
+                            <a:schemeClr val="accent4"/>
+                          </a:solidFill>
+                          <a:latin typeface="Monaco" charset="0"/>
+                          <a:ea typeface="Monaco" charset="0"/>
+                          <a:cs typeface="Monaco" charset="0"/>
+                        </a:rPr>
+                        <a:t>$ rails new </a:t>
+                      </a:r>
+                      <a:r>
+                        <a:rPr lang="en-US" dirty="0" err="1" smtClean="0">
+                          <a:solidFill>
+                            <a:schemeClr val="accent4"/>
+                          </a:solidFill>
+                          <a:latin typeface="Monaco" charset="0"/>
+                          <a:ea typeface="Monaco" charset="0"/>
+                          <a:cs typeface="Monaco" charset="0"/>
+                        </a:rPr>
+                        <a:t>fitness_tracker</a:t>
+                      </a:r>
+                      <a:endParaRPr lang="en-US" dirty="0" smtClean="0">
+                        <a:solidFill>
+                          <a:schemeClr val="accent4"/>
+                        </a:solidFill>
+                        <a:latin typeface="Monaco" charset="0"/>
+                        <a:ea typeface="Monaco" charset="0"/>
+                        <a:cs typeface="Monaco" charset="0"/>
+                      </a:endParaRPr>
+                    </a:p>
+                    <a:p>
+                      <a:r>
+                        <a:rPr lang="en-US" dirty="0" smtClean="0">
+                          <a:solidFill>
+                            <a:schemeClr val="accent4"/>
+                          </a:solidFill>
+                          <a:latin typeface="Monaco" charset="0"/>
+                          <a:ea typeface="Monaco" charset="0"/>
+                          <a:cs typeface="Monaco" charset="0"/>
+                        </a:rPr>
+                        <a:t>$</a:t>
+                      </a:r>
+                      <a:r>
+                        <a:rPr lang="en-US" baseline="0" dirty="0" smtClean="0">
+                          <a:solidFill>
+                            <a:schemeClr val="accent4"/>
+                          </a:solidFill>
+                          <a:latin typeface="Monaco" charset="0"/>
+                          <a:ea typeface="Monaco" charset="0"/>
+                          <a:cs typeface="Monaco" charset="0"/>
+                        </a:rPr>
+                        <a:t> cd </a:t>
+                      </a:r>
+                      <a:r>
+                        <a:rPr lang="en-US" baseline="0" dirty="0" err="1" smtClean="0">
+                          <a:solidFill>
+                            <a:schemeClr val="accent4"/>
+                          </a:solidFill>
+                          <a:latin typeface="Monaco" charset="0"/>
+                          <a:ea typeface="Monaco" charset="0"/>
+                          <a:cs typeface="Monaco" charset="0"/>
+                        </a:rPr>
+                        <a:t>fitness_tracker</a:t>
+                      </a:r>
+                      <a:endParaRPr lang="en-US" baseline="0" dirty="0" smtClean="0">
+                        <a:solidFill>
+                          <a:schemeClr val="accent4"/>
+                        </a:solidFill>
+                        <a:latin typeface="Monaco" charset="0"/>
+                        <a:ea typeface="Monaco" charset="0"/>
+                        <a:cs typeface="Monaco" charset="0"/>
+                      </a:endParaRPr>
+                    </a:p>
+                    <a:p>
+                      <a:r>
+                        <a:rPr lang="en-US" baseline="0" dirty="0" smtClean="0">
+                          <a:solidFill>
+                            <a:schemeClr val="accent4"/>
+                          </a:solidFill>
+                          <a:latin typeface="Monaco" charset="0"/>
+                          <a:ea typeface="Monaco" charset="0"/>
+                          <a:cs typeface="Monaco" charset="0"/>
+                        </a:rPr>
+                        <a:t>$ echo “gem ‘foundation-rails’ &gt;&gt; </a:t>
+                      </a:r>
+                      <a:r>
+                        <a:rPr lang="en-US" baseline="0" dirty="0" err="1" smtClean="0">
+                          <a:solidFill>
+                            <a:schemeClr val="accent4"/>
+                          </a:solidFill>
+                          <a:latin typeface="Monaco" charset="0"/>
+                          <a:ea typeface="Monaco" charset="0"/>
+                          <a:cs typeface="Monaco" charset="0"/>
+                        </a:rPr>
+                        <a:t>Gemfile</a:t>
+                      </a:r>
+                      <a:endParaRPr lang="en-US" baseline="0" dirty="0" smtClean="0">
+                        <a:solidFill>
+                          <a:schemeClr val="accent4"/>
+                        </a:solidFill>
+                        <a:latin typeface="Monaco" charset="0"/>
+                        <a:ea typeface="Monaco" charset="0"/>
+                        <a:cs typeface="Monaco" charset="0"/>
+                      </a:endParaRPr>
+                    </a:p>
+                    <a:p>
+                      <a:r>
+                        <a:rPr lang="en-US" baseline="0" dirty="0" smtClean="0">
+                          <a:solidFill>
+                            <a:schemeClr val="accent4"/>
+                          </a:solidFill>
+                          <a:latin typeface="Monaco" charset="0"/>
+                          <a:ea typeface="Monaco" charset="0"/>
+                          <a:cs typeface="Monaco" charset="0"/>
+                        </a:rPr>
+                        <a:t>$ bundle install</a:t>
+                      </a:r>
+                    </a:p>
+                    <a:p>
+                      <a:r>
+                        <a:rPr lang="en-US" baseline="0" dirty="0" smtClean="0">
+                          <a:solidFill>
+                            <a:schemeClr val="accent4"/>
+                          </a:solidFill>
+                          <a:latin typeface="Monaco" charset="0"/>
+                          <a:ea typeface="Monaco" charset="0"/>
+                          <a:cs typeface="Monaco" charset="0"/>
+                        </a:rPr>
+                        <a:t>$ rails g </a:t>
+                      </a:r>
+                      <a:r>
+                        <a:rPr lang="en-US" baseline="0" dirty="0" err="1" smtClean="0">
+                          <a:solidFill>
+                            <a:schemeClr val="accent4"/>
+                          </a:solidFill>
+                          <a:latin typeface="Monaco" charset="0"/>
+                          <a:ea typeface="Monaco" charset="0"/>
+                          <a:cs typeface="Monaco" charset="0"/>
+                        </a:rPr>
+                        <a:t>foundation:install</a:t>
+                      </a:r>
+                      <a:endParaRPr lang="en-US" dirty="0" smtClean="0">
+                        <a:solidFill>
+                          <a:schemeClr val="accent4"/>
+                        </a:solidFill>
+                        <a:latin typeface="Monaco" charset="0"/>
+                        <a:ea typeface="Monaco" charset="0"/>
+                        <a:cs typeface="Monaco" charset="0"/>
+                      </a:endParaRPr>
+                    </a:p>
+                  </a:txBody>
+                  <a:tcPr/>
+                </a:tc>
+              </a:tr>
+            </a:tbl>
+          </a:graphicData>
+        </a:graphic>
+      </p:graphicFrame>
+      <p:pic>
+        <p:nvPicPr>
+          <p:cNvPr id="7" name="Picture 6"/>
+          <p:cNvPicPr>
+            <a:picLocks noChangeAspect="1"/>
+          </p:cNvPicPr>
+          <p:nvPr/>
+        </p:nvPicPr>
+        <p:blipFill>
+          <a:blip r:embed="rId2">
+            <a:extLst>
+              <a:ext uri="{28A0092B-C50C-407E-A947-70E740481C1C}">
+                <a14:useLocalDpi xmlns:a14="http://schemas.microsoft.com/office/drawing/2010/main" val="0"/>
+              </a:ext>
+            </a:extLst>
+          </a:blip>
+          <a:stretch>
+            <a:fillRect/>
+          </a:stretch>
+        </p:blipFill>
+        <p:spPr>
+          <a:xfrm>
+            <a:off x="5163297" y="3909061"/>
+            <a:ext cx="1865405" cy="2414886"/>
+          </a:xfrm>
+          <a:prstGeom prst="rect">
+            <a:avLst/>
+          </a:prstGeom>
+        </p:spPr>
+      </p:pic>
+      <p:pic>
+        <p:nvPicPr>
+          <p:cNvPr id="8" name="Picture 7"/>
+          <p:cNvPicPr>
+            <a:picLocks noChangeAspect="1"/>
+          </p:cNvPicPr>
+          <p:nvPr/>
+        </p:nvPicPr>
+        <p:blipFill>
+          <a:blip r:embed="rId3">
+            <a:extLst>
+              <a:ext uri="{28A0092B-C50C-407E-A947-70E740481C1C}">
+                <a14:useLocalDpi xmlns:a14="http://schemas.microsoft.com/office/drawing/2010/main" val="0"/>
+              </a:ext>
+            </a:extLst>
+          </a:blip>
+          <a:stretch>
+            <a:fillRect/>
+          </a:stretch>
+        </p:blipFill>
+        <p:spPr>
+          <a:xfrm>
+            <a:off x="8473967" y="3909061"/>
+            <a:ext cx="1811165" cy="2414886"/>
+          </a:xfrm>
+          <a:prstGeom prst="rect">
+            <a:avLst/>
+          </a:prstGeom>
+        </p:spPr>
+      </p:pic>
+      <p:pic>
+        <p:nvPicPr>
+          <p:cNvPr id="9" name="Picture 8"/>
+          <p:cNvPicPr>
+            <a:picLocks noChangeAspect="1"/>
+          </p:cNvPicPr>
+          <p:nvPr/>
+        </p:nvPicPr>
+        <p:blipFill>
+          <a:blip r:embed="rId4">
+            <a:extLst>
+              <a:ext uri="{28A0092B-C50C-407E-A947-70E740481C1C}">
+                <a14:useLocalDpi xmlns:a14="http://schemas.microsoft.com/office/drawing/2010/main" val="0"/>
+              </a:ext>
+            </a:extLst>
+          </a:blip>
+          <a:stretch>
+            <a:fillRect/>
+          </a:stretch>
+        </p:blipFill>
+        <p:spPr>
+          <a:xfrm>
+            <a:off x="2157132" y="4426804"/>
+            <a:ext cx="1814981" cy="1576516"/>
+          </a:xfrm>
+          <a:prstGeom prst="rect">
+            <a:avLst/>
+          </a:prstGeom>
+        </p:spPr>
+      </p:pic>
     </p:spTree>
     <p:extLst>
       <p:ext uri="{BB962C8B-B14F-4D97-AF65-F5344CB8AC3E}">
@@ -6849,15 +7127,318 @@
             <p:ph idx="1"/>
           </p:nvPr>
         </p:nvSpPr>
-        <p:spPr/>
-        <p:txBody>
-          <a:bodyPr/>
-          <a:lstStyle/>
-          <a:p>
-            <a:endParaRPr lang="en-US"/>
-          </a:p>
-        </p:txBody>
-      </p:sp>
+        <p:spPr>
+          <a:xfrm>
+            <a:off x="1120000" y="1825624"/>
+            <a:ext cx="10233800" cy="4665327"/>
+          </a:xfrm>
+        </p:spPr>
+        <p:txBody>
+          <a:bodyPr/>
+          <a:lstStyle/>
+          <a:p>
+            <a:pPr marL="0" indent="0">
+              <a:buNone/>
+            </a:pPr>
+            <a:r>
+              <a:rPr lang="en-US" dirty="0" smtClean="0"/>
+              <a:t>Flexible authentication solution for Rails</a:t>
+            </a:r>
+          </a:p>
+          <a:p>
+            <a:pPr marL="0" indent="0">
+              <a:buNone/>
+            </a:pPr>
+            <a:endParaRPr lang="en-US" dirty="0"/>
+          </a:p>
+          <a:p>
+            <a:pPr marL="0" indent="0">
+              <a:buNone/>
+            </a:pPr>
+            <a:endParaRPr lang="en-US" dirty="0" smtClean="0"/>
+          </a:p>
+          <a:p>
+            <a:pPr marL="0" indent="0">
+              <a:buNone/>
+            </a:pPr>
+            <a:endParaRPr lang="en-US" dirty="0"/>
+          </a:p>
+          <a:p>
+            <a:pPr marL="0" indent="0">
+              <a:buNone/>
+            </a:pPr>
+            <a:endParaRPr lang="en-US" dirty="0" smtClean="0"/>
+          </a:p>
+          <a:p>
+            <a:r>
+              <a:rPr lang="en-US" dirty="0" smtClean="0"/>
+              <a:t>/users/</a:t>
+            </a:r>
+            <a:r>
+              <a:rPr lang="en-US" dirty="0" err="1" smtClean="0"/>
+              <a:t>sign_up</a:t>
+            </a:r>
+            <a:endParaRPr lang="en-US" dirty="0"/>
+          </a:p>
+          <a:p>
+            <a:r>
+              <a:rPr lang="en-US" dirty="0" smtClean="0"/>
+              <a:t>/users/</a:t>
+            </a:r>
+            <a:r>
+              <a:rPr lang="en-US" dirty="0" err="1" smtClean="0"/>
+              <a:t>sign_in</a:t>
+            </a:r>
+            <a:endParaRPr lang="en-US" dirty="0" smtClean="0"/>
+          </a:p>
+          <a:p>
+            <a:r>
+              <a:rPr lang="en-US" smtClean="0"/>
+              <a:t>Sessions</a:t>
+            </a:r>
+          </a:p>
+          <a:p>
+            <a:r>
+              <a:rPr lang="en-US" smtClean="0"/>
+              <a:t>Password encryption</a:t>
+            </a:r>
+          </a:p>
+          <a:p>
+            <a:endParaRPr lang="en-US" dirty="0" smtClean="0"/>
+          </a:p>
+          <a:p>
+            <a:pPr marL="0" indent="0">
+              <a:buNone/>
+            </a:pPr>
+            <a:endParaRPr lang="en-US" dirty="0"/>
+          </a:p>
+          <a:p>
+            <a:pPr marL="0" indent="0">
+              <a:buNone/>
+            </a:pPr>
+            <a:endParaRPr lang="en-US" dirty="0"/>
+          </a:p>
+        </p:txBody>
+      </p:sp>
+      <p:graphicFrame>
+        <p:nvGraphicFramePr>
+          <p:cNvPr id="4" name="Table 3"/>
+          <p:cNvGraphicFramePr>
+            <a:graphicFrameLocks noGrp="1"/>
+          </p:cNvGraphicFramePr>
+          <p:nvPr>
+            <p:extLst>
+              <p:ext uri="{D42A27DB-BD31-4B8C-83A1-F6EECF244321}">
+                <p14:modId xmlns:p14="http://schemas.microsoft.com/office/powerpoint/2010/main" val="804979882"/>
+              </p:ext>
+            </p:extLst>
+          </p:nvPr>
+        </p:nvGraphicFramePr>
+        <p:xfrm>
+          <a:off x="1120000" y="2384613"/>
+          <a:ext cx="8128000" cy="1864658"/>
+        </p:xfrm>
+        <a:graphic>
+          <a:graphicData uri="http://schemas.openxmlformats.org/drawingml/2006/table">
+            <a:tbl>
+              <a:tblPr firstRow="1" bandRow="1">
+                <a:tableStyleId>{073A0DAA-6AF3-43AB-8588-CEC1D06C72B9}</a:tableStyleId>
+              </a:tblPr>
+              <a:tblGrid>
+                <a:gridCol w="8128000"/>
+              </a:tblGrid>
+              <a:tr h="1864658">
+                <a:tc>
+                  <a:txBody>
+                    <a:bodyPr/>
+                    <a:lstStyle/>
+                    <a:p>
+                      <a:r>
+                        <a:rPr lang="en-US" dirty="0" smtClean="0">
+                          <a:solidFill>
+                            <a:schemeClr val="accent4"/>
+                          </a:solidFill>
+                          <a:latin typeface="Monaco" charset="0"/>
+                          <a:ea typeface="Monaco" charset="0"/>
+                          <a:cs typeface="Monaco" charset="0"/>
+                        </a:rPr>
+                        <a:t>$ gem </a:t>
+                      </a:r>
+                      <a:r>
+                        <a:rPr lang="en-US" sz="1800" b="1" kern="1200" dirty="0" smtClean="0">
+                          <a:solidFill>
+                            <a:schemeClr val="accent4"/>
+                          </a:solidFill>
+                          <a:effectLst/>
+                          <a:latin typeface="Monaco" charset="0"/>
+                          <a:ea typeface="Monaco" charset="0"/>
+                          <a:cs typeface="Monaco" charset="0"/>
+                        </a:rPr>
+                        <a:t>'devise’</a:t>
+                      </a:r>
+                    </a:p>
+                    <a:p>
+                      <a:r>
+                        <a:rPr lang="en-US" sz="1800" b="1" kern="1200" dirty="0" smtClean="0">
+                          <a:solidFill>
+                            <a:schemeClr val="accent4"/>
+                          </a:solidFill>
+                          <a:effectLst/>
+                          <a:latin typeface="Monaco" charset="0"/>
+                          <a:ea typeface="Monaco" charset="0"/>
+                          <a:cs typeface="Monaco" charset="0"/>
+                        </a:rPr>
+                        <a:t>$ bundle</a:t>
+                      </a:r>
+                      <a:r>
+                        <a:rPr lang="en-US" sz="1800" b="1" kern="1200" baseline="0" dirty="0" smtClean="0">
+                          <a:solidFill>
+                            <a:schemeClr val="accent4"/>
+                          </a:solidFill>
+                          <a:effectLst/>
+                          <a:latin typeface="Monaco" charset="0"/>
+                          <a:ea typeface="Monaco" charset="0"/>
+                          <a:cs typeface="Monaco" charset="0"/>
+                        </a:rPr>
+                        <a:t> install</a:t>
+                      </a:r>
+                      <a:endParaRPr lang="en-US" dirty="0" smtClean="0">
+                        <a:solidFill>
+                          <a:schemeClr val="accent4"/>
+                        </a:solidFill>
+                        <a:latin typeface="Monaco" charset="0"/>
+                        <a:ea typeface="Monaco" charset="0"/>
+                        <a:cs typeface="Monaco" charset="0"/>
+                      </a:endParaRPr>
+                    </a:p>
+                    <a:p>
+                      <a:r>
+                        <a:rPr lang="en-US" dirty="0" smtClean="0">
+                          <a:solidFill>
+                            <a:schemeClr val="accent4"/>
+                          </a:solidFill>
+                          <a:latin typeface="Monaco" charset="0"/>
+                          <a:ea typeface="Monaco" charset="0"/>
+                          <a:cs typeface="Monaco" charset="0"/>
+                        </a:rPr>
+                        <a:t>$ rails g </a:t>
+                      </a:r>
+                      <a:r>
+                        <a:rPr lang="en-US" dirty="0" err="1" smtClean="0">
+                          <a:solidFill>
+                            <a:schemeClr val="accent4"/>
+                          </a:solidFill>
+                          <a:latin typeface="Monaco" charset="0"/>
+                          <a:ea typeface="Monaco" charset="0"/>
+                          <a:cs typeface="Monaco" charset="0"/>
+                        </a:rPr>
+                        <a:t>devise:install</a:t>
+                      </a:r>
+                      <a:endParaRPr lang="en-US" dirty="0" smtClean="0">
+                        <a:solidFill>
+                          <a:schemeClr val="accent4"/>
+                        </a:solidFill>
+                        <a:latin typeface="Monaco" charset="0"/>
+                        <a:ea typeface="Monaco" charset="0"/>
+                        <a:cs typeface="Monaco" charset="0"/>
+                      </a:endParaRPr>
+                    </a:p>
+                    <a:p>
+                      <a:r>
+                        <a:rPr lang="en-US" dirty="0" smtClean="0">
+                          <a:solidFill>
+                            <a:schemeClr val="accent4"/>
+                          </a:solidFill>
+                          <a:latin typeface="Monaco" charset="0"/>
+                          <a:ea typeface="Monaco" charset="0"/>
+                          <a:cs typeface="Monaco" charset="0"/>
+                        </a:rPr>
+                        <a:t>$ rails g devise user</a:t>
+                      </a:r>
+                    </a:p>
+                    <a:p>
+                      <a:r>
+                        <a:rPr lang="en-US" dirty="0" smtClean="0">
+                          <a:solidFill>
+                            <a:schemeClr val="accent4"/>
+                          </a:solidFill>
+                          <a:latin typeface="Monaco" charset="0"/>
+                          <a:ea typeface="Monaco" charset="0"/>
+                          <a:cs typeface="Monaco" charset="0"/>
+                        </a:rPr>
+                        <a:t>$ rake </a:t>
+                      </a:r>
+                      <a:r>
+                        <a:rPr lang="en-US" dirty="0" err="1" smtClean="0">
+                          <a:solidFill>
+                            <a:schemeClr val="accent4"/>
+                          </a:solidFill>
+                          <a:latin typeface="Monaco" charset="0"/>
+                          <a:ea typeface="Monaco" charset="0"/>
+                          <a:cs typeface="Monaco" charset="0"/>
+                        </a:rPr>
+                        <a:t>db:migrate</a:t>
+                      </a:r>
+                      <a:endParaRPr lang="en-US" dirty="0" smtClean="0">
+                        <a:solidFill>
+                          <a:schemeClr val="accent4"/>
+                        </a:solidFill>
+                        <a:latin typeface="Monaco" charset="0"/>
+                        <a:ea typeface="Monaco" charset="0"/>
+                        <a:cs typeface="Monaco" charset="0"/>
+                      </a:endParaRPr>
+                    </a:p>
+                    <a:p>
+                      <a:r>
+                        <a:rPr lang="en-US" dirty="0" smtClean="0">
+                          <a:solidFill>
+                            <a:schemeClr val="accent4"/>
+                          </a:solidFill>
+                          <a:latin typeface="Monaco" charset="0"/>
+                          <a:ea typeface="Monaco" charset="0"/>
+                          <a:cs typeface="Monaco" charset="0"/>
+                        </a:rPr>
+                        <a:t>$</a:t>
+                      </a:r>
+                      <a:r>
+                        <a:rPr lang="en-US" baseline="0" dirty="0" smtClean="0">
+                          <a:solidFill>
+                            <a:schemeClr val="accent4"/>
+                          </a:solidFill>
+                          <a:latin typeface="Monaco" charset="0"/>
+                          <a:ea typeface="Monaco" charset="0"/>
+                          <a:cs typeface="Monaco" charset="0"/>
+                        </a:rPr>
+                        <a:t> rails g </a:t>
+                      </a:r>
+                      <a:r>
+                        <a:rPr lang="en-US" baseline="0" dirty="0" err="1" smtClean="0">
+                          <a:solidFill>
+                            <a:schemeClr val="accent4"/>
+                          </a:solidFill>
+                          <a:latin typeface="Monaco" charset="0"/>
+                          <a:ea typeface="Monaco" charset="0"/>
+                          <a:cs typeface="Monaco" charset="0"/>
+                        </a:rPr>
+                        <a:t>devise:views</a:t>
+                      </a:r>
+                      <a:endParaRPr lang="en-US" dirty="0">
+                        <a:solidFill>
+                          <a:schemeClr val="accent4"/>
+                        </a:solidFill>
+                        <a:latin typeface="Monaco" charset="0"/>
+                        <a:ea typeface="Monaco" charset="0"/>
+                        <a:cs typeface="Monaco" charset="0"/>
+                      </a:endParaRPr>
+                    </a:p>
+                  </a:txBody>
+                  <a:tcPr/>
+                </a:tc>
+              </a:tr>
+            </a:tbl>
+          </a:graphicData>
+        </a:graphic>
+      </p:graphicFrame>
     </p:spTree>
     <p:extLst>
       <p:ext uri="{BB962C8B-B14F-4D97-AF65-F5344CB8AC3E}">

--- a/Presentation.pptx
+++ b/Presentation.pptx
@@ -5887,25 +5887,248 @@
           </a:p>
         </p:txBody>
       </p:sp>
-      <p:sp>
-        <p:nvSpPr>
-          <p:cNvPr id="3" name="Content Placeholder 2"/>
-          <p:cNvSpPr>
-            <a:spLocks noGrp="1"/>
-          </p:cNvSpPr>
-          <p:nvPr>
-            <p:ph idx="1"/>
-          </p:nvPr>
-        </p:nvSpPr>
-        <p:spPr/>
-        <p:txBody>
-          <a:bodyPr/>
-          <a:lstStyle/>
-          <a:p>
-            <a:endParaRPr lang="en-US"/>
-          </a:p>
-        </p:txBody>
-      </p:sp>
+      <p:graphicFrame>
+        <p:nvGraphicFramePr>
+          <p:cNvPr id="4" name="Table 3"/>
+          <p:cNvGraphicFramePr>
+            <a:graphicFrameLocks noGrp="1"/>
+          </p:cNvGraphicFramePr>
+          <p:nvPr>
+            <p:extLst>
+              <p:ext uri="{D42A27DB-BD31-4B8C-83A1-F6EECF244321}">
+                <p14:modId xmlns:p14="http://schemas.microsoft.com/office/powerpoint/2010/main" val="807405647"/>
+              </p:ext>
+            </p:extLst>
+          </p:nvPr>
+        </p:nvGraphicFramePr>
+        <p:xfrm>
+          <a:off x="2032000" y="1690688"/>
+          <a:ext cx="8128000" cy="2595880"/>
+        </p:xfrm>
+        <a:graphic>
+          <a:graphicData uri="http://schemas.openxmlformats.org/drawingml/2006/table">
+            <a:tbl>
+              <a:tblPr firstRow="1" bandRow="1">
+                <a:tableStyleId>{5C22544A-7EE6-4342-B048-85BDC9FD1C3A}</a:tableStyleId>
+              </a:tblPr>
+              <a:tblGrid>
+                <a:gridCol w="4064000"/>
+                <a:gridCol w="4064000"/>
+              </a:tblGrid>
+              <a:tr h="370840">
+                <a:tc>
+                  <a:txBody>
+                    <a:bodyPr/>
+                    <a:lstStyle/>
+                    <a:p>
+                      <a:r>
+                        <a:rPr lang="en-US" sz="1500" dirty="0" smtClean="0"/>
+                        <a:t>Type</a:t>
+                      </a:r>
+                      <a:endParaRPr lang="en-US" sz="1500" dirty="0"/>
+                    </a:p>
+                  </a:txBody>
+                  <a:tcPr/>
+                </a:tc>
+                <a:tc>
+                  <a:txBody>
+                    <a:bodyPr/>
+                    <a:lstStyle/>
+                    <a:p>
+                      <a:r>
+                        <a:rPr lang="en-US" sz="1500" dirty="0" smtClean="0"/>
+                        <a:t>Name</a:t>
+                      </a:r>
+                      <a:endParaRPr lang="en-US" sz="1500" dirty="0"/>
+                    </a:p>
+                  </a:txBody>
+                  <a:tcPr/>
+                </a:tc>
+              </a:tr>
+              <a:tr h="370840">
+                <a:tc>
+                  <a:txBody>
+                    <a:bodyPr/>
+                    <a:lstStyle/>
+                    <a:p>
+                      <a:r>
+                        <a:rPr lang="en-US" dirty="0" smtClean="0"/>
+                        <a:t>string</a:t>
+                      </a:r>
+                      <a:endParaRPr lang="en-US" dirty="0"/>
+                    </a:p>
+                  </a:txBody>
+                  <a:tcPr/>
+                </a:tc>
+                <a:tc>
+                  <a:txBody>
+                    <a:bodyPr/>
+                    <a:lstStyle/>
+                    <a:p>
+                      <a:r>
+                        <a:rPr lang="en-US" dirty="0" smtClean="0"/>
+                        <a:t>metric</a:t>
+                      </a:r>
+                      <a:endParaRPr lang="en-US" dirty="0"/>
+                    </a:p>
+                  </a:txBody>
+                  <a:tcPr/>
+                </a:tc>
+              </a:tr>
+              <a:tr h="370840">
+                <a:tc>
+                  <a:txBody>
+                    <a:bodyPr/>
+                    <a:lstStyle/>
+                    <a:p>
+                      <a:r>
+                        <a:rPr lang="en-US" dirty="0" smtClean="0"/>
+                        <a:t>float</a:t>
+                      </a:r>
+                      <a:endParaRPr lang="en-US" dirty="0"/>
+                    </a:p>
+                  </a:txBody>
+                  <a:tcPr/>
+                </a:tc>
+                <a:tc>
+                  <a:txBody>
+                    <a:bodyPr/>
+                    <a:lstStyle/>
+                    <a:p>
+                      <a:r>
+                        <a:rPr lang="en-US" dirty="0" smtClean="0"/>
+                        <a:t>value</a:t>
+                      </a:r>
+                      <a:endParaRPr lang="en-US" dirty="0"/>
+                    </a:p>
+                  </a:txBody>
+                  <a:tcPr/>
+                </a:tc>
+              </a:tr>
+              <a:tr h="370840">
+                <a:tc>
+                  <a:txBody>
+                    <a:bodyPr/>
+                    <a:lstStyle/>
+                    <a:p>
+                      <a:r>
+                        <a:rPr lang="en-US" dirty="0" smtClean="0"/>
+                        <a:t>date</a:t>
+                      </a:r>
+                      <a:endParaRPr lang="en-US" dirty="0"/>
+                    </a:p>
+                  </a:txBody>
+                  <a:tcPr/>
+                </a:tc>
+                <a:tc>
+                  <a:txBody>
+                    <a:bodyPr/>
+                    <a:lstStyle/>
+                    <a:p>
+                      <a:r>
+                        <a:rPr lang="en-US" dirty="0" err="1" smtClean="0"/>
+                        <a:t>by_date</a:t>
+                      </a:r>
+                      <a:endParaRPr lang="en-US" dirty="0"/>
+                    </a:p>
+                  </a:txBody>
+                  <a:tcPr/>
+                </a:tc>
+              </a:tr>
+              <a:tr h="370840">
+                <a:tc>
+                  <a:txBody>
+                    <a:bodyPr/>
+                    <a:lstStyle/>
+                    <a:p>
+                      <a:r>
+                        <a:rPr lang="en-US" dirty="0" smtClean="0"/>
+                        <a:t>date</a:t>
+                      </a:r>
+                      <a:endParaRPr lang="en-US" dirty="0"/>
+                    </a:p>
+                  </a:txBody>
+                  <a:tcPr/>
+                </a:tc>
+                <a:tc>
+                  <a:txBody>
+                    <a:bodyPr/>
+                    <a:lstStyle/>
+                    <a:p>
+                      <a:r>
+                        <a:rPr lang="en-US" dirty="0" err="1" smtClean="0"/>
+                        <a:t>created_at</a:t>
+                      </a:r>
+                      <a:endParaRPr lang="en-US" dirty="0"/>
+                    </a:p>
+                  </a:txBody>
+                  <a:tcPr/>
+                </a:tc>
+              </a:tr>
+              <a:tr h="370840">
+                <a:tc>
+                  <a:txBody>
+                    <a:bodyPr/>
+                    <a:lstStyle/>
+                    <a:p>
+                      <a:r>
+                        <a:rPr lang="en-US" dirty="0" smtClean="0"/>
+                        <a:t>date</a:t>
+                      </a:r>
+                      <a:endParaRPr lang="en-US" dirty="0"/>
+                    </a:p>
+                  </a:txBody>
+                  <a:tcPr/>
+                </a:tc>
+                <a:tc>
+                  <a:txBody>
+                    <a:bodyPr/>
+                    <a:lstStyle/>
+                    <a:p>
+                      <a:r>
+                        <a:rPr lang="en-US" dirty="0" err="1" smtClean="0"/>
+                        <a:t>updated_at</a:t>
+                      </a:r>
+                      <a:endParaRPr lang="en-US" dirty="0"/>
+                    </a:p>
+                  </a:txBody>
+                  <a:tcPr/>
+                </a:tc>
+              </a:tr>
+              <a:tr h="370840">
+                <a:tc>
+                  <a:txBody>
+                    <a:bodyPr/>
+                    <a:lstStyle/>
+                    <a:p>
+                      <a:r>
+                        <a:rPr lang="en-US" dirty="0" smtClean="0"/>
+                        <a:t>integer</a:t>
+                      </a:r>
+                      <a:endParaRPr lang="en-US" dirty="0"/>
+                    </a:p>
+                  </a:txBody>
+                  <a:tcPr/>
+                </a:tc>
+                <a:tc>
+                  <a:txBody>
+                    <a:bodyPr/>
+                    <a:lstStyle/>
+                    <a:p>
+                      <a:r>
+                        <a:rPr lang="en-US" dirty="0" err="1" smtClean="0"/>
+                        <a:t>user_id</a:t>
+                      </a:r>
+                      <a:endParaRPr lang="en-US" dirty="0"/>
+                    </a:p>
+                  </a:txBody>
+                  <a:tcPr/>
+                </a:tc>
+              </a:tr>
+            </a:tbl>
+          </a:graphicData>
+        </a:graphic>
+      </p:graphicFrame>
     </p:spTree>
     <p:extLst>
       <p:ext uri="{BB962C8B-B14F-4D97-AF65-F5344CB8AC3E}">
@@ -5959,25 +6182,488 @@
           </a:p>
         </p:txBody>
       </p:sp>
-      <p:sp>
-        <p:nvSpPr>
-          <p:cNvPr id="3" name="Content Placeholder 2"/>
-          <p:cNvSpPr>
-            <a:spLocks noGrp="1"/>
-          </p:cNvSpPr>
-          <p:nvPr>
-            <p:ph idx="1"/>
-          </p:nvPr>
-        </p:nvSpPr>
-        <p:spPr/>
-        <p:txBody>
-          <a:bodyPr/>
-          <a:lstStyle/>
-          <a:p>
-            <a:endParaRPr lang="en-US"/>
-          </a:p>
-        </p:txBody>
-      </p:sp>
+      <p:graphicFrame>
+        <p:nvGraphicFramePr>
+          <p:cNvPr id="4" name="Table 3"/>
+          <p:cNvGraphicFramePr>
+            <a:graphicFrameLocks noGrp="1"/>
+          </p:cNvGraphicFramePr>
+          <p:nvPr>
+            <p:extLst>
+              <p:ext uri="{D42A27DB-BD31-4B8C-83A1-F6EECF244321}">
+                <p14:modId xmlns:p14="http://schemas.microsoft.com/office/powerpoint/2010/main" val="370492040"/>
+              </p:ext>
+            </p:extLst>
+          </p:nvPr>
+        </p:nvGraphicFramePr>
+        <p:xfrm>
+          <a:off x="2032000" y="1690688"/>
+          <a:ext cx="8128000" cy="4793430"/>
+        </p:xfrm>
+        <a:graphic>
+          <a:graphicData uri="http://schemas.openxmlformats.org/drawingml/2006/table">
+            <a:tbl>
+              <a:tblPr firstRow="1" bandRow="1">
+                <a:tableStyleId>{5C22544A-7EE6-4342-B048-85BDC9FD1C3A}</a:tableStyleId>
+              </a:tblPr>
+              <a:tblGrid>
+                <a:gridCol w="4064000"/>
+                <a:gridCol w="4064000"/>
+              </a:tblGrid>
+              <a:tr h="319562">
+                <a:tc>
+                  <a:txBody>
+                    <a:bodyPr/>
+                    <a:lstStyle/>
+                    <a:p>
+                      <a:r>
+                        <a:rPr lang="en-US" sz="1400" dirty="0" smtClean="0"/>
+                        <a:t>Type</a:t>
+                      </a:r>
+                      <a:endParaRPr lang="en-US" sz="1400" dirty="0"/>
+                    </a:p>
+                  </a:txBody>
+                  <a:tcPr/>
+                </a:tc>
+                <a:tc>
+                  <a:txBody>
+                    <a:bodyPr/>
+                    <a:lstStyle/>
+                    <a:p>
+                      <a:r>
+                        <a:rPr lang="en-US" sz="1400" dirty="0" smtClean="0"/>
+                        <a:t>Name</a:t>
+                      </a:r>
+                      <a:endParaRPr lang="en-US" sz="1400" dirty="0"/>
+                    </a:p>
+                  </a:txBody>
+                  <a:tcPr/>
+                </a:tc>
+              </a:tr>
+              <a:tr h="319562">
+                <a:tc>
+                  <a:txBody>
+                    <a:bodyPr/>
+                    <a:lstStyle/>
+                    <a:p>
+                      <a:r>
+                        <a:rPr lang="en-US" sz="1400" dirty="0" smtClean="0"/>
+                        <a:t>integer</a:t>
+                      </a:r>
+                      <a:endParaRPr lang="en-US" sz="1400" dirty="0"/>
+                    </a:p>
+                  </a:txBody>
+                  <a:tcPr/>
+                </a:tc>
+                <a:tc>
+                  <a:txBody>
+                    <a:bodyPr/>
+                    <a:lstStyle/>
+                    <a:p>
+                      <a:r>
+                        <a:rPr lang="en-US" sz="1400" dirty="0" err="1" smtClean="0"/>
+                        <a:t>user_id</a:t>
+                      </a:r>
+                      <a:endParaRPr lang="en-US" sz="1400" dirty="0"/>
+                    </a:p>
+                  </a:txBody>
+                  <a:tcPr/>
+                </a:tc>
+              </a:tr>
+              <a:tr h="319562">
+                <a:tc>
+                  <a:txBody>
+                    <a:bodyPr/>
+                    <a:lstStyle/>
+                    <a:p>
+                      <a:r>
+                        <a:rPr lang="en-US" sz="1400" dirty="0" smtClean="0"/>
+                        <a:t>date</a:t>
+                      </a:r>
+                      <a:endParaRPr lang="en-US" sz="1400" dirty="0"/>
+                    </a:p>
+                  </a:txBody>
+                  <a:tcPr/>
+                </a:tc>
+                <a:tc>
+                  <a:txBody>
+                    <a:bodyPr/>
+                    <a:lstStyle/>
+                    <a:p>
+                      <a:r>
+                        <a:rPr lang="en-US" sz="1400" dirty="0" smtClean="0"/>
+                        <a:t>date</a:t>
+                      </a:r>
+                      <a:endParaRPr lang="en-US" sz="1400" dirty="0"/>
+                    </a:p>
+                  </a:txBody>
+                  <a:tcPr/>
+                </a:tc>
+              </a:tr>
+              <a:tr h="319562">
+                <a:tc>
+                  <a:txBody>
+                    <a:bodyPr/>
+                    <a:lstStyle/>
+                    <a:p>
+                      <a:r>
+                        <a:rPr lang="en-US" sz="1400" dirty="0" smtClean="0"/>
+                        <a:t>float</a:t>
+                      </a:r>
+                      <a:endParaRPr lang="en-US" sz="1400" dirty="0"/>
+                    </a:p>
+                  </a:txBody>
+                  <a:tcPr/>
+                </a:tc>
+                <a:tc>
+                  <a:txBody>
+                    <a:bodyPr/>
+                    <a:lstStyle/>
+                    <a:p>
+                      <a:r>
+                        <a:rPr lang="en-US" sz="1400" dirty="0" smtClean="0"/>
+                        <a:t>weight</a:t>
+                      </a:r>
+                      <a:endParaRPr lang="en-US" sz="1400" dirty="0"/>
+                    </a:p>
+                  </a:txBody>
+                  <a:tcPr/>
+                </a:tc>
+              </a:tr>
+              <a:tr h="319562">
+                <a:tc>
+                  <a:txBody>
+                    <a:bodyPr/>
+                    <a:lstStyle/>
+                    <a:p>
+                      <a:r>
+                        <a:rPr lang="en-US" sz="1400" dirty="0" smtClean="0"/>
+                        <a:t>integer</a:t>
+                      </a:r>
+                      <a:endParaRPr lang="en-US" sz="1400" dirty="0"/>
+                    </a:p>
+                  </a:txBody>
+                  <a:tcPr/>
+                </a:tc>
+                <a:tc>
+                  <a:txBody>
+                    <a:bodyPr/>
+                    <a:lstStyle/>
+                    <a:p>
+                      <a:r>
+                        <a:rPr lang="en-US" sz="1400" dirty="0" smtClean="0"/>
+                        <a:t>calories</a:t>
+                      </a:r>
+                      <a:endParaRPr lang="en-US" sz="1400" dirty="0"/>
+                    </a:p>
+                  </a:txBody>
+                  <a:tcPr/>
+                </a:tc>
+              </a:tr>
+              <a:tr h="319562">
+                <a:tc>
+                  <a:txBody>
+                    <a:bodyPr/>
+                    <a:lstStyle/>
+                    <a:p>
+                      <a:r>
+                        <a:rPr lang="en-US" sz="1400" dirty="0" smtClean="0"/>
+                        <a:t>string</a:t>
+                      </a:r>
+                      <a:endParaRPr lang="en-US" sz="1400" dirty="0"/>
+                    </a:p>
+                  </a:txBody>
+                  <a:tcPr/>
+                </a:tc>
+                <a:tc>
+                  <a:txBody>
+                    <a:bodyPr/>
+                    <a:lstStyle/>
+                    <a:p>
+                      <a:r>
+                        <a:rPr lang="en-US" sz="1400" dirty="0" smtClean="0"/>
+                        <a:t>workout</a:t>
+                      </a:r>
+                      <a:endParaRPr lang="en-US" sz="1400" dirty="0"/>
+                    </a:p>
+                  </a:txBody>
+                  <a:tcPr/>
+                </a:tc>
+              </a:tr>
+              <a:tr h="319562">
+                <a:tc>
+                  <a:txBody>
+                    <a:bodyPr/>
+                    <a:lstStyle/>
+                    <a:p>
+                      <a:r>
+                        <a:rPr lang="en-US" sz="1400" dirty="0" smtClean="0"/>
+                        <a:t>integer</a:t>
+                      </a:r>
+                      <a:endParaRPr lang="en-US" sz="1400" dirty="0"/>
+                    </a:p>
+                  </a:txBody>
+                  <a:tcPr/>
+                </a:tc>
+                <a:tc>
+                  <a:txBody>
+                    <a:bodyPr/>
+                    <a:lstStyle/>
+                    <a:p>
+                      <a:r>
+                        <a:rPr lang="en-US" sz="1400" dirty="0" smtClean="0"/>
+                        <a:t>energy</a:t>
+                      </a:r>
+                      <a:endParaRPr lang="en-US" sz="1400" dirty="0"/>
+                    </a:p>
+                  </a:txBody>
+                  <a:tcPr/>
+                </a:tc>
+              </a:tr>
+              <a:tr h="319562">
+                <a:tc>
+                  <a:txBody>
+                    <a:bodyPr/>
+                    <a:lstStyle/>
+                    <a:p>
+                      <a:r>
+                        <a:rPr lang="en-US" sz="1400" dirty="0" smtClean="0"/>
+                        <a:t>integer</a:t>
+                      </a:r>
+                      <a:endParaRPr lang="en-US" sz="1400" dirty="0"/>
+                    </a:p>
+                  </a:txBody>
+                  <a:tcPr/>
+                </a:tc>
+                <a:tc>
+                  <a:txBody>
+                    <a:bodyPr/>
+                    <a:lstStyle/>
+                    <a:p>
+                      <a:r>
+                        <a:rPr lang="en-US" sz="1400" dirty="0" smtClean="0"/>
+                        <a:t>sleep</a:t>
+                      </a:r>
+                      <a:endParaRPr lang="en-US" sz="1400" dirty="0"/>
+                    </a:p>
+                  </a:txBody>
+                  <a:tcPr/>
+                </a:tc>
+              </a:tr>
+              <a:tr h="319562">
+                <a:tc>
+                  <a:txBody>
+                    <a:bodyPr/>
+                    <a:lstStyle/>
+                    <a:p>
+                      <a:r>
+                        <a:rPr lang="en-US" sz="1400" dirty="0" err="1" smtClean="0"/>
+                        <a:t>datetime</a:t>
+                      </a:r>
+                      <a:endParaRPr lang="en-US" sz="1400" dirty="0"/>
+                    </a:p>
+                  </a:txBody>
+                  <a:tcPr/>
+                </a:tc>
+                <a:tc>
+                  <a:txBody>
+                    <a:bodyPr/>
+                    <a:lstStyle/>
+                    <a:p>
+                      <a:r>
+                        <a:rPr lang="en-US" sz="1400" dirty="0" err="1" smtClean="0"/>
+                        <a:t>created_at</a:t>
+                      </a:r>
+                      <a:endParaRPr lang="en-US" sz="1400" dirty="0"/>
+                    </a:p>
+                  </a:txBody>
+                  <a:tcPr/>
+                </a:tc>
+              </a:tr>
+              <a:tr h="319562">
+                <a:tc>
+                  <a:txBody>
+                    <a:bodyPr/>
+                    <a:lstStyle/>
+                    <a:p>
+                      <a:r>
+                        <a:rPr lang="en-US" sz="1400" dirty="0" err="1" smtClean="0"/>
+                        <a:t>datetime</a:t>
+                      </a:r>
+                      <a:endParaRPr lang="en-US" sz="1400" dirty="0"/>
+                    </a:p>
+                  </a:txBody>
+                  <a:tcPr/>
+                </a:tc>
+                <a:tc>
+                  <a:txBody>
+                    <a:bodyPr/>
+                    <a:lstStyle/>
+                    <a:p>
+                      <a:r>
+                        <a:rPr lang="en-US" sz="1400" dirty="0" err="1" smtClean="0"/>
+                        <a:t>updated_at</a:t>
+                      </a:r>
+                      <a:endParaRPr lang="en-US" sz="1400" dirty="0"/>
+                    </a:p>
+                  </a:txBody>
+                  <a:tcPr/>
+                </a:tc>
+              </a:tr>
+              <a:tr h="319562">
+                <a:tc>
+                  <a:txBody>
+                    <a:bodyPr/>
+                    <a:lstStyle/>
+                    <a:p>
+                      <a:r>
+                        <a:rPr lang="en-US" sz="1400" dirty="0" smtClean="0"/>
+                        <a:t>float</a:t>
+                      </a:r>
+                      <a:endParaRPr lang="en-US" sz="1400" dirty="0"/>
+                    </a:p>
+                  </a:txBody>
+                  <a:tcPr/>
+                </a:tc>
+                <a:tc>
+                  <a:txBody>
+                    <a:bodyPr/>
+                    <a:lstStyle/>
+                    <a:p>
+                      <a:r>
+                        <a:rPr lang="en-US" sz="1400" dirty="0" smtClean="0"/>
+                        <a:t>chest</a:t>
+                      </a:r>
+                      <a:endParaRPr lang="en-US" sz="1400" dirty="0"/>
+                    </a:p>
+                  </a:txBody>
+                  <a:tcPr/>
+                </a:tc>
+              </a:tr>
+              <a:tr h="319562">
+                <a:tc>
+                  <a:txBody>
+                    <a:bodyPr/>
+                    <a:lstStyle/>
+                    <a:p>
+                      <a:r>
+                        <a:rPr lang="en-US" sz="1400" dirty="0" smtClean="0"/>
+                        <a:t>float</a:t>
+                      </a:r>
+                      <a:endParaRPr lang="en-US" sz="1400" dirty="0"/>
+                    </a:p>
+                  </a:txBody>
+                  <a:tcPr/>
+                </a:tc>
+                <a:tc>
+                  <a:txBody>
+                    <a:bodyPr/>
+                    <a:lstStyle/>
+                    <a:p>
+                      <a:r>
+                        <a:rPr lang="en-US" sz="1400" dirty="0" smtClean="0"/>
+                        <a:t>waist</a:t>
+                      </a:r>
+                      <a:endParaRPr lang="en-US" sz="1400" dirty="0"/>
+                    </a:p>
+                  </a:txBody>
+                  <a:tcPr/>
+                </a:tc>
+              </a:tr>
+              <a:tr h="319562">
+                <a:tc>
+                  <a:txBody>
+                    <a:bodyPr/>
+                    <a:lstStyle/>
+                    <a:p>
+                      <a:r>
+                        <a:rPr lang="en-US" sz="1400" dirty="0" smtClean="0"/>
+                        <a:t>float</a:t>
+                      </a:r>
+                      <a:endParaRPr lang="en-US" sz="1400" dirty="0"/>
+                    </a:p>
+                  </a:txBody>
+                  <a:tcPr/>
+                </a:tc>
+                <a:tc>
+                  <a:txBody>
+                    <a:bodyPr/>
+                    <a:lstStyle/>
+                    <a:p>
+                      <a:r>
+                        <a:rPr lang="en-US" sz="1400" dirty="0" smtClean="0"/>
+                        <a:t>bicep</a:t>
+                      </a:r>
+                      <a:endParaRPr lang="en-US" sz="1400" dirty="0"/>
+                    </a:p>
+                  </a:txBody>
+                  <a:tcPr/>
+                </a:tc>
+              </a:tr>
+              <a:tr h="319562">
+                <a:tc>
+                  <a:txBody>
+                    <a:bodyPr/>
+                    <a:lstStyle/>
+                    <a:p>
+                      <a:r>
+                        <a:rPr lang="en-US" sz="1400" dirty="0" smtClean="0"/>
+                        <a:t>float</a:t>
+                      </a:r>
+                      <a:endParaRPr lang="en-US" sz="1400" dirty="0"/>
+                    </a:p>
+                  </a:txBody>
+                  <a:tcPr/>
+                </a:tc>
+                <a:tc>
+                  <a:txBody>
+                    <a:bodyPr/>
+                    <a:lstStyle/>
+                    <a:p>
+                      <a:r>
+                        <a:rPr lang="en-US" sz="1400" dirty="0" smtClean="0"/>
+                        <a:t>thigh</a:t>
+                      </a:r>
+                      <a:endParaRPr lang="en-US" sz="1400" dirty="0"/>
+                    </a:p>
+                  </a:txBody>
+                  <a:tcPr/>
+                </a:tc>
+              </a:tr>
+              <a:tr h="319562">
+                <a:tc>
+                  <a:txBody>
+                    <a:bodyPr/>
+                    <a:lstStyle/>
+                    <a:p>
+                      <a:r>
+                        <a:rPr lang="en-US" sz="1400" dirty="0" smtClean="0"/>
+                        <a:t>float</a:t>
+                      </a:r>
+                      <a:endParaRPr lang="en-US" sz="1400" dirty="0"/>
+                    </a:p>
+                  </a:txBody>
+                  <a:tcPr/>
+                </a:tc>
+                <a:tc>
+                  <a:txBody>
+                    <a:bodyPr/>
+                    <a:lstStyle/>
+                    <a:p>
+                      <a:r>
+                        <a:rPr lang="en-US" sz="1400" dirty="0" smtClean="0"/>
+                        <a:t>calf</a:t>
+                      </a:r>
+                      <a:endParaRPr lang="en-US" sz="1400" dirty="0"/>
+                    </a:p>
+                  </a:txBody>
+                  <a:tcPr/>
+                </a:tc>
+              </a:tr>
+            </a:tbl>
+          </a:graphicData>
+        </a:graphic>
+      </p:graphicFrame>
     </p:spTree>
     <p:extLst>
       <p:ext uri="{BB962C8B-B14F-4D97-AF65-F5344CB8AC3E}">
@@ -7193,13 +7879,13 @@
           </a:p>
           <a:p>
             <a:r>
-              <a:rPr lang="en-US" smtClean="0"/>
+              <a:rPr lang="en-US" dirty="0" smtClean="0"/>
               <a:t>Sessions</a:t>
             </a:r>
           </a:p>
           <a:p>
             <a:r>
-              <a:rPr lang="en-US" smtClean="0"/>
+              <a:rPr lang="en-US" dirty="0" smtClean="0"/>
               <a:t>Password encryption</a:t>
             </a:r>
           </a:p>
@@ -7636,22 +8322,519 @@
           </a:p>
         </p:txBody>
       </p:sp>
-      <p:sp>
-        <p:nvSpPr>
-          <p:cNvPr id="3" name="Content Placeholder 2"/>
-          <p:cNvSpPr>
-            <a:spLocks noGrp="1"/>
-          </p:cNvSpPr>
-          <p:nvPr>
-            <p:ph idx="1"/>
-          </p:nvPr>
-        </p:nvSpPr>
-        <p:spPr/>
-        <p:txBody>
-          <a:bodyPr/>
-          <a:lstStyle/>
-          <a:p>
-            <a:endParaRPr lang="en-US"/>
+      <p:graphicFrame>
+        <p:nvGraphicFramePr>
+          <p:cNvPr id="4" name="Table 3"/>
+          <p:cNvGraphicFramePr>
+            <a:graphicFrameLocks noGrp="1"/>
+          </p:cNvGraphicFramePr>
+          <p:nvPr>
+            <p:extLst>
+              <p:ext uri="{D42A27DB-BD31-4B8C-83A1-F6EECF244321}">
+                <p14:modId xmlns:p14="http://schemas.microsoft.com/office/powerpoint/2010/main" val="365510297"/>
+              </p:ext>
+            </p:extLst>
+          </p:nvPr>
+        </p:nvGraphicFramePr>
+        <p:xfrm>
+          <a:off x="2032000" y="1690688"/>
+          <a:ext cx="8128000" cy="4800600"/>
+        </p:xfrm>
+        <a:graphic>
+          <a:graphicData uri="http://schemas.openxmlformats.org/drawingml/2006/table">
+            <a:tbl>
+              <a:tblPr firstRow="1" bandRow="1">
+                <a:tableStyleId>{5C22544A-7EE6-4342-B048-85BDC9FD1C3A}</a:tableStyleId>
+              </a:tblPr>
+              <a:tblGrid>
+                <a:gridCol w="4064000"/>
+                <a:gridCol w="4064000"/>
+              </a:tblGrid>
+              <a:tr h="225832">
+                <a:tc>
+                  <a:txBody>
+                    <a:bodyPr/>
+                    <a:lstStyle/>
+                    <a:p>
+                      <a:r>
+                        <a:rPr lang="en-US" sz="1500" dirty="0" smtClean="0"/>
+                        <a:t>Type</a:t>
+                      </a:r>
+                      <a:endParaRPr lang="en-US" sz="1500" dirty="0"/>
+                    </a:p>
+                  </a:txBody>
+                  <a:tcPr/>
+                </a:tc>
+                <a:tc>
+                  <a:txBody>
+                    <a:bodyPr/>
+                    <a:lstStyle/>
+                    <a:p>
+                      <a:r>
+                        <a:rPr lang="en-US" sz="1500" dirty="0" smtClean="0"/>
+                        <a:t>Name</a:t>
+                      </a:r>
+                      <a:endParaRPr lang="en-US" sz="1500" dirty="0"/>
+                    </a:p>
+                  </a:txBody>
+                  <a:tcPr/>
+                </a:tc>
+              </a:tr>
+              <a:tr h="225832">
+                <a:tc>
+                  <a:txBody>
+                    <a:bodyPr/>
+                    <a:lstStyle/>
+                    <a:p>
+                      <a:r>
+                        <a:rPr lang="en-US" sz="1500" b="1" dirty="0" smtClean="0"/>
+                        <a:t>string</a:t>
+                      </a:r>
+                      <a:endParaRPr lang="en-US" sz="1500" b="1" dirty="0"/>
+                    </a:p>
+                  </a:txBody>
+                  <a:tcPr/>
+                </a:tc>
+                <a:tc>
+                  <a:txBody>
+                    <a:bodyPr/>
+                    <a:lstStyle/>
+                    <a:p>
+                      <a:r>
+                        <a:rPr lang="en-US" sz="1500" b="1" dirty="0" smtClean="0"/>
+                        <a:t>email</a:t>
+                      </a:r>
+                      <a:endParaRPr lang="en-US" sz="1500" b="1" dirty="0"/>
+                    </a:p>
+                  </a:txBody>
+                  <a:tcPr/>
+                </a:tc>
+              </a:tr>
+              <a:tr h="225832">
+                <a:tc>
+                  <a:txBody>
+                    <a:bodyPr/>
+                    <a:lstStyle/>
+                    <a:p>
+                      <a:r>
+                        <a:rPr lang="en-US" sz="1500" b="1" dirty="0" smtClean="0"/>
+                        <a:t>string</a:t>
+                      </a:r>
+                      <a:endParaRPr lang="en-US" sz="1500" b="1" dirty="0"/>
+                    </a:p>
+                  </a:txBody>
+                  <a:tcPr/>
+                </a:tc>
+                <a:tc>
+                  <a:txBody>
+                    <a:bodyPr/>
+                    <a:lstStyle/>
+                    <a:p>
+                      <a:r>
+                        <a:rPr lang="en-US" sz="1500" b="1" dirty="0" smtClean="0"/>
+                        <a:t>encrypted-password</a:t>
+                      </a:r>
+                      <a:endParaRPr lang="en-US" sz="1500" b="1" dirty="0"/>
+                    </a:p>
+                  </a:txBody>
+                  <a:tcPr/>
+                </a:tc>
+              </a:tr>
+              <a:tr h="225832">
+                <a:tc>
+                  <a:txBody>
+                    <a:bodyPr/>
+                    <a:lstStyle/>
+                    <a:p>
+                      <a:r>
+                        <a:rPr lang="en-US" sz="1500" b="1" dirty="0" smtClean="0"/>
+                        <a:t>string</a:t>
+                      </a:r>
+                      <a:endParaRPr lang="en-US" sz="1500" b="1" dirty="0"/>
+                    </a:p>
+                  </a:txBody>
+                  <a:tcPr/>
+                </a:tc>
+                <a:tc>
+                  <a:txBody>
+                    <a:bodyPr/>
+                    <a:lstStyle/>
+                    <a:p>
+                      <a:r>
+                        <a:rPr lang="en-US" sz="1500" b="1" dirty="0" err="1" smtClean="0"/>
+                        <a:t>first_name</a:t>
+                      </a:r>
+                      <a:endParaRPr lang="en-US" sz="1500" b="1" dirty="0"/>
+                    </a:p>
+                  </a:txBody>
+                  <a:tcPr/>
+                </a:tc>
+              </a:tr>
+              <a:tr h="225832">
+                <a:tc>
+                  <a:txBody>
+                    <a:bodyPr/>
+                    <a:lstStyle/>
+                    <a:p>
+                      <a:r>
+                        <a:rPr lang="en-US" sz="1500" b="1" dirty="0" smtClean="0"/>
+                        <a:t>string</a:t>
+                      </a:r>
+                      <a:endParaRPr lang="en-US" sz="1500" b="1" dirty="0"/>
+                    </a:p>
+                  </a:txBody>
+                  <a:tcPr/>
+                </a:tc>
+                <a:tc>
+                  <a:txBody>
+                    <a:bodyPr/>
+                    <a:lstStyle/>
+                    <a:p>
+                      <a:r>
+                        <a:rPr lang="en-US" sz="1500" b="1" dirty="0" err="1" smtClean="0"/>
+                        <a:t>last_name</a:t>
+                      </a:r>
+                      <a:endParaRPr lang="en-US" sz="1500" b="1" dirty="0"/>
+                    </a:p>
+                  </a:txBody>
+                  <a:tcPr/>
+                </a:tc>
+              </a:tr>
+              <a:tr h="225832">
+                <a:tc>
+                  <a:txBody>
+                    <a:bodyPr/>
+                    <a:lstStyle/>
+                    <a:p>
+                      <a:r>
+                        <a:rPr lang="en-US" sz="1500" dirty="0" smtClean="0"/>
+                        <a:t>string</a:t>
+                      </a:r>
+                      <a:endParaRPr lang="en-US" sz="1500" dirty="0"/>
+                    </a:p>
+                  </a:txBody>
+                  <a:tcPr/>
+                </a:tc>
+                <a:tc>
+                  <a:txBody>
+                    <a:bodyPr/>
+                    <a:lstStyle/>
+                    <a:p>
+                      <a:r>
+                        <a:rPr lang="en-US" sz="1500" dirty="0" err="1" smtClean="0"/>
+                        <a:t>reset_password_token</a:t>
+                      </a:r>
+                      <a:endParaRPr lang="en-US" sz="1500" dirty="0"/>
+                    </a:p>
+                  </a:txBody>
+                  <a:tcPr/>
+                </a:tc>
+              </a:tr>
+              <a:tr h="225832">
+                <a:tc>
+                  <a:txBody>
+                    <a:bodyPr/>
+                    <a:lstStyle/>
+                    <a:p>
+                      <a:r>
+                        <a:rPr lang="en-US" sz="1500" dirty="0" err="1" smtClean="0"/>
+                        <a:t>datetime</a:t>
+                      </a:r>
+                      <a:endParaRPr lang="en-US" sz="1500" dirty="0"/>
+                    </a:p>
+                  </a:txBody>
+                  <a:tcPr/>
+                </a:tc>
+                <a:tc>
+                  <a:txBody>
+                    <a:bodyPr/>
+                    <a:lstStyle/>
+                    <a:p>
+                      <a:r>
+                        <a:rPr lang="en-US" sz="1500" dirty="0" err="1" smtClean="0"/>
+                        <a:t>reset_password_sent_at</a:t>
+                      </a:r>
+                      <a:endParaRPr lang="en-US" sz="1500" dirty="0"/>
+                    </a:p>
+                  </a:txBody>
+                  <a:tcPr/>
+                </a:tc>
+              </a:tr>
+              <a:tr h="225832">
+                <a:tc>
+                  <a:txBody>
+                    <a:bodyPr/>
+                    <a:lstStyle/>
+                    <a:p>
+                      <a:r>
+                        <a:rPr lang="en-US" sz="1500" dirty="0" err="1" smtClean="0"/>
+                        <a:t>datetime</a:t>
+                      </a:r>
+                      <a:endParaRPr lang="en-US" sz="1500" dirty="0"/>
+                    </a:p>
+                  </a:txBody>
+                  <a:tcPr/>
+                </a:tc>
+                <a:tc>
+                  <a:txBody>
+                    <a:bodyPr/>
+                    <a:lstStyle/>
+                    <a:p>
+                      <a:r>
+                        <a:rPr lang="en-US" sz="1500" dirty="0" err="1" smtClean="0"/>
+                        <a:t>remember</a:t>
+                      </a:r>
+                      <a:r>
+                        <a:rPr lang="en-US" sz="1500" baseline="0" dirty="0" err="1" smtClean="0"/>
+                        <a:t>_created_at</a:t>
+                      </a:r>
+                      <a:endParaRPr lang="en-US" sz="1500" dirty="0"/>
+                    </a:p>
+                  </a:txBody>
+                  <a:tcPr/>
+                </a:tc>
+              </a:tr>
+              <a:tr h="225832">
+                <a:tc>
+                  <a:txBody>
+                    <a:bodyPr/>
+                    <a:lstStyle/>
+                    <a:p>
+                      <a:r>
+                        <a:rPr lang="en-US" sz="1500" dirty="0" smtClean="0"/>
+                        <a:t>integer</a:t>
+                      </a:r>
+                      <a:endParaRPr lang="en-US" sz="1500" dirty="0"/>
+                    </a:p>
+                  </a:txBody>
+                  <a:tcPr/>
+                </a:tc>
+                <a:tc>
+                  <a:txBody>
+                    <a:bodyPr/>
+                    <a:lstStyle/>
+                    <a:p>
+                      <a:r>
+                        <a:rPr lang="en-US" sz="1500" dirty="0" err="1" smtClean="0"/>
+                        <a:t>sign_in_count</a:t>
+                      </a:r>
+                      <a:endParaRPr lang="en-US" sz="1500" dirty="0"/>
+                    </a:p>
+                  </a:txBody>
+                  <a:tcPr/>
+                </a:tc>
+              </a:tr>
+              <a:tr h="225832">
+                <a:tc>
+                  <a:txBody>
+                    <a:bodyPr/>
+                    <a:lstStyle/>
+                    <a:p>
+                      <a:r>
+                        <a:rPr lang="en-US" sz="1500" dirty="0" err="1" smtClean="0"/>
+                        <a:t>datetime</a:t>
+                      </a:r>
+                      <a:endParaRPr lang="en-US" sz="1500" dirty="0"/>
+                    </a:p>
+                  </a:txBody>
+                  <a:tcPr/>
+                </a:tc>
+                <a:tc>
+                  <a:txBody>
+                    <a:bodyPr/>
+                    <a:lstStyle/>
+                    <a:p>
+                      <a:r>
+                        <a:rPr lang="en-US" sz="1500" dirty="0" err="1" smtClean="0"/>
+                        <a:t>current_sign_in_at</a:t>
+                      </a:r>
+                      <a:endParaRPr lang="en-US" sz="1500" dirty="0"/>
+                    </a:p>
+                  </a:txBody>
+                  <a:tcPr/>
+                </a:tc>
+              </a:tr>
+              <a:tr h="225832">
+                <a:tc>
+                  <a:txBody>
+                    <a:bodyPr/>
+                    <a:lstStyle/>
+                    <a:p>
+                      <a:r>
+                        <a:rPr lang="en-US" sz="1500" dirty="0" err="1" smtClean="0"/>
+                        <a:t>datetime</a:t>
+                      </a:r>
+                      <a:endParaRPr lang="en-US" sz="1500" dirty="0"/>
+                    </a:p>
+                  </a:txBody>
+                  <a:tcPr/>
+                </a:tc>
+                <a:tc>
+                  <a:txBody>
+                    <a:bodyPr/>
+                    <a:lstStyle/>
+                    <a:p>
+                      <a:r>
+                        <a:rPr lang="en-US" sz="1500" dirty="0" err="1" smtClean="0"/>
+                        <a:t>last_sign_in_at</a:t>
+                      </a:r>
+                      <a:endParaRPr lang="en-US" sz="1500" dirty="0"/>
+                    </a:p>
+                  </a:txBody>
+                  <a:tcPr/>
+                </a:tc>
+              </a:tr>
+              <a:tr h="225832">
+                <a:tc>
+                  <a:txBody>
+                    <a:bodyPr/>
+                    <a:lstStyle/>
+                    <a:p>
+                      <a:r>
+                        <a:rPr lang="en-US" sz="1500" dirty="0" smtClean="0"/>
+                        <a:t>string</a:t>
+                      </a:r>
+                      <a:endParaRPr lang="en-US" sz="1500" dirty="0"/>
+                    </a:p>
+                  </a:txBody>
+                  <a:tcPr/>
+                </a:tc>
+                <a:tc>
+                  <a:txBody>
+                    <a:bodyPr/>
+                    <a:lstStyle/>
+                    <a:p>
+                      <a:r>
+                        <a:rPr lang="en-US" sz="1500" dirty="0" err="1" smtClean="0"/>
+                        <a:t>current_sign_in_ip</a:t>
+                      </a:r>
+                      <a:endParaRPr lang="en-US" sz="1500" dirty="0"/>
+                    </a:p>
+                  </a:txBody>
+                  <a:tcPr/>
+                </a:tc>
+              </a:tr>
+              <a:tr h="225832">
+                <a:tc>
+                  <a:txBody>
+                    <a:bodyPr/>
+                    <a:lstStyle/>
+                    <a:p>
+                      <a:r>
+                        <a:rPr lang="en-US" sz="1500" dirty="0" smtClean="0"/>
+                        <a:t>string</a:t>
+                      </a:r>
+                      <a:endParaRPr lang="en-US" sz="1500" dirty="0"/>
+                    </a:p>
+                  </a:txBody>
+                  <a:tcPr/>
+                </a:tc>
+                <a:tc>
+                  <a:txBody>
+                    <a:bodyPr/>
+                    <a:lstStyle/>
+                    <a:p>
+                      <a:r>
+                        <a:rPr lang="en-US" sz="1500" dirty="0" err="1" smtClean="0"/>
+                        <a:t>last_sign_in_ip</a:t>
+                      </a:r>
+                      <a:endParaRPr lang="en-US" sz="1500" dirty="0"/>
+                    </a:p>
+                  </a:txBody>
+                  <a:tcPr/>
+                </a:tc>
+              </a:tr>
+              <a:tr h="225832">
+                <a:tc>
+                  <a:txBody>
+                    <a:bodyPr/>
+                    <a:lstStyle/>
+                    <a:p>
+                      <a:r>
+                        <a:rPr lang="en-US" sz="1500" dirty="0" err="1" smtClean="0"/>
+                        <a:t>datetime</a:t>
+                      </a:r>
+                      <a:endParaRPr lang="en-US" sz="1500" dirty="0"/>
+                    </a:p>
+                  </a:txBody>
+                  <a:tcPr/>
+                </a:tc>
+                <a:tc>
+                  <a:txBody>
+                    <a:bodyPr/>
+                    <a:lstStyle/>
+                    <a:p>
+                      <a:r>
+                        <a:rPr lang="en-US" sz="1500" dirty="0" err="1" smtClean="0"/>
+                        <a:t>created_at</a:t>
+                      </a:r>
+                      <a:endParaRPr lang="en-US" sz="1500" dirty="0"/>
+                    </a:p>
+                  </a:txBody>
+                  <a:tcPr/>
+                </a:tc>
+              </a:tr>
+              <a:tr h="225832">
+                <a:tc>
+                  <a:txBody>
+                    <a:bodyPr/>
+                    <a:lstStyle/>
+                    <a:p>
+                      <a:r>
+                        <a:rPr lang="en-US" sz="1500" dirty="0" err="1" smtClean="0"/>
+                        <a:t>datetime</a:t>
+                      </a:r>
+                      <a:endParaRPr lang="en-US" sz="1500" dirty="0"/>
+                    </a:p>
+                  </a:txBody>
+                  <a:tcPr/>
+                </a:tc>
+                <a:tc>
+                  <a:txBody>
+                    <a:bodyPr/>
+                    <a:lstStyle/>
+                    <a:p>
+                      <a:r>
+                        <a:rPr lang="en-US" sz="1500" dirty="0" err="1" smtClean="0"/>
+                        <a:t>updated_at</a:t>
+                      </a:r>
+                      <a:endParaRPr lang="en-US" sz="1500" dirty="0"/>
+                    </a:p>
+                  </a:txBody>
+                  <a:tcPr/>
+                </a:tc>
+              </a:tr>
+            </a:tbl>
+          </a:graphicData>
+        </a:graphic>
+      </p:graphicFrame>
+      <p:sp>
+        <p:nvSpPr>
+          <p:cNvPr id="5" name="TextBox 4"/>
+          <p:cNvSpPr txBox="1"/>
+          <p:nvPr/>
+        </p:nvSpPr>
+        <p:spPr>
+          <a:xfrm>
+            <a:off x="4275786" y="1321356"/>
+            <a:ext cx="3261534" cy="369332"/>
+          </a:xfrm>
+          <a:prstGeom prst="rect">
+            <a:avLst/>
+          </a:prstGeom>
+          <a:noFill/>
+        </p:spPr>
+        <p:txBody>
+          <a:bodyPr wrap="none" rtlCol="0">
+            <a:spAutoFit/>
+          </a:bodyPr>
+          <a:lstStyle/>
+          <a:p>
+            <a:r>
+              <a:rPr lang="en-US" dirty="0" smtClean="0"/>
+              <a:t>Automatically created by Devise</a:t>
+            </a:r>
+            <a:endParaRPr lang="en-US" dirty="0"/>
           </a:p>
         </p:txBody>
       </p:sp>

--- a/Presentation.pptx
+++ b/Presentation.pptx
@@ -13,15 +13,16 @@
     <p:sldId id="274" r:id="rId7"/>
     <p:sldId id="275" r:id="rId8"/>
     <p:sldId id="276" r:id="rId9"/>
-    <p:sldId id="268" r:id="rId10"/>
-    <p:sldId id="269" r:id="rId11"/>
-    <p:sldId id="270" r:id="rId12"/>
-    <p:sldId id="271" r:id="rId13"/>
-    <p:sldId id="259" r:id="rId14"/>
-    <p:sldId id="260" r:id="rId15"/>
-    <p:sldId id="261" r:id="rId16"/>
-    <p:sldId id="262" r:id="rId17"/>
-    <p:sldId id="267" r:id="rId18"/>
+    <p:sldId id="277" r:id="rId10"/>
+    <p:sldId id="268" r:id="rId11"/>
+    <p:sldId id="269" r:id="rId12"/>
+    <p:sldId id="270" r:id="rId13"/>
+    <p:sldId id="271" r:id="rId14"/>
+    <p:sldId id="259" r:id="rId15"/>
+    <p:sldId id="260" r:id="rId16"/>
+    <p:sldId id="261" r:id="rId17"/>
+    <p:sldId id="262" r:id="rId18"/>
+    <p:sldId id="267" r:id="rId19"/>
   </p:sldIdLst>
   <p:sldSz cx="12192000" cy="6858000"/>
   <p:notesSz cx="6858000" cy="9144000"/>
@@ -126,6 +127,3509 @@
     </p:ext>
   </p:extLst>
 </p:presentation>
+</file>
+
+<file path=ppt/diagrams/colors1.xml><?xml version="1.0" encoding="utf-8"?>
+<dgm:colorsDef xmlns:dgm="http://schemas.openxmlformats.org/drawingml/2006/diagram" xmlns:a="http://schemas.openxmlformats.org/drawingml/2006/main" uniqueId="urn:microsoft.com/office/officeart/2005/8/colors/accent1_2">
+  <dgm:title val=""/>
+  <dgm:desc val=""/>
+  <dgm:catLst>
+    <dgm:cat type="accent1" pri="11200"/>
+  </dgm:catLst>
+  <dgm:styleLbl name="node0">
+    <dgm:fillClrLst meth="repeat">
+      <a:schemeClr val="accent1"/>
+    </dgm:fillClrLst>
+    <dgm:linClrLst meth="repeat">
+      <a:schemeClr val="lt1"/>
+    </dgm:linClrLst>
+    <dgm:effectClrLst/>
+    <dgm:txLinClrLst/>
+    <dgm:txFillClrLst/>
+    <dgm:txEffectClrLst/>
+  </dgm:styleLbl>
+  <dgm:styleLbl name="alignNode1">
+    <dgm:fillClrLst meth="repeat">
+      <a:schemeClr val="accent1"/>
+    </dgm:fillClrLst>
+    <dgm:linClrLst meth="repeat">
+      <a:schemeClr val="accent1"/>
+    </dgm:linClrLst>
+    <dgm:effectClrLst/>
+    <dgm:txLinClrLst/>
+    <dgm:txFillClrLst/>
+    <dgm:txEffectClrLst/>
+  </dgm:styleLbl>
+  <dgm:styleLbl name="node1">
+    <dgm:fillClrLst meth="repeat">
+      <a:schemeClr val="accent1"/>
+    </dgm:fillClrLst>
+    <dgm:linClrLst meth="repeat">
+      <a:schemeClr val="lt1"/>
+    </dgm:linClrLst>
+    <dgm:effectClrLst/>
+    <dgm:txLinClrLst/>
+    <dgm:txFillClrLst/>
+    <dgm:txEffectClrLst/>
+  </dgm:styleLbl>
+  <dgm:styleLbl name="lnNode1">
+    <dgm:fillClrLst meth="repeat">
+      <a:schemeClr val="accent1"/>
+    </dgm:fillClrLst>
+    <dgm:linClrLst meth="repeat">
+      <a:schemeClr val="lt1"/>
+    </dgm:linClrLst>
+    <dgm:effectClrLst/>
+    <dgm:txLinClrLst/>
+    <dgm:txFillClrLst/>
+    <dgm:txEffectClrLst/>
+  </dgm:styleLbl>
+  <dgm:styleLbl name="vennNode1">
+    <dgm:fillClrLst meth="repeat">
+      <a:schemeClr val="accent1">
+        <a:alpha val="50000"/>
+      </a:schemeClr>
+    </dgm:fillClrLst>
+    <dgm:linClrLst meth="repeat">
+      <a:schemeClr val="lt1"/>
+    </dgm:linClrLst>
+    <dgm:effectClrLst/>
+    <dgm:txLinClrLst/>
+    <dgm:txFillClrLst/>
+    <dgm:txEffectClrLst/>
+  </dgm:styleLbl>
+  <dgm:styleLbl name="node2">
+    <dgm:fillClrLst meth="repeat">
+      <a:schemeClr val="accent1"/>
+    </dgm:fillClrLst>
+    <dgm:linClrLst meth="repeat">
+      <a:schemeClr val="lt1"/>
+    </dgm:linClrLst>
+    <dgm:effectClrLst/>
+    <dgm:txLinClrLst/>
+    <dgm:txFillClrLst/>
+    <dgm:txEffectClrLst/>
+  </dgm:styleLbl>
+  <dgm:styleLbl name="node3">
+    <dgm:fillClrLst meth="repeat">
+      <a:schemeClr val="accent1"/>
+    </dgm:fillClrLst>
+    <dgm:linClrLst meth="repeat">
+      <a:schemeClr val="lt1"/>
+    </dgm:linClrLst>
+    <dgm:effectClrLst/>
+    <dgm:txLinClrLst/>
+    <dgm:txFillClrLst/>
+    <dgm:txEffectClrLst/>
+  </dgm:styleLbl>
+  <dgm:styleLbl name="node4">
+    <dgm:fillClrLst meth="repeat">
+      <a:schemeClr val="accent1"/>
+    </dgm:fillClrLst>
+    <dgm:linClrLst meth="repeat">
+      <a:schemeClr val="lt1"/>
+    </dgm:linClrLst>
+    <dgm:effectClrLst/>
+    <dgm:txLinClrLst/>
+    <dgm:txFillClrLst/>
+    <dgm:txEffectClrLst/>
+  </dgm:styleLbl>
+  <dgm:styleLbl name="fgImgPlace1">
+    <dgm:fillClrLst meth="repeat">
+      <a:schemeClr val="accent1">
+        <a:tint val="50000"/>
+      </a:schemeClr>
+    </dgm:fillClrLst>
+    <dgm:linClrLst meth="repeat">
+      <a:schemeClr val="lt1"/>
+    </dgm:linClrLst>
+    <dgm:effectClrLst/>
+    <dgm:txLinClrLst/>
+    <dgm:txFillClrLst meth="repeat">
+      <a:schemeClr val="lt1"/>
+    </dgm:txFillClrLst>
+    <dgm:txEffectClrLst/>
+  </dgm:styleLbl>
+  <dgm:styleLbl name="alignImgPlace1">
+    <dgm:fillClrLst meth="repeat">
+      <a:schemeClr val="accent1">
+        <a:tint val="50000"/>
+      </a:schemeClr>
+    </dgm:fillClrLst>
+    <dgm:linClrLst meth="repeat">
+      <a:schemeClr val="lt1"/>
+    </dgm:linClrLst>
+    <dgm:effectClrLst/>
+    <dgm:txLinClrLst/>
+    <dgm:txFillClrLst meth="repeat">
+      <a:schemeClr val="lt1"/>
+    </dgm:txFillClrLst>
+    <dgm:txEffectClrLst/>
+  </dgm:styleLbl>
+  <dgm:styleLbl name="bgImgPlace1">
+    <dgm:fillClrLst meth="repeat">
+      <a:schemeClr val="accent1">
+        <a:tint val="50000"/>
+      </a:schemeClr>
+    </dgm:fillClrLst>
+    <dgm:linClrLst meth="repeat">
+      <a:schemeClr val="lt1"/>
+    </dgm:linClrLst>
+    <dgm:effectClrLst/>
+    <dgm:txLinClrLst/>
+    <dgm:txFillClrLst meth="repeat">
+      <a:schemeClr val="lt1"/>
+    </dgm:txFillClrLst>
+    <dgm:txEffectClrLst/>
+  </dgm:styleLbl>
+  <dgm:styleLbl name="sibTrans2D1">
+    <dgm:fillClrLst meth="repeat">
+      <a:schemeClr val="accent1">
+        <a:tint val="60000"/>
+      </a:schemeClr>
+    </dgm:fillClrLst>
+    <dgm:linClrLst meth="repeat">
+      <a:schemeClr val="accent1">
+        <a:tint val="60000"/>
+      </a:schemeClr>
+    </dgm:linClrLst>
+    <dgm:effectClrLst/>
+    <dgm:txLinClrLst/>
+    <dgm:txFillClrLst/>
+    <dgm:txEffectClrLst/>
+  </dgm:styleLbl>
+  <dgm:styleLbl name="fgSibTrans2D1">
+    <dgm:fillClrLst meth="repeat">
+      <a:schemeClr val="accent1">
+        <a:tint val="60000"/>
+      </a:schemeClr>
+    </dgm:fillClrLst>
+    <dgm:linClrLst meth="repeat">
+      <a:schemeClr val="accent1">
+        <a:tint val="60000"/>
+      </a:schemeClr>
+    </dgm:linClrLst>
+    <dgm:effectClrLst/>
+    <dgm:txLinClrLst/>
+    <dgm:txFillClrLst/>
+    <dgm:txEffectClrLst/>
+  </dgm:styleLbl>
+  <dgm:styleLbl name="bgSibTrans2D1">
+    <dgm:fillClrLst meth="repeat">
+      <a:schemeClr val="accent1">
+        <a:tint val="60000"/>
+      </a:schemeClr>
+    </dgm:fillClrLst>
+    <dgm:linClrLst meth="repeat">
+      <a:schemeClr val="accent1">
+        <a:tint val="60000"/>
+      </a:schemeClr>
+    </dgm:linClrLst>
+    <dgm:effectClrLst/>
+    <dgm:txLinClrLst/>
+    <dgm:txFillClrLst/>
+    <dgm:txEffectClrLst/>
+  </dgm:styleLbl>
+  <dgm:styleLbl name="sibTrans1D1">
+    <dgm:fillClrLst meth="repeat">
+      <a:schemeClr val="accent1"/>
+    </dgm:fillClrLst>
+    <dgm:linClrLst meth="repeat">
+      <a:schemeClr val="accent1"/>
+    </dgm:linClrLst>
+    <dgm:effectClrLst/>
+    <dgm:txLinClrLst/>
+    <dgm:txFillClrLst meth="repeat">
+      <a:schemeClr val="tx1"/>
+    </dgm:txFillClrLst>
+    <dgm:txEffectClrLst/>
+  </dgm:styleLbl>
+  <dgm:styleLbl name="callout">
+    <dgm:fillClrLst meth="repeat">
+      <a:schemeClr val="accent1"/>
+    </dgm:fillClrLst>
+    <dgm:linClrLst meth="repeat">
+      <a:schemeClr val="accent1">
+        <a:tint val="50000"/>
+      </a:schemeClr>
+    </dgm:linClrLst>
+    <dgm:effectClrLst/>
+    <dgm:txLinClrLst/>
+    <dgm:txFillClrLst meth="repeat">
+      <a:schemeClr val="tx1"/>
+    </dgm:txFillClrLst>
+    <dgm:txEffectClrLst/>
+  </dgm:styleLbl>
+  <dgm:styleLbl name="asst0">
+    <dgm:fillClrLst meth="repeat">
+      <a:schemeClr val="accent1"/>
+    </dgm:fillClrLst>
+    <dgm:linClrLst meth="repeat">
+      <a:schemeClr val="lt1"/>
+    </dgm:linClrLst>
+    <dgm:effectClrLst/>
+    <dgm:txLinClrLst/>
+    <dgm:txFillClrLst/>
+    <dgm:txEffectClrLst/>
+  </dgm:styleLbl>
+  <dgm:styleLbl name="asst1">
+    <dgm:fillClrLst meth="repeat">
+      <a:schemeClr val="accent1"/>
+    </dgm:fillClrLst>
+    <dgm:linClrLst meth="repeat">
+      <a:schemeClr val="lt1"/>
+    </dgm:linClrLst>
+    <dgm:effectClrLst/>
+    <dgm:txLinClrLst/>
+    <dgm:txFillClrLst/>
+    <dgm:txEffectClrLst/>
+  </dgm:styleLbl>
+  <dgm:styleLbl name="asst2">
+    <dgm:fillClrLst meth="repeat">
+      <a:schemeClr val="accent1"/>
+    </dgm:fillClrLst>
+    <dgm:linClrLst meth="repeat">
+      <a:schemeClr val="lt1"/>
+    </dgm:linClrLst>
+    <dgm:effectClrLst/>
+    <dgm:txLinClrLst/>
+    <dgm:txFillClrLst/>
+    <dgm:txEffectClrLst/>
+  </dgm:styleLbl>
+  <dgm:styleLbl name="asst3">
+    <dgm:fillClrLst meth="repeat">
+      <a:schemeClr val="accent1"/>
+    </dgm:fillClrLst>
+    <dgm:linClrLst meth="repeat">
+      <a:schemeClr val="lt1"/>
+    </dgm:linClrLst>
+    <dgm:effectClrLst/>
+    <dgm:txLinClrLst/>
+    <dgm:txFillClrLst/>
+    <dgm:txEffectClrLst/>
+  </dgm:styleLbl>
+  <dgm:styleLbl name="asst4">
+    <dgm:fillClrLst meth="repeat">
+      <a:schemeClr val="accent1"/>
+    </dgm:fillClrLst>
+    <dgm:linClrLst meth="repeat">
+      <a:schemeClr val="lt1"/>
+    </dgm:linClrLst>
+    <dgm:effectClrLst/>
+    <dgm:txLinClrLst/>
+    <dgm:txFillClrLst/>
+    <dgm:txEffectClrLst/>
+  </dgm:styleLbl>
+  <dgm:styleLbl name="parChTrans2D1">
+    <dgm:fillClrLst meth="repeat">
+      <a:schemeClr val="accent1">
+        <a:tint val="60000"/>
+      </a:schemeClr>
+    </dgm:fillClrLst>
+    <dgm:linClrLst meth="repeat">
+      <a:schemeClr val="accent1">
+        <a:tint val="60000"/>
+      </a:schemeClr>
+    </dgm:linClrLst>
+    <dgm:effectClrLst/>
+    <dgm:txLinClrLst/>
+    <dgm:txFillClrLst meth="repeat">
+      <a:schemeClr val="lt1"/>
+    </dgm:txFillClrLst>
+    <dgm:txEffectClrLst/>
+  </dgm:styleLbl>
+  <dgm:styleLbl name="parChTrans2D2">
+    <dgm:fillClrLst meth="repeat">
+      <a:schemeClr val="accent1"/>
+    </dgm:fillClrLst>
+    <dgm:linClrLst meth="repeat">
+      <a:schemeClr val="accent1"/>
+    </dgm:linClrLst>
+    <dgm:effectClrLst/>
+    <dgm:txLinClrLst/>
+    <dgm:txFillClrLst meth="repeat">
+      <a:schemeClr val="lt1"/>
+    </dgm:txFillClrLst>
+    <dgm:txEffectClrLst/>
+  </dgm:styleLbl>
+  <dgm:styleLbl name="parChTrans2D3">
+    <dgm:fillClrLst meth="repeat">
+      <a:schemeClr val="accent1"/>
+    </dgm:fillClrLst>
+    <dgm:linClrLst meth="repeat">
+      <a:schemeClr val="accent1"/>
+    </dgm:linClrLst>
+    <dgm:effectClrLst/>
+    <dgm:txLinClrLst/>
+    <dgm:txFillClrLst meth="repeat">
+      <a:schemeClr val="lt1"/>
+    </dgm:txFillClrLst>
+    <dgm:txEffectClrLst/>
+  </dgm:styleLbl>
+  <dgm:styleLbl name="parChTrans2D4">
+    <dgm:fillClrLst meth="repeat">
+      <a:schemeClr val="accent1"/>
+    </dgm:fillClrLst>
+    <dgm:linClrLst meth="repeat">
+      <a:schemeClr val="accent1"/>
+    </dgm:linClrLst>
+    <dgm:effectClrLst/>
+    <dgm:txLinClrLst/>
+    <dgm:txFillClrLst meth="repeat">
+      <a:schemeClr val="lt1"/>
+    </dgm:txFillClrLst>
+    <dgm:txEffectClrLst/>
+  </dgm:styleLbl>
+  <dgm:styleLbl name="parChTrans1D1">
+    <dgm:fillClrLst meth="repeat">
+      <a:schemeClr val="accent1"/>
+    </dgm:fillClrLst>
+    <dgm:linClrLst meth="repeat">
+      <a:schemeClr val="accent1">
+        <a:shade val="60000"/>
+      </a:schemeClr>
+    </dgm:linClrLst>
+    <dgm:effectClrLst/>
+    <dgm:txLinClrLst/>
+    <dgm:txFillClrLst meth="repeat">
+      <a:schemeClr val="tx1"/>
+    </dgm:txFillClrLst>
+    <dgm:txEffectClrLst/>
+  </dgm:styleLbl>
+  <dgm:styleLbl name="parChTrans1D2">
+    <dgm:fillClrLst meth="repeat">
+      <a:schemeClr val="accent1"/>
+    </dgm:fillClrLst>
+    <dgm:linClrLst meth="repeat">
+      <a:schemeClr val="accent1">
+        <a:shade val="60000"/>
+      </a:schemeClr>
+    </dgm:linClrLst>
+    <dgm:effectClrLst/>
+    <dgm:txLinClrLst/>
+    <dgm:txFillClrLst meth="repeat">
+      <a:schemeClr val="tx1"/>
+    </dgm:txFillClrLst>
+    <dgm:txEffectClrLst/>
+  </dgm:styleLbl>
+  <dgm:styleLbl name="parChTrans1D3">
+    <dgm:fillClrLst meth="repeat">
+      <a:schemeClr val="accent1"/>
+    </dgm:fillClrLst>
+    <dgm:linClrLst meth="repeat">
+      <a:schemeClr val="accent1">
+        <a:shade val="80000"/>
+      </a:schemeClr>
+    </dgm:linClrLst>
+    <dgm:effectClrLst/>
+    <dgm:txLinClrLst/>
+    <dgm:txFillClrLst meth="repeat">
+      <a:schemeClr val="tx1"/>
+    </dgm:txFillClrLst>
+    <dgm:txEffectClrLst/>
+  </dgm:styleLbl>
+  <dgm:styleLbl name="parChTrans1D4">
+    <dgm:fillClrLst meth="repeat">
+      <a:schemeClr val="accent1"/>
+    </dgm:fillClrLst>
+    <dgm:linClrLst meth="repeat">
+      <a:schemeClr val="accent1">
+        <a:shade val="80000"/>
+      </a:schemeClr>
+    </dgm:linClrLst>
+    <dgm:effectClrLst/>
+    <dgm:txLinClrLst/>
+    <dgm:txFillClrLst meth="repeat">
+      <a:schemeClr val="tx1"/>
+    </dgm:txFillClrLst>
+    <dgm:txEffectClrLst/>
+  </dgm:styleLbl>
+  <dgm:styleLbl name="fgAcc1">
+    <dgm:fillClrLst meth="repeat">
+      <a:schemeClr val="lt1">
+        <a:alpha val="90000"/>
+      </a:schemeClr>
+    </dgm:fillClrLst>
+    <dgm:linClrLst meth="repeat">
+      <a:schemeClr val="accent1"/>
+    </dgm:linClrLst>
+    <dgm:effectClrLst/>
+    <dgm:txLinClrLst/>
+    <dgm:txFillClrLst meth="repeat">
+      <a:schemeClr val="dk1"/>
+    </dgm:txFillClrLst>
+    <dgm:txEffectClrLst/>
+  </dgm:styleLbl>
+  <dgm:styleLbl name="conFgAcc1">
+    <dgm:fillClrLst meth="repeat">
+      <a:schemeClr val="lt1">
+        <a:alpha val="90000"/>
+      </a:schemeClr>
+    </dgm:fillClrLst>
+    <dgm:linClrLst meth="repeat">
+      <a:schemeClr val="accent1"/>
+    </dgm:linClrLst>
+    <dgm:effectClrLst/>
+    <dgm:txLinClrLst/>
+    <dgm:txFillClrLst meth="repeat">
+      <a:schemeClr val="dk1"/>
+    </dgm:txFillClrLst>
+    <dgm:txEffectClrLst/>
+  </dgm:styleLbl>
+  <dgm:styleLbl name="alignAcc1">
+    <dgm:fillClrLst meth="repeat">
+      <a:schemeClr val="lt1">
+        <a:alpha val="90000"/>
+      </a:schemeClr>
+    </dgm:fillClrLst>
+    <dgm:linClrLst meth="repeat">
+      <a:schemeClr val="accent1"/>
+    </dgm:linClrLst>
+    <dgm:effectClrLst/>
+    <dgm:txLinClrLst/>
+    <dgm:txFillClrLst meth="repeat">
+      <a:schemeClr val="dk1"/>
+    </dgm:txFillClrLst>
+    <dgm:txEffectClrLst/>
+  </dgm:styleLbl>
+  <dgm:styleLbl name="trAlignAcc1">
+    <dgm:fillClrLst meth="repeat">
+      <a:schemeClr val="lt1">
+        <a:alpha val="40000"/>
+      </a:schemeClr>
+    </dgm:fillClrLst>
+    <dgm:linClrLst meth="repeat">
+      <a:schemeClr val="accent1"/>
+    </dgm:linClrLst>
+    <dgm:effectClrLst/>
+    <dgm:txLinClrLst/>
+    <dgm:txFillClrLst meth="repeat">
+      <a:schemeClr val="dk1"/>
+    </dgm:txFillClrLst>
+    <dgm:txEffectClrLst/>
+  </dgm:styleLbl>
+  <dgm:styleLbl name="bgAcc1">
+    <dgm:fillClrLst meth="repeat">
+      <a:schemeClr val="lt1">
+        <a:alpha val="90000"/>
+      </a:schemeClr>
+    </dgm:fillClrLst>
+    <dgm:linClrLst meth="repeat">
+      <a:schemeClr val="accent1"/>
+    </dgm:linClrLst>
+    <dgm:effectClrLst/>
+    <dgm:txLinClrLst/>
+    <dgm:txFillClrLst meth="repeat">
+      <a:schemeClr val="dk1"/>
+    </dgm:txFillClrLst>
+    <dgm:txEffectClrLst/>
+  </dgm:styleLbl>
+  <dgm:styleLbl name="solidFgAcc1">
+    <dgm:fillClrLst meth="repeat">
+      <a:schemeClr val="lt1"/>
+    </dgm:fillClrLst>
+    <dgm:linClrLst meth="repeat">
+      <a:schemeClr val="accent1"/>
+    </dgm:linClrLst>
+    <dgm:effectClrLst/>
+    <dgm:txLinClrLst/>
+    <dgm:txFillClrLst meth="repeat">
+      <a:schemeClr val="dk1"/>
+    </dgm:txFillClrLst>
+    <dgm:txEffectClrLst/>
+  </dgm:styleLbl>
+  <dgm:styleLbl name="solidAlignAcc1">
+    <dgm:fillClrLst meth="repeat">
+      <a:schemeClr val="lt1"/>
+    </dgm:fillClrLst>
+    <dgm:linClrLst meth="repeat">
+      <a:schemeClr val="accent1"/>
+    </dgm:linClrLst>
+    <dgm:effectClrLst/>
+    <dgm:txLinClrLst/>
+    <dgm:txFillClrLst meth="repeat">
+      <a:schemeClr val="dk1"/>
+    </dgm:txFillClrLst>
+    <dgm:txEffectClrLst/>
+  </dgm:styleLbl>
+  <dgm:styleLbl name="solidBgAcc1">
+    <dgm:fillClrLst meth="repeat">
+      <a:schemeClr val="lt1"/>
+    </dgm:fillClrLst>
+    <dgm:linClrLst meth="repeat">
+      <a:schemeClr val="accent1"/>
+    </dgm:linClrLst>
+    <dgm:effectClrLst/>
+    <dgm:txLinClrLst/>
+    <dgm:txFillClrLst meth="repeat">
+      <a:schemeClr val="dk1"/>
+    </dgm:txFillClrLst>
+    <dgm:txEffectClrLst/>
+  </dgm:styleLbl>
+  <dgm:styleLbl name="fgAccFollowNode1">
+    <dgm:fillClrLst meth="repeat">
+      <a:schemeClr val="accent1">
+        <a:alpha val="90000"/>
+        <a:tint val="40000"/>
+      </a:schemeClr>
+    </dgm:fillClrLst>
+    <dgm:linClrLst meth="repeat">
+      <a:schemeClr val="accent1">
+        <a:alpha val="90000"/>
+        <a:tint val="40000"/>
+      </a:schemeClr>
+    </dgm:linClrLst>
+    <dgm:effectClrLst/>
+    <dgm:txLinClrLst/>
+    <dgm:txFillClrLst meth="repeat">
+      <a:schemeClr val="dk1"/>
+    </dgm:txFillClrLst>
+    <dgm:txEffectClrLst/>
+  </dgm:styleLbl>
+  <dgm:styleLbl name="alignAccFollowNode1">
+    <dgm:fillClrLst meth="repeat">
+      <a:schemeClr val="accent1">
+        <a:alpha val="90000"/>
+        <a:tint val="40000"/>
+      </a:schemeClr>
+    </dgm:fillClrLst>
+    <dgm:linClrLst meth="repeat">
+      <a:schemeClr val="accent1">
+        <a:alpha val="90000"/>
+        <a:tint val="40000"/>
+      </a:schemeClr>
+    </dgm:linClrLst>
+    <dgm:effectClrLst/>
+    <dgm:txLinClrLst/>
+    <dgm:txFillClrLst meth="repeat">
+      <a:schemeClr val="dk1"/>
+    </dgm:txFillClrLst>
+    <dgm:txEffectClrLst/>
+  </dgm:styleLbl>
+  <dgm:styleLbl name="bgAccFollowNode1">
+    <dgm:fillClrLst meth="repeat">
+      <a:schemeClr val="accent1">
+        <a:alpha val="90000"/>
+        <a:tint val="40000"/>
+      </a:schemeClr>
+    </dgm:fillClrLst>
+    <dgm:linClrLst meth="repeat">
+      <a:schemeClr val="accent1">
+        <a:alpha val="90000"/>
+        <a:tint val="40000"/>
+      </a:schemeClr>
+    </dgm:linClrLst>
+    <dgm:effectClrLst/>
+    <dgm:txLinClrLst/>
+    <dgm:txFillClrLst meth="repeat">
+      <a:schemeClr val="dk1"/>
+    </dgm:txFillClrLst>
+    <dgm:txEffectClrLst/>
+  </dgm:styleLbl>
+  <dgm:styleLbl name="fgAcc0">
+    <dgm:fillClrLst meth="repeat">
+      <a:schemeClr val="lt1">
+        <a:alpha val="90000"/>
+      </a:schemeClr>
+    </dgm:fillClrLst>
+    <dgm:linClrLst meth="repeat">
+      <a:schemeClr val="accent1"/>
+    </dgm:linClrLst>
+    <dgm:effectClrLst/>
+    <dgm:txLinClrLst/>
+    <dgm:txFillClrLst meth="repeat">
+      <a:schemeClr val="dk1"/>
+    </dgm:txFillClrLst>
+    <dgm:txEffectClrLst/>
+  </dgm:styleLbl>
+  <dgm:styleLbl name="fgAcc2">
+    <dgm:fillClrLst meth="repeat">
+      <a:schemeClr val="lt1">
+        <a:alpha val="90000"/>
+      </a:schemeClr>
+    </dgm:fillClrLst>
+    <dgm:linClrLst meth="repeat">
+      <a:schemeClr val="accent1"/>
+    </dgm:linClrLst>
+    <dgm:effectClrLst/>
+    <dgm:txLinClrLst/>
+    <dgm:txFillClrLst meth="repeat">
+      <a:schemeClr val="dk1"/>
+    </dgm:txFillClrLst>
+    <dgm:txEffectClrLst/>
+  </dgm:styleLbl>
+  <dgm:styleLbl name="fgAcc3">
+    <dgm:fillClrLst meth="repeat">
+      <a:schemeClr val="lt1">
+        <a:alpha val="90000"/>
+      </a:schemeClr>
+    </dgm:fillClrLst>
+    <dgm:linClrLst meth="repeat">
+      <a:schemeClr val="accent1"/>
+    </dgm:linClrLst>
+    <dgm:effectClrLst/>
+    <dgm:txLinClrLst/>
+    <dgm:txFillClrLst meth="repeat">
+      <a:schemeClr val="dk1"/>
+    </dgm:txFillClrLst>
+    <dgm:txEffectClrLst/>
+  </dgm:styleLbl>
+  <dgm:styleLbl name="fgAcc4">
+    <dgm:fillClrLst meth="repeat">
+      <a:schemeClr val="lt1">
+        <a:alpha val="90000"/>
+      </a:schemeClr>
+    </dgm:fillClrLst>
+    <dgm:linClrLst meth="repeat">
+      <a:schemeClr val="accent1"/>
+    </dgm:linClrLst>
+    <dgm:effectClrLst/>
+    <dgm:txLinClrLst/>
+    <dgm:txFillClrLst meth="repeat">
+      <a:schemeClr val="dk1"/>
+    </dgm:txFillClrLst>
+    <dgm:txEffectClrLst/>
+  </dgm:styleLbl>
+  <dgm:styleLbl name="bgShp">
+    <dgm:fillClrLst meth="repeat">
+      <a:schemeClr val="accent1">
+        <a:tint val="40000"/>
+      </a:schemeClr>
+    </dgm:fillClrLst>
+    <dgm:linClrLst meth="repeat">
+      <a:schemeClr val="accent1"/>
+    </dgm:linClrLst>
+    <dgm:effectClrLst/>
+    <dgm:txLinClrLst/>
+    <dgm:txFillClrLst meth="repeat">
+      <a:schemeClr val="dk1"/>
+    </dgm:txFillClrLst>
+    <dgm:txEffectClrLst/>
+  </dgm:styleLbl>
+  <dgm:styleLbl name="dkBgShp">
+    <dgm:fillClrLst meth="repeat">
+      <a:schemeClr val="accent1">
+        <a:shade val="80000"/>
+      </a:schemeClr>
+    </dgm:fillClrLst>
+    <dgm:linClrLst meth="repeat">
+      <a:schemeClr val="accent1"/>
+    </dgm:linClrLst>
+    <dgm:effectClrLst/>
+    <dgm:txLinClrLst/>
+    <dgm:txFillClrLst meth="repeat">
+      <a:schemeClr val="lt1"/>
+    </dgm:txFillClrLst>
+    <dgm:txEffectClrLst/>
+  </dgm:styleLbl>
+  <dgm:styleLbl name="trBgShp">
+    <dgm:fillClrLst meth="repeat">
+      <a:schemeClr val="accent1">
+        <a:tint val="50000"/>
+        <a:alpha val="40000"/>
+      </a:schemeClr>
+    </dgm:fillClrLst>
+    <dgm:linClrLst meth="repeat">
+      <a:schemeClr val="accent1"/>
+    </dgm:linClrLst>
+    <dgm:effectClrLst/>
+    <dgm:txLinClrLst/>
+    <dgm:txFillClrLst meth="repeat">
+      <a:schemeClr val="lt1"/>
+    </dgm:txFillClrLst>
+    <dgm:txEffectClrLst/>
+  </dgm:styleLbl>
+  <dgm:styleLbl name="fgShp">
+    <dgm:fillClrLst meth="repeat">
+      <a:schemeClr val="accent1">
+        <a:tint val="60000"/>
+      </a:schemeClr>
+    </dgm:fillClrLst>
+    <dgm:linClrLst meth="repeat">
+      <a:schemeClr val="lt1"/>
+    </dgm:linClrLst>
+    <dgm:effectClrLst/>
+    <dgm:txLinClrLst/>
+    <dgm:txFillClrLst meth="repeat">
+      <a:schemeClr val="dk1"/>
+    </dgm:txFillClrLst>
+    <dgm:txEffectClrLst/>
+  </dgm:styleLbl>
+  <dgm:styleLbl name="revTx">
+    <dgm:fillClrLst meth="repeat">
+      <a:schemeClr val="lt1">
+        <a:alpha val="0"/>
+      </a:schemeClr>
+    </dgm:fillClrLst>
+    <dgm:linClrLst meth="repeat">
+      <a:schemeClr val="dk1">
+        <a:alpha val="0"/>
+      </a:schemeClr>
+    </dgm:linClrLst>
+    <dgm:effectClrLst/>
+    <dgm:txLinClrLst/>
+    <dgm:txFillClrLst meth="repeat">
+      <a:schemeClr val="tx1"/>
+    </dgm:txFillClrLst>
+    <dgm:txEffectClrLst/>
+  </dgm:styleLbl>
+</dgm:colorsDef>
+</file>
+
+<file path=ppt/diagrams/data1.xml><?xml version="1.0" encoding="utf-8"?>
+<dgm:dataModel xmlns:dgm="http://schemas.openxmlformats.org/drawingml/2006/diagram" xmlns:a="http://schemas.openxmlformats.org/drawingml/2006/main">
+  <dgm:ptLst>
+    <dgm:pt modelId="{F1FDF8C5-3BF1-0148-A830-2AF5FA0F1929}" type="doc">
+      <dgm:prSet loTypeId="urn:microsoft.com/office/officeart/2005/8/layout/cycle7" loCatId="" qsTypeId="urn:microsoft.com/office/officeart/2005/8/quickstyle/simple4" qsCatId="simple" csTypeId="urn:microsoft.com/office/officeart/2005/8/colors/accent1_2" csCatId="accent1" phldr="1"/>
+      <dgm:spPr/>
+      <dgm:t>
+        <a:bodyPr/>
+        <a:lstStyle/>
+        <a:p>
+          <a:endParaRPr lang="en-US"/>
+        </a:p>
+      </dgm:t>
+    </dgm:pt>
+    <dgm:pt modelId="{46F6E394-227C-DB49-88BB-F8E3A97F298B}">
+      <dgm:prSet phldrT="[Text]" custT="1"/>
+      <dgm:spPr/>
+      <dgm:t>
+        <a:bodyPr/>
+        <a:lstStyle/>
+        <a:p>
+          <a:pPr algn="ctr"/>
+          <a:r>
+            <a:rPr lang="en-US" sz="2000" b="1" dirty="0" smtClean="0"/>
+            <a:t>Controller</a:t>
+          </a:r>
+          <a:endParaRPr lang="en-US" sz="2000" b="1" dirty="0"/>
+        </a:p>
+      </dgm:t>
+    </dgm:pt>
+    <dgm:pt modelId="{952C1203-0623-5042-906A-DBADC6CC783C}" type="parTrans" cxnId="{439095AF-8136-9C4A-8840-3E77BB3A4278}">
+      <dgm:prSet/>
+      <dgm:spPr/>
+      <dgm:t>
+        <a:bodyPr/>
+        <a:lstStyle/>
+        <a:p>
+          <a:endParaRPr lang="en-US"/>
+        </a:p>
+      </dgm:t>
+    </dgm:pt>
+    <dgm:pt modelId="{82B3FB4D-1A40-2A4F-86A2-EDA5E3E8CA95}" type="sibTrans" cxnId="{439095AF-8136-9C4A-8840-3E77BB3A4278}">
+      <dgm:prSet/>
+      <dgm:spPr/>
+      <dgm:t>
+        <a:bodyPr/>
+        <a:lstStyle/>
+        <a:p>
+          <a:endParaRPr lang="en-US"/>
+        </a:p>
+      </dgm:t>
+    </dgm:pt>
+    <dgm:pt modelId="{C25DA871-9390-4F49-9165-FEA19EAEDAD6}">
+      <dgm:prSet phldrT="[Text]" custT="1"/>
+      <dgm:spPr/>
+      <dgm:t>
+        <a:bodyPr/>
+        <a:lstStyle/>
+        <a:p>
+          <a:pPr algn="ctr"/>
+          <a:r>
+            <a:rPr lang="en-US" sz="2000" b="1" dirty="0" smtClean="0"/>
+            <a:t>View</a:t>
+          </a:r>
+          <a:endParaRPr lang="en-US" sz="2000" b="1" dirty="0"/>
+        </a:p>
+      </dgm:t>
+    </dgm:pt>
+    <dgm:pt modelId="{CAEDE6BE-4DBC-2144-B554-A60FDFCEFC63}" type="parTrans" cxnId="{24CC9B9D-17CF-9F4C-9FAD-70A63AC661CB}">
+      <dgm:prSet/>
+      <dgm:spPr/>
+      <dgm:t>
+        <a:bodyPr/>
+        <a:lstStyle/>
+        <a:p>
+          <a:endParaRPr lang="en-US"/>
+        </a:p>
+      </dgm:t>
+    </dgm:pt>
+    <dgm:pt modelId="{7D92888A-94E1-874F-99F4-AAD20F52308C}" type="sibTrans" cxnId="{24CC9B9D-17CF-9F4C-9FAD-70A63AC661CB}">
+      <dgm:prSet/>
+      <dgm:spPr>
+        <a:noFill/>
+      </dgm:spPr>
+      <dgm:t>
+        <a:bodyPr/>
+        <a:lstStyle/>
+        <a:p>
+          <a:endParaRPr lang="en-US"/>
+        </a:p>
+      </dgm:t>
+    </dgm:pt>
+    <dgm:pt modelId="{C21A54E0-F1A3-3448-91D3-28DB80ADDD60}">
+      <dgm:prSet phldrT="[Text]" custT="1"/>
+      <dgm:spPr/>
+      <dgm:t>
+        <a:bodyPr/>
+        <a:lstStyle/>
+        <a:p>
+          <a:pPr algn="ctr"/>
+          <a:r>
+            <a:rPr lang="en-US" sz="2000" b="1" dirty="0" smtClean="0"/>
+            <a:t>Model</a:t>
+          </a:r>
+          <a:endParaRPr lang="en-US" sz="2000" b="1" dirty="0"/>
+        </a:p>
+      </dgm:t>
+    </dgm:pt>
+    <dgm:pt modelId="{21FC1A68-250C-E64B-ADB7-890AC9F32CBD}" type="parTrans" cxnId="{A68F0551-CD66-054E-8101-EC9770A6396E}">
+      <dgm:prSet/>
+      <dgm:spPr/>
+      <dgm:t>
+        <a:bodyPr/>
+        <a:lstStyle/>
+        <a:p>
+          <a:endParaRPr lang="en-US"/>
+        </a:p>
+      </dgm:t>
+    </dgm:pt>
+    <dgm:pt modelId="{02D521BB-9D6E-AE4A-BF01-69904886C38E}" type="sibTrans" cxnId="{A68F0551-CD66-054E-8101-EC9770A6396E}">
+      <dgm:prSet/>
+      <dgm:spPr/>
+      <dgm:t>
+        <a:bodyPr/>
+        <a:lstStyle/>
+        <a:p>
+          <a:endParaRPr lang="en-US"/>
+        </a:p>
+      </dgm:t>
+    </dgm:pt>
+    <dgm:pt modelId="{916ECD92-7A02-5E4B-ADEB-2918DC3CD55C}">
+      <dgm:prSet phldrT="[Text]" custT="1"/>
+      <dgm:spPr/>
+      <dgm:t>
+        <a:bodyPr/>
+        <a:lstStyle/>
+        <a:p>
+          <a:pPr algn="l"/>
+          <a:r>
+            <a:rPr lang="en-US" sz="1600" dirty="0" smtClean="0"/>
+            <a:t>Home</a:t>
+          </a:r>
+          <a:endParaRPr lang="en-US" sz="1600" dirty="0"/>
+        </a:p>
+      </dgm:t>
+    </dgm:pt>
+    <dgm:pt modelId="{2FDBB221-967C-5E46-B7BA-7BD69CF9306B}" type="parTrans" cxnId="{4EB942E7-73A7-B64D-92F5-57337AACB3BA}">
+      <dgm:prSet/>
+      <dgm:spPr/>
+      <dgm:t>
+        <a:bodyPr/>
+        <a:lstStyle/>
+        <a:p>
+          <a:endParaRPr lang="en-US"/>
+        </a:p>
+      </dgm:t>
+    </dgm:pt>
+    <dgm:pt modelId="{FB9E940C-20CF-5244-8B00-E91442118B85}" type="sibTrans" cxnId="{4EB942E7-73A7-B64D-92F5-57337AACB3BA}">
+      <dgm:prSet/>
+      <dgm:spPr/>
+      <dgm:t>
+        <a:bodyPr/>
+        <a:lstStyle/>
+        <a:p>
+          <a:endParaRPr lang="en-US"/>
+        </a:p>
+      </dgm:t>
+    </dgm:pt>
+    <dgm:pt modelId="{BD4C8A68-C6CD-2F46-BE25-0DAAC161B703}">
+      <dgm:prSet phldrT="[Text]" custT="1"/>
+      <dgm:spPr/>
+      <dgm:t>
+        <a:bodyPr/>
+        <a:lstStyle/>
+        <a:p>
+          <a:pPr algn="l"/>
+          <a:r>
+            <a:rPr lang="en-US" sz="1600" dirty="0" smtClean="0"/>
+            <a:t>Goals</a:t>
+          </a:r>
+          <a:endParaRPr lang="en-US" sz="1600" dirty="0"/>
+        </a:p>
+      </dgm:t>
+    </dgm:pt>
+    <dgm:pt modelId="{B681CF90-C456-C145-B3B0-B2DF617594E5}" type="parTrans" cxnId="{5C33DB29-353F-304C-8DEA-0D7B287B26F3}">
+      <dgm:prSet/>
+      <dgm:spPr/>
+      <dgm:t>
+        <a:bodyPr/>
+        <a:lstStyle/>
+        <a:p>
+          <a:endParaRPr lang="en-US"/>
+        </a:p>
+      </dgm:t>
+    </dgm:pt>
+    <dgm:pt modelId="{A7D1DC22-3B83-DD46-B0C7-C5678672CA70}" type="sibTrans" cxnId="{5C33DB29-353F-304C-8DEA-0D7B287B26F3}">
+      <dgm:prSet/>
+      <dgm:spPr/>
+      <dgm:t>
+        <a:bodyPr/>
+        <a:lstStyle/>
+        <a:p>
+          <a:endParaRPr lang="en-US"/>
+        </a:p>
+      </dgm:t>
+    </dgm:pt>
+    <dgm:pt modelId="{0E4D7888-19F2-0849-9455-EBC0BFA3DE79}">
+      <dgm:prSet phldrT="[Text]" custT="1"/>
+      <dgm:spPr/>
+      <dgm:t>
+        <a:bodyPr/>
+        <a:lstStyle/>
+        <a:p>
+          <a:pPr algn="l"/>
+          <a:r>
+            <a:rPr lang="en-US" sz="1600" dirty="0" smtClean="0"/>
+            <a:t>Entries</a:t>
+          </a:r>
+          <a:endParaRPr lang="en-US" sz="1600" dirty="0"/>
+        </a:p>
+      </dgm:t>
+    </dgm:pt>
+    <dgm:pt modelId="{64E7D98B-B57C-1941-8E75-7C7A70D6AAD0}" type="parTrans" cxnId="{897B152F-4DD1-4F4D-BA76-449C10A3BBE0}">
+      <dgm:prSet/>
+      <dgm:spPr/>
+      <dgm:t>
+        <a:bodyPr/>
+        <a:lstStyle/>
+        <a:p>
+          <a:endParaRPr lang="en-US"/>
+        </a:p>
+      </dgm:t>
+    </dgm:pt>
+    <dgm:pt modelId="{A621D469-B865-BD4A-B8CC-C3A5B275A9EE}" type="sibTrans" cxnId="{897B152F-4DD1-4F4D-BA76-449C10A3BBE0}">
+      <dgm:prSet/>
+      <dgm:spPr/>
+      <dgm:t>
+        <a:bodyPr/>
+        <a:lstStyle/>
+        <a:p>
+          <a:endParaRPr lang="en-US"/>
+        </a:p>
+      </dgm:t>
+    </dgm:pt>
+    <dgm:pt modelId="{A3033D2A-55D9-0240-A10C-D55687930357}">
+      <dgm:prSet phldrT="[Text]" custT="1"/>
+      <dgm:spPr/>
+      <dgm:t>
+        <a:bodyPr/>
+        <a:lstStyle/>
+        <a:p>
+          <a:pPr algn="l"/>
+          <a:r>
+            <a:rPr lang="en-US" sz="1600" dirty="0" smtClean="0"/>
+            <a:t>Layouts</a:t>
+          </a:r>
+          <a:endParaRPr lang="en-US" sz="1600" dirty="0"/>
+        </a:p>
+      </dgm:t>
+    </dgm:pt>
+    <dgm:pt modelId="{5EF3D1CA-8285-D647-B6EE-FB3346FE218D}" type="parTrans" cxnId="{D624FB87-6929-B546-A3A7-6B82A6F275FD}">
+      <dgm:prSet/>
+      <dgm:spPr/>
+      <dgm:t>
+        <a:bodyPr/>
+        <a:lstStyle/>
+        <a:p>
+          <a:endParaRPr lang="en-US"/>
+        </a:p>
+      </dgm:t>
+    </dgm:pt>
+    <dgm:pt modelId="{E91EE832-3B26-8B45-BF45-48D3DFC88AE2}" type="sibTrans" cxnId="{D624FB87-6929-B546-A3A7-6B82A6F275FD}">
+      <dgm:prSet/>
+      <dgm:spPr/>
+      <dgm:t>
+        <a:bodyPr/>
+        <a:lstStyle/>
+        <a:p>
+          <a:endParaRPr lang="en-US"/>
+        </a:p>
+      </dgm:t>
+    </dgm:pt>
+    <dgm:pt modelId="{0F386312-2CC3-7141-84FA-87573BDAF383}">
+      <dgm:prSet phldrT="[Text]" custT="1"/>
+      <dgm:spPr/>
+      <dgm:t>
+        <a:bodyPr/>
+        <a:lstStyle/>
+        <a:p>
+          <a:pPr algn="l"/>
+          <a:r>
+            <a:rPr lang="en-US" sz="1600" dirty="0" smtClean="0"/>
+            <a:t>Home</a:t>
+          </a:r>
+          <a:endParaRPr lang="en-US" sz="1600" dirty="0"/>
+        </a:p>
+      </dgm:t>
+    </dgm:pt>
+    <dgm:pt modelId="{852AE919-DE99-304D-9CEC-CA8EF5B1F0EF}" type="parTrans" cxnId="{BF865890-628E-3745-BE75-FB7EB6118BB3}">
+      <dgm:prSet/>
+      <dgm:spPr/>
+      <dgm:t>
+        <a:bodyPr/>
+        <a:lstStyle/>
+        <a:p>
+          <a:endParaRPr lang="en-US"/>
+        </a:p>
+      </dgm:t>
+    </dgm:pt>
+    <dgm:pt modelId="{824A92D6-B6C4-A441-B04B-9A22A44DDD83}" type="sibTrans" cxnId="{BF865890-628E-3745-BE75-FB7EB6118BB3}">
+      <dgm:prSet/>
+      <dgm:spPr/>
+      <dgm:t>
+        <a:bodyPr/>
+        <a:lstStyle/>
+        <a:p>
+          <a:endParaRPr lang="en-US"/>
+        </a:p>
+      </dgm:t>
+    </dgm:pt>
+    <dgm:pt modelId="{F5594C39-B98E-B645-9950-735BA30F8E8C}">
+      <dgm:prSet phldrT="[Text]" custT="1"/>
+      <dgm:spPr/>
+      <dgm:t>
+        <a:bodyPr/>
+        <a:lstStyle/>
+        <a:p>
+          <a:pPr algn="l"/>
+          <a:r>
+            <a:rPr lang="en-US" sz="1600" dirty="0" smtClean="0"/>
+            <a:t>Users</a:t>
+          </a:r>
+          <a:endParaRPr lang="en-US" sz="1600" dirty="0"/>
+        </a:p>
+      </dgm:t>
+    </dgm:pt>
+    <dgm:pt modelId="{C803A8E6-23F6-E142-9AC1-9E66374B726D}" type="parTrans" cxnId="{2D771C96-352A-6446-8972-5DA18CD67DC2}">
+      <dgm:prSet/>
+      <dgm:spPr/>
+      <dgm:t>
+        <a:bodyPr/>
+        <a:lstStyle/>
+        <a:p>
+          <a:endParaRPr lang="en-US"/>
+        </a:p>
+      </dgm:t>
+    </dgm:pt>
+    <dgm:pt modelId="{52A1E060-DAAA-9443-9AEB-C039D6F4E6CB}" type="sibTrans" cxnId="{2D771C96-352A-6446-8972-5DA18CD67DC2}">
+      <dgm:prSet/>
+      <dgm:spPr/>
+      <dgm:t>
+        <a:bodyPr/>
+        <a:lstStyle/>
+        <a:p>
+          <a:endParaRPr lang="en-US"/>
+        </a:p>
+      </dgm:t>
+    </dgm:pt>
+    <dgm:pt modelId="{5476B833-8A93-7D4E-88B7-4D88C954B19C}">
+      <dgm:prSet phldrT="[Text]" custT="1"/>
+      <dgm:spPr/>
+      <dgm:t>
+        <a:bodyPr/>
+        <a:lstStyle/>
+        <a:p>
+          <a:pPr algn="l"/>
+          <a:r>
+            <a:rPr lang="en-US" sz="1600" dirty="0" smtClean="0"/>
+            <a:t>Goals</a:t>
+          </a:r>
+          <a:endParaRPr lang="en-US" sz="1600" dirty="0"/>
+        </a:p>
+      </dgm:t>
+    </dgm:pt>
+    <dgm:pt modelId="{283D7C26-8BB1-D644-92E0-4256CBC8EEAB}" type="parTrans" cxnId="{87E251B6-3176-6744-A5F7-24B6694E3D1F}">
+      <dgm:prSet/>
+      <dgm:spPr/>
+      <dgm:t>
+        <a:bodyPr/>
+        <a:lstStyle/>
+        <a:p>
+          <a:endParaRPr lang="en-US"/>
+        </a:p>
+      </dgm:t>
+    </dgm:pt>
+    <dgm:pt modelId="{A66627DC-5498-5B4A-BCA7-0AF0DB67DDD9}" type="sibTrans" cxnId="{87E251B6-3176-6744-A5F7-24B6694E3D1F}">
+      <dgm:prSet/>
+      <dgm:spPr/>
+      <dgm:t>
+        <a:bodyPr/>
+        <a:lstStyle/>
+        <a:p>
+          <a:endParaRPr lang="en-US"/>
+        </a:p>
+      </dgm:t>
+    </dgm:pt>
+    <dgm:pt modelId="{79501A34-D2BB-9749-83D7-6B7FFC0661F3}">
+      <dgm:prSet phldrT="[Text]" custT="1"/>
+      <dgm:spPr/>
+      <dgm:t>
+        <a:bodyPr/>
+        <a:lstStyle/>
+        <a:p>
+          <a:pPr algn="l"/>
+          <a:r>
+            <a:rPr lang="en-US" sz="1600" dirty="0" smtClean="0"/>
+            <a:t>Entries</a:t>
+          </a:r>
+        </a:p>
+      </dgm:t>
+    </dgm:pt>
+    <dgm:pt modelId="{E9E4C34C-2A3C-7D44-BAA3-AAD003DDA5A3}" type="parTrans" cxnId="{3F9461E5-C6FC-8D4A-BD18-B3DB586896E8}">
+      <dgm:prSet/>
+      <dgm:spPr/>
+      <dgm:t>
+        <a:bodyPr/>
+        <a:lstStyle/>
+        <a:p>
+          <a:endParaRPr lang="en-US"/>
+        </a:p>
+      </dgm:t>
+    </dgm:pt>
+    <dgm:pt modelId="{F2C57C73-7EFF-A44E-8F00-CA98274044DB}" type="sibTrans" cxnId="{3F9461E5-C6FC-8D4A-BD18-B3DB586896E8}">
+      <dgm:prSet/>
+      <dgm:spPr/>
+      <dgm:t>
+        <a:bodyPr/>
+        <a:lstStyle/>
+        <a:p>
+          <a:endParaRPr lang="en-US"/>
+        </a:p>
+      </dgm:t>
+    </dgm:pt>
+    <dgm:pt modelId="{ECAEFA44-4957-DD4E-9EC7-3B8AFFE8F03D}">
+      <dgm:prSet phldrT="[Text]" custT="1"/>
+      <dgm:spPr/>
+      <dgm:t>
+        <a:bodyPr/>
+        <a:lstStyle/>
+        <a:p>
+          <a:pPr algn="l"/>
+          <a:r>
+            <a:rPr lang="en-US" sz="1600" dirty="0" smtClean="0"/>
+            <a:t>User</a:t>
+          </a:r>
+          <a:endParaRPr lang="en-US" sz="1600" dirty="0"/>
+        </a:p>
+      </dgm:t>
+    </dgm:pt>
+    <dgm:pt modelId="{2E56FF09-6D0A-A548-B846-6B17B91B1D79}" type="parTrans" cxnId="{1BDD6A9D-7B2C-F147-8B93-9690C055E093}">
+      <dgm:prSet/>
+      <dgm:spPr/>
+      <dgm:t>
+        <a:bodyPr/>
+        <a:lstStyle/>
+        <a:p>
+          <a:endParaRPr lang="en-US"/>
+        </a:p>
+      </dgm:t>
+    </dgm:pt>
+    <dgm:pt modelId="{B98F66F2-62A4-7A4F-A76A-AB5EBDE10157}" type="sibTrans" cxnId="{1BDD6A9D-7B2C-F147-8B93-9690C055E093}">
+      <dgm:prSet/>
+      <dgm:spPr/>
+      <dgm:t>
+        <a:bodyPr/>
+        <a:lstStyle/>
+        <a:p>
+          <a:endParaRPr lang="en-US"/>
+        </a:p>
+      </dgm:t>
+    </dgm:pt>
+    <dgm:pt modelId="{322C1E70-58F0-2444-82B9-2EF93C4E3587}">
+      <dgm:prSet phldrT="[Text]" custT="1"/>
+      <dgm:spPr/>
+      <dgm:t>
+        <a:bodyPr/>
+        <a:lstStyle/>
+        <a:p>
+          <a:pPr algn="l"/>
+          <a:r>
+            <a:rPr lang="en-US" sz="1600" dirty="0" smtClean="0"/>
+            <a:t>Goal</a:t>
+          </a:r>
+          <a:endParaRPr lang="en-US" sz="1600" dirty="0"/>
+        </a:p>
+      </dgm:t>
+    </dgm:pt>
+    <dgm:pt modelId="{3DAADC81-F98F-E649-914F-B54F4302D686}" type="parTrans" cxnId="{B49D9AFE-55F8-8248-9D10-1D92BA06FE04}">
+      <dgm:prSet/>
+      <dgm:spPr/>
+      <dgm:t>
+        <a:bodyPr/>
+        <a:lstStyle/>
+        <a:p>
+          <a:endParaRPr lang="en-US"/>
+        </a:p>
+      </dgm:t>
+    </dgm:pt>
+    <dgm:pt modelId="{C468F150-2103-3A41-A4C7-73F5BAE2C496}" type="sibTrans" cxnId="{B49D9AFE-55F8-8248-9D10-1D92BA06FE04}">
+      <dgm:prSet/>
+      <dgm:spPr/>
+      <dgm:t>
+        <a:bodyPr/>
+        <a:lstStyle/>
+        <a:p>
+          <a:endParaRPr lang="en-US"/>
+        </a:p>
+      </dgm:t>
+    </dgm:pt>
+    <dgm:pt modelId="{90BF0259-B653-D343-B3D9-53B2D661D792}">
+      <dgm:prSet phldrT="[Text]" custT="1"/>
+      <dgm:spPr/>
+      <dgm:t>
+        <a:bodyPr/>
+        <a:lstStyle/>
+        <a:p>
+          <a:pPr algn="l"/>
+          <a:r>
+            <a:rPr lang="en-US" sz="1600" dirty="0" smtClean="0"/>
+            <a:t>Entry</a:t>
+          </a:r>
+          <a:endParaRPr lang="en-US" sz="1600" dirty="0"/>
+        </a:p>
+      </dgm:t>
+    </dgm:pt>
+    <dgm:pt modelId="{8DA0D4A6-3720-5247-B09A-22331FBC6501}" type="parTrans" cxnId="{E4875718-4359-C847-A266-E0B696ECB966}">
+      <dgm:prSet/>
+      <dgm:spPr/>
+      <dgm:t>
+        <a:bodyPr/>
+        <a:lstStyle/>
+        <a:p>
+          <a:endParaRPr lang="en-US"/>
+        </a:p>
+      </dgm:t>
+    </dgm:pt>
+    <dgm:pt modelId="{57F34B26-141D-D34D-9B01-C47A69D3BF6C}" type="sibTrans" cxnId="{E4875718-4359-C847-A266-E0B696ECB966}">
+      <dgm:prSet/>
+      <dgm:spPr/>
+      <dgm:t>
+        <a:bodyPr/>
+        <a:lstStyle/>
+        <a:p>
+          <a:endParaRPr lang="en-US"/>
+        </a:p>
+      </dgm:t>
+    </dgm:pt>
+    <dgm:pt modelId="{40C8740C-D20E-6849-9D81-EE1A7B382A5A}">
+      <dgm:prSet phldrT="[Text]" custT="1"/>
+      <dgm:spPr/>
+      <dgm:t>
+        <a:bodyPr/>
+        <a:lstStyle/>
+        <a:p>
+          <a:pPr algn="l"/>
+          <a:r>
+            <a:rPr lang="en-US" sz="1600" dirty="0" smtClean="0"/>
+            <a:t>Application</a:t>
+          </a:r>
+          <a:endParaRPr lang="en-US" sz="2000" b="1" dirty="0"/>
+        </a:p>
+      </dgm:t>
+    </dgm:pt>
+    <dgm:pt modelId="{156975FF-FC8F-BC42-907A-0999888B2E6C}" type="parTrans" cxnId="{AE497691-12A0-644B-8A9B-7CD43475B532}">
+      <dgm:prSet/>
+      <dgm:spPr/>
+      <dgm:t>
+        <a:bodyPr/>
+        <a:lstStyle/>
+        <a:p>
+          <a:endParaRPr lang="en-US"/>
+        </a:p>
+      </dgm:t>
+    </dgm:pt>
+    <dgm:pt modelId="{70719985-FECE-2743-AFD3-F7A0E77DA067}" type="sibTrans" cxnId="{AE497691-12A0-644B-8A9B-7CD43475B532}">
+      <dgm:prSet/>
+      <dgm:spPr/>
+      <dgm:t>
+        <a:bodyPr/>
+        <a:lstStyle/>
+        <a:p>
+          <a:endParaRPr lang="en-US"/>
+        </a:p>
+      </dgm:t>
+    </dgm:pt>
+    <dgm:pt modelId="{F4277413-575A-FD42-A8A0-BE562F49A1F3}" type="pres">
+      <dgm:prSet presAssocID="{F1FDF8C5-3BF1-0148-A830-2AF5FA0F1929}" presName="Name0" presStyleCnt="0">
+        <dgm:presLayoutVars>
+          <dgm:dir/>
+          <dgm:resizeHandles val="exact"/>
+        </dgm:presLayoutVars>
+      </dgm:prSet>
+      <dgm:spPr/>
+    </dgm:pt>
+    <dgm:pt modelId="{CA9DF486-C3A0-6A42-AB8B-C73D9E3A417B}" type="pres">
+      <dgm:prSet presAssocID="{46F6E394-227C-DB49-88BB-F8E3A97F298B}" presName="node" presStyleLbl="node1" presStyleIdx="0" presStyleCnt="3" custScaleY="119353" custRadScaleRad="82339">
+        <dgm:presLayoutVars>
+          <dgm:bulletEnabled val="1"/>
+        </dgm:presLayoutVars>
+      </dgm:prSet>
+      <dgm:spPr/>
+      <dgm:t>
+        <a:bodyPr/>
+        <a:lstStyle/>
+        <a:p>
+          <a:endParaRPr lang="en-US"/>
+        </a:p>
+      </dgm:t>
+    </dgm:pt>
+    <dgm:pt modelId="{099C6AC5-F29A-BB4F-AAAE-42B5A3FF3498}" type="pres">
+      <dgm:prSet presAssocID="{82B3FB4D-1A40-2A4F-86A2-EDA5E3E8CA95}" presName="sibTrans" presStyleLbl="sibTrans2D1" presStyleIdx="0" presStyleCnt="3" custAng="577954" custScaleX="84819" custLinFactNeighborX="5115"/>
+      <dgm:spPr/>
+    </dgm:pt>
+    <dgm:pt modelId="{5D018A5C-7647-7C48-8D70-F2604E096796}" type="pres">
+      <dgm:prSet presAssocID="{82B3FB4D-1A40-2A4F-86A2-EDA5E3E8CA95}" presName="connectorText" presStyleLbl="sibTrans2D1" presStyleIdx="0" presStyleCnt="3"/>
+      <dgm:spPr/>
+    </dgm:pt>
+    <dgm:pt modelId="{BD424B58-7C4B-924F-A6D0-29AA3A6E0DA3}" type="pres">
+      <dgm:prSet presAssocID="{C25DA871-9390-4F49-9165-FEA19EAEDAD6}" presName="node" presStyleLbl="node1" presStyleIdx="1" presStyleCnt="3" custScaleY="137330" custRadScaleRad="94542" custRadScaleInc="-9241">
+        <dgm:presLayoutVars>
+          <dgm:bulletEnabled val="1"/>
+        </dgm:presLayoutVars>
+      </dgm:prSet>
+      <dgm:spPr/>
+      <dgm:t>
+        <a:bodyPr/>
+        <a:lstStyle/>
+        <a:p>
+          <a:endParaRPr lang="en-US"/>
+        </a:p>
+      </dgm:t>
+    </dgm:pt>
+    <dgm:pt modelId="{FFF6FBD4-145B-5049-B0D0-74F575A69218}" type="pres">
+      <dgm:prSet presAssocID="{7D92888A-94E1-874F-99F4-AAD20F52308C}" presName="sibTrans" presStyleLbl="sibTrans2D1" presStyleIdx="1" presStyleCnt="3"/>
+      <dgm:spPr/>
+    </dgm:pt>
+    <dgm:pt modelId="{02EE73D7-6C71-5C46-B588-F2F53E7CFC1B}" type="pres">
+      <dgm:prSet presAssocID="{7D92888A-94E1-874F-99F4-AAD20F52308C}" presName="connectorText" presStyleLbl="sibTrans2D1" presStyleIdx="1" presStyleCnt="3"/>
+      <dgm:spPr/>
+    </dgm:pt>
+    <dgm:pt modelId="{16D2087C-AD30-4D47-8459-3242BC07C7A4}" type="pres">
+      <dgm:prSet presAssocID="{C21A54E0-F1A3-3448-91D3-28DB80ADDD60}" presName="node" presStyleLbl="node1" presStyleIdx="2" presStyleCnt="3" custScaleY="132997" custRadScaleRad="95488" custRadScaleInc="8477">
+        <dgm:presLayoutVars>
+          <dgm:bulletEnabled val="1"/>
+        </dgm:presLayoutVars>
+      </dgm:prSet>
+      <dgm:spPr/>
+      <dgm:t>
+        <a:bodyPr/>
+        <a:lstStyle/>
+        <a:p>
+          <a:endParaRPr lang="en-US"/>
+        </a:p>
+      </dgm:t>
+    </dgm:pt>
+    <dgm:pt modelId="{6077CF13-8F28-954E-8B0C-22AC9F9E93CF}" type="pres">
+      <dgm:prSet presAssocID="{02D521BB-9D6E-AE4A-BF01-69904886C38E}" presName="sibTrans" presStyleLbl="sibTrans2D1" presStyleIdx="2" presStyleCnt="3" custAng="21034756" custScaleX="86265" custLinFactNeighborX="-5115"/>
+      <dgm:spPr/>
+      <dgm:t>
+        <a:bodyPr/>
+        <a:lstStyle/>
+        <a:p>
+          <a:endParaRPr lang="en-US"/>
+        </a:p>
+      </dgm:t>
+    </dgm:pt>
+    <dgm:pt modelId="{00FAAA09-DE32-0E41-8978-A0DCD42450DC}" type="pres">
+      <dgm:prSet presAssocID="{02D521BB-9D6E-AE4A-BF01-69904886C38E}" presName="connectorText" presStyleLbl="sibTrans2D1" presStyleIdx="2" presStyleCnt="3"/>
+      <dgm:spPr/>
+    </dgm:pt>
+  </dgm:ptLst>
+  <dgm:cxnLst>
+    <dgm:cxn modelId="{413AEA23-D6C8-D74C-B211-A27DFBC931F1}" type="presOf" srcId="{90BF0259-B653-D343-B3D9-53B2D661D792}" destId="{16D2087C-AD30-4D47-8459-3242BC07C7A4}" srcOrd="0" destOrd="3" presId="urn:microsoft.com/office/officeart/2005/8/layout/cycle7"/>
+    <dgm:cxn modelId="{3625FCE7-11BA-A843-93D5-25019BF39257}" type="presOf" srcId="{0E4D7888-19F2-0849-9455-EBC0BFA3DE79}" destId="{CA9DF486-C3A0-6A42-AB8B-C73D9E3A417B}" srcOrd="0" destOrd="4" presId="urn:microsoft.com/office/officeart/2005/8/layout/cycle7"/>
+    <dgm:cxn modelId="{77C7A835-51EE-3946-BB97-6FC628AB17BD}" type="presOf" srcId="{40C8740C-D20E-6849-9D81-EE1A7B382A5A}" destId="{CA9DF486-C3A0-6A42-AB8B-C73D9E3A417B}" srcOrd="0" destOrd="1" presId="urn:microsoft.com/office/officeart/2005/8/layout/cycle7"/>
+    <dgm:cxn modelId="{897B152F-4DD1-4F4D-BA76-449C10A3BBE0}" srcId="{46F6E394-227C-DB49-88BB-F8E3A97F298B}" destId="{0E4D7888-19F2-0849-9455-EBC0BFA3DE79}" srcOrd="3" destOrd="0" parTransId="{64E7D98B-B57C-1941-8E75-7C7A70D6AAD0}" sibTransId="{A621D469-B865-BD4A-B8CC-C3A5B275A9EE}"/>
+    <dgm:cxn modelId="{C3F2C9CE-8571-F646-BB84-704F309E3618}" type="presOf" srcId="{ECAEFA44-4957-DD4E-9EC7-3B8AFFE8F03D}" destId="{16D2087C-AD30-4D47-8459-3242BC07C7A4}" srcOrd="0" destOrd="1" presId="urn:microsoft.com/office/officeart/2005/8/layout/cycle7"/>
+    <dgm:cxn modelId="{24CC9B9D-17CF-9F4C-9FAD-70A63AC661CB}" srcId="{F1FDF8C5-3BF1-0148-A830-2AF5FA0F1929}" destId="{C25DA871-9390-4F49-9165-FEA19EAEDAD6}" srcOrd="1" destOrd="0" parTransId="{CAEDE6BE-4DBC-2144-B554-A60FDFCEFC63}" sibTransId="{7D92888A-94E1-874F-99F4-AAD20F52308C}"/>
+    <dgm:cxn modelId="{E94E874A-CF72-774A-9A18-59603591BC47}" type="presOf" srcId="{46F6E394-227C-DB49-88BB-F8E3A97F298B}" destId="{CA9DF486-C3A0-6A42-AB8B-C73D9E3A417B}" srcOrd="0" destOrd="0" presId="urn:microsoft.com/office/officeart/2005/8/layout/cycle7"/>
+    <dgm:cxn modelId="{5C33DB29-353F-304C-8DEA-0D7B287B26F3}" srcId="{46F6E394-227C-DB49-88BB-F8E3A97F298B}" destId="{BD4C8A68-C6CD-2F46-BE25-0DAAC161B703}" srcOrd="2" destOrd="0" parTransId="{B681CF90-C456-C145-B3B0-B2DF617594E5}" sibTransId="{A7D1DC22-3B83-DD46-B0C7-C5678672CA70}"/>
+    <dgm:cxn modelId="{386C516A-E133-7B46-B3B4-681DD3A19749}" type="presOf" srcId="{C25DA871-9390-4F49-9165-FEA19EAEDAD6}" destId="{BD424B58-7C4B-924F-A6D0-29AA3A6E0DA3}" srcOrd="0" destOrd="0" presId="urn:microsoft.com/office/officeart/2005/8/layout/cycle7"/>
+    <dgm:cxn modelId="{882E81BB-6343-E146-8D03-7D4D900BEE25}" type="presOf" srcId="{7D92888A-94E1-874F-99F4-AAD20F52308C}" destId="{FFF6FBD4-145B-5049-B0D0-74F575A69218}" srcOrd="0" destOrd="0" presId="urn:microsoft.com/office/officeart/2005/8/layout/cycle7"/>
+    <dgm:cxn modelId="{87E251B6-3176-6744-A5F7-24B6694E3D1F}" srcId="{C25DA871-9390-4F49-9165-FEA19EAEDAD6}" destId="{5476B833-8A93-7D4E-88B7-4D88C954B19C}" srcOrd="3" destOrd="0" parTransId="{283D7C26-8BB1-D644-92E0-4256CBC8EEAB}" sibTransId="{A66627DC-5498-5B4A-BCA7-0AF0DB67DDD9}"/>
+    <dgm:cxn modelId="{2D771C96-352A-6446-8972-5DA18CD67DC2}" srcId="{C25DA871-9390-4F49-9165-FEA19EAEDAD6}" destId="{F5594C39-B98E-B645-9950-735BA30F8E8C}" srcOrd="2" destOrd="0" parTransId="{C803A8E6-23F6-E142-9AC1-9E66374B726D}" sibTransId="{52A1E060-DAAA-9443-9AEB-C039D6F4E6CB}"/>
+    <dgm:cxn modelId="{D624FB87-6929-B546-A3A7-6B82A6F275FD}" srcId="{C25DA871-9390-4F49-9165-FEA19EAEDAD6}" destId="{A3033D2A-55D9-0240-A10C-D55687930357}" srcOrd="0" destOrd="0" parTransId="{5EF3D1CA-8285-D647-B6EE-FB3346FE218D}" sibTransId="{E91EE832-3B26-8B45-BF45-48D3DFC88AE2}"/>
+    <dgm:cxn modelId="{610941E7-3531-E943-8531-89F033A6464D}" type="presOf" srcId="{82B3FB4D-1A40-2A4F-86A2-EDA5E3E8CA95}" destId="{099C6AC5-F29A-BB4F-AAAE-42B5A3FF3498}" srcOrd="0" destOrd="0" presId="urn:microsoft.com/office/officeart/2005/8/layout/cycle7"/>
+    <dgm:cxn modelId="{88665C7E-2FAD-104F-995A-CF51B66F6C5D}" type="presOf" srcId="{322C1E70-58F0-2444-82B9-2EF93C4E3587}" destId="{16D2087C-AD30-4D47-8459-3242BC07C7A4}" srcOrd="0" destOrd="2" presId="urn:microsoft.com/office/officeart/2005/8/layout/cycle7"/>
+    <dgm:cxn modelId="{E4875718-4359-C847-A266-E0B696ECB966}" srcId="{C21A54E0-F1A3-3448-91D3-28DB80ADDD60}" destId="{90BF0259-B653-D343-B3D9-53B2D661D792}" srcOrd="2" destOrd="0" parTransId="{8DA0D4A6-3720-5247-B09A-22331FBC6501}" sibTransId="{57F34B26-141D-D34D-9B01-C47A69D3BF6C}"/>
+    <dgm:cxn modelId="{439095AF-8136-9C4A-8840-3E77BB3A4278}" srcId="{F1FDF8C5-3BF1-0148-A830-2AF5FA0F1929}" destId="{46F6E394-227C-DB49-88BB-F8E3A97F298B}" srcOrd="0" destOrd="0" parTransId="{952C1203-0623-5042-906A-DBADC6CC783C}" sibTransId="{82B3FB4D-1A40-2A4F-86A2-EDA5E3E8CA95}"/>
+    <dgm:cxn modelId="{BF865890-628E-3745-BE75-FB7EB6118BB3}" srcId="{C25DA871-9390-4F49-9165-FEA19EAEDAD6}" destId="{0F386312-2CC3-7141-84FA-87573BDAF383}" srcOrd="1" destOrd="0" parTransId="{852AE919-DE99-304D-9CEC-CA8EF5B1F0EF}" sibTransId="{824A92D6-B6C4-A441-B04B-9A22A44DDD83}"/>
+    <dgm:cxn modelId="{B49D9AFE-55F8-8248-9D10-1D92BA06FE04}" srcId="{C21A54E0-F1A3-3448-91D3-28DB80ADDD60}" destId="{322C1E70-58F0-2444-82B9-2EF93C4E3587}" srcOrd="1" destOrd="0" parTransId="{3DAADC81-F98F-E649-914F-B54F4302D686}" sibTransId="{C468F150-2103-3A41-A4C7-73F5BAE2C496}"/>
+    <dgm:cxn modelId="{3F9461E5-C6FC-8D4A-BD18-B3DB586896E8}" srcId="{C25DA871-9390-4F49-9165-FEA19EAEDAD6}" destId="{79501A34-D2BB-9749-83D7-6B7FFC0661F3}" srcOrd="4" destOrd="0" parTransId="{E9E4C34C-2A3C-7D44-BAA3-AAD003DDA5A3}" sibTransId="{F2C57C73-7EFF-A44E-8F00-CA98274044DB}"/>
+    <dgm:cxn modelId="{744F02D0-EB56-F541-AF76-A16A50773F4A}" type="presOf" srcId="{A3033D2A-55D9-0240-A10C-D55687930357}" destId="{BD424B58-7C4B-924F-A6D0-29AA3A6E0DA3}" srcOrd="0" destOrd="1" presId="urn:microsoft.com/office/officeart/2005/8/layout/cycle7"/>
+    <dgm:cxn modelId="{7123EA1B-E52C-E747-92DE-2075034F2266}" type="presOf" srcId="{F1FDF8C5-3BF1-0148-A830-2AF5FA0F1929}" destId="{F4277413-575A-FD42-A8A0-BE562F49A1F3}" srcOrd="0" destOrd="0" presId="urn:microsoft.com/office/officeart/2005/8/layout/cycle7"/>
+    <dgm:cxn modelId="{F8BA5307-BDD5-7B4A-A178-944674F2524D}" type="presOf" srcId="{02D521BB-9D6E-AE4A-BF01-69904886C38E}" destId="{6077CF13-8F28-954E-8B0C-22AC9F9E93CF}" srcOrd="0" destOrd="0" presId="urn:microsoft.com/office/officeart/2005/8/layout/cycle7"/>
+    <dgm:cxn modelId="{CEB0D67F-B68E-0242-BC49-296A1B46B2DA}" type="presOf" srcId="{82B3FB4D-1A40-2A4F-86A2-EDA5E3E8CA95}" destId="{5D018A5C-7647-7C48-8D70-F2604E096796}" srcOrd="1" destOrd="0" presId="urn:microsoft.com/office/officeart/2005/8/layout/cycle7"/>
+    <dgm:cxn modelId="{9C69C240-398A-9F49-AE2A-8957FABE77F2}" type="presOf" srcId="{916ECD92-7A02-5E4B-ADEB-2918DC3CD55C}" destId="{CA9DF486-C3A0-6A42-AB8B-C73D9E3A417B}" srcOrd="0" destOrd="2" presId="urn:microsoft.com/office/officeart/2005/8/layout/cycle7"/>
+    <dgm:cxn modelId="{EB06170F-F583-3F41-8477-669B6BAA3057}" type="presOf" srcId="{5476B833-8A93-7D4E-88B7-4D88C954B19C}" destId="{BD424B58-7C4B-924F-A6D0-29AA3A6E0DA3}" srcOrd="0" destOrd="4" presId="urn:microsoft.com/office/officeart/2005/8/layout/cycle7"/>
+    <dgm:cxn modelId="{7AABBF30-6962-6444-ACDB-94D0F5194570}" type="presOf" srcId="{7D92888A-94E1-874F-99F4-AAD20F52308C}" destId="{02EE73D7-6C71-5C46-B588-F2F53E7CFC1B}" srcOrd="1" destOrd="0" presId="urn:microsoft.com/office/officeart/2005/8/layout/cycle7"/>
+    <dgm:cxn modelId="{A68F0551-CD66-054E-8101-EC9770A6396E}" srcId="{F1FDF8C5-3BF1-0148-A830-2AF5FA0F1929}" destId="{C21A54E0-F1A3-3448-91D3-28DB80ADDD60}" srcOrd="2" destOrd="0" parTransId="{21FC1A68-250C-E64B-ADB7-890AC9F32CBD}" sibTransId="{02D521BB-9D6E-AE4A-BF01-69904886C38E}"/>
+    <dgm:cxn modelId="{066B4F64-A233-F842-836A-5C91E87AA49C}" type="presOf" srcId="{BD4C8A68-C6CD-2F46-BE25-0DAAC161B703}" destId="{CA9DF486-C3A0-6A42-AB8B-C73D9E3A417B}" srcOrd="0" destOrd="3" presId="urn:microsoft.com/office/officeart/2005/8/layout/cycle7"/>
+    <dgm:cxn modelId="{AE497691-12A0-644B-8A9B-7CD43475B532}" srcId="{46F6E394-227C-DB49-88BB-F8E3A97F298B}" destId="{40C8740C-D20E-6849-9D81-EE1A7B382A5A}" srcOrd="0" destOrd="0" parTransId="{156975FF-FC8F-BC42-907A-0999888B2E6C}" sibTransId="{70719985-FECE-2743-AFD3-F7A0E77DA067}"/>
+    <dgm:cxn modelId="{1BDD6A9D-7B2C-F147-8B93-9690C055E093}" srcId="{C21A54E0-F1A3-3448-91D3-28DB80ADDD60}" destId="{ECAEFA44-4957-DD4E-9EC7-3B8AFFE8F03D}" srcOrd="0" destOrd="0" parTransId="{2E56FF09-6D0A-A548-B846-6B17B91B1D79}" sibTransId="{B98F66F2-62A4-7A4F-A76A-AB5EBDE10157}"/>
+    <dgm:cxn modelId="{4EB942E7-73A7-B64D-92F5-57337AACB3BA}" srcId="{46F6E394-227C-DB49-88BB-F8E3A97F298B}" destId="{916ECD92-7A02-5E4B-ADEB-2918DC3CD55C}" srcOrd="1" destOrd="0" parTransId="{2FDBB221-967C-5E46-B7BA-7BD69CF9306B}" sibTransId="{FB9E940C-20CF-5244-8B00-E91442118B85}"/>
+    <dgm:cxn modelId="{FD1FDC2B-AF2B-0748-82EA-FADAEBA6B99A}" type="presOf" srcId="{79501A34-D2BB-9749-83D7-6B7FFC0661F3}" destId="{BD424B58-7C4B-924F-A6D0-29AA3A6E0DA3}" srcOrd="0" destOrd="5" presId="urn:microsoft.com/office/officeart/2005/8/layout/cycle7"/>
+    <dgm:cxn modelId="{775DFD4A-828C-314C-BD31-D8A36D3683AB}" type="presOf" srcId="{F5594C39-B98E-B645-9950-735BA30F8E8C}" destId="{BD424B58-7C4B-924F-A6D0-29AA3A6E0DA3}" srcOrd="0" destOrd="3" presId="urn:microsoft.com/office/officeart/2005/8/layout/cycle7"/>
+    <dgm:cxn modelId="{C97623DE-A426-FF48-B163-84F9D2DA4F8B}" type="presOf" srcId="{02D521BB-9D6E-AE4A-BF01-69904886C38E}" destId="{00FAAA09-DE32-0E41-8978-A0DCD42450DC}" srcOrd="1" destOrd="0" presId="urn:microsoft.com/office/officeart/2005/8/layout/cycle7"/>
+    <dgm:cxn modelId="{769EAF18-E7FC-EE4F-9381-ECB4F437283B}" type="presOf" srcId="{0F386312-2CC3-7141-84FA-87573BDAF383}" destId="{BD424B58-7C4B-924F-A6D0-29AA3A6E0DA3}" srcOrd="0" destOrd="2" presId="urn:microsoft.com/office/officeart/2005/8/layout/cycle7"/>
+    <dgm:cxn modelId="{205814AF-D8A1-CB44-9C8C-F63C2543C3FB}" type="presOf" srcId="{C21A54E0-F1A3-3448-91D3-28DB80ADDD60}" destId="{16D2087C-AD30-4D47-8459-3242BC07C7A4}" srcOrd="0" destOrd="0" presId="urn:microsoft.com/office/officeart/2005/8/layout/cycle7"/>
+    <dgm:cxn modelId="{D26C9AB8-35FF-464C-9800-20513D8C89B5}" type="presParOf" srcId="{F4277413-575A-FD42-A8A0-BE562F49A1F3}" destId="{CA9DF486-C3A0-6A42-AB8B-C73D9E3A417B}" srcOrd="0" destOrd="0" presId="urn:microsoft.com/office/officeart/2005/8/layout/cycle7"/>
+    <dgm:cxn modelId="{6000B9B2-EE47-C144-BD1A-39060FC521CA}" type="presParOf" srcId="{F4277413-575A-FD42-A8A0-BE562F49A1F3}" destId="{099C6AC5-F29A-BB4F-AAAE-42B5A3FF3498}" srcOrd="1" destOrd="0" presId="urn:microsoft.com/office/officeart/2005/8/layout/cycle7"/>
+    <dgm:cxn modelId="{05DD4B05-E05D-A94B-8433-8826AE0C437A}" type="presParOf" srcId="{099C6AC5-F29A-BB4F-AAAE-42B5A3FF3498}" destId="{5D018A5C-7647-7C48-8D70-F2604E096796}" srcOrd="0" destOrd="0" presId="urn:microsoft.com/office/officeart/2005/8/layout/cycle7"/>
+    <dgm:cxn modelId="{8ED1FC4B-B60B-BC46-8EA4-A7BF3728C1A7}" type="presParOf" srcId="{F4277413-575A-FD42-A8A0-BE562F49A1F3}" destId="{BD424B58-7C4B-924F-A6D0-29AA3A6E0DA3}" srcOrd="2" destOrd="0" presId="urn:microsoft.com/office/officeart/2005/8/layout/cycle7"/>
+    <dgm:cxn modelId="{11E1A100-C09A-C34D-BC31-2A40621EE8EF}" type="presParOf" srcId="{F4277413-575A-FD42-A8A0-BE562F49A1F3}" destId="{FFF6FBD4-145B-5049-B0D0-74F575A69218}" srcOrd="3" destOrd="0" presId="urn:microsoft.com/office/officeart/2005/8/layout/cycle7"/>
+    <dgm:cxn modelId="{8027FC1F-4FAD-FF4B-B2B7-4D10FFF016F5}" type="presParOf" srcId="{FFF6FBD4-145B-5049-B0D0-74F575A69218}" destId="{02EE73D7-6C71-5C46-B588-F2F53E7CFC1B}" srcOrd="0" destOrd="0" presId="urn:microsoft.com/office/officeart/2005/8/layout/cycle7"/>
+    <dgm:cxn modelId="{064590D0-C29B-3C44-983B-1E7AFCD9375E}" type="presParOf" srcId="{F4277413-575A-FD42-A8A0-BE562F49A1F3}" destId="{16D2087C-AD30-4D47-8459-3242BC07C7A4}" srcOrd="4" destOrd="0" presId="urn:microsoft.com/office/officeart/2005/8/layout/cycle7"/>
+    <dgm:cxn modelId="{B35987ED-DE4F-8D4B-8834-70A721F47B90}" type="presParOf" srcId="{F4277413-575A-FD42-A8A0-BE562F49A1F3}" destId="{6077CF13-8F28-954E-8B0C-22AC9F9E93CF}" srcOrd="5" destOrd="0" presId="urn:microsoft.com/office/officeart/2005/8/layout/cycle7"/>
+    <dgm:cxn modelId="{AB1D8FDE-EF38-9140-93EF-C1A2C5A4DF1B}" type="presParOf" srcId="{6077CF13-8F28-954E-8B0C-22AC9F9E93CF}" destId="{00FAAA09-DE32-0E41-8978-A0DCD42450DC}" srcOrd="0" destOrd="0" presId="urn:microsoft.com/office/officeart/2005/8/layout/cycle7"/>
+  </dgm:cxnLst>
+  <dgm:bg/>
+  <dgm:whole/>
+  <dgm:extLst>
+    <a:ext uri="http://schemas.microsoft.com/office/drawing/2008/diagram">
+      <dsp:dataModelExt xmlns:dsp="http://schemas.microsoft.com/office/drawing/2008/diagram" relId="rId6" minVer="http://schemas.openxmlformats.org/drawingml/2006/diagram"/>
+    </a:ext>
+  </dgm:extLst>
+</dgm:dataModel>
+</file>
+
+<file path=ppt/diagrams/drawing1.xml><?xml version="1.0" encoding="utf-8"?>
+<dsp:drawing xmlns:dgm="http://schemas.openxmlformats.org/drawingml/2006/diagram" xmlns:dsp="http://schemas.microsoft.com/office/drawing/2008/diagram" xmlns:a="http://schemas.openxmlformats.org/drawingml/2006/main">
+  <dsp:spTree>
+    <dsp:nvGrpSpPr>
+      <dsp:cNvPr id="0" name=""/>
+      <dsp:cNvGrpSpPr/>
+    </dsp:nvGrpSpPr>
+    <dsp:grpSpPr/>
+    <dsp:sp modelId="{CA9DF486-C3A0-6A42-AB8B-C73D9E3A417B}">
+      <dsp:nvSpPr>
+        <dsp:cNvPr id="0" name=""/>
+        <dsp:cNvSpPr/>
+      </dsp:nvSpPr>
+      <dsp:spPr>
+        <a:xfrm>
+          <a:off x="2606296" y="261919"/>
+          <a:ext cx="2677569" cy="1597880"/>
+        </a:xfrm>
+        <a:prstGeom prst="roundRect">
+          <a:avLst>
+            <a:gd name="adj" fmla="val 10000"/>
+          </a:avLst>
+        </a:prstGeom>
+        <a:gradFill rotWithShape="0">
+          <a:gsLst>
+            <a:gs pos="0">
+              <a:schemeClr val="accent1">
+                <a:hueOff val="0"/>
+                <a:satOff val="0"/>
+                <a:lumOff val="0"/>
+                <a:alphaOff val="0"/>
+                <a:satMod val="103000"/>
+                <a:lumMod val="102000"/>
+                <a:tint val="94000"/>
+              </a:schemeClr>
+            </a:gs>
+            <a:gs pos="50000">
+              <a:schemeClr val="accent1">
+                <a:hueOff val="0"/>
+                <a:satOff val="0"/>
+                <a:lumOff val="0"/>
+                <a:alphaOff val="0"/>
+                <a:satMod val="110000"/>
+                <a:lumMod val="100000"/>
+                <a:shade val="100000"/>
+              </a:schemeClr>
+            </a:gs>
+            <a:gs pos="100000">
+              <a:schemeClr val="accent1">
+                <a:hueOff val="0"/>
+                <a:satOff val="0"/>
+                <a:lumOff val="0"/>
+                <a:alphaOff val="0"/>
+                <a:lumMod val="99000"/>
+                <a:satMod val="120000"/>
+                <a:shade val="78000"/>
+              </a:schemeClr>
+            </a:gs>
+          </a:gsLst>
+          <a:lin ang="5400000" scaled="0"/>
+        </a:gradFill>
+        <a:ln>
+          <a:noFill/>
+        </a:ln>
+        <a:effectLst/>
+      </dsp:spPr>
+      <dsp:style>
+        <a:lnRef idx="0">
+          <a:scrgbClr r="0" g="0" b="0"/>
+        </a:lnRef>
+        <a:fillRef idx="3">
+          <a:scrgbClr r="0" g="0" b="0"/>
+        </a:fillRef>
+        <a:effectRef idx="2">
+          <a:scrgbClr r="0" g="0" b="0"/>
+        </a:effectRef>
+        <a:fontRef idx="minor">
+          <a:schemeClr val="lt1"/>
+        </a:fontRef>
+      </dsp:style>
+      <dsp:txBody>
+        <a:bodyPr spcFirstLastPara="0" vert="horz" wrap="square" lIns="76200" tIns="76200" rIns="76200" bIns="76200" numCol="1" spcCol="1270" anchor="t" anchorCtr="0">
+          <a:noAutofit/>
+        </a:bodyPr>
+        <a:lstStyle/>
+        <a:p>
+          <a:pPr lvl="0" algn="ctr" defTabSz="889000">
+            <a:lnSpc>
+              <a:spcPct val="90000"/>
+            </a:lnSpc>
+            <a:spcBef>
+              <a:spcPct val="0"/>
+            </a:spcBef>
+            <a:spcAft>
+              <a:spcPct val="35000"/>
+            </a:spcAft>
+          </a:pPr>
+          <a:r>
+            <a:rPr lang="en-US" sz="2000" b="1" kern="1200" dirty="0" smtClean="0"/>
+            <a:t>Controller</a:t>
+          </a:r>
+          <a:endParaRPr lang="en-US" sz="2000" b="1" kern="1200" dirty="0"/>
+        </a:p>
+        <a:p>
+          <a:pPr marL="171450" lvl="1" indent="-171450" algn="l" defTabSz="711200">
+            <a:lnSpc>
+              <a:spcPct val="90000"/>
+            </a:lnSpc>
+            <a:spcBef>
+              <a:spcPct val="0"/>
+            </a:spcBef>
+            <a:spcAft>
+              <a:spcPct val="15000"/>
+            </a:spcAft>
+            <a:buChar char="••"/>
+          </a:pPr>
+          <a:r>
+            <a:rPr lang="en-US" sz="1600" kern="1200" dirty="0" smtClean="0"/>
+            <a:t>Application</a:t>
+          </a:r>
+          <a:endParaRPr lang="en-US" sz="2000" b="1" kern="1200" dirty="0"/>
+        </a:p>
+        <a:p>
+          <a:pPr marL="171450" lvl="1" indent="-171450" algn="l" defTabSz="711200">
+            <a:lnSpc>
+              <a:spcPct val="90000"/>
+            </a:lnSpc>
+            <a:spcBef>
+              <a:spcPct val="0"/>
+            </a:spcBef>
+            <a:spcAft>
+              <a:spcPct val="15000"/>
+            </a:spcAft>
+            <a:buChar char="••"/>
+          </a:pPr>
+          <a:r>
+            <a:rPr lang="en-US" sz="1600" kern="1200" dirty="0" smtClean="0"/>
+            <a:t>Home</a:t>
+          </a:r>
+          <a:endParaRPr lang="en-US" sz="1600" kern="1200" dirty="0"/>
+        </a:p>
+        <a:p>
+          <a:pPr marL="171450" lvl="1" indent="-171450" algn="l" defTabSz="711200">
+            <a:lnSpc>
+              <a:spcPct val="90000"/>
+            </a:lnSpc>
+            <a:spcBef>
+              <a:spcPct val="0"/>
+            </a:spcBef>
+            <a:spcAft>
+              <a:spcPct val="15000"/>
+            </a:spcAft>
+            <a:buChar char="••"/>
+          </a:pPr>
+          <a:r>
+            <a:rPr lang="en-US" sz="1600" kern="1200" dirty="0" smtClean="0"/>
+            <a:t>Goals</a:t>
+          </a:r>
+          <a:endParaRPr lang="en-US" sz="1600" kern="1200" dirty="0"/>
+        </a:p>
+        <a:p>
+          <a:pPr marL="171450" lvl="1" indent="-171450" algn="l" defTabSz="711200">
+            <a:lnSpc>
+              <a:spcPct val="90000"/>
+            </a:lnSpc>
+            <a:spcBef>
+              <a:spcPct val="0"/>
+            </a:spcBef>
+            <a:spcAft>
+              <a:spcPct val="15000"/>
+            </a:spcAft>
+            <a:buChar char="••"/>
+          </a:pPr>
+          <a:r>
+            <a:rPr lang="en-US" sz="1600" kern="1200" dirty="0" smtClean="0"/>
+            <a:t>Entries</a:t>
+          </a:r>
+          <a:endParaRPr lang="en-US" sz="1600" kern="1200" dirty="0"/>
+        </a:p>
+      </dsp:txBody>
+      <dsp:txXfrm>
+        <a:off x="2653096" y="308719"/>
+        <a:ext cx="2583969" cy="1504280"/>
+      </dsp:txXfrm>
+    </dsp:sp>
+    <dsp:sp modelId="{099C6AC5-F29A-BB4F-AAAE-42B5A3FF3498}">
+      <dsp:nvSpPr>
+        <dsp:cNvPr id="0" name=""/>
+        <dsp:cNvSpPr/>
+      </dsp:nvSpPr>
+      <dsp:spPr>
+        <a:xfrm rot="3859033">
+          <a:off x="4495314" y="2315989"/>
+          <a:ext cx="1148370" cy="468574"/>
+        </a:xfrm>
+        <a:prstGeom prst="leftRightArrow">
+          <a:avLst>
+            <a:gd name="adj1" fmla="val 60000"/>
+            <a:gd name="adj2" fmla="val 50000"/>
+          </a:avLst>
+        </a:prstGeom>
+        <a:gradFill rotWithShape="0">
+          <a:gsLst>
+            <a:gs pos="0">
+              <a:schemeClr val="accent1">
+                <a:tint val="60000"/>
+                <a:hueOff val="0"/>
+                <a:satOff val="0"/>
+                <a:lumOff val="0"/>
+                <a:alphaOff val="0"/>
+                <a:satMod val="103000"/>
+                <a:lumMod val="102000"/>
+                <a:tint val="94000"/>
+              </a:schemeClr>
+            </a:gs>
+            <a:gs pos="50000">
+              <a:schemeClr val="accent1">
+                <a:tint val="60000"/>
+                <a:hueOff val="0"/>
+                <a:satOff val="0"/>
+                <a:lumOff val="0"/>
+                <a:alphaOff val="0"/>
+                <a:satMod val="110000"/>
+                <a:lumMod val="100000"/>
+                <a:shade val="100000"/>
+              </a:schemeClr>
+            </a:gs>
+            <a:gs pos="100000">
+              <a:schemeClr val="accent1">
+                <a:tint val="60000"/>
+                <a:hueOff val="0"/>
+                <a:satOff val="0"/>
+                <a:lumOff val="0"/>
+                <a:alphaOff val="0"/>
+                <a:lumMod val="99000"/>
+                <a:satMod val="120000"/>
+                <a:shade val="78000"/>
+              </a:schemeClr>
+            </a:gs>
+          </a:gsLst>
+          <a:lin ang="5400000" scaled="0"/>
+        </a:gradFill>
+        <a:ln>
+          <a:noFill/>
+        </a:ln>
+        <a:effectLst/>
+      </dsp:spPr>
+      <dsp:style>
+        <a:lnRef idx="0">
+          <a:scrgbClr r="0" g="0" b="0"/>
+        </a:lnRef>
+        <a:fillRef idx="3">
+          <a:scrgbClr r="0" g="0" b="0"/>
+        </a:fillRef>
+        <a:effectRef idx="2">
+          <a:scrgbClr r="0" g="0" b="0"/>
+        </a:effectRef>
+        <a:fontRef idx="minor">
+          <a:schemeClr val="lt1"/>
+        </a:fontRef>
+      </dsp:style>
+      <dsp:txBody>
+        <a:bodyPr spcFirstLastPara="0" vert="horz" wrap="square" lIns="0" tIns="0" rIns="0" bIns="0" numCol="1" spcCol="1270" anchor="ctr" anchorCtr="0">
+          <a:noAutofit/>
+        </a:bodyPr>
+        <a:lstStyle/>
+        <a:p>
+          <a:pPr lvl="0" algn="ctr" defTabSz="889000">
+            <a:lnSpc>
+              <a:spcPct val="90000"/>
+            </a:lnSpc>
+            <a:spcBef>
+              <a:spcPct val="0"/>
+            </a:spcBef>
+            <a:spcAft>
+              <a:spcPct val="35000"/>
+            </a:spcAft>
+          </a:pPr>
+          <a:endParaRPr lang="en-US" sz="2000" kern="1200"/>
+        </a:p>
+      </dsp:txBody>
+      <dsp:txXfrm>
+        <a:off x="4635886" y="2409704"/>
+        <a:ext cx="867226" cy="281144"/>
+      </dsp:txXfrm>
+    </dsp:sp>
+    <dsp:sp modelId="{BD424B58-7C4B-924F-A6D0-29AA3A6E0DA3}">
+      <dsp:nvSpPr>
+        <dsp:cNvPr id="0" name=""/>
+        <dsp:cNvSpPr/>
+      </dsp:nvSpPr>
+      <dsp:spPr>
+        <a:xfrm>
+          <a:off x="4801879" y="3240755"/>
+          <a:ext cx="2677569" cy="1838553"/>
+        </a:xfrm>
+        <a:prstGeom prst="roundRect">
+          <a:avLst>
+            <a:gd name="adj" fmla="val 10000"/>
+          </a:avLst>
+        </a:prstGeom>
+        <a:gradFill rotWithShape="0">
+          <a:gsLst>
+            <a:gs pos="0">
+              <a:schemeClr val="accent1">
+                <a:hueOff val="0"/>
+                <a:satOff val="0"/>
+                <a:lumOff val="0"/>
+                <a:alphaOff val="0"/>
+                <a:satMod val="103000"/>
+                <a:lumMod val="102000"/>
+                <a:tint val="94000"/>
+              </a:schemeClr>
+            </a:gs>
+            <a:gs pos="50000">
+              <a:schemeClr val="accent1">
+                <a:hueOff val="0"/>
+                <a:satOff val="0"/>
+                <a:lumOff val="0"/>
+                <a:alphaOff val="0"/>
+                <a:satMod val="110000"/>
+                <a:lumMod val="100000"/>
+                <a:shade val="100000"/>
+              </a:schemeClr>
+            </a:gs>
+            <a:gs pos="100000">
+              <a:schemeClr val="accent1">
+                <a:hueOff val="0"/>
+                <a:satOff val="0"/>
+                <a:lumOff val="0"/>
+                <a:alphaOff val="0"/>
+                <a:lumMod val="99000"/>
+                <a:satMod val="120000"/>
+                <a:shade val="78000"/>
+              </a:schemeClr>
+            </a:gs>
+          </a:gsLst>
+          <a:lin ang="5400000" scaled="0"/>
+        </a:gradFill>
+        <a:ln>
+          <a:noFill/>
+        </a:ln>
+        <a:effectLst/>
+      </dsp:spPr>
+      <dsp:style>
+        <a:lnRef idx="0">
+          <a:scrgbClr r="0" g="0" b="0"/>
+        </a:lnRef>
+        <a:fillRef idx="3">
+          <a:scrgbClr r="0" g="0" b="0"/>
+        </a:fillRef>
+        <a:effectRef idx="2">
+          <a:scrgbClr r="0" g="0" b="0"/>
+        </a:effectRef>
+        <a:fontRef idx="minor">
+          <a:schemeClr val="lt1"/>
+        </a:fontRef>
+      </dsp:style>
+      <dsp:txBody>
+        <a:bodyPr spcFirstLastPara="0" vert="horz" wrap="square" lIns="76200" tIns="76200" rIns="76200" bIns="76200" numCol="1" spcCol="1270" anchor="t" anchorCtr="0">
+          <a:noAutofit/>
+        </a:bodyPr>
+        <a:lstStyle/>
+        <a:p>
+          <a:pPr lvl="0" algn="ctr" defTabSz="889000">
+            <a:lnSpc>
+              <a:spcPct val="90000"/>
+            </a:lnSpc>
+            <a:spcBef>
+              <a:spcPct val="0"/>
+            </a:spcBef>
+            <a:spcAft>
+              <a:spcPct val="35000"/>
+            </a:spcAft>
+          </a:pPr>
+          <a:r>
+            <a:rPr lang="en-US" sz="2000" b="1" kern="1200" dirty="0" smtClean="0"/>
+            <a:t>View</a:t>
+          </a:r>
+          <a:endParaRPr lang="en-US" sz="2000" b="1" kern="1200" dirty="0"/>
+        </a:p>
+        <a:p>
+          <a:pPr marL="171450" lvl="1" indent="-171450" algn="l" defTabSz="711200">
+            <a:lnSpc>
+              <a:spcPct val="90000"/>
+            </a:lnSpc>
+            <a:spcBef>
+              <a:spcPct val="0"/>
+            </a:spcBef>
+            <a:spcAft>
+              <a:spcPct val="15000"/>
+            </a:spcAft>
+            <a:buChar char="••"/>
+          </a:pPr>
+          <a:r>
+            <a:rPr lang="en-US" sz="1600" kern="1200" dirty="0" smtClean="0"/>
+            <a:t>Layouts</a:t>
+          </a:r>
+          <a:endParaRPr lang="en-US" sz="1600" kern="1200" dirty="0"/>
+        </a:p>
+        <a:p>
+          <a:pPr marL="171450" lvl="1" indent="-171450" algn="l" defTabSz="711200">
+            <a:lnSpc>
+              <a:spcPct val="90000"/>
+            </a:lnSpc>
+            <a:spcBef>
+              <a:spcPct val="0"/>
+            </a:spcBef>
+            <a:spcAft>
+              <a:spcPct val="15000"/>
+            </a:spcAft>
+            <a:buChar char="••"/>
+          </a:pPr>
+          <a:r>
+            <a:rPr lang="en-US" sz="1600" kern="1200" dirty="0" smtClean="0"/>
+            <a:t>Home</a:t>
+          </a:r>
+          <a:endParaRPr lang="en-US" sz="1600" kern="1200" dirty="0"/>
+        </a:p>
+        <a:p>
+          <a:pPr marL="171450" lvl="1" indent="-171450" algn="l" defTabSz="711200">
+            <a:lnSpc>
+              <a:spcPct val="90000"/>
+            </a:lnSpc>
+            <a:spcBef>
+              <a:spcPct val="0"/>
+            </a:spcBef>
+            <a:spcAft>
+              <a:spcPct val="15000"/>
+            </a:spcAft>
+            <a:buChar char="••"/>
+          </a:pPr>
+          <a:r>
+            <a:rPr lang="en-US" sz="1600" kern="1200" dirty="0" smtClean="0"/>
+            <a:t>Users</a:t>
+          </a:r>
+          <a:endParaRPr lang="en-US" sz="1600" kern="1200" dirty="0"/>
+        </a:p>
+        <a:p>
+          <a:pPr marL="171450" lvl="1" indent="-171450" algn="l" defTabSz="711200">
+            <a:lnSpc>
+              <a:spcPct val="90000"/>
+            </a:lnSpc>
+            <a:spcBef>
+              <a:spcPct val="0"/>
+            </a:spcBef>
+            <a:spcAft>
+              <a:spcPct val="15000"/>
+            </a:spcAft>
+            <a:buChar char="••"/>
+          </a:pPr>
+          <a:r>
+            <a:rPr lang="en-US" sz="1600" kern="1200" dirty="0" smtClean="0"/>
+            <a:t>Goals</a:t>
+          </a:r>
+          <a:endParaRPr lang="en-US" sz="1600" kern="1200" dirty="0"/>
+        </a:p>
+        <a:p>
+          <a:pPr marL="171450" lvl="1" indent="-171450" algn="l" defTabSz="711200">
+            <a:lnSpc>
+              <a:spcPct val="90000"/>
+            </a:lnSpc>
+            <a:spcBef>
+              <a:spcPct val="0"/>
+            </a:spcBef>
+            <a:spcAft>
+              <a:spcPct val="15000"/>
+            </a:spcAft>
+            <a:buChar char="••"/>
+          </a:pPr>
+          <a:r>
+            <a:rPr lang="en-US" sz="1600" kern="1200" dirty="0" smtClean="0"/>
+            <a:t>Entries</a:t>
+          </a:r>
+        </a:p>
+      </dsp:txBody>
+      <dsp:txXfrm>
+        <a:off x="4855728" y="3294604"/>
+        <a:ext cx="2569871" cy="1730855"/>
+      </dsp:txXfrm>
+    </dsp:sp>
+    <dsp:sp modelId="{FFF6FBD4-145B-5049-B0D0-74F575A69218}">
+      <dsp:nvSpPr>
+        <dsp:cNvPr id="0" name=""/>
+        <dsp:cNvSpPr/>
+      </dsp:nvSpPr>
+      <dsp:spPr>
+        <a:xfrm rot="10778382">
+          <a:off x="3261213" y="3939594"/>
+          <a:ext cx="1353906" cy="468574"/>
+        </a:xfrm>
+        <a:prstGeom prst="leftRightArrow">
+          <a:avLst>
+            <a:gd name="adj1" fmla="val 60000"/>
+            <a:gd name="adj2" fmla="val 50000"/>
+          </a:avLst>
+        </a:prstGeom>
+        <a:noFill/>
+        <a:ln>
+          <a:noFill/>
+        </a:ln>
+        <a:effectLst/>
+      </dsp:spPr>
+      <dsp:style>
+        <a:lnRef idx="0">
+          <a:scrgbClr r="0" g="0" b="0"/>
+        </a:lnRef>
+        <a:fillRef idx="3">
+          <a:scrgbClr r="0" g="0" b="0"/>
+        </a:fillRef>
+        <a:effectRef idx="2">
+          <a:scrgbClr r="0" g="0" b="0"/>
+        </a:effectRef>
+        <a:fontRef idx="minor">
+          <a:schemeClr val="lt1"/>
+        </a:fontRef>
+      </dsp:style>
+      <dsp:txBody>
+        <a:bodyPr spcFirstLastPara="0" vert="horz" wrap="square" lIns="0" tIns="0" rIns="0" bIns="0" numCol="1" spcCol="1270" anchor="ctr" anchorCtr="0">
+          <a:noAutofit/>
+        </a:bodyPr>
+        <a:lstStyle/>
+        <a:p>
+          <a:pPr lvl="0" algn="ctr" defTabSz="889000">
+            <a:lnSpc>
+              <a:spcPct val="90000"/>
+            </a:lnSpc>
+            <a:spcBef>
+              <a:spcPct val="0"/>
+            </a:spcBef>
+            <a:spcAft>
+              <a:spcPct val="35000"/>
+            </a:spcAft>
+          </a:pPr>
+          <a:endParaRPr lang="en-US" sz="2000" kern="1200"/>
+        </a:p>
+      </dsp:txBody>
+      <dsp:txXfrm rot="10800000">
+        <a:off x="3401785" y="4033309"/>
+        <a:ext cx="1072762" cy="281144"/>
+      </dsp:txXfrm>
+    </dsp:sp>
+    <dsp:sp modelId="{16D2087C-AD30-4D47-8459-3242BC07C7A4}">
+      <dsp:nvSpPr>
+        <dsp:cNvPr id="0" name=""/>
+        <dsp:cNvSpPr/>
+      </dsp:nvSpPr>
+      <dsp:spPr>
+        <a:xfrm>
+          <a:off x="396883" y="3297460"/>
+          <a:ext cx="2677569" cy="1780543"/>
+        </a:xfrm>
+        <a:prstGeom prst="roundRect">
+          <a:avLst>
+            <a:gd name="adj" fmla="val 10000"/>
+          </a:avLst>
+        </a:prstGeom>
+        <a:gradFill rotWithShape="0">
+          <a:gsLst>
+            <a:gs pos="0">
+              <a:schemeClr val="accent1">
+                <a:hueOff val="0"/>
+                <a:satOff val="0"/>
+                <a:lumOff val="0"/>
+                <a:alphaOff val="0"/>
+                <a:satMod val="103000"/>
+                <a:lumMod val="102000"/>
+                <a:tint val="94000"/>
+              </a:schemeClr>
+            </a:gs>
+            <a:gs pos="50000">
+              <a:schemeClr val="accent1">
+                <a:hueOff val="0"/>
+                <a:satOff val="0"/>
+                <a:lumOff val="0"/>
+                <a:alphaOff val="0"/>
+                <a:satMod val="110000"/>
+                <a:lumMod val="100000"/>
+                <a:shade val="100000"/>
+              </a:schemeClr>
+            </a:gs>
+            <a:gs pos="100000">
+              <a:schemeClr val="accent1">
+                <a:hueOff val="0"/>
+                <a:satOff val="0"/>
+                <a:lumOff val="0"/>
+                <a:alphaOff val="0"/>
+                <a:lumMod val="99000"/>
+                <a:satMod val="120000"/>
+                <a:shade val="78000"/>
+              </a:schemeClr>
+            </a:gs>
+          </a:gsLst>
+          <a:lin ang="5400000" scaled="0"/>
+        </a:gradFill>
+        <a:ln>
+          <a:noFill/>
+        </a:ln>
+        <a:effectLst/>
+      </dsp:spPr>
+      <dsp:style>
+        <a:lnRef idx="0">
+          <a:scrgbClr r="0" g="0" b="0"/>
+        </a:lnRef>
+        <a:fillRef idx="3">
+          <a:scrgbClr r="0" g="0" b="0"/>
+        </a:fillRef>
+        <a:effectRef idx="2">
+          <a:scrgbClr r="0" g="0" b="0"/>
+        </a:effectRef>
+        <a:fontRef idx="minor">
+          <a:schemeClr val="lt1"/>
+        </a:fontRef>
+      </dsp:style>
+      <dsp:txBody>
+        <a:bodyPr spcFirstLastPara="0" vert="horz" wrap="square" lIns="76200" tIns="76200" rIns="76200" bIns="76200" numCol="1" spcCol="1270" anchor="t" anchorCtr="0">
+          <a:noAutofit/>
+        </a:bodyPr>
+        <a:lstStyle/>
+        <a:p>
+          <a:pPr lvl="0" algn="ctr" defTabSz="889000">
+            <a:lnSpc>
+              <a:spcPct val="90000"/>
+            </a:lnSpc>
+            <a:spcBef>
+              <a:spcPct val="0"/>
+            </a:spcBef>
+            <a:spcAft>
+              <a:spcPct val="35000"/>
+            </a:spcAft>
+          </a:pPr>
+          <a:r>
+            <a:rPr lang="en-US" sz="2000" b="1" kern="1200" dirty="0" smtClean="0"/>
+            <a:t>Model</a:t>
+          </a:r>
+          <a:endParaRPr lang="en-US" sz="2000" b="1" kern="1200" dirty="0"/>
+        </a:p>
+        <a:p>
+          <a:pPr marL="171450" lvl="1" indent="-171450" algn="l" defTabSz="711200">
+            <a:lnSpc>
+              <a:spcPct val="90000"/>
+            </a:lnSpc>
+            <a:spcBef>
+              <a:spcPct val="0"/>
+            </a:spcBef>
+            <a:spcAft>
+              <a:spcPct val="15000"/>
+            </a:spcAft>
+            <a:buChar char="••"/>
+          </a:pPr>
+          <a:r>
+            <a:rPr lang="en-US" sz="1600" kern="1200" dirty="0" smtClean="0"/>
+            <a:t>User</a:t>
+          </a:r>
+          <a:endParaRPr lang="en-US" sz="1600" kern="1200" dirty="0"/>
+        </a:p>
+        <a:p>
+          <a:pPr marL="171450" lvl="1" indent="-171450" algn="l" defTabSz="711200">
+            <a:lnSpc>
+              <a:spcPct val="90000"/>
+            </a:lnSpc>
+            <a:spcBef>
+              <a:spcPct val="0"/>
+            </a:spcBef>
+            <a:spcAft>
+              <a:spcPct val="15000"/>
+            </a:spcAft>
+            <a:buChar char="••"/>
+          </a:pPr>
+          <a:r>
+            <a:rPr lang="en-US" sz="1600" kern="1200" dirty="0" smtClean="0"/>
+            <a:t>Goal</a:t>
+          </a:r>
+          <a:endParaRPr lang="en-US" sz="1600" kern="1200" dirty="0"/>
+        </a:p>
+        <a:p>
+          <a:pPr marL="171450" lvl="1" indent="-171450" algn="l" defTabSz="711200">
+            <a:lnSpc>
+              <a:spcPct val="90000"/>
+            </a:lnSpc>
+            <a:spcBef>
+              <a:spcPct val="0"/>
+            </a:spcBef>
+            <a:spcAft>
+              <a:spcPct val="15000"/>
+            </a:spcAft>
+            <a:buChar char="••"/>
+          </a:pPr>
+          <a:r>
+            <a:rPr lang="en-US" sz="1600" kern="1200" dirty="0" smtClean="0"/>
+            <a:t>Entry</a:t>
+          </a:r>
+          <a:endParaRPr lang="en-US" sz="1600" kern="1200" dirty="0"/>
+        </a:p>
+      </dsp:txBody>
+      <dsp:txXfrm>
+        <a:off x="449033" y="3349610"/>
+        <a:ext cx="2573269" cy="1676243"/>
+      </dsp:txXfrm>
+    </dsp:sp>
+    <dsp:sp modelId="{6077CF13-8F28-954E-8B0C-22AC9F9E93CF}">
+      <dsp:nvSpPr>
+        <dsp:cNvPr id="0" name=""/>
+        <dsp:cNvSpPr/>
+      </dsp:nvSpPr>
+      <dsp:spPr>
+        <a:xfrm rot="17749432">
+          <a:off x="2219415" y="2344342"/>
+          <a:ext cx="1167947" cy="468574"/>
+        </a:xfrm>
+        <a:prstGeom prst="leftRightArrow">
+          <a:avLst>
+            <a:gd name="adj1" fmla="val 60000"/>
+            <a:gd name="adj2" fmla="val 50000"/>
+          </a:avLst>
+        </a:prstGeom>
+        <a:gradFill rotWithShape="0">
+          <a:gsLst>
+            <a:gs pos="0">
+              <a:schemeClr val="accent1">
+                <a:tint val="60000"/>
+                <a:hueOff val="0"/>
+                <a:satOff val="0"/>
+                <a:lumOff val="0"/>
+                <a:alphaOff val="0"/>
+                <a:satMod val="103000"/>
+                <a:lumMod val="102000"/>
+                <a:tint val="94000"/>
+              </a:schemeClr>
+            </a:gs>
+            <a:gs pos="50000">
+              <a:schemeClr val="accent1">
+                <a:tint val="60000"/>
+                <a:hueOff val="0"/>
+                <a:satOff val="0"/>
+                <a:lumOff val="0"/>
+                <a:alphaOff val="0"/>
+                <a:satMod val="110000"/>
+                <a:lumMod val="100000"/>
+                <a:shade val="100000"/>
+              </a:schemeClr>
+            </a:gs>
+            <a:gs pos="100000">
+              <a:schemeClr val="accent1">
+                <a:tint val="60000"/>
+                <a:hueOff val="0"/>
+                <a:satOff val="0"/>
+                <a:lumOff val="0"/>
+                <a:alphaOff val="0"/>
+                <a:lumMod val="99000"/>
+                <a:satMod val="120000"/>
+                <a:shade val="78000"/>
+              </a:schemeClr>
+            </a:gs>
+          </a:gsLst>
+          <a:lin ang="5400000" scaled="0"/>
+        </a:gradFill>
+        <a:ln>
+          <a:noFill/>
+        </a:ln>
+        <a:effectLst/>
+      </dsp:spPr>
+      <dsp:style>
+        <a:lnRef idx="0">
+          <a:scrgbClr r="0" g="0" b="0"/>
+        </a:lnRef>
+        <a:fillRef idx="3">
+          <a:scrgbClr r="0" g="0" b="0"/>
+        </a:fillRef>
+        <a:effectRef idx="2">
+          <a:scrgbClr r="0" g="0" b="0"/>
+        </a:effectRef>
+        <a:fontRef idx="minor">
+          <a:schemeClr val="lt1"/>
+        </a:fontRef>
+      </dsp:style>
+      <dsp:txBody>
+        <a:bodyPr spcFirstLastPara="0" vert="horz" wrap="square" lIns="0" tIns="0" rIns="0" bIns="0" numCol="1" spcCol="1270" anchor="ctr" anchorCtr="0">
+          <a:noAutofit/>
+        </a:bodyPr>
+        <a:lstStyle/>
+        <a:p>
+          <a:pPr lvl="0" algn="ctr" defTabSz="889000">
+            <a:lnSpc>
+              <a:spcPct val="90000"/>
+            </a:lnSpc>
+            <a:spcBef>
+              <a:spcPct val="0"/>
+            </a:spcBef>
+            <a:spcAft>
+              <a:spcPct val="35000"/>
+            </a:spcAft>
+          </a:pPr>
+          <a:endParaRPr lang="en-US" sz="2000" kern="1200"/>
+        </a:p>
+      </dsp:txBody>
+      <dsp:txXfrm>
+        <a:off x="2359987" y="2438057"/>
+        <a:ext cx="886803" cy="281144"/>
+      </dsp:txXfrm>
+    </dsp:sp>
+  </dsp:spTree>
+</dsp:drawing>
+</file>
+
+<file path=ppt/diagrams/layout1.xml><?xml version="1.0" encoding="utf-8"?>
+<dgm:layoutDef xmlns:dgm="http://schemas.openxmlformats.org/drawingml/2006/diagram" xmlns:a="http://schemas.openxmlformats.org/drawingml/2006/main" uniqueId="urn:microsoft.com/office/officeart/2005/8/layout/cycle7">
+  <dgm:title val=""/>
+  <dgm:desc val=""/>
+  <dgm:catLst>
+    <dgm:cat type="cycle" pri="6000"/>
+  </dgm:catLst>
+  <dgm:sampData>
+    <dgm:dataModel>
+      <dgm:ptLst>
+        <dgm:pt modelId="0" type="doc"/>
+        <dgm:pt modelId="1">
+          <dgm:prSet phldr="1"/>
+        </dgm:pt>
+        <dgm:pt modelId="2">
+          <dgm:prSet phldr="1"/>
+        </dgm:pt>
+        <dgm:pt modelId="3">
+          <dgm:prSet phldr="1"/>
+        </dgm:pt>
+      </dgm:ptLst>
+      <dgm:cxnLst>
+        <dgm:cxn modelId="6" srcId="0" destId="1" srcOrd="0" destOrd="0"/>
+        <dgm:cxn modelId="7" srcId="0" destId="2" srcOrd="1" destOrd="0"/>
+        <dgm:cxn modelId="8" srcId="0" destId="3" srcOrd="2" destOrd="0"/>
+      </dgm:cxnLst>
+      <dgm:bg/>
+      <dgm:whole/>
+    </dgm:dataModel>
+  </dgm:sampData>
+  <dgm:styleData>
+    <dgm:dataModel>
+      <dgm:ptLst>
+        <dgm:pt modelId="0" type="doc"/>
+        <dgm:pt modelId="1"/>
+        <dgm:pt modelId="2"/>
+        <dgm:pt modelId="3"/>
+      </dgm:ptLst>
+      <dgm:cxnLst>
+        <dgm:cxn modelId="4" srcId="0" destId="1" srcOrd="0" destOrd="0"/>
+        <dgm:cxn modelId="5" srcId="0" destId="2" srcOrd="1" destOrd="0"/>
+        <dgm:cxn modelId="6" srcId="0" destId="3" srcOrd="2" destOrd="0"/>
+      </dgm:cxnLst>
+      <dgm:bg/>
+      <dgm:whole/>
+    </dgm:dataModel>
+  </dgm:styleData>
+  <dgm:clrData>
+    <dgm:dataModel>
+      <dgm:ptLst>
+        <dgm:pt modelId="0" type="doc"/>
+        <dgm:pt modelId="1"/>
+        <dgm:pt modelId="2"/>
+        <dgm:pt modelId="3"/>
+        <dgm:pt modelId="4"/>
+        <dgm:pt modelId="5"/>
+        <dgm:pt modelId="6"/>
+      </dgm:ptLst>
+      <dgm:cxnLst>
+        <dgm:cxn modelId="7" srcId="0" destId="1" srcOrd="0" destOrd="0"/>
+        <dgm:cxn modelId="8" srcId="0" destId="2" srcOrd="1" destOrd="0"/>
+        <dgm:cxn modelId="9" srcId="0" destId="3" srcOrd="2" destOrd="0"/>
+        <dgm:cxn modelId="10" srcId="0" destId="4" srcOrd="3" destOrd="0"/>
+        <dgm:cxn modelId="11" srcId="0" destId="5" srcOrd="4" destOrd="0"/>
+        <dgm:cxn modelId="12" srcId="0" destId="6" srcOrd="5" destOrd="0"/>
+      </dgm:cxnLst>
+      <dgm:bg/>
+      <dgm:whole/>
+    </dgm:dataModel>
+  </dgm:clrData>
+  <dgm:layoutNode name="Name0">
+    <dgm:varLst>
+      <dgm:dir/>
+      <dgm:resizeHandles val="exact"/>
+    </dgm:varLst>
+    <dgm:choose name="Name1">
+      <dgm:if name="Name2" func="var" arg="dir" op="equ" val="norm">
+        <dgm:alg type="cycle">
+          <dgm:param type="stAng" val="0"/>
+          <dgm:param type="spanAng" val="360"/>
+        </dgm:alg>
+      </dgm:if>
+      <dgm:else name="Name3">
+        <dgm:alg type="cycle">
+          <dgm:param type="stAng" val="0"/>
+          <dgm:param type="spanAng" val="-360"/>
+        </dgm:alg>
+      </dgm:else>
+    </dgm:choose>
+    <dgm:shape xmlns:r="http://schemas.openxmlformats.org/officeDocument/2006/relationships" r:blip="">
+      <dgm:adjLst/>
+    </dgm:shape>
+    <dgm:presOf/>
+    <dgm:constrLst>
+      <dgm:constr type="diam" refType="w"/>
+      <dgm:constr type="w" for="ch" ptType="node" refType="w"/>
+      <dgm:constr type="primFontSz" for="ch" ptType="node" op="equ" val="65"/>
+      <dgm:constr type="w" for="ch" forName="sibTrans" refType="w" refFor="ch" refPtType="node" op="equ" fact="0.35"/>
+      <dgm:constr type="connDist" for="ch" forName="sibTrans" op="equ"/>
+      <dgm:constr type="primFontSz" for="des" forName="connectorText" op="equ" val="55"/>
+      <dgm:constr type="primFontSz" for="des" forName="connectorText" refType="primFontSz" refFor="ch" refPtType="node" op="lte" fact="0.8"/>
+      <dgm:constr type="sibSp" refType="w" refFor="ch" refPtType="node" op="equ" fact="0.65"/>
+    </dgm:constrLst>
+    <dgm:ruleLst/>
+    <dgm:forEach name="nodesForEach" axis="ch" ptType="node">
+      <dgm:layoutNode name="node">
+        <dgm:varLst>
+          <dgm:bulletEnabled val="1"/>
+        </dgm:varLst>
+        <dgm:alg type="tx"/>
+        <dgm:shape xmlns:r="http://schemas.openxmlformats.org/officeDocument/2006/relationships" type="roundRect" r:blip="">
+          <dgm:adjLst>
+            <dgm:adj idx="1" val="0.1"/>
+          </dgm:adjLst>
+        </dgm:shape>
+        <dgm:presOf axis="desOrSelf" ptType="node"/>
+        <dgm:constrLst>
+          <dgm:constr type="h" refType="w" fact="0.5"/>
+          <dgm:constr type="tMarg" refType="primFontSz" fact="0.3"/>
+          <dgm:constr type="bMarg" refType="primFontSz" fact="0.3"/>
+          <dgm:constr type="lMarg" refType="primFontSz" fact="0.3"/>
+          <dgm:constr type="rMarg" refType="primFontSz" fact="0.3"/>
+        </dgm:constrLst>
+        <dgm:ruleLst>
+          <dgm:rule type="primFontSz" val="5" fact="NaN" max="NaN"/>
+        </dgm:ruleLst>
+      </dgm:layoutNode>
+      <dgm:choose name="Name4">
+        <dgm:if name="Name5" axis="par ch" ptType="doc node" func="cnt" op="gt" val="1">
+          <dgm:forEach name="sibTransForEach" axis="followSib" ptType="sibTrans" hideLastTrans="0" cnt="1">
+            <dgm:layoutNode name="sibTrans">
+              <dgm:choose name="Name6">
+                <dgm:if name="Name7" axis="par ch" ptType="doc node" func="posEven" op="equ" val="1">
+                  <dgm:alg type="conn">
+                    <dgm:param type="begPts" val="radial"/>
+                    <dgm:param type="endPts" val="radial"/>
+                    <dgm:param type="begSty" val="arr"/>
+                    <dgm:param type="endSty" val="arr"/>
+                  </dgm:alg>
+                </dgm:if>
+                <dgm:else name="Name8">
+                  <dgm:alg type="conn">
+                    <dgm:param type="begPts" val="auto"/>
+                    <dgm:param type="endPts" val="auto"/>
+                    <dgm:param type="begSty" val="arr"/>
+                    <dgm:param type="endSty" val="arr"/>
+                  </dgm:alg>
+                </dgm:else>
+              </dgm:choose>
+              <dgm:shape xmlns:r="http://schemas.openxmlformats.org/officeDocument/2006/relationships" type="conn" r:blip="">
+                <dgm:adjLst/>
+              </dgm:shape>
+              <dgm:presOf axis="self"/>
+              <dgm:constrLst>
+                <dgm:constr type="h" refType="w" fact="0.5"/>
+                <dgm:constr type="connDist"/>
+                <dgm:constr type="begPad" refType="connDist" fact="0.1"/>
+                <dgm:constr type="endPad" refType="connDist" fact="0.1"/>
+              </dgm:constrLst>
+              <dgm:ruleLst/>
+              <dgm:layoutNode name="connectorText">
+                <dgm:alg type="tx">
+                  <dgm:param type="autoTxRot" val="grav"/>
+                </dgm:alg>
+                <dgm:shape xmlns:r="http://schemas.openxmlformats.org/officeDocument/2006/relationships" type="conn" r:blip="" hideGeom="1">
+                  <dgm:adjLst/>
+                </dgm:shape>
+                <dgm:presOf axis="self"/>
+                <dgm:constrLst>
+                  <dgm:constr type="lMarg"/>
+                  <dgm:constr type="rMarg"/>
+                  <dgm:constr type="tMarg"/>
+                  <dgm:constr type="bMarg"/>
+                </dgm:constrLst>
+                <dgm:ruleLst>
+                  <dgm:rule type="primFontSz" val="5" fact="NaN" max="NaN"/>
+                </dgm:ruleLst>
+              </dgm:layoutNode>
+            </dgm:layoutNode>
+          </dgm:forEach>
+        </dgm:if>
+        <dgm:else name="Name9"/>
+      </dgm:choose>
+    </dgm:forEach>
+  </dgm:layoutNode>
+</dgm:layoutDef>
+</file>
+
+<file path=ppt/diagrams/quickStyle1.xml><?xml version="1.0" encoding="utf-8"?>
+<dgm:styleDef xmlns:dgm="http://schemas.openxmlformats.org/drawingml/2006/diagram" xmlns:a="http://schemas.openxmlformats.org/drawingml/2006/main" uniqueId="urn:microsoft.com/office/officeart/2005/8/quickstyle/simple4">
+  <dgm:title val=""/>
+  <dgm:desc val=""/>
+  <dgm:catLst>
+    <dgm:cat type="simple" pri="10400"/>
+  </dgm:catLst>
+  <dgm:scene3d>
+    <a:camera prst="orthographicFront"/>
+    <a:lightRig rig="threePt" dir="t"/>
+  </dgm:scene3d>
+  <dgm:styleLbl name="node0">
+    <dgm:scene3d>
+      <a:camera prst="orthographicFront"/>
+      <a:lightRig rig="threePt" dir="t"/>
+    </dgm:scene3d>
+    <dgm:sp3d/>
+    <dgm:txPr/>
+    <dgm:style>
+      <a:lnRef idx="0">
+        <a:scrgbClr r="0" g="0" b="0"/>
+      </a:lnRef>
+      <a:fillRef idx="3">
+        <a:scrgbClr r="0" g="0" b="0"/>
+      </a:fillRef>
+      <a:effectRef idx="2">
+        <a:scrgbClr r="0" g="0" b="0"/>
+      </a:effectRef>
+      <a:fontRef idx="minor">
+        <a:schemeClr val="lt1"/>
+      </a:fontRef>
+    </dgm:style>
+  </dgm:styleLbl>
+  <dgm:styleLbl name="lnNode1">
+    <dgm:scene3d>
+      <a:camera prst="orthographicFront"/>
+      <a:lightRig rig="threePt" dir="t"/>
+    </dgm:scene3d>
+    <dgm:sp3d/>
+    <dgm:txPr/>
+    <dgm:style>
+      <a:lnRef idx="1">
+        <a:scrgbClr r="0" g="0" b="0"/>
+      </a:lnRef>
+      <a:fillRef idx="3">
+        <a:scrgbClr r="0" g="0" b="0"/>
+      </a:fillRef>
+      <a:effectRef idx="2">
+        <a:scrgbClr r="0" g="0" b="0"/>
+      </a:effectRef>
+      <a:fontRef idx="minor">
+        <a:schemeClr val="lt1"/>
+      </a:fontRef>
+    </dgm:style>
+  </dgm:styleLbl>
+  <dgm:styleLbl name="vennNode1">
+    <dgm:scene3d>
+      <a:camera prst="orthographicFront"/>
+      <a:lightRig rig="threePt" dir="t"/>
+    </dgm:scene3d>
+    <dgm:sp3d/>
+    <dgm:txPr/>
+    <dgm:style>
+      <a:lnRef idx="0">
+        <a:scrgbClr r="0" g="0" b="0"/>
+      </a:lnRef>
+      <a:fillRef idx="3">
+        <a:scrgbClr r="0" g="0" b="0"/>
+      </a:fillRef>
+      <a:effectRef idx="0">
+        <a:scrgbClr r="0" g="0" b="0"/>
+      </a:effectRef>
+      <a:fontRef idx="minor">
+        <a:schemeClr val="tx1"/>
+      </a:fontRef>
+    </dgm:style>
+  </dgm:styleLbl>
+  <dgm:styleLbl name="alignNode1">
+    <dgm:scene3d>
+      <a:camera prst="orthographicFront"/>
+      <a:lightRig rig="threePt" dir="t"/>
+    </dgm:scene3d>
+    <dgm:sp3d/>
+    <dgm:txPr/>
+    <dgm:style>
+      <a:lnRef idx="1">
+        <a:scrgbClr r="0" g="0" b="0"/>
+      </a:lnRef>
+      <a:fillRef idx="3">
+        <a:scrgbClr r="0" g="0" b="0"/>
+      </a:fillRef>
+      <a:effectRef idx="2">
+        <a:scrgbClr r="0" g="0" b="0"/>
+      </a:effectRef>
+      <a:fontRef idx="minor">
+        <a:schemeClr val="lt1"/>
+      </a:fontRef>
+    </dgm:style>
+  </dgm:styleLbl>
+  <dgm:styleLbl name="node1">
+    <dgm:scene3d>
+      <a:camera prst="orthographicFront"/>
+      <a:lightRig rig="threePt" dir="t"/>
+    </dgm:scene3d>
+    <dgm:sp3d/>
+    <dgm:txPr/>
+    <dgm:style>
+      <a:lnRef idx="0">
+        <a:scrgbClr r="0" g="0" b="0"/>
+      </a:lnRef>
+      <a:fillRef idx="3">
+        <a:scrgbClr r="0" g="0" b="0"/>
+      </a:fillRef>
+      <a:effectRef idx="2">
+        <a:scrgbClr r="0" g="0" b="0"/>
+      </a:effectRef>
+      <a:fontRef idx="minor">
+        <a:schemeClr val="lt1"/>
+      </a:fontRef>
+    </dgm:style>
+  </dgm:styleLbl>
+  <dgm:styleLbl name="node2">
+    <dgm:scene3d>
+      <a:camera prst="orthographicFront"/>
+      <a:lightRig rig="threePt" dir="t"/>
+    </dgm:scene3d>
+    <dgm:sp3d/>
+    <dgm:txPr/>
+    <dgm:style>
+      <a:lnRef idx="0">
+        <a:scrgbClr r="0" g="0" b="0"/>
+      </a:lnRef>
+      <a:fillRef idx="3">
+        <a:scrgbClr r="0" g="0" b="0"/>
+      </a:fillRef>
+      <a:effectRef idx="2">
+        <a:scrgbClr r="0" g="0" b="0"/>
+      </a:effectRef>
+      <a:fontRef idx="minor">
+        <a:schemeClr val="lt1"/>
+      </a:fontRef>
+    </dgm:style>
+  </dgm:styleLbl>
+  <dgm:styleLbl name="node3">
+    <dgm:scene3d>
+      <a:camera prst="orthographicFront"/>
+      <a:lightRig rig="threePt" dir="t"/>
+    </dgm:scene3d>
+    <dgm:sp3d/>
+    <dgm:txPr/>
+    <dgm:style>
+      <a:lnRef idx="0">
+        <a:scrgbClr r="0" g="0" b="0"/>
+      </a:lnRef>
+      <a:fillRef idx="3">
+        <a:scrgbClr r="0" g="0" b="0"/>
+      </a:fillRef>
+      <a:effectRef idx="2">
+        <a:scrgbClr r="0" g="0" b="0"/>
+      </a:effectRef>
+      <a:fontRef idx="minor">
+        <a:schemeClr val="lt1"/>
+      </a:fontRef>
+    </dgm:style>
+  </dgm:styleLbl>
+  <dgm:styleLbl name="node4">
+    <dgm:scene3d>
+      <a:camera prst="orthographicFront"/>
+      <a:lightRig rig="threePt" dir="t"/>
+    </dgm:scene3d>
+    <dgm:sp3d/>
+    <dgm:txPr/>
+    <dgm:style>
+      <a:lnRef idx="0">
+        <a:scrgbClr r="0" g="0" b="0"/>
+      </a:lnRef>
+      <a:fillRef idx="3">
+        <a:scrgbClr r="0" g="0" b="0"/>
+      </a:fillRef>
+      <a:effectRef idx="2">
+        <a:scrgbClr r="0" g="0" b="0"/>
+      </a:effectRef>
+      <a:fontRef idx="minor">
+        <a:schemeClr val="lt1"/>
+      </a:fontRef>
+    </dgm:style>
+  </dgm:styleLbl>
+  <dgm:styleLbl name="fgImgPlace1">
+    <dgm:scene3d>
+      <a:camera prst="orthographicFront"/>
+      <a:lightRig rig="threePt" dir="t"/>
+    </dgm:scene3d>
+    <dgm:sp3d/>
+    <dgm:txPr/>
+    <dgm:style>
+      <a:lnRef idx="0">
+        <a:scrgbClr r="0" g="0" b="0"/>
+      </a:lnRef>
+      <a:fillRef idx="1">
+        <a:scrgbClr r="0" g="0" b="0"/>
+      </a:fillRef>
+      <a:effectRef idx="2">
+        <a:scrgbClr r="0" g="0" b="0"/>
+      </a:effectRef>
+      <a:fontRef idx="minor"/>
+    </dgm:style>
+  </dgm:styleLbl>
+  <dgm:styleLbl name="alignImgPlace1">
+    <dgm:scene3d>
+      <a:camera prst="orthographicFront"/>
+      <a:lightRig rig="threePt" dir="t"/>
+    </dgm:scene3d>
+    <dgm:sp3d/>
+    <dgm:txPr/>
+    <dgm:style>
+      <a:lnRef idx="0">
+        <a:scrgbClr r="0" g="0" b="0"/>
+      </a:lnRef>
+      <a:fillRef idx="1">
+        <a:scrgbClr r="0" g="0" b="0"/>
+      </a:fillRef>
+      <a:effectRef idx="2">
+        <a:scrgbClr r="0" g="0" b="0"/>
+      </a:effectRef>
+      <a:fontRef idx="minor"/>
+    </dgm:style>
+  </dgm:styleLbl>
+  <dgm:styleLbl name="bgImgPlace1">
+    <dgm:scene3d>
+      <a:camera prst="orthographicFront"/>
+      <a:lightRig rig="threePt" dir="t"/>
+    </dgm:scene3d>
+    <dgm:sp3d/>
+    <dgm:txPr/>
+    <dgm:style>
+      <a:lnRef idx="0">
+        <a:scrgbClr r="0" g="0" b="0"/>
+      </a:lnRef>
+      <a:fillRef idx="1">
+        <a:scrgbClr r="0" g="0" b="0"/>
+      </a:fillRef>
+      <a:effectRef idx="2">
+        <a:scrgbClr r="0" g="0" b="0"/>
+      </a:effectRef>
+      <a:fontRef idx="minor"/>
+    </dgm:style>
+  </dgm:styleLbl>
+  <dgm:styleLbl name="sibTrans2D1">
+    <dgm:scene3d>
+      <a:camera prst="orthographicFront"/>
+      <a:lightRig rig="threePt" dir="t"/>
+    </dgm:scene3d>
+    <dgm:sp3d/>
+    <dgm:txPr/>
+    <dgm:style>
+      <a:lnRef idx="0">
+        <a:scrgbClr r="0" g="0" b="0"/>
+      </a:lnRef>
+      <a:fillRef idx="3">
+        <a:scrgbClr r="0" g="0" b="0"/>
+      </a:fillRef>
+      <a:effectRef idx="2">
+        <a:scrgbClr r="0" g="0" b="0"/>
+      </a:effectRef>
+      <a:fontRef idx="minor">
+        <a:schemeClr val="lt1"/>
+      </a:fontRef>
+    </dgm:style>
+  </dgm:styleLbl>
+  <dgm:styleLbl name="fgSibTrans2D1">
+    <dgm:scene3d>
+      <a:camera prst="orthographicFront"/>
+      <a:lightRig rig="threePt" dir="t"/>
+    </dgm:scene3d>
+    <dgm:sp3d/>
+    <dgm:txPr/>
+    <dgm:style>
+      <a:lnRef idx="0">
+        <a:scrgbClr r="0" g="0" b="0"/>
+      </a:lnRef>
+      <a:fillRef idx="3">
+        <a:scrgbClr r="0" g="0" b="0"/>
+      </a:fillRef>
+      <a:effectRef idx="2">
+        <a:scrgbClr r="0" g="0" b="0"/>
+      </a:effectRef>
+      <a:fontRef idx="minor">
+        <a:schemeClr val="lt1"/>
+      </a:fontRef>
+    </dgm:style>
+  </dgm:styleLbl>
+  <dgm:styleLbl name="bgSibTrans2D1">
+    <dgm:scene3d>
+      <a:camera prst="orthographicFront"/>
+      <a:lightRig rig="threePt" dir="t"/>
+    </dgm:scene3d>
+    <dgm:sp3d/>
+    <dgm:txPr/>
+    <dgm:style>
+      <a:lnRef idx="0">
+        <a:scrgbClr r="0" g="0" b="0"/>
+      </a:lnRef>
+      <a:fillRef idx="3">
+        <a:scrgbClr r="0" g="0" b="0"/>
+      </a:fillRef>
+      <a:effectRef idx="2">
+        <a:scrgbClr r="0" g="0" b="0"/>
+      </a:effectRef>
+      <a:fontRef idx="minor">
+        <a:schemeClr val="lt1"/>
+      </a:fontRef>
+    </dgm:style>
+  </dgm:styleLbl>
+  <dgm:styleLbl name="sibTrans1D1">
+    <dgm:scene3d>
+      <a:camera prst="orthographicFront"/>
+      <a:lightRig rig="threePt" dir="t"/>
+    </dgm:scene3d>
+    <dgm:sp3d/>
+    <dgm:txPr/>
+    <dgm:style>
+      <a:lnRef idx="1">
+        <a:scrgbClr r="0" g="0" b="0"/>
+      </a:lnRef>
+      <a:fillRef idx="0">
+        <a:scrgbClr r="0" g="0" b="0"/>
+      </a:fillRef>
+      <a:effectRef idx="0">
+        <a:scrgbClr r="0" g="0" b="0"/>
+      </a:effectRef>
+      <a:fontRef idx="minor"/>
+    </dgm:style>
+  </dgm:styleLbl>
+  <dgm:styleLbl name="callout">
+    <dgm:scene3d>
+      <a:camera prst="orthographicFront"/>
+      <a:lightRig rig="threePt" dir="t"/>
+    </dgm:scene3d>
+    <dgm:sp3d/>
+    <dgm:txPr/>
+    <dgm:style>
+      <a:lnRef idx="2">
+        <a:scrgbClr r="0" g="0" b="0"/>
+      </a:lnRef>
+      <a:fillRef idx="1">
+        <a:scrgbClr r="0" g="0" b="0"/>
+      </a:fillRef>
+      <a:effectRef idx="1">
+        <a:scrgbClr r="0" g="0" b="0"/>
+      </a:effectRef>
+      <a:fontRef idx="minor"/>
+    </dgm:style>
+  </dgm:styleLbl>
+  <dgm:styleLbl name="asst0">
+    <dgm:scene3d>
+      <a:camera prst="orthographicFront"/>
+      <a:lightRig rig="threePt" dir="t"/>
+    </dgm:scene3d>
+    <dgm:sp3d/>
+    <dgm:txPr/>
+    <dgm:style>
+      <a:lnRef idx="0">
+        <a:scrgbClr r="0" g="0" b="0"/>
+      </a:lnRef>
+      <a:fillRef idx="3">
+        <a:scrgbClr r="0" g="0" b="0"/>
+      </a:fillRef>
+      <a:effectRef idx="2">
+        <a:scrgbClr r="0" g="0" b="0"/>
+      </a:effectRef>
+      <a:fontRef idx="minor">
+        <a:schemeClr val="lt1"/>
+      </a:fontRef>
+    </dgm:style>
+  </dgm:styleLbl>
+  <dgm:styleLbl name="asst1">
+    <dgm:scene3d>
+      <a:camera prst="orthographicFront"/>
+      <a:lightRig rig="threePt" dir="t"/>
+    </dgm:scene3d>
+    <dgm:sp3d/>
+    <dgm:txPr/>
+    <dgm:style>
+      <a:lnRef idx="0">
+        <a:scrgbClr r="0" g="0" b="0"/>
+      </a:lnRef>
+      <a:fillRef idx="3">
+        <a:scrgbClr r="0" g="0" b="0"/>
+      </a:fillRef>
+      <a:effectRef idx="2">
+        <a:scrgbClr r="0" g="0" b="0"/>
+      </a:effectRef>
+      <a:fontRef idx="minor">
+        <a:schemeClr val="lt1"/>
+      </a:fontRef>
+    </dgm:style>
+  </dgm:styleLbl>
+  <dgm:styleLbl name="asst2">
+    <dgm:scene3d>
+      <a:camera prst="orthographicFront"/>
+      <a:lightRig rig="threePt" dir="t"/>
+    </dgm:scene3d>
+    <dgm:sp3d/>
+    <dgm:txPr/>
+    <dgm:style>
+      <a:lnRef idx="0">
+        <a:scrgbClr r="0" g="0" b="0"/>
+      </a:lnRef>
+      <a:fillRef idx="3">
+        <a:scrgbClr r="0" g="0" b="0"/>
+      </a:fillRef>
+      <a:effectRef idx="2">
+        <a:scrgbClr r="0" g="0" b="0"/>
+      </a:effectRef>
+      <a:fontRef idx="minor">
+        <a:schemeClr val="lt1"/>
+      </a:fontRef>
+    </dgm:style>
+  </dgm:styleLbl>
+  <dgm:styleLbl name="asst3">
+    <dgm:scene3d>
+      <a:camera prst="orthographicFront"/>
+      <a:lightRig rig="threePt" dir="t"/>
+    </dgm:scene3d>
+    <dgm:sp3d/>
+    <dgm:txPr/>
+    <dgm:style>
+      <a:lnRef idx="0">
+        <a:scrgbClr r="0" g="0" b="0"/>
+      </a:lnRef>
+      <a:fillRef idx="3">
+        <a:scrgbClr r="0" g="0" b="0"/>
+      </a:fillRef>
+      <a:effectRef idx="2">
+        <a:scrgbClr r="0" g="0" b="0"/>
+      </a:effectRef>
+      <a:fontRef idx="minor">
+        <a:schemeClr val="lt1"/>
+      </a:fontRef>
+    </dgm:style>
+  </dgm:styleLbl>
+  <dgm:styleLbl name="asst4">
+    <dgm:scene3d>
+      <a:camera prst="orthographicFront"/>
+      <a:lightRig rig="threePt" dir="t"/>
+    </dgm:scene3d>
+    <dgm:sp3d/>
+    <dgm:txPr/>
+    <dgm:style>
+      <a:lnRef idx="0">
+        <a:scrgbClr r="0" g="0" b="0"/>
+      </a:lnRef>
+      <a:fillRef idx="3">
+        <a:scrgbClr r="0" g="0" b="0"/>
+      </a:fillRef>
+      <a:effectRef idx="2">
+        <a:scrgbClr r="0" g="0" b="0"/>
+      </a:effectRef>
+      <a:fontRef idx="minor">
+        <a:schemeClr val="lt1"/>
+      </a:fontRef>
+    </dgm:style>
+  </dgm:styleLbl>
+  <dgm:styleLbl name="parChTrans2D1">
+    <dgm:scene3d>
+      <a:camera prst="orthographicFront"/>
+      <a:lightRig rig="threePt" dir="t"/>
+    </dgm:scene3d>
+    <dgm:sp3d/>
+    <dgm:txPr/>
+    <dgm:style>
+      <a:lnRef idx="0">
+        <a:scrgbClr r="0" g="0" b="0"/>
+      </a:lnRef>
+      <a:fillRef idx="3">
+        <a:scrgbClr r="0" g="0" b="0"/>
+      </a:fillRef>
+      <a:effectRef idx="2">
+        <a:scrgbClr r="0" g="0" b="0"/>
+      </a:effectRef>
+      <a:fontRef idx="minor">
+        <a:schemeClr val="lt1"/>
+      </a:fontRef>
+    </dgm:style>
+  </dgm:styleLbl>
+  <dgm:styleLbl name="parChTrans2D2">
+    <dgm:scene3d>
+      <a:camera prst="orthographicFront"/>
+      <a:lightRig rig="threePt" dir="t"/>
+    </dgm:scene3d>
+    <dgm:sp3d/>
+    <dgm:txPr/>
+    <dgm:style>
+      <a:lnRef idx="0">
+        <a:scrgbClr r="0" g="0" b="0"/>
+      </a:lnRef>
+      <a:fillRef idx="3">
+        <a:scrgbClr r="0" g="0" b="0"/>
+      </a:fillRef>
+      <a:effectRef idx="2">
+        <a:scrgbClr r="0" g="0" b="0"/>
+      </a:effectRef>
+      <a:fontRef idx="minor">
+        <a:schemeClr val="lt1"/>
+      </a:fontRef>
+    </dgm:style>
+  </dgm:styleLbl>
+  <dgm:styleLbl name="parChTrans2D3">
+    <dgm:scene3d>
+      <a:camera prst="orthographicFront"/>
+      <a:lightRig rig="threePt" dir="t"/>
+    </dgm:scene3d>
+    <dgm:sp3d/>
+    <dgm:txPr/>
+    <dgm:style>
+      <a:lnRef idx="1">
+        <a:scrgbClr r="0" g="0" b="0"/>
+      </a:lnRef>
+      <a:fillRef idx="3">
+        <a:scrgbClr r="0" g="0" b="0"/>
+      </a:fillRef>
+      <a:effectRef idx="2">
+        <a:scrgbClr r="0" g="0" b="0"/>
+      </a:effectRef>
+      <a:fontRef idx="minor">
+        <a:schemeClr val="lt1"/>
+      </a:fontRef>
+    </dgm:style>
+  </dgm:styleLbl>
+  <dgm:styleLbl name="parChTrans2D4">
+    <dgm:scene3d>
+      <a:camera prst="orthographicFront"/>
+      <a:lightRig rig="threePt" dir="t"/>
+    </dgm:scene3d>
+    <dgm:sp3d/>
+    <dgm:txPr/>
+    <dgm:style>
+      <a:lnRef idx="1">
+        <a:scrgbClr r="0" g="0" b="0"/>
+      </a:lnRef>
+      <a:fillRef idx="3">
+        <a:scrgbClr r="0" g="0" b="0"/>
+      </a:fillRef>
+      <a:effectRef idx="2">
+        <a:scrgbClr r="0" g="0" b="0"/>
+      </a:effectRef>
+      <a:fontRef idx="minor">
+        <a:schemeClr val="lt1"/>
+      </a:fontRef>
+    </dgm:style>
+  </dgm:styleLbl>
+  <dgm:styleLbl name="parChTrans1D1">
+    <dgm:scene3d>
+      <a:camera prst="orthographicFront"/>
+      <a:lightRig rig="threePt" dir="t"/>
+    </dgm:scene3d>
+    <dgm:sp3d/>
+    <dgm:txPr/>
+    <dgm:style>
+      <a:lnRef idx="1">
+        <a:scrgbClr r="0" g="0" b="0"/>
+      </a:lnRef>
+      <a:fillRef idx="0">
+        <a:scrgbClr r="0" g="0" b="0"/>
+      </a:fillRef>
+      <a:effectRef idx="0">
+        <a:scrgbClr r="0" g="0" b="0"/>
+      </a:effectRef>
+      <a:fontRef idx="minor"/>
+    </dgm:style>
+  </dgm:styleLbl>
+  <dgm:styleLbl name="parChTrans1D2">
+    <dgm:scene3d>
+      <a:camera prst="orthographicFront"/>
+      <a:lightRig rig="threePt" dir="t"/>
+    </dgm:scene3d>
+    <dgm:sp3d/>
+    <dgm:txPr/>
+    <dgm:style>
+      <a:lnRef idx="1">
+        <a:scrgbClr r="0" g="0" b="0"/>
+      </a:lnRef>
+      <a:fillRef idx="0">
+        <a:scrgbClr r="0" g="0" b="0"/>
+      </a:fillRef>
+      <a:effectRef idx="0">
+        <a:scrgbClr r="0" g="0" b="0"/>
+      </a:effectRef>
+      <a:fontRef idx="minor"/>
+    </dgm:style>
+  </dgm:styleLbl>
+  <dgm:styleLbl name="parChTrans1D3">
+    <dgm:scene3d>
+      <a:camera prst="orthographicFront"/>
+      <a:lightRig rig="threePt" dir="t"/>
+    </dgm:scene3d>
+    <dgm:sp3d/>
+    <dgm:txPr/>
+    <dgm:style>
+      <a:lnRef idx="1">
+        <a:scrgbClr r="0" g="0" b="0"/>
+      </a:lnRef>
+      <a:fillRef idx="0">
+        <a:scrgbClr r="0" g="0" b="0"/>
+      </a:fillRef>
+      <a:effectRef idx="0">
+        <a:scrgbClr r="0" g="0" b="0"/>
+      </a:effectRef>
+      <a:fontRef idx="minor"/>
+    </dgm:style>
+  </dgm:styleLbl>
+  <dgm:styleLbl name="parChTrans1D4">
+    <dgm:scene3d>
+      <a:camera prst="orthographicFront"/>
+      <a:lightRig rig="threePt" dir="t"/>
+    </dgm:scene3d>
+    <dgm:sp3d/>
+    <dgm:txPr/>
+    <dgm:style>
+      <a:lnRef idx="1">
+        <a:scrgbClr r="0" g="0" b="0"/>
+      </a:lnRef>
+      <a:fillRef idx="0">
+        <a:scrgbClr r="0" g="0" b="0"/>
+      </a:fillRef>
+      <a:effectRef idx="0">
+        <a:scrgbClr r="0" g="0" b="0"/>
+      </a:effectRef>
+      <a:fontRef idx="minor"/>
+    </dgm:style>
+  </dgm:styleLbl>
+  <dgm:styleLbl name="fgAcc1">
+    <dgm:scene3d>
+      <a:camera prst="orthographicFront"/>
+      <a:lightRig rig="threePt" dir="t"/>
+    </dgm:scene3d>
+    <dgm:sp3d/>
+    <dgm:txPr/>
+    <dgm:style>
+      <a:lnRef idx="1">
+        <a:scrgbClr r="0" g="0" b="0"/>
+      </a:lnRef>
+      <a:fillRef idx="1">
+        <a:scrgbClr r="0" g="0" b="0"/>
+      </a:fillRef>
+      <a:effectRef idx="0">
+        <a:scrgbClr r="0" g="0" b="0"/>
+      </a:effectRef>
+      <a:fontRef idx="minor"/>
+    </dgm:style>
+  </dgm:styleLbl>
+  <dgm:styleLbl name="conFgAcc1">
+    <dgm:scene3d>
+      <a:camera prst="orthographicFront"/>
+      <a:lightRig rig="threePt" dir="t"/>
+    </dgm:scene3d>
+    <dgm:sp3d/>
+    <dgm:txPr/>
+    <dgm:style>
+      <a:lnRef idx="1">
+        <a:scrgbClr r="0" g="0" b="0"/>
+      </a:lnRef>
+      <a:fillRef idx="1">
+        <a:scrgbClr r="0" g="0" b="0"/>
+      </a:fillRef>
+      <a:effectRef idx="0">
+        <a:scrgbClr r="0" g="0" b="0"/>
+      </a:effectRef>
+      <a:fontRef idx="minor"/>
+    </dgm:style>
+  </dgm:styleLbl>
+  <dgm:styleLbl name="alignAcc1">
+    <dgm:scene3d>
+      <a:camera prst="orthographicFront"/>
+      <a:lightRig rig="threePt" dir="t"/>
+    </dgm:scene3d>
+    <dgm:sp3d/>
+    <dgm:txPr/>
+    <dgm:style>
+      <a:lnRef idx="1">
+        <a:scrgbClr r="0" g="0" b="0"/>
+      </a:lnRef>
+      <a:fillRef idx="1">
+        <a:scrgbClr r="0" g="0" b="0"/>
+      </a:fillRef>
+      <a:effectRef idx="0">
+        <a:scrgbClr r="0" g="0" b="0"/>
+      </a:effectRef>
+      <a:fontRef idx="minor"/>
+    </dgm:style>
+  </dgm:styleLbl>
+  <dgm:styleLbl name="trAlignAcc1">
+    <dgm:scene3d>
+      <a:camera prst="orthographicFront"/>
+      <a:lightRig rig="threePt" dir="t"/>
+    </dgm:scene3d>
+    <dgm:sp3d/>
+    <dgm:txPr/>
+    <dgm:style>
+      <a:lnRef idx="1">
+        <a:scrgbClr r="0" g="0" b="0"/>
+      </a:lnRef>
+      <a:fillRef idx="1">
+        <a:scrgbClr r="0" g="0" b="0"/>
+      </a:fillRef>
+      <a:effectRef idx="0">
+        <a:scrgbClr r="0" g="0" b="0"/>
+      </a:effectRef>
+      <a:fontRef idx="minor"/>
+    </dgm:style>
+  </dgm:styleLbl>
+  <dgm:styleLbl name="bgAcc1">
+    <dgm:scene3d>
+      <a:camera prst="orthographicFront"/>
+      <a:lightRig rig="threePt" dir="t"/>
+    </dgm:scene3d>
+    <dgm:sp3d/>
+    <dgm:txPr/>
+    <dgm:style>
+      <a:lnRef idx="1">
+        <a:scrgbClr r="0" g="0" b="0"/>
+      </a:lnRef>
+      <a:fillRef idx="1">
+        <a:scrgbClr r="0" g="0" b="0"/>
+      </a:fillRef>
+      <a:effectRef idx="0">
+        <a:scrgbClr r="0" g="0" b="0"/>
+      </a:effectRef>
+      <a:fontRef idx="minor"/>
+    </dgm:style>
+  </dgm:styleLbl>
+  <dgm:styleLbl name="solidFgAcc1">
+    <dgm:scene3d>
+      <a:camera prst="orthographicFront"/>
+      <a:lightRig rig="threePt" dir="t"/>
+    </dgm:scene3d>
+    <dgm:sp3d/>
+    <dgm:txPr/>
+    <dgm:style>
+      <a:lnRef idx="1">
+        <a:scrgbClr r="0" g="0" b="0"/>
+      </a:lnRef>
+      <a:fillRef idx="1">
+        <a:scrgbClr r="0" g="0" b="0"/>
+      </a:fillRef>
+      <a:effectRef idx="0">
+        <a:scrgbClr r="0" g="0" b="0"/>
+      </a:effectRef>
+      <a:fontRef idx="minor"/>
+    </dgm:style>
+  </dgm:styleLbl>
+  <dgm:styleLbl name="solidAlignAcc1">
+    <dgm:scene3d>
+      <a:camera prst="orthographicFront"/>
+      <a:lightRig rig="threePt" dir="t"/>
+    </dgm:scene3d>
+    <dgm:sp3d/>
+    <dgm:txPr/>
+    <dgm:style>
+      <a:lnRef idx="1">
+        <a:scrgbClr r="0" g="0" b="0"/>
+      </a:lnRef>
+      <a:fillRef idx="1">
+        <a:scrgbClr r="0" g="0" b="0"/>
+      </a:fillRef>
+      <a:effectRef idx="0">
+        <a:scrgbClr r="0" g="0" b="0"/>
+      </a:effectRef>
+      <a:fontRef idx="minor"/>
+    </dgm:style>
+  </dgm:styleLbl>
+  <dgm:styleLbl name="solidBgAcc1">
+    <dgm:scene3d>
+      <a:camera prst="orthographicFront"/>
+      <a:lightRig rig="threePt" dir="t"/>
+    </dgm:scene3d>
+    <dgm:sp3d/>
+    <dgm:txPr/>
+    <dgm:style>
+      <a:lnRef idx="1">
+        <a:scrgbClr r="0" g="0" b="0"/>
+      </a:lnRef>
+      <a:fillRef idx="1">
+        <a:scrgbClr r="0" g="0" b="0"/>
+      </a:fillRef>
+      <a:effectRef idx="0">
+        <a:scrgbClr r="0" g="0" b="0"/>
+      </a:effectRef>
+      <a:fontRef idx="minor"/>
+    </dgm:style>
+  </dgm:styleLbl>
+  <dgm:styleLbl name="fgAccFollowNode1">
+    <dgm:scene3d>
+      <a:camera prst="orthographicFront"/>
+      <a:lightRig rig="threePt" dir="t"/>
+    </dgm:scene3d>
+    <dgm:sp3d/>
+    <dgm:txPr/>
+    <dgm:style>
+      <a:lnRef idx="1">
+        <a:scrgbClr r="0" g="0" b="0"/>
+      </a:lnRef>
+      <a:fillRef idx="1">
+        <a:scrgbClr r="0" g="0" b="0"/>
+      </a:fillRef>
+      <a:effectRef idx="0">
+        <a:scrgbClr r="0" g="0" b="0"/>
+      </a:effectRef>
+      <a:fontRef idx="minor"/>
+    </dgm:style>
+  </dgm:styleLbl>
+  <dgm:styleLbl name="alignAccFollowNode1">
+    <dgm:scene3d>
+      <a:camera prst="orthographicFront"/>
+      <a:lightRig rig="threePt" dir="t"/>
+    </dgm:scene3d>
+    <dgm:sp3d/>
+    <dgm:txPr/>
+    <dgm:style>
+      <a:lnRef idx="1">
+        <a:scrgbClr r="0" g="0" b="0"/>
+      </a:lnRef>
+      <a:fillRef idx="1">
+        <a:scrgbClr r="0" g="0" b="0"/>
+      </a:fillRef>
+      <a:effectRef idx="0">
+        <a:scrgbClr r="0" g="0" b="0"/>
+      </a:effectRef>
+      <a:fontRef idx="minor"/>
+    </dgm:style>
+  </dgm:styleLbl>
+  <dgm:styleLbl name="bgAccFollowNode1">
+    <dgm:scene3d>
+      <a:camera prst="orthographicFront"/>
+      <a:lightRig rig="threePt" dir="t"/>
+    </dgm:scene3d>
+    <dgm:sp3d/>
+    <dgm:txPr/>
+    <dgm:style>
+      <a:lnRef idx="1">
+        <a:scrgbClr r="0" g="0" b="0"/>
+      </a:lnRef>
+      <a:fillRef idx="1">
+        <a:scrgbClr r="0" g="0" b="0"/>
+      </a:fillRef>
+      <a:effectRef idx="0">
+        <a:scrgbClr r="0" g="0" b="0"/>
+      </a:effectRef>
+      <a:fontRef idx="minor"/>
+    </dgm:style>
+  </dgm:styleLbl>
+  <dgm:styleLbl name="fgAcc0">
+    <dgm:scene3d>
+      <a:camera prst="orthographicFront"/>
+      <a:lightRig rig="threePt" dir="t"/>
+    </dgm:scene3d>
+    <dgm:sp3d/>
+    <dgm:txPr/>
+    <dgm:style>
+      <a:lnRef idx="1">
+        <a:scrgbClr r="0" g="0" b="0"/>
+      </a:lnRef>
+      <a:fillRef idx="1">
+        <a:scrgbClr r="0" g="0" b="0"/>
+      </a:fillRef>
+      <a:effectRef idx="0">
+        <a:scrgbClr r="0" g="0" b="0"/>
+      </a:effectRef>
+      <a:fontRef idx="minor"/>
+    </dgm:style>
+  </dgm:styleLbl>
+  <dgm:styleLbl name="fgAcc2">
+    <dgm:scene3d>
+      <a:camera prst="orthographicFront"/>
+      <a:lightRig rig="threePt" dir="t"/>
+    </dgm:scene3d>
+    <dgm:sp3d/>
+    <dgm:txPr/>
+    <dgm:style>
+      <a:lnRef idx="1">
+        <a:scrgbClr r="0" g="0" b="0"/>
+      </a:lnRef>
+      <a:fillRef idx="1">
+        <a:scrgbClr r="0" g="0" b="0"/>
+      </a:fillRef>
+      <a:effectRef idx="0">
+        <a:scrgbClr r="0" g="0" b="0"/>
+      </a:effectRef>
+      <a:fontRef idx="minor"/>
+    </dgm:style>
+  </dgm:styleLbl>
+  <dgm:styleLbl name="fgAcc3">
+    <dgm:scene3d>
+      <a:camera prst="orthographicFront"/>
+      <a:lightRig rig="threePt" dir="t"/>
+    </dgm:scene3d>
+    <dgm:sp3d/>
+    <dgm:txPr/>
+    <dgm:style>
+      <a:lnRef idx="1">
+        <a:scrgbClr r="0" g="0" b="0"/>
+      </a:lnRef>
+      <a:fillRef idx="1">
+        <a:scrgbClr r="0" g="0" b="0"/>
+      </a:fillRef>
+      <a:effectRef idx="0">
+        <a:scrgbClr r="0" g="0" b="0"/>
+      </a:effectRef>
+      <a:fontRef idx="minor"/>
+    </dgm:style>
+  </dgm:styleLbl>
+  <dgm:styleLbl name="fgAcc4">
+    <dgm:scene3d>
+      <a:camera prst="orthographicFront"/>
+      <a:lightRig rig="threePt" dir="t"/>
+    </dgm:scene3d>
+    <dgm:sp3d/>
+    <dgm:txPr/>
+    <dgm:style>
+      <a:lnRef idx="1">
+        <a:scrgbClr r="0" g="0" b="0"/>
+      </a:lnRef>
+      <a:fillRef idx="1">
+        <a:scrgbClr r="0" g="0" b="0"/>
+      </a:fillRef>
+      <a:effectRef idx="0">
+        <a:scrgbClr r="0" g="0" b="0"/>
+      </a:effectRef>
+      <a:fontRef idx="minor"/>
+    </dgm:style>
+  </dgm:styleLbl>
+  <dgm:styleLbl name="bgShp">
+    <dgm:scene3d>
+      <a:camera prst="orthographicFront"/>
+      <a:lightRig rig="threePt" dir="t"/>
+    </dgm:scene3d>
+    <dgm:sp3d/>
+    <dgm:txPr/>
+    <dgm:style>
+      <a:lnRef idx="0">
+        <a:scrgbClr r="0" g="0" b="0"/>
+      </a:lnRef>
+      <a:fillRef idx="1">
+        <a:scrgbClr r="0" g="0" b="0"/>
+      </a:fillRef>
+      <a:effectRef idx="2">
+        <a:scrgbClr r="0" g="0" b="0"/>
+      </a:effectRef>
+      <a:fontRef idx="minor"/>
+    </dgm:style>
+  </dgm:styleLbl>
+  <dgm:styleLbl name="dkBgShp">
+    <dgm:scene3d>
+      <a:camera prst="orthographicFront"/>
+      <a:lightRig rig="threePt" dir="t"/>
+    </dgm:scene3d>
+    <dgm:sp3d/>
+    <dgm:txPr/>
+    <dgm:style>
+      <a:lnRef idx="0">
+        <a:scrgbClr r="0" g="0" b="0"/>
+      </a:lnRef>
+      <a:fillRef idx="1">
+        <a:scrgbClr r="0" g="0" b="0"/>
+      </a:fillRef>
+      <a:effectRef idx="2">
+        <a:scrgbClr r="0" g="0" b="0"/>
+      </a:effectRef>
+      <a:fontRef idx="minor"/>
+    </dgm:style>
+  </dgm:styleLbl>
+  <dgm:styleLbl name="trBgShp">
+    <dgm:scene3d>
+      <a:camera prst="orthographicFront"/>
+      <a:lightRig rig="threePt" dir="t"/>
+    </dgm:scene3d>
+    <dgm:sp3d/>
+    <dgm:txPr/>
+    <dgm:style>
+      <a:lnRef idx="0">
+        <a:scrgbClr r="0" g="0" b="0"/>
+      </a:lnRef>
+      <a:fillRef idx="1">
+        <a:scrgbClr r="0" g="0" b="0"/>
+      </a:fillRef>
+      <a:effectRef idx="0">
+        <a:scrgbClr r="0" g="0" b="0"/>
+      </a:effectRef>
+      <a:fontRef idx="minor"/>
+    </dgm:style>
+  </dgm:styleLbl>
+  <dgm:styleLbl name="fgShp">
+    <dgm:scene3d>
+      <a:camera prst="orthographicFront"/>
+      <a:lightRig rig="threePt" dir="t"/>
+    </dgm:scene3d>
+    <dgm:sp3d/>
+    <dgm:txPr/>
+    <dgm:style>
+      <a:lnRef idx="0">
+        <a:scrgbClr r="0" g="0" b="0"/>
+      </a:lnRef>
+      <a:fillRef idx="3">
+        <a:scrgbClr r="0" g="0" b="0"/>
+      </a:fillRef>
+      <a:effectRef idx="2">
+        <a:scrgbClr r="0" g="0" b="0"/>
+      </a:effectRef>
+      <a:fontRef idx="minor"/>
+    </dgm:style>
+  </dgm:styleLbl>
+  <dgm:styleLbl name="revTx">
+    <dgm:scene3d>
+      <a:camera prst="orthographicFront"/>
+      <a:lightRig rig="threePt" dir="t"/>
+    </dgm:scene3d>
+    <dgm:sp3d/>
+    <dgm:txPr/>
+    <dgm:style>
+      <a:lnRef idx="0">
+        <a:scrgbClr r="0" g="0" b="0"/>
+      </a:lnRef>
+      <a:fillRef idx="0">
+        <a:scrgbClr r="0" g="0" b="0"/>
+      </a:fillRef>
+      <a:effectRef idx="0">
+        <a:scrgbClr r="0" g="0" b="0"/>
+      </a:effectRef>
+      <a:fontRef idx="minor"/>
+    </dgm:style>
+  </dgm:styleLbl>
+</dgm:styleDef>
 </file>
 
 <file path=ppt/slideLayouts/slideLayout1.xml><?xml version="1.0" encoding="utf-8"?>
@@ -5881,7 +9385,7 @@
           <a:p>
             <a:r>
               <a:rPr lang="en-US" dirty="0" smtClean="0"/>
-              <a:t>Goal Model</a:t>
+              <a:t>Users</a:t>
             </a:r>
             <a:endParaRPr lang="en-US" dirty="0"/>
           </a:p>
@@ -5896,14 +9400,14 @@
           <p:nvPr>
             <p:extLst>
               <p:ext uri="{D42A27DB-BD31-4B8C-83A1-F6EECF244321}">
-                <p14:modId xmlns:p14="http://schemas.microsoft.com/office/powerpoint/2010/main" val="807405647"/>
+                <p14:modId xmlns:p14="http://schemas.microsoft.com/office/powerpoint/2010/main" val="1494107475"/>
               </p:ext>
             </p:extLst>
           </p:nvPr>
         </p:nvGraphicFramePr>
         <p:xfrm>
-          <a:off x="2032000" y="1690688"/>
-          <a:ext cx="8128000" cy="2595880"/>
+          <a:off x="838200" y="1815379"/>
+          <a:ext cx="3692236" cy="4800600"/>
         </p:xfrm>
         <a:graphic>
           <a:graphicData uri="http://schemas.openxmlformats.org/drawingml/2006/table">
@@ -5912,2443 +9416,8 @@
                 <a:tableStyleId>{5C22544A-7EE6-4342-B048-85BDC9FD1C3A}</a:tableStyleId>
               </a:tblPr>
               <a:tblGrid>
-                <a:gridCol w="4064000"/>
-                <a:gridCol w="4064000"/>
-              </a:tblGrid>
-              <a:tr h="370840">
-                <a:tc>
-                  <a:txBody>
-                    <a:bodyPr/>
-                    <a:lstStyle/>
-                    <a:p>
-                      <a:r>
-                        <a:rPr lang="en-US" sz="1500" dirty="0" smtClean="0"/>
-                        <a:t>Type</a:t>
-                      </a:r>
-                      <a:endParaRPr lang="en-US" sz="1500" dirty="0"/>
-                    </a:p>
-                  </a:txBody>
-                  <a:tcPr/>
-                </a:tc>
-                <a:tc>
-                  <a:txBody>
-                    <a:bodyPr/>
-                    <a:lstStyle/>
-                    <a:p>
-                      <a:r>
-                        <a:rPr lang="en-US" sz="1500" dirty="0" smtClean="0"/>
-                        <a:t>Name</a:t>
-                      </a:r>
-                      <a:endParaRPr lang="en-US" sz="1500" dirty="0"/>
-                    </a:p>
-                  </a:txBody>
-                  <a:tcPr/>
-                </a:tc>
-              </a:tr>
-              <a:tr h="370840">
-                <a:tc>
-                  <a:txBody>
-                    <a:bodyPr/>
-                    <a:lstStyle/>
-                    <a:p>
-                      <a:r>
-                        <a:rPr lang="en-US" dirty="0" smtClean="0"/>
-                        <a:t>string</a:t>
-                      </a:r>
-                      <a:endParaRPr lang="en-US" dirty="0"/>
-                    </a:p>
-                  </a:txBody>
-                  <a:tcPr/>
-                </a:tc>
-                <a:tc>
-                  <a:txBody>
-                    <a:bodyPr/>
-                    <a:lstStyle/>
-                    <a:p>
-                      <a:r>
-                        <a:rPr lang="en-US" dirty="0" smtClean="0"/>
-                        <a:t>metric</a:t>
-                      </a:r>
-                      <a:endParaRPr lang="en-US" dirty="0"/>
-                    </a:p>
-                  </a:txBody>
-                  <a:tcPr/>
-                </a:tc>
-              </a:tr>
-              <a:tr h="370840">
-                <a:tc>
-                  <a:txBody>
-                    <a:bodyPr/>
-                    <a:lstStyle/>
-                    <a:p>
-                      <a:r>
-                        <a:rPr lang="en-US" dirty="0" smtClean="0"/>
-                        <a:t>float</a:t>
-                      </a:r>
-                      <a:endParaRPr lang="en-US" dirty="0"/>
-                    </a:p>
-                  </a:txBody>
-                  <a:tcPr/>
-                </a:tc>
-                <a:tc>
-                  <a:txBody>
-                    <a:bodyPr/>
-                    <a:lstStyle/>
-                    <a:p>
-                      <a:r>
-                        <a:rPr lang="en-US" dirty="0" smtClean="0"/>
-                        <a:t>value</a:t>
-                      </a:r>
-                      <a:endParaRPr lang="en-US" dirty="0"/>
-                    </a:p>
-                  </a:txBody>
-                  <a:tcPr/>
-                </a:tc>
-              </a:tr>
-              <a:tr h="370840">
-                <a:tc>
-                  <a:txBody>
-                    <a:bodyPr/>
-                    <a:lstStyle/>
-                    <a:p>
-                      <a:r>
-                        <a:rPr lang="en-US" dirty="0" smtClean="0"/>
-                        <a:t>date</a:t>
-                      </a:r>
-                      <a:endParaRPr lang="en-US" dirty="0"/>
-                    </a:p>
-                  </a:txBody>
-                  <a:tcPr/>
-                </a:tc>
-                <a:tc>
-                  <a:txBody>
-                    <a:bodyPr/>
-                    <a:lstStyle/>
-                    <a:p>
-                      <a:r>
-                        <a:rPr lang="en-US" dirty="0" err="1" smtClean="0"/>
-                        <a:t>by_date</a:t>
-                      </a:r>
-                      <a:endParaRPr lang="en-US" dirty="0"/>
-                    </a:p>
-                  </a:txBody>
-                  <a:tcPr/>
-                </a:tc>
-              </a:tr>
-              <a:tr h="370840">
-                <a:tc>
-                  <a:txBody>
-                    <a:bodyPr/>
-                    <a:lstStyle/>
-                    <a:p>
-                      <a:r>
-                        <a:rPr lang="en-US" dirty="0" smtClean="0"/>
-                        <a:t>date</a:t>
-                      </a:r>
-                      <a:endParaRPr lang="en-US" dirty="0"/>
-                    </a:p>
-                  </a:txBody>
-                  <a:tcPr/>
-                </a:tc>
-                <a:tc>
-                  <a:txBody>
-                    <a:bodyPr/>
-                    <a:lstStyle/>
-                    <a:p>
-                      <a:r>
-                        <a:rPr lang="en-US" dirty="0" err="1" smtClean="0"/>
-                        <a:t>created_at</a:t>
-                      </a:r>
-                      <a:endParaRPr lang="en-US" dirty="0"/>
-                    </a:p>
-                  </a:txBody>
-                  <a:tcPr/>
-                </a:tc>
-              </a:tr>
-              <a:tr h="370840">
-                <a:tc>
-                  <a:txBody>
-                    <a:bodyPr/>
-                    <a:lstStyle/>
-                    <a:p>
-                      <a:r>
-                        <a:rPr lang="en-US" dirty="0" smtClean="0"/>
-                        <a:t>date</a:t>
-                      </a:r>
-                      <a:endParaRPr lang="en-US" dirty="0"/>
-                    </a:p>
-                  </a:txBody>
-                  <a:tcPr/>
-                </a:tc>
-                <a:tc>
-                  <a:txBody>
-                    <a:bodyPr/>
-                    <a:lstStyle/>
-                    <a:p>
-                      <a:r>
-                        <a:rPr lang="en-US" dirty="0" err="1" smtClean="0"/>
-                        <a:t>updated_at</a:t>
-                      </a:r>
-                      <a:endParaRPr lang="en-US" dirty="0"/>
-                    </a:p>
-                  </a:txBody>
-                  <a:tcPr/>
-                </a:tc>
-              </a:tr>
-              <a:tr h="370840">
-                <a:tc>
-                  <a:txBody>
-                    <a:bodyPr/>
-                    <a:lstStyle/>
-                    <a:p>
-                      <a:r>
-                        <a:rPr lang="en-US" dirty="0" smtClean="0"/>
-                        <a:t>integer</a:t>
-                      </a:r>
-                      <a:endParaRPr lang="en-US" dirty="0"/>
-                    </a:p>
-                  </a:txBody>
-                  <a:tcPr/>
-                </a:tc>
-                <a:tc>
-                  <a:txBody>
-                    <a:bodyPr/>
-                    <a:lstStyle/>
-                    <a:p>
-                      <a:r>
-                        <a:rPr lang="en-US" dirty="0" err="1" smtClean="0"/>
-                        <a:t>user_id</a:t>
-                      </a:r>
-                      <a:endParaRPr lang="en-US" dirty="0"/>
-                    </a:p>
-                  </a:txBody>
-                  <a:tcPr/>
-                </a:tc>
-              </a:tr>
-            </a:tbl>
-          </a:graphicData>
-        </a:graphic>
-      </p:graphicFrame>
-    </p:spTree>
-    <p:extLst>
-      <p:ext uri="{BB962C8B-B14F-4D97-AF65-F5344CB8AC3E}">
-        <p14:creationId xmlns:p14="http://schemas.microsoft.com/office/powerpoint/2010/main" val="696837872"/>
-      </p:ext>
-    </p:extLst>
-  </p:cSld>
-  <p:clrMapOvr>
-    <a:masterClrMapping/>
-  </p:clrMapOvr>
-</p:sld>
-</file>
-
-<file path=ppt/slides/slide11.xml><?xml version="1.0" encoding="utf-8"?>
-<p:sld xmlns:a="http://schemas.openxmlformats.org/drawingml/2006/main" xmlns:r="http://schemas.openxmlformats.org/officeDocument/2006/relationships" xmlns:p="http://schemas.openxmlformats.org/presentationml/2006/main">
-  <p:cSld>
-    <p:spTree>
-      <p:nvGrpSpPr>
-        <p:cNvPr id="1" name=""/>
-        <p:cNvGrpSpPr/>
-        <p:nvPr/>
-      </p:nvGrpSpPr>
-      <p:grpSpPr>
-        <a:xfrm>
-          <a:off x="0" y="0"/>
-          <a:ext cx="0" cy="0"/>
-          <a:chOff x="0" y="0"/>
-          <a:chExt cx="0" cy="0"/>
-        </a:xfrm>
-      </p:grpSpPr>
-      <p:sp>
-        <p:nvSpPr>
-          <p:cNvPr id="2" name="Title 1"/>
-          <p:cNvSpPr>
-            <a:spLocks noGrp="1"/>
-          </p:cNvSpPr>
-          <p:nvPr>
-            <p:ph type="title"/>
-          </p:nvPr>
-        </p:nvSpPr>
-        <p:spPr/>
-        <p:txBody>
-          <a:bodyPr/>
-          <a:lstStyle/>
-          <a:p>
-            <a:r>
-              <a:rPr lang="en-US" dirty="0" smtClean="0"/>
-              <a:t>Entry Model</a:t>
-            </a:r>
-            <a:endParaRPr lang="en-US" dirty="0"/>
-          </a:p>
-        </p:txBody>
-      </p:sp>
-      <p:graphicFrame>
-        <p:nvGraphicFramePr>
-          <p:cNvPr id="4" name="Table 3"/>
-          <p:cNvGraphicFramePr>
-            <a:graphicFrameLocks noGrp="1"/>
-          </p:cNvGraphicFramePr>
-          <p:nvPr>
-            <p:extLst>
-              <p:ext uri="{D42A27DB-BD31-4B8C-83A1-F6EECF244321}">
-                <p14:modId xmlns:p14="http://schemas.microsoft.com/office/powerpoint/2010/main" val="370492040"/>
-              </p:ext>
-            </p:extLst>
-          </p:nvPr>
-        </p:nvGraphicFramePr>
-        <p:xfrm>
-          <a:off x="2032000" y="1690688"/>
-          <a:ext cx="8128000" cy="4793430"/>
-        </p:xfrm>
-        <a:graphic>
-          <a:graphicData uri="http://schemas.openxmlformats.org/drawingml/2006/table">
-            <a:tbl>
-              <a:tblPr firstRow="1" bandRow="1">
-                <a:tableStyleId>{5C22544A-7EE6-4342-B048-85BDC9FD1C3A}</a:tableStyleId>
-              </a:tblPr>
-              <a:tblGrid>
-                <a:gridCol w="4064000"/>
-                <a:gridCol w="4064000"/>
-              </a:tblGrid>
-              <a:tr h="319562">
-                <a:tc>
-                  <a:txBody>
-                    <a:bodyPr/>
-                    <a:lstStyle/>
-                    <a:p>
-                      <a:r>
-                        <a:rPr lang="en-US" sz="1400" dirty="0" smtClean="0"/>
-                        <a:t>Type</a:t>
-                      </a:r>
-                      <a:endParaRPr lang="en-US" sz="1400" dirty="0"/>
-                    </a:p>
-                  </a:txBody>
-                  <a:tcPr/>
-                </a:tc>
-                <a:tc>
-                  <a:txBody>
-                    <a:bodyPr/>
-                    <a:lstStyle/>
-                    <a:p>
-                      <a:r>
-                        <a:rPr lang="en-US" sz="1400" dirty="0" smtClean="0"/>
-                        <a:t>Name</a:t>
-                      </a:r>
-                      <a:endParaRPr lang="en-US" sz="1400" dirty="0"/>
-                    </a:p>
-                  </a:txBody>
-                  <a:tcPr/>
-                </a:tc>
-              </a:tr>
-              <a:tr h="319562">
-                <a:tc>
-                  <a:txBody>
-                    <a:bodyPr/>
-                    <a:lstStyle/>
-                    <a:p>
-                      <a:r>
-                        <a:rPr lang="en-US" sz="1400" dirty="0" smtClean="0"/>
-                        <a:t>integer</a:t>
-                      </a:r>
-                      <a:endParaRPr lang="en-US" sz="1400" dirty="0"/>
-                    </a:p>
-                  </a:txBody>
-                  <a:tcPr/>
-                </a:tc>
-                <a:tc>
-                  <a:txBody>
-                    <a:bodyPr/>
-                    <a:lstStyle/>
-                    <a:p>
-                      <a:r>
-                        <a:rPr lang="en-US" sz="1400" dirty="0" err="1" smtClean="0"/>
-                        <a:t>user_id</a:t>
-                      </a:r>
-                      <a:endParaRPr lang="en-US" sz="1400" dirty="0"/>
-                    </a:p>
-                  </a:txBody>
-                  <a:tcPr/>
-                </a:tc>
-              </a:tr>
-              <a:tr h="319562">
-                <a:tc>
-                  <a:txBody>
-                    <a:bodyPr/>
-                    <a:lstStyle/>
-                    <a:p>
-                      <a:r>
-                        <a:rPr lang="en-US" sz="1400" dirty="0" smtClean="0"/>
-                        <a:t>date</a:t>
-                      </a:r>
-                      <a:endParaRPr lang="en-US" sz="1400" dirty="0"/>
-                    </a:p>
-                  </a:txBody>
-                  <a:tcPr/>
-                </a:tc>
-                <a:tc>
-                  <a:txBody>
-                    <a:bodyPr/>
-                    <a:lstStyle/>
-                    <a:p>
-                      <a:r>
-                        <a:rPr lang="en-US" sz="1400" dirty="0" smtClean="0"/>
-                        <a:t>date</a:t>
-                      </a:r>
-                      <a:endParaRPr lang="en-US" sz="1400" dirty="0"/>
-                    </a:p>
-                  </a:txBody>
-                  <a:tcPr/>
-                </a:tc>
-              </a:tr>
-              <a:tr h="319562">
-                <a:tc>
-                  <a:txBody>
-                    <a:bodyPr/>
-                    <a:lstStyle/>
-                    <a:p>
-                      <a:r>
-                        <a:rPr lang="en-US" sz="1400" dirty="0" smtClean="0"/>
-                        <a:t>float</a:t>
-                      </a:r>
-                      <a:endParaRPr lang="en-US" sz="1400" dirty="0"/>
-                    </a:p>
-                  </a:txBody>
-                  <a:tcPr/>
-                </a:tc>
-                <a:tc>
-                  <a:txBody>
-                    <a:bodyPr/>
-                    <a:lstStyle/>
-                    <a:p>
-                      <a:r>
-                        <a:rPr lang="en-US" sz="1400" dirty="0" smtClean="0"/>
-                        <a:t>weight</a:t>
-                      </a:r>
-                      <a:endParaRPr lang="en-US" sz="1400" dirty="0"/>
-                    </a:p>
-                  </a:txBody>
-                  <a:tcPr/>
-                </a:tc>
-              </a:tr>
-              <a:tr h="319562">
-                <a:tc>
-                  <a:txBody>
-                    <a:bodyPr/>
-                    <a:lstStyle/>
-                    <a:p>
-                      <a:r>
-                        <a:rPr lang="en-US" sz="1400" dirty="0" smtClean="0"/>
-                        <a:t>integer</a:t>
-                      </a:r>
-                      <a:endParaRPr lang="en-US" sz="1400" dirty="0"/>
-                    </a:p>
-                  </a:txBody>
-                  <a:tcPr/>
-                </a:tc>
-                <a:tc>
-                  <a:txBody>
-                    <a:bodyPr/>
-                    <a:lstStyle/>
-                    <a:p>
-                      <a:r>
-                        <a:rPr lang="en-US" sz="1400" dirty="0" smtClean="0"/>
-                        <a:t>calories</a:t>
-                      </a:r>
-                      <a:endParaRPr lang="en-US" sz="1400" dirty="0"/>
-                    </a:p>
-                  </a:txBody>
-                  <a:tcPr/>
-                </a:tc>
-              </a:tr>
-              <a:tr h="319562">
-                <a:tc>
-                  <a:txBody>
-                    <a:bodyPr/>
-                    <a:lstStyle/>
-                    <a:p>
-                      <a:r>
-                        <a:rPr lang="en-US" sz="1400" dirty="0" smtClean="0"/>
-                        <a:t>string</a:t>
-                      </a:r>
-                      <a:endParaRPr lang="en-US" sz="1400" dirty="0"/>
-                    </a:p>
-                  </a:txBody>
-                  <a:tcPr/>
-                </a:tc>
-                <a:tc>
-                  <a:txBody>
-                    <a:bodyPr/>
-                    <a:lstStyle/>
-                    <a:p>
-                      <a:r>
-                        <a:rPr lang="en-US" sz="1400" dirty="0" smtClean="0"/>
-                        <a:t>workout</a:t>
-                      </a:r>
-                      <a:endParaRPr lang="en-US" sz="1400" dirty="0"/>
-                    </a:p>
-                  </a:txBody>
-                  <a:tcPr/>
-                </a:tc>
-              </a:tr>
-              <a:tr h="319562">
-                <a:tc>
-                  <a:txBody>
-                    <a:bodyPr/>
-                    <a:lstStyle/>
-                    <a:p>
-                      <a:r>
-                        <a:rPr lang="en-US" sz="1400" dirty="0" smtClean="0"/>
-                        <a:t>integer</a:t>
-                      </a:r>
-                      <a:endParaRPr lang="en-US" sz="1400" dirty="0"/>
-                    </a:p>
-                  </a:txBody>
-                  <a:tcPr/>
-                </a:tc>
-                <a:tc>
-                  <a:txBody>
-                    <a:bodyPr/>
-                    <a:lstStyle/>
-                    <a:p>
-                      <a:r>
-                        <a:rPr lang="en-US" sz="1400" dirty="0" smtClean="0"/>
-                        <a:t>energy</a:t>
-                      </a:r>
-                      <a:endParaRPr lang="en-US" sz="1400" dirty="0"/>
-                    </a:p>
-                  </a:txBody>
-                  <a:tcPr/>
-                </a:tc>
-              </a:tr>
-              <a:tr h="319562">
-                <a:tc>
-                  <a:txBody>
-                    <a:bodyPr/>
-                    <a:lstStyle/>
-                    <a:p>
-                      <a:r>
-                        <a:rPr lang="en-US" sz="1400" dirty="0" smtClean="0"/>
-                        <a:t>integer</a:t>
-                      </a:r>
-                      <a:endParaRPr lang="en-US" sz="1400" dirty="0"/>
-                    </a:p>
-                  </a:txBody>
-                  <a:tcPr/>
-                </a:tc>
-                <a:tc>
-                  <a:txBody>
-                    <a:bodyPr/>
-                    <a:lstStyle/>
-                    <a:p>
-                      <a:r>
-                        <a:rPr lang="en-US" sz="1400" dirty="0" smtClean="0"/>
-                        <a:t>sleep</a:t>
-                      </a:r>
-                      <a:endParaRPr lang="en-US" sz="1400" dirty="0"/>
-                    </a:p>
-                  </a:txBody>
-                  <a:tcPr/>
-                </a:tc>
-              </a:tr>
-              <a:tr h="319562">
-                <a:tc>
-                  <a:txBody>
-                    <a:bodyPr/>
-                    <a:lstStyle/>
-                    <a:p>
-                      <a:r>
-                        <a:rPr lang="en-US" sz="1400" dirty="0" err="1" smtClean="0"/>
-                        <a:t>datetime</a:t>
-                      </a:r>
-                      <a:endParaRPr lang="en-US" sz="1400" dirty="0"/>
-                    </a:p>
-                  </a:txBody>
-                  <a:tcPr/>
-                </a:tc>
-                <a:tc>
-                  <a:txBody>
-                    <a:bodyPr/>
-                    <a:lstStyle/>
-                    <a:p>
-                      <a:r>
-                        <a:rPr lang="en-US" sz="1400" dirty="0" err="1" smtClean="0"/>
-                        <a:t>created_at</a:t>
-                      </a:r>
-                      <a:endParaRPr lang="en-US" sz="1400" dirty="0"/>
-                    </a:p>
-                  </a:txBody>
-                  <a:tcPr/>
-                </a:tc>
-              </a:tr>
-              <a:tr h="319562">
-                <a:tc>
-                  <a:txBody>
-                    <a:bodyPr/>
-                    <a:lstStyle/>
-                    <a:p>
-                      <a:r>
-                        <a:rPr lang="en-US" sz="1400" dirty="0" err="1" smtClean="0"/>
-                        <a:t>datetime</a:t>
-                      </a:r>
-                      <a:endParaRPr lang="en-US" sz="1400" dirty="0"/>
-                    </a:p>
-                  </a:txBody>
-                  <a:tcPr/>
-                </a:tc>
-                <a:tc>
-                  <a:txBody>
-                    <a:bodyPr/>
-                    <a:lstStyle/>
-                    <a:p>
-                      <a:r>
-                        <a:rPr lang="en-US" sz="1400" dirty="0" err="1" smtClean="0"/>
-                        <a:t>updated_at</a:t>
-                      </a:r>
-                      <a:endParaRPr lang="en-US" sz="1400" dirty="0"/>
-                    </a:p>
-                  </a:txBody>
-                  <a:tcPr/>
-                </a:tc>
-              </a:tr>
-              <a:tr h="319562">
-                <a:tc>
-                  <a:txBody>
-                    <a:bodyPr/>
-                    <a:lstStyle/>
-                    <a:p>
-                      <a:r>
-                        <a:rPr lang="en-US" sz="1400" dirty="0" smtClean="0"/>
-                        <a:t>float</a:t>
-                      </a:r>
-                      <a:endParaRPr lang="en-US" sz="1400" dirty="0"/>
-                    </a:p>
-                  </a:txBody>
-                  <a:tcPr/>
-                </a:tc>
-                <a:tc>
-                  <a:txBody>
-                    <a:bodyPr/>
-                    <a:lstStyle/>
-                    <a:p>
-                      <a:r>
-                        <a:rPr lang="en-US" sz="1400" dirty="0" smtClean="0"/>
-                        <a:t>chest</a:t>
-                      </a:r>
-                      <a:endParaRPr lang="en-US" sz="1400" dirty="0"/>
-                    </a:p>
-                  </a:txBody>
-                  <a:tcPr/>
-                </a:tc>
-              </a:tr>
-              <a:tr h="319562">
-                <a:tc>
-                  <a:txBody>
-                    <a:bodyPr/>
-                    <a:lstStyle/>
-                    <a:p>
-                      <a:r>
-                        <a:rPr lang="en-US" sz="1400" dirty="0" smtClean="0"/>
-                        <a:t>float</a:t>
-                      </a:r>
-                      <a:endParaRPr lang="en-US" sz="1400" dirty="0"/>
-                    </a:p>
-                  </a:txBody>
-                  <a:tcPr/>
-                </a:tc>
-                <a:tc>
-                  <a:txBody>
-                    <a:bodyPr/>
-                    <a:lstStyle/>
-                    <a:p>
-                      <a:r>
-                        <a:rPr lang="en-US" sz="1400" dirty="0" smtClean="0"/>
-                        <a:t>waist</a:t>
-                      </a:r>
-                      <a:endParaRPr lang="en-US" sz="1400" dirty="0"/>
-                    </a:p>
-                  </a:txBody>
-                  <a:tcPr/>
-                </a:tc>
-              </a:tr>
-              <a:tr h="319562">
-                <a:tc>
-                  <a:txBody>
-                    <a:bodyPr/>
-                    <a:lstStyle/>
-                    <a:p>
-                      <a:r>
-                        <a:rPr lang="en-US" sz="1400" dirty="0" smtClean="0"/>
-                        <a:t>float</a:t>
-                      </a:r>
-                      <a:endParaRPr lang="en-US" sz="1400" dirty="0"/>
-                    </a:p>
-                  </a:txBody>
-                  <a:tcPr/>
-                </a:tc>
-                <a:tc>
-                  <a:txBody>
-                    <a:bodyPr/>
-                    <a:lstStyle/>
-                    <a:p>
-                      <a:r>
-                        <a:rPr lang="en-US" sz="1400" dirty="0" smtClean="0"/>
-                        <a:t>bicep</a:t>
-                      </a:r>
-                      <a:endParaRPr lang="en-US" sz="1400" dirty="0"/>
-                    </a:p>
-                  </a:txBody>
-                  <a:tcPr/>
-                </a:tc>
-              </a:tr>
-              <a:tr h="319562">
-                <a:tc>
-                  <a:txBody>
-                    <a:bodyPr/>
-                    <a:lstStyle/>
-                    <a:p>
-                      <a:r>
-                        <a:rPr lang="en-US" sz="1400" dirty="0" smtClean="0"/>
-                        <a:t>float</a:t>
-                      </a:r>
-                      <a:endParaRPr lang="en-US" sz="1400" dirty="0"/>
-                    </a:p>
-                  </a:txBody>
-                  <a:tcPr/>
-                </a:tc>
-                <a:tc>
-                  <a:txBody>
-                    <a:bodyPr/>
-                    <a:lstStyle/>
-                    <a:p>
-                      <a:r>
-                        <a:rPr lang="en-US" sz="1400" dirty="0" smtClean="0"/>
-                        <a:t>thigh</a:t>
-                      </a:r>
-                      <a:endParaRPr lang="en-US" sz="1400" dirty="0"/>
-                    </a:p>
-                  </a:txBody>
-                  <a:tcPr/>
-                </a:tc>
-              </a:tr>
-              <a:tr h="319562">
-                <a:tc>
-                  <a:txBody>
-                    <a:bodyPr/>
-                    <a:lstStyle/>
-                    <a:p>
-                      <a:r>
-                        <a:rPr lang="en-US" sz="1400" dirty="0" smtClean="0"/>
-                        <a:t>float</a:t>
-                      </a:r>
-                      <a:endParaRPr lang="en-US" sz="1400" dirty="0"/>
-                    </a:p>
-                  </a:txBody>
-                  <a:tcPr/>
-                </a:tc>
-                <a:tc>
-                  <a:txBody>
-                    <a:bodyPr/>
-                    <a:lstStyle/>
-                    <a:p>
-                      <a:r>
-                        <a:rPr lang="en-US" sz="1400" dirty="0" smtClean="0"/>
-                        <a:t>calf</a:t>
-                      </a:r>
-                      <a:endParaRPr lang="en-US" sz="1400" dirty="0"/>
-                    </a:p>
-                  </a:txBody>
-                  <a:tcPr/>
-                </a:tc>
-              </a:tr>
-            </a:tbl>
-          </a:graphicData>
-        </a:graphic>
-      </p:graphicFrame>
-    </p:spTree>
-    <p:extLst>
-      <p:ext uri="{BB962C8B-B14F-4D97-AF65-F5344CB8AC3E}">
-        <p14:creationId xmlns:p14="http://schemas.microsoft.com/office/powerpoint/2010/main" val="1933665589"/>
-      </p:ext>
-    </p:extLst>
-  </p:cSld>
-  <p:clrMapOvr>
-    <a:masterClrMapping/>
-  </p:clrMapOvr>
-</p:sld>
-</file>
-
-<file path=ppt/slides/slide12.xml><?xml version="1.0" encoding="utf-8"?>
-<p:sld xmlns:a="http://schemas.openxmlformats.org/drawingml/2006/main" xmlns:r="http://schemas.openxmlformats.org/officeDocument/2006/relationships" xmlns:p="http://schemas.openxmlformats.org/presentationml/2006/main">
-  <p:cSld>
-    <p:spTree>
-      <p:nvGrpSpPr>
-        <p:cNvPr id="1" name=""/>
-        <p:cNvGrpSpPr/>
-        <p:nvPr/>
-      </p:nvGrpSpPr>
-      <p:grpSpPr>
-        <a:xfrm>
-          <a:off x="0" y="0"/>
-          <a:ext cx="0" cy="0"/>
-          <a:chOff x="0" y="0"/>
-          <a:chExt cx="0" cy="0"/>
-        </a:xfrm>
-      </p:grpSpPr>
-      <p:sp>
-        <p:nvSpPr>
-          <p:cNvPr id="6" name="Title 5"/>
-          <p:cNvSpPr>
-            <a:spLocks noGrp="1"/>
-          </p:cNvSpPr>
-          <p:nvPr>
-            <p:ph type="title"/>
-          </p:nvPr>
-        </p:nvSpPr>
-        <p:spPr/>
-        <p:txBody>
-          <a:bodyPr/>
-          <a:lstStyle/>
-          <a:p>
-            <a:r>
-              <a:rPr lang="en-US" dirty="0" smtClean="0"/>
-              <a:t>Day 2 – User Side &amp; Demo</a:t>
-            </a:r>
-            <a:endParaRPr lang="en-US" dirty="0"/>
-          </a:p>
-        </p:txBody>
-      </p:sp>
-      <p:sp>
-        <p:nvSpPr>
-          <p:cNvPr id="7" name="Content Placeholder 6"/>
-          <p:cNvSpPr>
-            <a:spLocks noGrp="1"/>
-          </p:cNvSpPr>
-          <p:nvPr>
-            <p:ph idx="1"/>
-          </p:nvPr>
-        </p:nvSpPr>
-        <p:spPr/>
-        <p:txBody>
-          <a:bodyPr/>
-          <a:lstStyle/>
-          <a:p>
-            <a:r>
-              <a:rPr lang="en-US" dirty="0"/>
-              <a:t>Client Side</a:t>
-            </a:r>
-          </a:p>
-          <a:p>
-            <a:pPr lvl="1"/>
-            <a:r>
-              <a:rPr lang="en-US" dirty="0"/>
-              <a:t>Sign Up/Login</a:t>
-            </a:r>
-          </a:p>
-          <a:p>
-            <a:pPr lvl="1"/>
-            <a:r>
-              <a:rPr lang="en-US" dirty="0"/>
-              <a:t>Goals</a:t>
-            </a:r>
-          </a:p>
-          <a:p>
-            <a:pPr lvl="1"/>
-            <a:r>
-              <a:rPr lang="en-US" dirty="0"/>
-              <a:t>Entries</a:t>
-            </a:r>
-          </a:p>
-          <a:p>
-            <a:pPr lvl="1"/>
-            <a:r>
-              <a:rPr lang="en-US" dirty="0"/>
-              <a:t>Progress</a:t>
-            </a:r>
-          </a:p>
-          <a:p>
-            <a:r>
-              <a:rPr lang="en-US" dirty="0"/>
-              <a:t>Demo</a:t>
-            </a:r>
-          </a:p>
-          <a:p>
-            <a:pPr marL="0" indent="0">
-              <a:buNone/>
-            </a:pPr>
-            <a:endParaRPr lang="en-US" dirty="0"/>
-          </a:p>
-        </p:txBody>
-      </p:sp>
-    </p:spTree>
-    <p:extLst>
-      <p:ext uri="{BB962C8B-B14F-4D97-AF65-F5344CB8AC3E}">
-        <p14:creationId xmlns:p14="http://schemas.microsoft.com/office/powerpoint/2010/main" val="1959523211"/>
-      </p:ext>
-    </p:extLst>
-  </p:cSld>
-  <p:clrMapOvr>
-    <a:masterClrMapping/>
-  </p:clrMapOvr>
-</p:sld>
-</file>
-
-<file path=ppt/slides/slide13.xml><?xml version="1.0" encoding="utf-8"?>
-<p:sld xmlns:a="http://schemas.openxmlformats.org/drawingml/2006/main" xmlns:r="http://schemas.openxmlformats.org/officeDocument/2006/relationships" xmlns:p="http://schemas.openxmlformats.org/presentationml/2006/main">
-  <p:cSld>
-    <p:spTree>
-      <p:nvGrpSpPr>
-        <p:cNvPr id="1" name=""/>
-        <p:cNvGrpSpPr/>
-        <p:nvPr/>
-      </p:nvGrpSpPr>
-      <p:grpSpPr>
-        <a:xfrm>
-          <a:off x="0" y="0"/>
-          <a:ext cx="0" cy="0"/>
-          <a:chOff x="0" y="0"/>
-          <a:chExt cx="0" cy="0"/>
-        </a:xfrm>
-      </p:grpSpPr>
-      <p:sp>
-        <p:nvSpPr>
-          <p:cNvPr id="2" name="Title 1"/>
-          <p:cNvSpPr>
-            <a:spLocks noGrp="1"/>
-          </p:cNvSpPr>
-          <p:nvPr>
-            <p:ph type="title"/>
-          </p:nvPr>
-        </p:nvSpPr>
-        <p:spPr/>
-        <p:txBody>
-          <a:bodyPr/>
-          <a:lstStyle/>
-          <a:p>
-            <a:r>
-              <a:rPr lang="en-US" dirty="0" smtClean="0"/>
-              <a:t>Signup/Login</a:t>
-            </a:r>
-            <a:endParaRPr lang="en-US" dirty="0"/>
-          </a:p>
-        </p:txBody>
-      </p:sp>
-      <p:sp>
-        <p:nvSpPr>
-          <p:cNvPr id="3" name="Content Placeholder 2"/>
-          <p:cNvSpPr>
-            <a:spLocks noGrp="1"/>
-          </p:cNvSpPr>
-          <p:nvPr>
-            <p:ph idx="1"/>
-          </p:nvPr>
-        </p:nvSpPr>
-        <p:spPr/>
-        <p:txBody>
-          <a:bodyPr/>
-          <a:lstStyle/>
-          <a:p>
-            <a:endParaRPr lang="en-US" dirty="0"/>
-          </a:p>
-        </p:txBody>
-      </p:sp>
-    </p:spTree>
-    <p:extLst>
-      <p:ext uri="{BB962C8B-B14F-4D97-AF65-F5344CB8AC3E}">
-        <p14:creationId xmlns:p14="http://schemas.microsoft.com/office/powerpoint/2010/main" val="216520187"/>
-      </p:ext>
-    </p:extLst>
-  </p:cSld>
-  <p:clrMapOvr>
-    <a:masterClrMapping/>
-  </p:clrMapOvr>
-</p:sld>
-</file>
-
-<file path=ppt/slides/slide14.xml><?xml version="1.0" encoding="utf-8"?>
-<p:sld xmlns:a="http://schemas.openxmlformats.org/drawingml/2006/main" xmlns:r="http://schemas.openxmlformats.org/officeDocument/2006/relationships" xmlns:p="http://schemas.openxmlformats.org/presentationml/2006/main">
-  <p:cSld>
-    <p:spTree>
-      <p:nvGrpSpPr>
-        <p:cNvPr id="1" name=""/>
-        <p:cNvGrpSpPr/>
-        <p:nvPr/>
-      </p:nvGrpSpPr>
-      <p:grpSpPr>
-        <a:xfrm>
-          <a:off x="0" y="0"/>
-          <a:ext cx="0" cy="0"/>
-          <a:chOff x="0" y="0"/>
-          <a:chExt cx="0" cy="0"/>
-        </a:xfrm>
-      </p:grpSpPr>
-      <p:sp>
-        <p:nvSpPr>
-          <p:cNvPr id="2" name="Title 1"/>
-          <p:cNvSpPr>
-            <a:spLocks noGrp="1"/>
-          </p:cNvSpPr>
-          <p:nvPr>
-            <p:ph type="title"/>
-          </p:nvPr>
-        </p:nvSpPr>
-        <p:spPr/>
-        <p:txBody>
-          <a:bodyPr/>
-          <a:lstStyle/>
-          <a:p>
-            <a:r>
-              <a:rPr lang="en-US" dirty="0" smtClean="0"/>
-              <a:t>Goals</a:t>
-            </a:r>
-            <a:endParaRPr lang="en-US" dirty="0"/>
-          </a:p>
-        </p:txBody>
-      </p:sp>
-      <p:sp>
-        <p:nvSpPr>
-          <p:cNvPr id="3" name="Content Placeholder 2"/>
-          <p:cNvSpPr>
-            <a:spLocks noGrp="1"/>
-          </p:cNvSpPr>
-          <p:nvPr>
-            <p:ph idx="1"/>
-          </p:nvPr>
-        </p:nvSpPr>
-        <p:spPr/>
-        <p:txBody>
-          <a:bodyPr/>
-          <a:lstStyle/>
-          <a:p>
-            <a:endParaRPr lang="en-US"/>
-          </a:p>
-        </p:txBody>
-      </p:sp>
-    </p:spTree>
-    <p:extLst>
-      <p:ext uri="{BB962C8B-B14F-4D97-AF65-F5344CB8AC3E}">
-        <p14:creationId xmlns:p14="http://schemas.microsoft.com/office/powerpoint/2010/main" val="312113819"/>
-      </p:ext>
-    </p:extLst>
-  </p:cSld>
-  <p:clrMapOvr>
-    <a:masterClrMapping/>
-  </p:clrMapOvr>
-</p:sld>
-</file>
-
-<file path=ppt/slides/slide15.xml><?xml version="1.0" encoding="utf-8"?>
-<p:sld xmlns:a="http://schemas.openxmlformats.org/drawingml/2006/main" xmlns:r="http://schemas.openxmlformats.org/officeDocument/2006/relationships" xmlns:p="http://schemas.openxmlformats.org/presentationml/2006/main">
-  <p:cSld>
-    <p:spTree>
-      <p:nvGrpSpPr>
-        <p:cNvPr id="1" name=""/>
-        <p:cNvGrpSpPr/>
-        <p:nvPr/>
-      </p:nvGrpSpPr>
-      <p:grpSpPr>
-        <a:xfrm>
-          <a:off x="0" y="0"/>
-          <a:ext cx="0" cy="0"/>
-          <a:chOff x="0" y="0"/>
-          <a:chExt cx="0" cy="0"/>
-        </a:xfrm>
-      </p:grpSpPr>
-      <p:sp>
-        <p:nvSpPr>
-          <p:cNvPr id="2" name="Title 1"/>
-          <p:cNvSpPr>
-            <a:spLocks noGrp="1"/>
-          </p:cNvSpPr>
-          <p:nvPr>
-            <p:ph type="title"/>
-          </p:nvPr>
-        </p:nvSpPr>
-        <p:spPr/>
-        <p:txBody>
-          <a:bodyPr/>
-          <a:lstStyle/>
-          <a:p>
-            <a:r>
-              <a:rPr lang="en-US" dirty="0" smtClean="0"/>
-              <a:t>Entries</a:t>
-            </a:r>
-            <a:endParaRPr lang="en-US" dirty="0"/>
-          </a:p>
-        </p:txBody>
-      </p:sp>
-      <p:sp>
-        <p:nvSpPr>
-          <p:cNvPr id="3" name="Content Placeholder 2"/>
-          <p:cNvSpPr>
-            <a:spLocks noGrp="1"/>
-          </p:cNvSpPr>
-          <p:nvPr>
-            <p:ph idx="1"/>
-          </p:nvPr>
-        </p:nvSpPr>
-        <p:spPr/>
-        <p:txBody>
-          <a:bodyPr/>
-          <a:lstStyle/>
-          <a:p>
-            <a:endParaRPr lang="en-US"/>
-          </a:p>
-        </p:txBody>
-      </p:sp>
-    </p:spTree>
-    <p:extLst>
-      <p:ext uri="{BB962C8B-B14F-4D97-AF65-F5344CB8AC3E}">
-        <p14:creationId xmlns:p14="http://schemas.microsoft.com/office/powerpoint/2010/main" val="1104864759"/>
-      </p:ext>
-    </p:extLst>
-  </p:cSld>
-  <p:clrMapOvr>
-    <a:masterClrMapping/>
-  </p:clrMapOvr>
-</p:sld>
-</file>
-
-<file path=ppt/slides/slide16.xml><?xml version="1.0" encoding="utf-8"?>
-<p:sld xmlns:a="http://schemas.openxmlformats.org/drawingml/2006/main" xmlns:r="http://schemas.openxmlformats.org/officeDocument/2006/relationships" xmlns:p="http://schemas.openxmlformats.org/presentationml/2006/main">
-  <p:cSld>
-    <p:spTree>
-      <p:nvGrpSpPr>
-        <p:cNvPr id="1" name=""/>
-        <p:cNvGrpSpPr/>
-        <p:nvPr/>
-      </p:nvGrpSpPr>
-      <p:grpSpPr>
-        <a:xfrm>
-          <a:off x="0" y="0"/>
-          <a:ext cx="0" cy="0"/>
-          <a:chOff x="0" y="0"/>
-          <a:chExt cx="0" cy="0"/>
-        </a:xfrm>
-      </p:grpSpPr>
-      <p:sp>
-        <p:nvSpPr>
-          <p:cNvPr id="2" name="Title 1"/>
-          <p:cNvSpPr>
-            <a:spLocks noGrp="1"/>
-          </p:cNvSpPr>
-          <p:nvPr>
-            <p:ph type="title"/>
-          </p:nvPr>
-        </p:nvSpPr>
-        <p:spPr/>
-        <p:txBody>
-          <a:bodyPr/>
-          <a:lstStyle/>
-          <a:p>
-            <a:r>
-              <a:rPr lang="en-US" dirty="0" smtClean="0"/>
-              <a:t>Progress</a:t>
-            </a:r>
-            <a:endParaRPr lang="en-US" dirty="0"/>
-          </a:p>
-        </p:txBody>
-      </p:sp>
-      <p:sp>
-        <p:nvSpPr>
-          <p:cNvPr id="3" name="Content Placeholder 2"/>
-          <p:cNvSpPr>
-            <a:spLocks noGrp="1"/>
-          </p:cNvSpPr>
-          <p:nvPr>
-            <p:ph idx="1"/>
-          </p:nvPr>
-        </p:nvSpPr>
-        <p:spPr/>
-        <p:txBody>
-          <a:bodyPr/>
-          <a:lstStyle/>
-          <a:p>
-            <a:endParaRPr lang="en-US"/>
-          </a:p>
-        </p:txBody>
-      </p:sp>
-    </p:spTree>
-    <p:extLst>
-      <p:ext uri="{BB962C8B-B14F-4D97-AF65-F5344CB8AC3E}">
-        <p14:creationId xmlns:p14="http://schemas.microsoft.com/office/powerpoint/2010/main" val="1100070192"/>
-      </p:ext>
-    </p:extLst>
-  </p:cSld>
-  <p:clrMapOvr>
-    <a:masterClrMapping/>
-  </p:clrMapOvr>
-</p:sld>
-</file>
-
-<file path=ppt/slides/slide17.xml><?xml version="1.0" encoding="utf-8"?>
-<p:sld xmlns:a="http://schemas.openxmlformats.org/drawingml/2006/main" xmlns:r="http://schemas.openxmlformats.org/officeDocument/2006/relationships" xmlns:p="http://schemas.openxmlformats.org/presentationml/2006/main">
-  <p:cSld>
-    <p:spTree>
-      <p:nvGrpSpPr>
-        <p:cNvPr id="1" name=""/>
-        <p:cNvGrpSpPr/>
-        <p:nvPr/>
-      </p:nvGrpSpPr>
-      <p:grpSpPr>
-        <a:xfrm>
-          <a:off x="0" y="0"/>
-          <a:ext cx="0" cy="0"/>
-          <a:chOff x="0" y="0"/>
-          <a:chExt cx="0" cy="0"/>
-        </a:xfrm>
-      </p:grpSpPr>
-      <p:sp>
-        <p:nvSpPr>
-          <p:cNvPr id="2" name="Title 1"/>
-          <p:cNvSpPr>
-            <a:spLocks noGrp="1"/>
-          </p:cNvSpPr>
-          <p:nvPr>
-            <p:ph type="title"/>
-          </p:nvPr>
-        </p:nvSpPr>
-        <p:spPr/>
-        <p:txBody>
-          <a:bodyPr/>
-          <a:lstStyle/>
-          <a:p>
-            <a:r>
-              <a:rPr lang="en-US" dirty="0" smtClean="0"/>
-              <a:t>Demo</a:t>
-            </a:r>
-            <a:endParaRPr lang="en-US" dirty="0"/>
-          </a:p>
-        </p:txBody>
-      </p:sp>
-    </p:spTree>
-    <p:extLst>
-      <p:ext uri="{BB962C8B-B14F-4D97-AF65-F5344CB8AC3E}">
-        <p14:creationId xmlns:p14="http://schemas.microsoft.com/office/powerpoint/2010/main" val="181446149"/>
-      </p:ext>
-    </p:extLst>
-  </p:cSld>
-  <p:clrMapOvr>
-    <a:masterClrMapping/>
-  </p:clrMapOvr>
-</p:sld>
-</file>
-
-<file path=ppt/slides/slide2.xml><?xml version="1.0" encoding="utf-8"?>
-<p:sld xmlns:a="http://schemas.openxmlformats.org/drawingml/2006/main" xmlns:r="http://schemas.openxmlformats.org/officeDocument/2006/relationships" xmlns:p="http://schemas.openxmlformats.org/presentationml/2006/main">
-  <p:cSld>
-    <p:spTree>
-      <p:nvGrpSpPr>
-        <p:cNvPr id="1" name=""/>
-        <p:cNvGrpSpPr/>
-        <p:nvPr/>
-      </p:nvGrpSpPr>
-      <p:grpSpPr>
-        <a:xfrm>
-          <a:off x="0" y="0"/>
-          <a:ext cx="0" cy="0"/>
-          <a:chOff x="0" y="0"/>
-          <a:chExt cx="0" cy="0"/>
-        </a:xfrm>
-      </p:grpSpPr>
-      <p:sp>
-        <p:nvSpPr>
-          <p:cNvPr id="4" name="Title 3"/>
-          <p:cNvSpPr>
-            <a:spLocks noGrp="1"/>
-          </p:cNvSpPr>
-          <p:nvPr>
-            <p:ph type="title"/>
-          </p:nvPr>
-        </p:nvSpPr>
-        <p:spPr/>
-        <p:txBody>
-          <a:bodyPr/>
-          <a:lstStyle/>
-          <a:p>
-            <a:r>
-              <a:rPr lang="en-US" dirty="0" smtClean="0"/>
-              <a:t>Introduction</a:t>
-            </a:r>
-            <a:endParaRPr lang="en-US" dirty="0"/>
-          </a:p>
-        </p:txBody>
-      </p:sp>
-      <p:sp>
-        <p:nvSpPr>
-          <p:cNvPr id="7" name="Content Placeholder 6"/>
-          <p:cNvSpPr>
-            <a:spLocks noGrp="1"/>
-          </p:cNvSpPr>
-          <p:nvPr>
-            <p:ph idx="1"/>
-          </p:nvPr>
-        </p:nvSpPr>
-        <p:spPr/>
-        <p:txBody>
-          <a:bodyPr>
-            <a:normAutofit/>
-          </a:bodyPr>
-          <a:lstStyle/>
-          <a:p>
-            <a:r>
-              <a:rPr lang="en-US" sz="4000" dirty="0" smtClean="0"/>
-              <a:t>Program Details</a:t>
-            </a:r>
-          </a:p>
-          <a:p>
-            <a:r>
-              <a:rPr lang="en-US" sz="4000" dirty="0" smtClean="0"/>
-              <a:t>Day 1 – Implementer Side</a:t>
-            </a:r>
-          </a:p>
-          <a:p>
-            <a:r>
-              <a:rPr lang="en-US" sz="4000" dirty="0" smtClean="0"/>
-              <a:t>Day 2 – Client Side &amp; Demo</a:t>
-            </a:r>
-            <a:endParaRPr lang="en-US" sz="4000" dirty="0"/>
-          </a:p>
-        </p:txBody>
-      </p:sp>
-    </p:spTree>
-    <p:extLst>
-      <p:ext uri="{BB962C8B-B14F-4D97-AF65-F5344CB8AC3E}">
-        <p14:creationId xmlns:p14="http://schemas.microsoft.com/office/powerpoint/2010/main" val="1495789145"/>
-      </p:ext>
-    </p:extLst>
-  </p:cSld>
-  <p:clrMapOvr>
-    <a:masterClrMapping/>
-  </p:clrMapOvr>
-</p:sld>
-</file>
-
-<file path=ppt/slides/slide3.xml><?xml version="1.0" encoding="utf-8"?>
-<p:sld xmlns:a="http://schemas.openxmlformats.org/drawingml/2006/main" xmlns:r="http://schemas.openxmlformats.org/officeDocument/2006/relationships" xmlns:p="http://schemas.openxmlformats.org/presentationml/2006/main">
-  <p:cSld>
-    <p:spTree>
-      <p:nvGrpSpPr>
-        <p:cNvPr id="1" name=""/>
-        <p:cNvGrpSpPr/>
-        <p:nvPr/>
-      </p:nvGrpSpPr>
-      <p:grpSpPr>
-        <a:xfrm>
-          <a:off x="0" y="0"/>
-          <a:ext cx="0" cy="0"/>
-          <a:chOff x="0" y="0"/>
-          <a:chExt cx="0" cy="0"/>
-        </a:xfrm>
-      </p:grpSpPr>
-      <p:sp>
-        <p:nvSpPr>
-          <p:cNvPr id="2" name="Title 1"/>
-          <p:cNvSpPr>
-            <a:spLocks noGrp="1"/>
-          </p:cNvSpPr>
-          <p:nvPr>
-            <p:ph type="title"/>
-          </p:nvPr>
-        </p:nvSpPr>
-        <p:spPr/>
-        <p:txBody>
-          <a:bodyPr>
-            <a:noAutofit/>
-          </a:bodyPr>
-          <a:lstStyle/>
-          <a:p>
-            <a:r>
-              <a:rPr lang="en-US" sz="4800" dirty="0" smtClean="0"/>
-              <a:t>Program Details</a:t>
-            </a:r>
-            <a:endParaRPr lang="en-US" sz="4800" dirty="0"/>
-          </a:p>
-        </p:txBody>
-      </p:sp>
-      <p:sp>
-        <p:nvSpPr>
-          <p:cNvPr id="3" name="Content Placeholder 2"/>
-          <p:cNvSpPr>
-            <a:spLocks noGrp="1"/>
-          </p:cNvSpPr>
-          <p:nvPr>
-            <p:ph idx="1"/>
-          </p:nvPr>
-        </p:nvSpPr>
-        <p:spPr/>
-        <p:txBody>
-          <a:bodyPr/>
-          <a:lstStyle/>
-          <a:p>
-            <a:pPr marL="0" indent="0">
-              <a:buNone/>
-            </a:pPr>
-            <a:endParaRPr lang="en-US" dirty="0"/>
-          </a:p>
-        </p:txBody>
-      </p:sp>
-    </p:spTree>
-    <p:extLst>
-      <p:ext uri="{BB962C8B-B14F-4D97-AF65-F5344CB8AC3E}">
-        <p14:creationId xmlns:p14="http://schemas.microsoft.com/office/powerpoint/2010/main" val="1485147723"/>
-      </p:ext>
-    </p:extLst>
-  </p:cSld>
-  <p:clrMapOvr>
-    <a:masterClrMapping/>
-  </p:clrMapOvr>
-</p:sld>
-</file>
-
-<file path=ppt/slides/slide4.xml><?xml version="1.0" encoding="utf-8"?>
-<p:sld xmlns:a="http://schemas.openxmlformats.org/drawingml/2006/main" xmlns:r="http://schemas.openxmlformats.org/officeDocument/2006/relationships" xmlns:p="http://schemas.openxmlformats.org/presentationml/2006/main">
-  <p:cSld>
-    <p:spTree>
-      <p:nvGrpSpPr>
-        <p:cNvPr id="1" name=""/>
-        <p:cNvGrpSpPr/>
-        <p:nvPr/>
-      </p:nvGrpSpPr>
-      <p:grpSpPr>
-        <a:xfrm>
-          <a:off x="0" y="0"/>
-          <a:ext cx="0" cy="0"/>
-          <a:chOff x="0" y="0"/>
-          <a:chExt cx="0" cy="0"/>
-        </a:xfrm>
-      </p:grpSpPr>
-      <p:sp>
-        <p:nvSpPr>
-          <p:cNvPr id="4" name="Title 3"/>
-          <p:cNvSpPr>
-            <a:spLocks noGrp="1"/>
-          </p:cNvSpPr>
-          <p:nvPr>
-            <p:ph type="title"/>
-          </p:nvPr>
-        </p:nvSpPr>
-        <p:spPr/>
-        <p:txBody>
-          <a:bodyPr/>
-          <a:lstStyle/>
-          <a:p>
-            <a:r>
-              <a:rPr lang="en-US" dirty="0" smtClean="0"/>
-              <a:t>Day 1 – Implementer Side</a:t>
-            </a:r>
-            <a:endParaRPr lang="en-US" dirty="0"/>
-          </a:p>
-        </p:txBody>
-      </p:sp>
-      <p:sp>
-        <p:nvSpPr>
-          <p:cNvPr id="5" name="Content Placeholder 4"/>
-          <p:cNvSpPr>
-            <a:spLocks noGrp="1"/>
-          </p:cNvSpPr>
-          <p:nvPr>
-            <p:ph idx="1"/>
-          </p:nvPr>
-        </p:nvSpPr>
-        <p:spPr>
-          <a:xfrm>
-            <a:off x="1120000" y="1825625"/>
-            <a:ext cx="10233800" cy="4588054"/>
-          </a:xfrm>
-        </p:spPr>
-        <p:txBody>
-          <a:bodyPr>
-            <a:noAutofit/>
-          </a:bodyPr>
-          <a:lstStyle/>
-          <a:p>
-            <a:r>
-              <a:rPr lang="en-US" sz="4000" dirty="0" smtClean="0"/>
-              <a:t>Technologies</a:t>
-            </a:r>
-            <a:endParaRPr lang="en-US" sz="4000" dirty="0"/>
-          </a:p>
-          <a:p>
-            <a:pPr lvl="1"/>
-            <a:r>
-              <a:rPr lang="en-US" sz="4000" dirty="0"/>
-              <a:t>Ruby on Rails</a:t>
-            </a:r>
-          </a:p>
-          <a:p>
-            <a:pPr lvl="1"/>
-            <a:r>
-              <a:rPr lang="en-US" sz="4000" dirty="0"/>
-              <a:t>Foundation</a:t>
-            </a:r>
-          </a:p>
-          <a:p>
-            <a:pPr lvl="1"/>
-            <a:r>
-              <a:rPr lang="en-US" sz="4000" dirty="0"/>
-              <a:t>Devise</a:t>
-            </a:r>
-          </a:p>
-          <a:p>
-            <a:pPr lvl="1"/>
-            <a:r>
-              <a:rPr lang="en-US" sz="4000" dirty="0" err="1"/>
-              <a:t>ChartKick</a:t>
-            </a:r>
-            <a:endParaRPr lang="en-US" sz="4000" dirty="0"/>
-          </a:p>
-          <a:p>
-            <a:pPr lvl="1"/>
-            <a:r>
-              <a:rPr lang="en-US" sz="4000" dirty="0" err="1"/>
-              <a:t>SimpleCalendar</a:t>
-            </a:r>
-            <a:endParaRPr lang="en-US" sz="4000" dirty="0"/>
-          </a:p>
-          <a:p>
-            <a:r>
-              <a:rPr lang="en-US" sz="4000" dirty="0" smtClean="0"/>
-              <a:t>Models</a:t>
-            </a:r>
-            <a:endParaRPr lang="en-US" sz="4000" dirty="0"/>
-          </a:p>
-        </p:txBody>
-      </p:sp>
-    </p:spTree>
-    <p:extLst>
-      <p:ext uri="{BB962C8B-B14F-4D97-AF65-F5344CB8AC3E}">
-        <p14:creationId xmlns:p14="http://schemas.microsoft.com/office/powerpoint/2010/main" val="663531385"/>
-      </p:ext>
-    </p:extLst>
-  </p:cSld>
-  <p:clrMapOvr>
-    <a:masterClrMapping/>
-  </p:clrMapOvr>
-</p:sld>
-</file>
-
-<file path=ppt/slides/slide5.xml><?xml version="1.0" encoding="utf-8"?>
-<p:sld xmlns:a="http://schemas.openxmlformats.org/drawingml/2006/main" xmlns:r="http://schemas.openxmlformats.org/officeDocument/2006/relationships" xmlns:p="http://schemas.openxmlformats.org/presentationml/2006/main">
-  <p:cSld>
-    <p:spTree>
-      <p:nvGrpSpPr>
-        <p:cNvPr id="1" name=""/>
-        <p:cNvGrpSpPr/>
-        <p:nvPr/>
-      </p:nvGrpSpPr>
-      <p:grpSpPr>
-        <a:xfrm>
-          <a:off x="0" y="0"/>
-          <a:ext cx="0" cy="0"/>
-          <a:chOff x="0" y="0"/>
-          <a:chExt cx="0" cy="0"/>
-        </a:xfrm>
-      </p:grpSpPr>
-      <p:sp>
-        <p:nvSpPr>
-          <p:cNvPr id="2" name="Title 1"/>
-          <p:cNvSpPr>
-            <a:spLocks noGrp="1"/>
-          </p:cNvSpPr>
-          <p:nvPr>
-            <p:ph type="title"/>
-          </p:nvPr>
-        </p:nvSpPr>
-        <p:spPr/>
-        <p:txBody>
-          <a:bodyPr/>
-          <a:lstStyle/>
-          <a:p>
-            <a:pPr algn="ctr"/>
-            <a:r>
-              <a:rPr lang="en-US" dirty="0" smtClean="0"/>
-              <a:t>Ruby on Rails &amp; Foundation</a:t>
-            </a:r>
-            <a:endParaRPr lang="en-US" dirty="0"/>
-          </a:p>
-        </p:txBody>
-      </p:sp>
-      <p:graphicFrame>
-        <p:nvGraphicFramePr>
-          <p:cNvPr id="6" name="Table 5"/>
-          <p:cNvGraphicFramePr>
-            <a:graphicFrameLocks noGrp="1"/>
-          </p:cNvGraphicFramePr>
-          <p:nvPr>
-            <p:extLst>
-              <p:ext uri="{D42A27DB-BD31-4B8C-83A1-F6EECF244321}">
-                <p14:modId xmlns:p14="http://schemas.microsoft.com/office/powerpoint/2010/main" val="1351556453"/>
-              </p:ext>
-            </p:extLst>
-          </p:nvPr>
-        </p:nvGraphicFramePr>
-        <p:xfrm>
-          <a:off x="2157132" y="1690688"/>
-          <a:ext cx="8128000" cy="1708617"/>
-        </p:xfrm>
-        <a:graphic>
-          <a:graphicData uri="http://schemas.openxmlformats.org/drawingml/2006/table">
-            <a:tbl>
-              <a:tblPr firstRow="1" bandRow="1">
-                <a:tableStyleId>{073A0DAA-6AF3-43AB-8588-CEC1D06C72B9}</a:tableStyleId>
-              </a:tblPr>
-              <a:tblGrid>
-                <a:gridCol w="8128000"/>
-              </a:tblGrid>
-              <a:tr h="1708617">
-                <a:tc>
-                  <a:txBody>
-                    <a:bodyPr/>
-                    <a:lstStyle/>
-                    <a:p>
-                      <a:r>
-                        <a:rPr lang="en-US" dirty="0" smtClean="0">
-                          <a:solidFill>
-                            <a:schemeClr val="accent4"/>
-                          </a:solidFill>
-                          <a:latin typeface="Monaco" charset="0"/>
-                          <a:ea typeface="Monaco" charset="0"/>
-                          <a:cs typeface="Monaco" charset="0"/>
-                        </a:rPr>
-                        <a:t>$ rails new </a:t>
-                      </a:r>
-                      <a:r>
-                        <a:rPr lang="en-US" dirty="0" err="1" smtClean="0">
-                          <a:solidFill>
-                            <a:schemeClr val="accent4"/>
-                          </a:solidFill>
-                          <a:latin typeface="Monaco" charset="0"/>
-                          <a:ea typeface="Monaco" charset="0"/>
-                          <a:cs typeface="Monaco" charset="0"/>
-                        </a:rPr>
-                        <a:t>fitness_tracker</a:t>
-                      </a:r>
-                      <a:endParaRPr lang="en-US" dirty="0" smtClean="0">
-                        <a:solidFill>
-                          <a:schemeClr val="accent4"/>
-                        </a:solidFill>
-                        <a:latin typeface="Monaco" charset="0"/>
-                        <a:ea typeface="Monaco" charset="0"/>
-                        <a:cs typeface="Monaco" charset="0"/>
-                      </a:endParaRPr>
-                    </a:p>
-                    <a:p>
-                      <a:r>
-                        <a:rPr lang="en-US" dirty="0" smtClean="0">
-                          <a:solidFill>
-                            <a:schemeClr val="accent4"/>
-                          </a:solidFill>
-                          <a:latin typeface="Monaco" charset="0"/>
-                          <a:ea typeface="Monaco" charset="0"/>
-                          <a:cs typeface="Monaco" charset="0"/>
-                        </a:rPr>
-                        <a:t>$</a:t>
-                      </a:r>
-                      <a:r>
-                        <a:rPr lang="en-US" baseline="0" dirty="0" smtClean="0">
-                          <a:solidFill>
-                            <a:schemeClr val="accent4"/>
-                          </a:solidFill>
-                          <a:latin typeface="Monaco" charset="0"/>
-                          <a:ea typeface="Monaco" charset="0"/>
-                          <a:cs typeface="Monaco" charset="0"/>
-                        </a:rPr>
-                        <a:t> cd </a:t>
-                      </a:r>
-                      <a:r>
-                        <a:rPr lang="en-US" baseline="0" dirty="0" err="1" smtClean="0">
-                          <a:solidFill>
-                            <a:schemeClr val="accent4"/>
-                          </a:solidFill>
-                          <a:latin typeface="Monaco" charset="0"/>
-                          <a:ea typeface="Monaco" charset="0"/>
-                          <a:cs typeface="Monaco" charset="0"/>
-                        </a:rPr>
-                        <a:t>fitness_tracker</a:t>
-                      </a:r>
-                      <a:endParaRPr lang="en-US" baseline="0" dirty="0" smtClean="0">
-                        <a:solidFill>
-                          <a:schemeClr val="accent4"/>
-                        </a:solidFill>
-                        <a:latin typeface="Monaco" charset="0"/>
-                        <a:ea typeface="Monaco" charset="0"/>
-                        <a:cs typeface="Monaco" charset="0"/>
-                      </a:endParaRPr>
-                    </a:p>
-                    <a:p>
-                      <a:r>
-                        <a:rPr lang="en-US" baseline="0" dirty="0" smtClean="0">
-                          <a:solidFill>
-                            <a:schemeClr val="accent4"/>
-                          </a:solidFill>
-                          <a:latin typeface="Monaco" charset="0"/>
-                          <a:ea typeface="Monaco" charset="0"/>
-                          <a:cs typeface="Monaco" charset="0"/>
-                        </a:rPr>
-                        <a:t>$ echo “gem ‘foundation-rails’ &gt;&gt; </a:t>
-                      </a:r>
-                      <a:r>
-                        <a:rPr lang="en-US" baseline="0" dirty="0" err="1" smtClean="0">
-                          <a:solidFill>
-                            <a:schemeClr val="accent4"/>
-                          </a:solidFill>
-                          <a:latin typeface="Monaco" charset="0"/>
-                          <a:ea typeface="Monaco" charset="0"/>
-                          <a:cs typeface="Monaco" charset="0"/>
-                        </a:rPr>
-                        <a:t>Gemfile</a:t>
-                      </a:r>
-                      <a:endParaRPr lang="en-US" baseline="0" dirty="0" smtClean="0">
-                        <a:solidFill>
-                          <a:schemeClr val="accent4"/>
-                        </a:solidFill>
-                        <a:latin typeface="Monaco" charset="0"/>
-                        <a:ea typeface="Monaco" charset="0"/>
-                        <a:cs typeface="Monaco" charset="0"/>
-                      </a:endParaRPr>
-                    </a:p>
-                    <a:p>
-                      <a:r>
-                        <a:rPr lang="en-US" baseline="0" dirty="0" smtClean="0">
-                          <a:solidFill>
-                            <a:schemeClr val="accent4"/>
-                          </a:solidFill>
-                          <a:latin typeface="Monaco" charset="0"/>
-                          <a:ea typeface="Monaco" charset="0"/>
-                          <a:cs typeface="Monaco" charset="0"/>
-                        </a:rPr>
-                        <a:t>$ bundle install</a:t>
-                      </a:r>
-                    </a:p>
-                    <a:p>
-                      <a:r>
-                        <a:rPr lang="en-US" baseline="0" dirty="0" smtClean="0">
-                          <a:solidFill>
-                            <a:schemeClr val="accent4"/>
-                          </a:solidFill>
-                          <a:latin typeface="Monaco" charset="0"/>
-                          <a:ea typeface="Monaco" charset="0"/>
-                          <a:cs typeface="Monaco" charset="0"/>
-                        </a:rPr>
-                        <a:t>$ rails g </a:t>
-                      </a:r>
-                      <a:r>
-                        <a:rPr lang="en-US" baseline="0" dirty="0" err="1" smtClean="0">
-                          <a:solidFill>
-                            <a:schemeClr val="accent4"/>
-                          </a:solidFill>
-                          <a:latin typeface="Monaco" charset="0"/>
-                          <a:ea typeface="Monaco" charset="0"/>
-                          <a:cs typeface="Monaco" charset="0"/>
-                        </a:rPr>
-                        <a:t>foundation:install</a:t>
-                      </a:r>
-                      <a:endParaRPr lang="en-US" dirty="0" smtClean="0">
-                        <a:solidFill>
-                          <a:schemeClr val="accent4"/>
-                        </a:solidFill>
-                        <a:latin typeface="Monaco" charset="0"/>
-                        <a:ea typeface="Monaco" charset="0"/>
-                        <a:cs typeface="Monaco" charset="0"/>
-                      </a:endParaRPr>
-                    </a:p>
-                  </a:txBody>
-                  <a:tcPr/>
-                </a:tc>
-              </a:tr>
-            </a:tbl>
-          </a:graphicData>
-        </a:graphic>
-      </p:graphicFrame>
-      <p:pic>
-        <p:nvPicPr>
-          <p:cNvPr id="7" name="Picture 6"/>
-          <p:cNvPicPr>
-            <a:picLocks noChangeAspect="1"/>
-          </p:cNvPicPr>
-          <p:nvPr/>
-        </p:nvPicPr>
-        <p:blipFill>
-          <a:blip r:embed="rId2">
-            <a:extLst>
-              <a:ext uri="{28A0092B-C50C-407E-A947-70E740481C1C}">
-                <a14:useLocalDpi xmlns:a14="http://schemas.microsoft.com/office/drawing/2010/main" val="0"/>
-              </a:ext>
-            </a:extLst>
-          </a:blip>
-          <a:stretch>
-            <a:fillRect/>
-          </a:stretch>
-        </p:blipFill>
-        <p:spPr>
-          <a:xfrm>
-            <a:off x="5163297" y="3909061"/>
-            <a:ext cx="1865405" cy="2414886"/>
-          </a:xfrm>
-          <a:prstGeom prst="rect">
-            <a:avLst/>
-          </a:prstGeom>
-        </p:spPr>
-      </p:pic>
-      <p:pic>
-        <p:nvPicPr>
-          <p:cNvPr id="8" name="Picture 7"/>
-          <p:cNvPicPr>
-            <a:picLocks noChangeAspect="1"/>
-          </p:cNvPicPr>
-          <p:nvPr/>
-        </p:nvPicPr>
-        <p:blipFill>
-          <a:blip r:embed="rId3">
-            <a:extLst>
-              <a:ext uri="{28A0092B-C50C-407E-A947-70E740481C1C}">
-                <a14:useLocalDpi xmlns:a14="http://schemas.microsoft.com/office/drawing/2010/main" val="0"/>
-              </a:ext>
-            </a:extLst>
-          </a:blip>
-          <a:stretch>
-            <a:fillRect/>
-          </a:stretch>
-        </p:blipFill>
-        <p:spPr>
-          <a:xfrm>
-            <a:off x="8473967" y="3909061"/>
-            <a:ext cx="1811165" cy="2414886"/>
-          </a:xfrm>
-          <a:prstGeom prst="rect">
-            <a:avLst/>
-          </a:prstGeom>
-        </p:spPr>
-      </p:pic>
-      <p:pic>
-        <p:nvPicPr>
-          <p:cNvPr id="9" name="Picture 8"/>
-          <p:cNvPicPr>
-            <a:picLocks noChangeAspect="1"/>
-          </p:cNvPicPr>
-          <p:nvPr/>
-        </p:nvPicPr>
-        <p:blipFill>
-          <a:blip r:embed="rId4">
-            <a:extLst>
-              <a:ext uri="{28A0092B-C50C-407E-A947-70E740481C1C}">
-                <a14:useLocalDpi xmlns:a14="http://schemas.microsoft.com/office/drawing/2010/main" val="0"/>
-              </a:ext>
-            </a:extLst>
-          </a:blip>
-          <a:stretch>
-            <a:fillRect/>
-          </a:stretch>
-        </p:blipFill>
-        <p:spPr>
-          <a:xfrm>
-            <a:off x="2157132" y="4426804"/>
-            <a:ext cx="1814981" cy="1576516"/>
-          </a:xfrm>
-          <a:prstGeom prst="rect">
-            <a:avLst/>
-          </a:prstGeom>
-        </p:spPr>
-      </p:pic>
-    </p:spTree>
-    <p:extLst>
-      <p:ext uri="{BB962C8B-B14F-4D97-AF65-F5344CB8AC3E}">
-        <p14:creationId xmlns:p14="http://schemas.microsoft.com/office/powerpoint/2010/main" val="1515712989"/>
-      </p:ext>
-    </p:extLst>
-  </p:cSld>
-  <p:clrMapOvr>
-    <a:masterClrMapping/>
-  </p:clrMapOvr>
-</p:sld>
-</file>
-
-<file path=ppt/slides/slide6.xml><?xml version="1.0" encoding="utf-8"?>
-<p:sld xmlns:a="http://schemas.openxmlformats.org/drawingml/2006/main" xmlns:r="http://schemas.openxmlformats.org/officeDocument/2006/relationships" xmlns:p="http://schemas.openxmlformats.org/presentationml/2006/main">
-  <p:cSld>
-    <p:spTree>
-      <p:nvGrpSpPr>
-        <p:cNvPr id="1" name=""/>
-        <p:cNvGrpSpPr/>
-        <p:nvPr/>
-      </p:nvGrpSpPr>
-      <p:grpSpPr>
-        <a:xfrm>
-          <a:off x="0" y="0"/>
-          <a:ext cx="0" cy="0"/>
-          <a:chOff x="0" y="0"/>
-          <a:chExt cx="0" cy="0"/>
-        </a:xfrm>
-      </p:grpSpPr>
-      <p:sp>
-        <p:nvSpPr>
-          <p:cNvPr id="2" name="Title 1"/>
-          <p:cNvSpPr>
-            <a:spLocks noGrp="1"/>
-          </p:cNvSpPr>
-          <p:nvPr>
-            <p:ph type="title"/>
-          </p:nvPr>
-        </p:nvSpPr>
-        <p:spPr/>
-        <p:txBody>
-          <a:bodyPr/>
-          <a:lstStyle/>
-          <a:p>
-            <a:r>
-              <a:rPr lang="en-US" dirty="0" smtClean="0"/>
-              <a:t>Devise</a:t>
-            </a:r>
-            <a:endParaRPr lang="en-US" dirty="0"/>
-          </a:p>
-        </p:txBody>
-      </p:sp>
-      <p:sp>
-        <p:nvSpPr>
-          <p:cNvPr id="3" name="Content Placeholder 2"/>
-          <p:cNvSpPr>
-            <a:spLocks noGrp="1"/>
-          </p:cNvSpPr>
-          <p:nvPr>
-            <p:ph idx="1"/>
-          </p:nvPr>
-        </p:nvSpPr>
-        <p:spPr>
-          <a:xfrm>
-            <a:off x="1120000" y="1825624"/>
-            <a:ext cx="10233800" cy="4665327"/>
-          </a:xfrm>
-        </p:spPr>
-        <p:txBody>
-          <a:bodyPr/>
-          <a:lstStyle/>
-          <a:p>
-            <a:pPr marL="0" indent="0">
-              <a:buNone/>
-            </a:pPr>
-            <a:r>
-              <a:rPr lang="en-US" dirty="0" smtClean="0"/>
-              <a:t>Flexible authentication solution for Rails</a:t>
-            </a:r>
-          </a:p>
-          <a:p>
-            <a:pPr marL="0" indent="0">
-              <a:buNone/>
-            </a:pPr>
-            <a:endParaRPr lang="en-US" dirty="0"/>
-          </a:p>
-          <a:p>
-            <a:pPr marL="0" indent="0">
-              <a:buNone/>
-            </a:pPr>
-            <a:endParaRPr lang="en-US" dirty="0" smtClean="0"/>
-          </a:p>
-          <a:p>
-            <a:pPr marL="0" indent="0">
-              <a:buNone/>
-            </a:pPr>
-            <a:endParaRPr lang="en-US" dirty="0"/>
-          </a:p>
-          <a:p>
-            <a:pPr marL="0" indent="0">
-              <a:buNone/>
-            </a:pPr>
-            <a:endParaRPr lang="en-US" dirty="0" smtClean="0"/>
-          </a:p>
-          <a:p>
-            <a:r>
-              <a:rPr lang="en-US" dirty="0" smtClean="0"/>
-              <a:t>/users/</a:t>
-            </a:r>
-            <a:r>
-              <a:rPr lang="en-US" dirty="0" err="1" smtClean="0"/>
-              <a:t>sign_up</a:t>
-            </a:r>
-            <a:endParaRPr lang="en-US" dirty="0"/>
-          </a:p>
-          <a:p>
-            <a:r>
-              <a:rPr lang="en-US" dirty="0" smtClean="0"/>
-              <a:t>/users/</a:t>
-            </a:r>
-            <a:r>
-              <a:rPr lang="en-US" dirty="0" err="1" smtClean="0"/>
-              <a:t>sign_in</a:t>
-            </a:r>
-            <a:endParaRPr lang="en-US" dirty="0" smtClean="0"/>
-          </a:p>
-          <a:p>
-            <a:r>
-              <a:rPr lang="en-US" dirty="0" smtClean="0"/>
-              <a:t>Sessions</a:t>
-            </a:r>
-          </a:p>
-          <a:p>
-            <a:r>
-              <a:rPr lang="en-US" dirty="0" smtClean="0"/>
-              <a:t>Password encryption</a:t>
-            </a:r>
-          </a:p>
-          <a:p>
-            <a:endParaRPr lang="en-US" dirty="0" smtClean="0"/>
-          </a:p>
-          <a:p>
-            <a:pPr marL="0" indent="0">
-              <a:buNone/>
-            </a:pPr>
-            <a:endParaRPr lang="en-US" dirty="0"/>
-          </a:p>
-          <a:p>
-            <a:pPr marL="0" indent="0">
-              <a:buNone/>
-            </a:pPr>
-            <a:endParaRPr lang="en-US" dirty="0"/>
-          </a:p>
-        </p:txBody>
-      </p:sp>
-      <p:graphicFrame>
-        <p:nvGraphicFramePr>
-          <p:cNvPr id="4" name="Table 3"/>
-          <p:cNvGraphicFramePr>
-            <a:graphicFrameLocks noGrp="1"/>
-          </p:cNvGraphicFramePr>
-          <p:nvPr>
-            <p:extLst>
-              <p:ext uri="{D42A27DB-BD31-4B8C-83A1-F6EECF244321}">
-                <p14:modId xmlns:p14="http://schemas.microsoft.com/office/powerpoint/2010/main" val="804979882"/>
-              </p:ext>
-            </p:extLst>
-          </p:nvPr>
-        </p:nvGraphicFramePr>
-        <p:xfrm>
-          <a:off x="1120000" y="2384613"/>
-          <a:ext cx="8128000" cy="1864658"/>
-        </p:xfrm>
-        <a:graphic>
-          <a:graphicData uri="http://schemas.openxmlformats.org/drawingml/2006/table">
-            <a:tbl>
-              <a:tblPr firstRow="1" bandRow="1">
-                <a:tableStyleId>{073A0DAA-6AF3-43AB-8588-CEC1D06C72B9}</a:tableStyleId>
-              </a:tblPr>
-              <a:tblGrid>
-                <a:gridCol w="8128000"/>
-              </a:tblGrid>
-              <a:tr h="1864658">
-                <a:tc>
-                  <a:txBody>
-                    <a:bodyPr/>
-                    <a:lstStyle/>
-                    <a:p>
-                      <a:r>
-                        <a:rPr lang="en-US" dirty="0" smtClean="0">
-                          <a:solidFill>
-                            <a:schemeClr val="accent4"/>
-                          </a:solidFill>
-                          <a:latin typeface="Monaco" charset="0"/>
-                          <a:ea typeface="Monaco" charset="0"/>
-                          <a:cs typeface="Monaco" charset="0"/>
-                        </a:rPr>
-                        <a:t>$ gem </a:t>
-                      </a:r>
-                      <a:r>
-                        <a:rPr lang="en-US" sz="1800" b="1" kern="1200" dirty="0" smtClean="0">
-                          <a:solidFill>
-                            <a:schemeClr val="accent4"/>
-                          </a:solidFill>
-                          <a:effectLst/>
-                          <a:latin typeface="Monaco" charset="0"/>
-                          <a:ea typeface="Monaco" charset="0"/>
-                          <a:cs typeface="Monaco" charset="0"/>
-                        </a:rPr>
-                        <a:t>'devise’</a:t>
-                      </a:r>
-                    </a:p>
-                    <a:p>
-                      <a:r>
-                        <a:rPr lang="en-US" sz="1800" b="1" kern="1200" dirty="0" smtClean="0">
-                          <a:solidFill>
-                            <a:schemeClr val="accent4"/>
-                          </a:solidFill>
-                          <a:effectLst/>
-                          <a:latin typeface="Monaco" charset="0"/>
-                          <a:ea typeface="Monaco" charset="0"/>
-                          <a:cs typeface="Monaco" charset="0"/>
-                        </a:rPr>
-                        <a:t>$ bundle</a:t>
-                      </a:r>
-                      <a:r>
-                        <a:rPr lang="en-US" sz="1800" b="1" kern="1200" baseline="0" dirty="0" smtClean="0">
-                          <a:solidFill>
-                            <a:schemeClr val="accent4"/>
-                          </a:solidFill>
-                          <a:effectLst/>
-                          <a:latin typeface="Monaco" charset="0"/>
-                          <a:ea typeface="Monaco" charset="0"/>
-                          <a:cs typeface="Monaco" charset="0"/>
-                        </a:rPr>
-                        <a:t> install</a:t>
-                      </a:r>
-                      <a:endParaRPr lang="en-US" dirty="0" smtClean="0">
-                        <a:solidFill>
-                          <a:schemeClr val="accent4"/>
-                        </a:solidFill>
-                        <a:latin typeface="Monaco" charset="0"/>
-                        <a:ea typeface="Monaco" charset="0"/>
-                        <a:cs typeface="Monaco" charset="0"/>
-                      </a:endParaRPr>
-                    </a:p>
-                    <a:p>
-                      <a:r>
-                        <a:rPr lang="en-US" dirty="0" smtClean="0">
-                          <a:solidFill>
-                            <a:schemeClr val="accent4"/>
-                          </a:solidFill>
-                          <a:latin typeface="Monaco" charset="0"/>
-                          <a:ea typeface="Monaco" charset="0"/>
-                          <a:cs typeface="Monaco" charset="0"/>
-                        </a:rPr>
-                        <a:t>$ rails g </a:t>
-                      </a:r>
-                      <a:r>
-                        <a:rPr lang="en-US" dirty="0" err="1" smtClean="0">
-                          <a:solidFill>
-                            <a:schemeClr val="accent4"/>
-                          </a:solidFill>
-                          <a:latin typeface="Monaco" charset="0"/>
-                          <a:ea typeface="Monaco" charset="0"/>
-                          <a:cs typeface="Monaco" charset="0"/>
-                        </a:rPr>
-                        <a:t>devise:install</a:t>
-                      </a:r>
-                      <a:endParaRPr lang="en-US" dirty="0" smtClean="0">
-                        <a:solidFill>
-                          <a:schemeClr val="accent4"/>
-                        </a:solidFill>
-                        <a:latin typeface="Monaco" charset="0"/>
-                        <a:ea typeface="Monaco" charset="0"/>
-                        <a:cs typeface="Monaco" charset="0"/>
-                      </a:endParaRPr>
-                    </a:p>
-                    <a:p>
-                      <a:r>
-                        <a:rPr lang="en-US" dirty="0" smtClean="0">
-                          <a:solidFill>
-                            <a:schemeClr val="accent4"/>
-                          </a:solidFill>
-                          <a:latin typeface="Monaco" charset="0"/>
-                          <a:ea typeface="Monaco" charset="0"/>
-                          <a:cs typeface="Monaco" charset="0"/>
-                        </a:rPr>
-                        <a:t>$ rails g devise user</a:t>
-                      </a:r>
-                    </a:p>
-                    <a:p>
-                      <a:r>
-                        <a:rPr lang="en-US" dirty="0" smtClean="0">
-                          <a:solidFill>
-                            <a:schemeClr val="accent4"/>
-                          </a:solidFill>
-                          <a:latin typeface="Monaco" charset="0"/>
-                          <a:ea typeface="Monaco" charset="0"/>
-                          <a:cs typeface="Monaco" charset="0"/>
-                        </a:rPr>
-                        <a:t>$ rake </a:t>
-                      </a:r>
-                      <a:r>
-                        <a:rPr lang="en-US" dirty="0" err="1" smtClean="0">
-                          <a:solidFill>
-                            <a:schemeClr val="accent4"/>
-                          </a:solidFill>
-                          <a:latin typeface="Monaco" charset="0"/>
-                          <a:ea typeface="Monaco" charset="0"/>
-                          <a:cs typeface="Monaco" charset="0"/>
-                        </a:rPr>
-                        <a:t>db:migrate</a:t>
-                      </a:r>
-                      <a:endParaRPr lang="en-US" dirty="0" smtClean="0">
-                        <a:solidFill>
-                          <a:schemeClr val="accent4"/>
-                        </a:solidFill>
-                        <a:latin typeface="Monaco" charset="0"/>
-                        <a:ea typeface="Monaco" charset="0"/>
-                        <a:cs typeface="Monaco" charset="0"/>
-                      </a:endParaRPr>
-                    </a:p>
-                    <a:p>
-                      <a:r>
-                        <a:rPr lang="en-US" dirty="0" smtClean="0">
-                          <a:solidFill>
-                            <a:schemeClr val="accent4"/>
-                          </a:solidFill>
-                          <a:latin typeface="Monaco" charset="0"/>
-                          <a:ea typeface="Monaco" charset="0"/>
-                          <a:cs typeface="Monaco" charset="0"/>
-                        </a:rPr>
-                        <a:t>$</a:t>
-                      </a:r>
-                      <a:r>
-                        <a:rPr lang="en-US" baseline="0" dirty="0" smtClean="0">
-                          <a:solidFill>
-                            <a:schemeClr val="accent4"/>
-                          </a:solidFill>
-                          <a:latin typeface="Monaco" charset="0"/>
-                          <a:ea typeface="Monaco" charset="0"/>
-                          <a:cs typeface="Monaco" charset="0"/>
-                        </a:rPr>
-                        <a:t> rails g </a:t>
-                      </a:r>
-                      <a:r>
-                        <a:rPr lang="en-US" baseline="0" dirty="0" err="1" smtClean="0">
-                          <a:solidFill>
-                            <a:schemeClr val="accent4"/>
-                          </a:solidFill>
-                          <a:latin typeface="Monaco" charset="0"/>
-                          <a:ea typeface="Monaco" charset="0"/>
-                          <a:cs typeface="Monaco" charset="0"/>
-                        </a:rPr>
-                        <a:t>devise:views</a:t>
-                      </a:r>
-                      <a:endParaRPr lang="en-US" dirty="0">
-                        <a:solidFill>
-                          <a:schemeClr val="accent4"/>
-                        </a:solidFill>
-                        <a:latin typeface="Monaco" charset="0"/>
-                        <a:ea typeface="Monaco" charset="0"/>
-                        <a:cs typeface="Monaco" charset="0"/>
-                      </a:endParaRPr>
-                    </a:p>
-                  </a:txBody>
-                  <a:tcPr/>
-                </a:tc>
-              </a:tr>
-            </a:tbl>
-          </a:graphicData>
-        </a:graphic>
-      </p:graphicFrame>
-    </p:spTree>
-    <p:extLst>
-      <p:ext uri="{BB962C8B-B14F-4D97-AF65-F5344CB8AC3E}">
-        <p14:creationId xmlns:p14="http://schemas.microsoft.com/office/powerpoint/2010/main" val="1634398721"/>
-      </p:ext>
-    </p:extLst>
-  </p:cSld>
-  <p:clrMapOvr>
-    <a:masterClrMapping/>
-  </p:clrMapOvr>
-</p:sld>
-</file>
-
-<file path=ppt/slides/slide7.xml><?xml version="1.0" encoding="utf-8"?>
-<p:sld xmlns:a="http://schemas.openxmlformats.org/drawingml/2006/main" xmlns:r="http://schemas.openxmlformats.org/officeDocument/2006/relationships" xmlns:p="http://schemas.openxmlformats.org/presentationml/2006/main">
-  <p:cSld>
-    <p:spTree>
-      <p:nvGrpSpPr>
-        <p:cNvPr id="1" name=""/>
-        <p:cNvGrpSpPr/>
-        <p:nvPr/>
-      </p:nvGrpSpPr>
-      <p:grpSpPr>
-        <a:xfrm>
-          <a:off x="0" y="0"/>
-          <a:ext cx="0" cy="0"/>
-          <a:chOff x="0" y="0"/>
-          <a:chExt cx="0" cy="0"/>
-        </a:xfrm>
-      </p:grpSpPr>
-      <p:sp>
-        <p:nvSpPr>
-          <p:cNvPr id="2" name="Title 1"/>
-          <p:cNvSpPr>
-            <a:spLocks noGrp="1"/>
-          </p:cNvSpPr>
-          <p:nvPr>
-            <p:ph type="title"/>
-          </p:nvPr>
-        </p:nvSpPr>
-        <p:spPr/>
-        <p:txBody>
-          <a:bodyPr/>
-          <a:lstStyle/>
-          <a:p>
-            <a:r>
-              <a:rPr lang="en-US" dirty="0" err="1" smtClean="0"/>
-              <a:t>ChartKick</a:t>
-            </a:r>
-            <a:endParaRPr lang="en-US" dirty="0"/>
-          </a:p>
-        </p:txBody>
-      </p:sp>
-      <p:sp>
-        <p:nvSpPr>
-          <p:cNvPr id="3" name="Content Placeholder 2"/>
-          <p:cNvSpPr>
-            <a:spLocks noGrp="1"/>
-          </p:cNvSpPr>
-          <p:nvPr>
-            <p:ph idx="1"/>
-          </p:nvPr>
-        </p:nvSpPr>
-        <p:spPr/>
-        <p:txBody>
-          <a:bodyPr/>
-          <a:lstStyle/>
-          <a:p>
-            <a:endParaRPr lang="en-US"/>
-          </a:p>
-        </p:txBody>
-      </p:sp>
-    </p:spTree>
-    <p:extLst>
-      <p:ext uri="{BB962C8B-B14F-4D97-AF65-F5344CB8AC3E}">
-        <p14:creationId xmlns:p14="http://schemas.microsoft.com/office/powerpoint/2010/main" val="2107986310"/>
-      </p:ext>
-    </p:extLst>
-  </p:cSld>
-  <p:clrMapOvr>
-    <a:masterClrMapping/>
-  </p:clrMapOvr>
-</p:sld>
-</file>
-
-<file path=ppt/slides/slide8.xml><?xml version="1.0" encoding="utf-8"?>
-<p:sld xmlns:a="http://schemas.openxmlformats.org/drawingml/2006/main" xmlns:r="http://schemas.openxmlformats.org/officeDocument/2006/relationships" xmlns:p="http://schemas.openxmlformats.org/presentationml/2006/main">
-  <p:cSld>
-    <p:spTree>
-      <p:nvGrpSpPr>
-        <p:cNvPr id="1" name=""/>
-        <p:cNvGrpSpPr/>
-        <p:nvPr/>
-      </p:nvGrpSpPr>
-      <p:grpSpPr>
-        <a:xfrm>
-          <a:off x="0" y="0"/>
-          <a:ext cx="0" cy="0"/>
-          <a:chOff x="0" y="0"/>
-          <a:chExt cx="0" cy="0"/>
-        </a:xfrm>
-      </p:grpSpPr>
-      <p:sp>
-        <p:nvSpPr>
-          <p:cNvPr id="2" name="Title 1"/>
-          <p:cNvSpPr>
-            <a:spLocks noGrp="1"/>
-          </p:cNvSpPr>
-          <p:nvPr>
-            <p:ph type="title"/>
-          </p:nvPr>
-        </p:nvSpPr>
-        <p:spPr/>
-        <p:txBody>
-          <a:bodyPr/>
-          <a:lstStyle/>
-          <a:p>
-            <a:r>
-              <a:rPr lang="en-US" dirty="0" err="1" smtClean="0"/>
-              <a:t>SimpleCalendar</a:t>
-            </a:r>
-            <a:endParaRPr lang="en-US" dirty="0"/>
-          </a:p>
-        </p:txBody>
-      </p:sp>
-      <p:sp>
-        <p:nvSpPr>
-          <p:cNvPr id="3" name="Content Placeholder 2"/>
-          <p:cNvSpPr>
-            <a:spLocks noGrp="1"/>
-          </p:cNvSpPr>
-          <p:nvPr>
-            <p:ph idx="1"/>
-          </p:nvPr>
-        </p:nvSpPr>
-        <p:spPr/>
-        <p:txBody>
-          <a:bodyPr/>
-          <a:lstStyle/>
-          <a:p>
-            <a:endParaRPr lang="en-US"/>
-          </a:p>
-        </p:txBody>
-      </p:sp>
-    </p:spTree>
-    <p:extLst>
-      <p:ext uri="{BB962C8B-B14F-4D97-AF65-F5344CB8AC3E}">
-        <p14:creationId xmlns:p14="http://schemas.microsoft.com/office/powerpoint/2010/main" val="1480213789"/>
-      </p:ext>
-    </p:extLst>
-  </p:cSld>
-  <p:clrMapOvr>
-    <a:masterClrMapping/>
-  </p:clrMapOvr>
-</p:sld>
-</file>
-
-<file path=ppt/slides/slide9.xml><?xml version="1.0" encoding="utf-8"?>
-<p:sld xmlns:a="http://schemas.openxmlformats.org/drawingml/2006/main" xmlns:r="http://schemas.openxmlformats.org/officeDocument/2006/relationships" xmlns:p="http://schemas.openxmlformats.org/presentationml/2006/main">
-  <p:cSld>
-    <p:spTree>
-      <p:nvGrpSpPr>
-        <p:cNvPr id="1" name=""/>
-        <p:cNvGrpSpPr/>
-        <p:nvPr/>
-      </p:nvGrpSpPr>
-      <p:grpSpPr>
-        <a:xfrm>
-          <a:off x="0" y="0"/>
-          <a:ext cx="0" cy="0"/>
-          <a:chOff x="0" y="0"/>
-          <a:chExt cx="0" cy="0"/>
-        </a:xfrm>
-      </p:grpSpPr>
-      <p:sp>
-        <p:nvSpPr>
-          <p:cNvPr id="2" name="Title 1"/>
-          <p:cNvSpPr>
-            <a:spLocks noGrp="1"/>
-          </p:cNvSpPr>
-          <p:nvPr>
-            <p:ph type="title"/>
-          </p:nvPr>
-        </p:nvSpPr>
-        <p:spPr/>
-        <p:txBody>
-          <a:bodyPr/>
-          <a:lstStyle/>
-          <a:p>
-            <a:r>
-              <a:rPr lang="en-US" dirty="0" smtClean="0"/>
-              <a:t>User Model</a:t>
-            </a:r>
-            <a:endParaRPr lang="en-US" dirty="0"/>
-          </a:p>
-        </p:txBody>
-      </p:sp>
-      <p:graphicFrame>
-        <p:nvGraphicFramePr>
-          <p:cNvPr id="4" name="Table 3"/>
-          <p:cNvGraphicFramePr>
-            <a:graphicFrameLocks noGrp="1"/>
-          </p:cNvGraphicFramePr>
-          <p:nvPr>
-            <p:extLst>
-              <p:ext uri="{D42A27DB-BD31-4B8C-83A1-F6EECF244321}">
-                <p14:modId xmlns:p14="http://schemas.microsoft.com/office/powerpoint/2010/main" val="365510297"/>
-              </p:ext>
-            </p:extLst>
-          </p:nvPr>
-        </p:nvGraphicFramePr>
-        <p:xfrm>
-          <a:off x="2032000" y="1690688"/>
-          <a:ext cx="8128000" cy="4800600"/>
-        </p:xfrm>
-        <a:graphic>
-          <a:graphicData uri="http://schemas.openxmlformats.org/drawingml/2006/table">
-            <a:tbl>
-              <a:tblPr firstRow="1" bandRow="1">
-                <a:tableStyleId>{5C22544A-7EE6-4342-B048-85BDC9FD1C3A}</a:tableStyleId>
-              </a:tblPr>
-              <a:tblGrid>
-                <a:gridCol w="4064000"/>
-                <a:gridCol w="4064000"/>
+                <a:gridCol w="1517073"/>
+                <a:gridCol w="2175163"/>
               </a:tblGrid>
               <a:tr h="225832">
                 <a:tc>
@@ -8816,7 +9885,7 @@
         </p:nvSpPr>
         <p:spPr>
           <a:xfrm>
-            <a:off x="4275786" y="1321356"/>
+            <a:off x="838200" y="1383702"/>
             <a:ext cx="3261534" cy="369332"/>
           </a:xfrm>
           <a:prstGeom prst="rect">
@@ -8838,10 +9907,2700 @@
           </a:p>
         </p:txBody>
       </p:sp>
+      <p:sp>
+        <p:nvSpPr>
+          <p:cNvPr id="3" name="TextBox 2"/>
+          <p:cNvSpPr txBox="1"/>
+          <p:nvPr/>
+        </p:nvSpPr>
+        <p:spPr>
+          <a:xfrm>
+            <a:off x="5624945" y="1815379"/>
+            <a:ext cx="750526" cy="369332"/>
+          </a:xfrm>
+          <a:prstGeom prst="rect">
+            <a:avLst/>
+          </a:prstGeom>
+          <a:noFill/>
+        </p:spPr>
+        <p:txBody>
+          <a:bodyPr wrap="none" rtlCol="0">
+            <a:spAutoFit/>
+          </a:bodyPr>
+          <a:lstStyle/>
+          <a:p>
+            <a:r>
+              <a:rPr lang="en-US" dirty="0" smtClean="0"/>
+              <a:t>Views</a:t>
+            </a:r>
+            <a:endParaRPr lang="en-US" dirty="0"/>
+          </a:p>
+        </p:txBody>
+      </p:sp>
+      <p:sp>
+        <p:nvSpPr>
+          <p:cNvPr id="6" name="TextBox 5"/>
+          <p:cNvSpPr txBox="1"/>
+          <p:nvPr/>
+        </p:nvSpPr>
+        <p:spPr>
+          <a:xfrm>
+            <a:off x="5624945" y="2452688"/>
+            <a:ext cx="1144865" cy="369332"/>
+          </a:xfrm>
+          <a:prstGeom prst="rect">
+            <a:avLst/>
+          </a:prstGeom>
+          <a:noFill/>
+        </p:spPr>
+        <p:txBody>
+          <a:bodyPr wrap="none" rtlCol="0">
+            <a:spAutoFit/>
+          </a:bodyPr>
+          <a:lstStyle/>
+          <a:p>
+            <a:r>
+              <a:rPr lang="en-US" dirty="0" smtClean="0"/>
+              <a:t>Controller</a:t>
+            </a:r>
+            <a:endParaRPr lang="en-US" dirty="0"/>
+          </a:p>
+        </p:txBody>
+      </p:sp>
     </p:spTree>
     <p:extLst>
       <p:ext uri="{BB962C8B-B14F-4D97-AF65-F5344CB8AC3E}">
         <p14:creationId xmlns:p14="http://schemas.microsoft.com/office/powerpoint/2010/main" val="1527033261"/>
+      </p:ext>
+    </p:extLst>
+  </p:cSld>
+  <p:clrMapOvr>
+    <a:masterClrMapping/>
+  </p:clrMapOvr>
+</p:sld>
+</file>
+
+<file path=ppt/slides/slide11.xml><?xml version="1.0" encoding="utf-8"?>
+<p:sld xmlns:a="http://schemas.openxmlformats.org/drawingml/2006/main" xmlns:r="http://schemas.openxmlformats.org/officeDocument/2006/relationships" xmlns:p="http://schemas.openxmlformats.org/presentationml/2006/main">
+  <p:cSld>
+    <p:spTree>
+      <p:nvGrpSpPr>
+        <p:cNvPr id="1" name=""/>
+        <p:cNvGrpSpPr/>
+        <p:nvPr/>
+      </p:nvGrpSpPr>
+      <p:grpSpPr>
+        <a:xfrm>
+          <a:off x="0" y="0"/>
+          <a:ext cx="0" cy="0"/>
+          <a:chOff x="0" y="0"/>
+          <a:chExt cx="0" cy="0"/>
+        </a:xfrm>
+      </p:grpSpPr>
+      <p:sp>
+        <p:nvSpPr>
+          <p:cNvPr id="2" name="Title 1"/>
+          <p:cNvSpPr>
+            <a:spLocks noGrp="1"/>
+          </p:cNvSpPr>
+          <p:nvPr>
+            <p:ph type="title"/>
+          </p:nvPr>
+        </p:nvSpPr>
+        <p:spPr/>
+        <p:txBody>
+          <a:bodyPr/>
+          <a:lstStyle/>
+          <a:p>
+            <a:r>
+              <a:rPr lang="en-US" dirty="0" smtClean="0"/>
+              <a:t>Goals</a:t>
+            </a:r>
+            <a:endParaRPr lang="en-US" dirty="0"/>
+          </a:p>
+        </p:txBody>
+      </p:sp>
+      <p:graphicFrame>
+        <p:nvGraphicFramePr>
+          <p:cNvPr id="4" name="Table 3"/>
+          <p:cNvGraphicFramePr>
+            <a:graphicFrameLocks noGrp="1"/>
+          </p:cNvGraphicFramePr>
+          <p:nvPr>
+            <p:extLst>
+              <p:ext uri="{D42A27DB-BD31-4B8C-83A1-F6EECF244321}">
+                <p14:modId xmlns:p14="http://schemas.microsoft.com/office/powerpoint/2010/main" val="328911652"/>
+              </p:ext>
+            </p:extLst>
+          </p:nvPr>
+        </p:nvGraphicFramePr>
+        <p:xfrm>
+          <a:off x="838199" y="1704976"/>
+          <a:ext cx="3664527" cy="2595880"/>
+        </p:xfrm>
+        <a:graphic>
+          <a:graphicData uri="http://schemas.openxmlformats.org/drawingml/2006/table">
+            <a:tbl>
+              <a:tblPr firstRow="1" bandRow="1">
+                <a:tableStyleId>{5C22544A-7EE6-4342-B048-85BDC9FD1C3A}</a:tableStyleId>
+              </a:tblPr>
+              <a:tblGrid>
+                <a:gridCol w="1794165"/>
+                <a:gridCol w="1870362"/>
+              </a:tblGrid>
+              <a:tr h="370840">
+                <a:tc>
+                  <a:txBody>
+                    <a:bodyPr/>
+                    <a:lstStyle/>
+                    <a:p>
+                      <a:r>
+                        <a:rPr lang="en-US" sz="1500" dirty="0" smtClean="0"/>
+                        <a:t>Type</a:t>
+                      </a:r>
+                      <a:endParaRPr lang="en-US" sz="1500" dirty="0"/>
+                    </a:p>
+                  </a:txBody>
+                  <a:tcPr/>
+                </a:tc>
+                <a:tc>
+                  <a:txBody>
+                    <a:bodyPr/>
+                    <a:lstStyle/>
+                    <a:p>
+                      <a:r>
+                        <a:rPr lang="en-US" sz="1500" dirty="0" smtClean="0"/>
+                        <a:t>Name</a:t>
+                      </a:r>
+                      <a:endParaRPr lang="en-US" sz="1500" dirty="0"/>
+                    </a:p>
+                  </a:txBody>
+                  <a:tcPr/>
+                </a:tc>
+              </a:tr>
+              <a:tr h="370840">
+                <a:tc>
+                  <a:txBody>
+                    <a:bodyPr/>
+                    <a:lstStyle/>
+                    <a:p>
+                      <a:r>
+                        <a:rPr lang="en-US" dirty="0" smtClean="0"/>
+                        <a:t>string</a:t>
+                      </a:r>
+                      <a:endParaRPr lang="en-US" dirty="0"/>
+                    </a:p>
+                  </a:txBody>
+                  <a:tcPr/>
+                </a:tc>
+                <a:tc>
+                  <a:txBody>
+                    <a:bodyPr/>
+                    <a:lstStyle/>
+                    <a:p>
+                      <a:r>
+                        <a:rPr lang="en-US" dirty="0" smtClean="0"/>
+                        <a:t>metric</a:t>
+                      </a:r>
+                      <a:endParaRPr lang="en-US" dirty="0"/>
+                    </a:p>
+                  </a:txBody>
+                  <a:tcPr/>
+                </a:tc>
+              </a:tr>
+              <a:tr h="370840">
+                <a:tc>
+                  <a:txBody>
+                    <a:bodyPr/>
+                    <a:lstStyle/>
+                    <a:p>
+                      <a:r>
+                        <a:rPr lang="en-US" dirty="0" smtClean="0"/>
+                        <a:t>float</a:t>
+                      </a:r>
+                      <a:endParaRPr lang="en-US" dirty="0"/>
+                    </a:p>
+                  </a:txBody>
+                  <a:tcPr/>
+                </a:tc>
+                <a:tc>
+                  <a:txBody>
+                    <a:bodyPr/>
+                    <a:lstStyle/>
+                    <a:p>
+                      <a:r>
+                        <a:rPr lang="en-US" dirty="0" smtClean="0"/>
+                        <a:t>value</a:t>
+                      </a:r>
+                      <a:endParaRPr lang="en-US" dirty="0"/>
+                    </a:p>
+                  </a:txBody>
+                  <a:tcPr/>
+                </a:tc>
+              </a:tr>
+              <a:tr h="370840">
+                <a:tc>
+                  <a:txBody>
+                    <a:bodyPr/>
+                    <a:lstStyle/>
+                    <a:p>
+                      <a:r>
+                        <a:rPr lang="en-US" dirty="0" smtClean="0"/>
+                        <a:t>date</a:t>
+                      </a:r>
+                      <a:endParaRPr lang="en-US" dirty="0"/>
+                    </a:p>
+                  </a:txBody>
+                  <a:tcPr/>
+                </a:tc>
+                <a:tc>
+                  <a:txBody>
+                    <a:bodyPr/>
+                    <a:lstStyle/>
+                    <a:p>
+                      <a:r>
+                        <a:rPr lang="en-US" dirty="0" err="1" smtClean="0"/>
+                        <a:t>by_date</a:t>
+                      </a:r>
+                      <a:endParaRPr lang="en-US" dirty="0"/>
+                    </a:p>
+                  </a:txBody>
+                  <a:tcPr/>
+                </a:tc>
+              </a:tr>
+              <a:tr h="370840">
+                <a:tc>
+                  <a:txBody>
+                    <a:bodyPr/>
+                    <a:lstStyle/>
+                    <a:p>
+                      <a:r>
+                        <a:rPr lang="en-US" dirty="0" smtClean="0"/>
+                        <a:t>date</a:t>
+                      </a:r>
+                      <a:endParaRPr lang="en-US" dirty="0"/>
+                    </a:p>
+                  </a:txBody>
+                  <a:tcPr/>
+                </a:tc>
+                <a:tc>
+                  <a:txBody>
+                    <a:bodyPr/>
+                    <a:lstStyle/>
+                    <a:p>
+                      <a:r>
+                        <a:rPr lang="en-US" dirty="0" err="1" smtClean="0"/>
+                        <a:t>created_at</a:t>
+                      </a:r>
+                      <a:endParaRPr lang="en-US" dirty="0"/>
+                    </a:p>
+                  </a:txBody>
+                  <a:tcPr/>
+                </a:tc>
+              </a:tr>
+              <a:tr h="370840">
+                <a:tc>
+                  <a:txBody>
+                    <a:bodyPr/>
+                    <a:lstStyle/>
+                    <a:p>
+                      <a:r>
+                        <a:rPr lang="en-US" dirty="0" smtClean="0"/>
+                        <a:t>date</a:t>
+                      </a:r>
+                      <a:endParaRPr lang="en-US" dirty="0"/>
+                    </a:p>
+                  </a:txBody>
+                  <a:tcPr/>
+                </a:tc>
+                <a:tc>
+                  <a:txBody>
+                    <a:bodyPr/>
+                    <a:lstStyle/>
+                    <a:p>
+                      <a:r>
+                        <a:rPr lang="en-US" dirty="0" err="1" smtClean="0"/>
+                        <a:t>updated_at</a:t>
+                      </a:r>
+                      <a:endParaRPr lang="en-US" dirty="0"/>
+                    </a:p>
+                  </a:txBody>
+                  <a:tcPr/>
+                </a:tc>
+              </a:tr>
+              <a:tr h="370840">
+                <a:tc>
+                  <a:txBody>
+                    <a:bodyPr/>
+                    <a:lstStyle/>
+                    <a:p>
+                      <a:r>
+                        <a:rPr lang="en-US" dirty="0" smtClean="0"/>
+                        <a:t>integer</a:t>
+                      </a:r>
+                      <a:endParaRPr lang="en-US" dirty="0"/>
+                    </a:p>
+                  </a:txBody>
+                  <a:tcPr/>
+                </a:tc>
+                <a:tc>
+                  <a:txBody>
+                    <a:bodyPr/>
+                    <a:lstStyle/>
+                    <a:p>
+                      <a:r>
+                        <a:rPr lang="en-US" dirty="0" err="1" smtClean="0"/>
+                        <a:t>user_id</a:t>
+                      </a:r>
+                      <a:endParaRPr lang="en-US" dirty="0"/>
+                    </a:p>
+                  </a:txBody>
+                  <a:tcPr/>
+                </a:tc>
+              </a:tr>
+            </a:tbl>
+          </a:graphicData>
+        </a:graphic>
+      </p:graphicFrame>
+      <p:sp>
+        <p:nvSpPr>
+          <p:cNvPr id="5" name="TextBox 4"/>
+          <p:cNvSpPr txBox="1"/>
+          <p:nvPr/>
+        </p:nvSpPr>
+        <p:spPr>
+          <a:xfrm>
+            <a:off x="5624945" y="1815379"/>
+            <a:ext cx="750526" cy="369332"/>
+          </a:xfrm>
+          <a:prstGeom prst="rect">
+            <a:avLst/>
+          </a:prstGeom>
+          <a:noFill/>
+        </p:spPr>
+        <p:txBody>
+          <a:bodyPr wrap="none" rtlCol="0">
+            <a:spAutoFit/>
+          </a:bodyPr>
+          <a:lstStyle/>
+          <a:p>
+            <a:r>
+              <a:rPr lang="en-US" dirty="0" smtClean="0"/>
+              <a:t>Views</a:t>
+            </a:r>
+            <a:endParaRPr lang="en-US" dirty="0"/>
+          </a:p>
+        </p:txBody>
+      </p:sp>
+      <p:sp>
+        <p:nvSpPr>
+          <p:cNvPr id="6" name="TextBox 5"/>
+          <p:cNvSpPr txBox="1"/>
+          <p:nvPr/>
+        </p:nvSpPr>
+        <p:spPr>
+          <a:xfrm>
+            <a:off x="5624945" y="2452688"/>
+            <a:ext cx="1144865" cy="369332"/>
+          </a:xfrm>
+          <a:prstGeom prst="rect">
+            <a:avLst/>
+          </a:prstGeom>
+          <a:noFill/>
+        </p:spPr>
+        <p:txBody>
+          <a:bodyPr wrap="none" rtlCol="0">
+            <a:spAutoFit/>
+          </a:bodyPr>
+          <a:lstStyle/>
+          <a:p>
+            <a:r>
+              <a:rPr lang="en-US" dirty="0" smtClean="0"/>
+              <a:t>Controller</a:t>
+            </a:r>
+            <a:endParaRPr lang="en-US" dirty="0"/>
+          </a:p>
+        </p:txBody>
+      </p:sp>
+    </p:spTree>
+    <p:extLst>
+      <p:ext uri="{BB962C8B-B14F-4D97-AF65-F5344CB8AC3E}">
+        <p14:creationId xmlns:p14="http://schemas.microsoft.com/office/powerpoint/2010/main" val="696837872"/>
+      </p:ext>
+    </p:extLst>
+  </p:cSld>
+  <p:clrMapOvr>
+    <a:masterClrMapping/>
+  </p:clrMapOvr>
+</p:sld>
+</file>
+
+<file path=ppt/slides/slide12.xml><?xml version="1.0" encoding="utf-8"?>
+<p:sld xmlns:a="http://schemas.openxmlformats.org/drawingml/2006/main" xmlns:r="http://schemas.openxmlformats.org/officeDocument/2006/relationships" xmlns:p="http://schemas.openxmlformats.org/presentationml/2006/main">
+  <p:cSld>
+    <p:spTree>
+      <p:nvGrpSpPr>
+        <p:cNvPr id="1" name=""/>
+        <p:cNvGrpSpPr/>
+        <p:nvPr/>
+      </p:nvGrpSpPr>
+      <p:grpSpPr>
+        <a:xfrm>
+          <a:off x="0" y="0"/>
+          <a:ext cx="0" cy="0"/>
+          <a:chOff x="0" y="0"/>
+          <a:chExt cx="0" cy="0"/>
+        </a:xfrm>
+      </p:grpSpPr>
+      <p:sp>
+        <p:nvSpPr>
+          <p:cNvPr id="2" name="Title 1"/>
+          <p:cNvSpPr>
+            <a:spLocks noGrp="1"/>
+          </p:cNvSpPr>
+          <p:nvPr>
+            <p:ph type="title"/>
+          </p:nvPr>
+        </p:nvSpPr>
+        <p:spPr/>
+        <p:txBody>
+          <a:bodyPr/>
+          <a:lstStyle/>
+          <a:p>
+            <a:r>
+              <a:rPr lang="en-US" dirty="0" smtClean="0"/>
+              <a:t>Entries</a:t>
+            </a:r>
+            <a:endParaRPr lang="en-US" dirty="0"/>
+          </a:p>
+        </p:txBody>
+      </p:sp>
+      <p:graphicFrame>
+        <p:nvGraphicFramePr>
+          <p:cNvPr id="4" name="Table 3"/>
+          <p:cNvGraphicFramePr>
+            <a:graphicFrameLocks noGrp="1"/>
+          </p:cNvGraphicFramePr>
+          <p:nvPr>
+            <p:extLst>
+              <p:ext uri="{D42A27DB-BD31-4B8C-83A1-F6EECF244321}">
+                <p14:modId xmlns:p14="http://schemas.microsoft.com/office/powerpoint/2010/main" val="263835420"/>
+              </p:ext>
+            </p:extLst>
+          </p:nvPr>
+        </p:nvGraphicFramePr>
+        <p:xfrm>
+          <a:off x="838199" y="1690688"/>
+          <a:ext cx="3733801" cy="4793430"/>
+        </p:xfrm>
+        <a:graphic>
+          <a:graphicData uri="http://schemas.openxmlformats.org/drawingml/2006/table">
+            <a:tbl>
+              <a:tblPr firstRow="1" bandRow="1">
+                <a:tableStyleId>{5C22544A-7EE6-4342-B048-85BDC9FD1C3A}</a:tableStyleId>
+              </a:tblPr>
+              <a:tblGrid>
+                <a:gridCol w="1849583"/>
+                <a:gridCol w="1884218"/>
+              </a:tblGrid>
+              <a:tr h="319562">
+                <a:tc>
+                  <a:txBody>
+                    <a:bodyPr/>
+                    <a:lstStyle/>
+                    <a:p>
+                      <a:r>
+                        <a:rPr lang="en-US" sz="1400" dirty="0" smtClean="0"/>
+                        <a:t>Type</a:t>
+                      </a:r>
+                      <a:endParaRPr lang="en-US" sz="1400" dirty="0"/>
+                    </a:p>
+                  </a:txBody>
+                  <a:tcPr/>
+                </a:tc>
+                <a:tc>
+                  <a:txBody>
+                    <a:bodyPr/>
+                    <a:lstStyle/>
+                    <a:p>
+                      <a:r>
+                        <a:rPr lang="en-US" sz="1400" dirty="0" smtClean="0"/>
+                        <a:t>Name</a:t>
+                      </a:r>
+                      <a:endParaRPr lang="en-US" sz="1400" dirty="0"/>
+                    </a:p>
+                  </a:txBody>
+                  <a:tcPr/>
+                </a:tc>
+              </a:tr>
+              <a:tr h="319562">
+                <a:tc>
+                  <a:txBody>
+                    <a:bodyPr/>
+                    <a:lstStyle/>
+                    <a:p>
+                      <a:r>
+                        <a:rPr lang="en-US" sz="1400" dirty="0" smtClean="0"/>
+                        <a:t>integer</a:t>
+                      </a:r>
+                      <a:endParaRPr lang="en-US" sz="1400" dirty="0"/>
+                    </a:p>
+                  </a:txBody>
+                  <a:tcPr/>
+                </a:tc>
+                <a:tc>
+                  <a:txBody>
+                    <a:bodyPr/>
+                    <a:lstStyle/>
+                    <a:p>
+                      <a:r>
+                        <a:rPr lang="en-US" sz="1400" dirty="0" err="1" smtClean="0"/>
+                        <a:t>user_id</a:t>
+                      </a:r>
+                      <a:endParaRPr lang="en-US" sz="1400" dirty="0"/>
+                    </a:p>
+                  </a:txBody>
+                  <a:tcPr/>
+                </a:tc>
+              </a:tr>
+              <a:tr h="319562">
+                <a:tc>
+                  <a:txBody>
+                    <a:bodyPr/>
+                    <a:lstStyle/>
+                    <a:p>
+                      <a:r>
+                        <a:rPr lang="en-US" sz="1400" dirty="0" smtClean="0"/>
+                        <a:t>date</a:t>
+                      </a:r>
+                      <a:endParaRPr lang="en-US" sz="1400" dirty="0"/>
+                    </a:p>
+                  </a:txBody>
+                  <a:tcPr/>
+                </a:tc>
+                <a:tc>
+                  <a:txBody>
+                    <a:bodyPr/>
+                    <a:lstStyle/>
+                    <a:p>
+                      <a:r>
+                        <a:rPr lang="en-US" sz="1400" dirty="0" smtClean="0"/>
+                        <a:t>date</a:t>
+                      </a:r>
+                      <a:endParaRPr lang="en-US" sz="1400" dirty="0"/>
+                    </a:p>
+                  </a:txBody>
+                  <a:tcPr/>
+                </a:tc>
+              </a:tr>
+              <a:tr h="319562">
+                <a:tc>
+                  <a:txBody>
+                    <a:bodyPr/>
+                    <a:lstStyle/>
+                    <a:p>
+                      <a:r>
+                        <a:rPr lang="en-US" sz="1400" dirty="0" smtClean="0"/>
+                        <a:t>float</a:t>
+                      </a:r>
+                      <a:endParaRPr lang="en-US" sz="1400" dirty="0"/>
+                    </a:p>
+                  </a:txBody>
+                  <a:tcPr/>
+                </a:tc>
+                <a:tc>
+                  <a:txBody>
+                    <a:bodyPr/>
+                    <a:lstStyle/>
+                    <a:p>
+                      <a:r>
+                        <a:rPr lang="en-US" sz="1400" dirty="0" smtClean="0"/>
+                        <a:t>weight</a:t>
+                      </a:r>
+                      <a:endParaRPr lang="en-US" sz="1400" dirty="0"/>
+                    </a:p>
+                  </a:txBody>
+                  <a:tcPr/>
+                </a:tc>
+              </a:tr>
+              <a:tr h="319562">
+                <a:tc>
+                  <a:txBody>
+                    <a:bodyPr/>
+                    <a:lstStyle/>
+                    <a:p>
+                      <a:r>
+                        <a:rPr lang="en-US" sz="1400" dirty="0" smtClean="0"/>
+                        <a:t>integer</a:t>
+                      </a:r>
+                      <a:endParaRPr lang="en-US" sz="1400" dirty="0"/>
+                    </a:p>
+                  </a:txBody>
+                  <a:tcPr/>
+                </a:tc>
+                <a:tc>
+                  <a:txBody>
+                    <a:bodyPr/>
+                    <a:lstStyle/>
+                    <a:p>
+                      <a:r>
+                        <a:rPr lang="en-US" sz="1400" dirty="0" smtClean="0"/>
+                        <a:t>calories</a:t>
+                      </a:r>
+                      <a:endParaRPr lang="en-US" sz="1400" dirty="0"/>
+                    </a:p>
+                  </a:txBody>
+                  <a:tcPr/>
+                </a:tc>
+              </a:tr>
+              <a:tr h="319562">
+                <a:tc>
+                  <a:txBody>
+                    <a:bodyPr/>
+                    <a:lstStyle/>
+                    <a:p>
+                      <a:r>
+                        <a:rPr lang="en-US" sz="1400" dirty="0" smtClean="0"/>
+                        <a:t>string</a:t>
+                      </a:r>
+                      <a:endParaRPr lang="en-US" sz="1400" dirty="0"/>
+                    </a:p>
+                  </a:txBody>
+                  <a:tcPr/>
+                </a:tc>
+                <a:tc>
+                  <a:txBody>
+                    <a:bodyPr/>
+                    <a:lstStyle/>
+                    <a:p>
+                      <a:r>
+                        <a:rPr lang="en-US" sz="1400" dirty="0" smtClean="0"/>
+                        <a:t>workout</a:t>
+                      </a:r>
+                      <a:endParaRPr lang="en-US" sz="1400" dirty="0"/>
+                    </a:p>
+                  </a:txBody>
+                  <a:tcPr/>
+                </a:tc>
+              </a:tr>
+              <a:tr h="319562">
+                <a:tc>
+                  <a:txBody>
+                    <a:bodyPr/>
+                    <a:lstStyle/>
+                    <a:p>
+                      <a:r>
+                        <a:rPr lang="en-US" sz="1400" dirty="0" smtClean="0"/>
+                        <a:t>integer</a:t>
+                      </a:r>
+                      <a:endParaRPr lang="en-US" sz="1400" dirty="0"/>
+                    </a:p>
+                  </a:txBody>
+                  <a:tcPr/>
+                </a:tc>
+                <a:tc>
+                  <a:txBody>
+                    <a:bodyPr/>
+                    <a:lstStyle/>
+                    <a:p>
+                      <a:r>
+                        <a:rPr lang="en-US" sz="1400" dirty="0" smtClean="0"/>
+                        <a:t>energy</a:t>
+                      </a:r>
+                      <a:endParaRPr lang="en-US" sz="1400" dirty="0"/>
+                    </a:p>
+                  </a:txBody>
+                  <a:tcPr/>
+                </a:tc>
+              </a:tr>
+              <a:tr h="319562">
+                <a:tc>
+                  <a:txBody>
+                    <a:bodyPr/>
+                    <a:lstStyle/>
+                    <a:p>
+                      <a:r>
+                        <a:rPr lang="en-US" sz="1400" dirty="0" smtClean="0"/>
+                        <a:t>integer</a:t>
+                      </a:r>
+                      <a:endParaRPr lang="en-US" sz="1400" dirty="0"/>
+                    </a:p>
+                  </a:txBody>
+                  <a:tcPr/>
+                </a:tc>
+                <a:tc>
+                  <a:txBody>
+                    <a:bodyPr/>
+                    <a:lstStyle/>
+                    <a:p>
+                      <a:r>
+                        <a:rPr lang="en-US" sz="1400" dirty="0" smtClean="0"/>
+                        <a:t>sleep</a:t>
+                      </a:r>
+                      <a:endParaRPr lang="en-US" sz="1400" dirty="0"/>
+                    </a:p>
+                  </a:txBody>
+                  <a:tcPr/>
+                </a:tc>
+              </a:tr>
+              <a:tr h="319562">
+                <a:tc>
+                  <a:txBody>
+                    <a:bodyPr/>
+                    <a:lstStyle/>
+                    <a:p>
+                      <a:r>
+                        <a:rPr lang="en-US" sz="1400" dirty="0" err="1" smtClean="0"/>
+                        <a:t>datetime</a:t>
+                      </a:r>
+                      <a:endParaRPr lang="en-US" sz="1400" dirty="0"/>
+                    </a:p>
+                  </a:txBody>
+                  <a:tcPr/>
+                </a:tc>
+                <a:tc>
+                  <a:txBody>
+                    <a:bodyPr/>
+                    <a:lstStyle/>
+                    <a:p>
+                      <a:r>
+                        <a:rPr lang="en-US" sz="1400" dirty="0" err="1" smtClean="0"/>
+                        <a:t>created_at</a:t>
+                      </a:r>
+                      <a:endParaRPr lang="en-US" sz="1400" dirty="0"/>
+                    </a:p>
+                  </a:txBody>
+                  <a:tcPr/>
+                </a:tc>
+              </a:tr>
+              <a:tr h="319562">
+                <a:tc>
+                  <a:txBody>
+                    <a:bodyPr/>
+                    <a:lstStyle/>
+                    <a:p>
+                      <a:r>
+                        <a:rPr lang="en-US" sz="1400" dirty="0" err="1" smtClean="0"/>
+                        <a:t>datetime</a:t>
+                      </a:r>
+                      <a:endParaRPr lang="en-US" sz="1400" dirty="0"/>
+                    </a:p>
+                  </a:txBody>
+                  <a:tcPr/>
+                </a:tc>
+                <a:tc>
+                  <a:txBody>
+                    <a:bodyPr/>
+                    <a:lstStyle/>
+                    <a:p>
+                      <a:r>
+                        <a:rPr lang="en-US" sz="1400" dirty="0" err="1" smtClean="0"/>
+                        <a:t>updated_at</a:t>
+                      </a:r>
+                      <a:endParaRPr lang="en-US" sz="1400" dirty="0"/>
+                    </a:p>
+                  </a:txBody>
+                  <a:tcPr/>
+                </a:tc>
+              </a:tr>
+              <a:tr h="319562">
+                <a:tc>
+                  <a:txBody>
+                    <a:bodyPr/>
+                    <a:lstStyle/>
+                    <a:p>
+                      <a:r>
+                        <a:rPr lang="en-US" sz="1400" dirty="0" smtClean="0"/>
+                        <a:t>float</a:t>
+                      </a:r>
+                      <a:endParaRPr lang="en-US" sz="1400" dirty="0"/>
+                    </a:p>
+                  </a:txBody>
+                  <a:tcPr/>
+                </a:tc>
+                <a:tc>
+                  <a:txBody>
+                    <a:bodyPr/>
+                    <a:lstStyle/>
+                    <a:p>
+                      <a:r>
+                        <a:rPr lang="en-US" sz="1400" dirty="0" smtClean="0"/>
+                        <a:t>chest</a:t>
+                      </a:r>
+                      <a:endParaRPr lang="en-US" sz="1400" dirty="0"/>
+                    </a:p>
+                  </a:txBody>
+                  <a:tcPr/>
+                </a:tc>
+              </a:tr>
+              <a:tr h="319562">
+                <a:tc>
+                  <a:txBody>
+                    <a:bodyPr/>
+                    <a:lstStyle/>
+                    <a:p>
+                      <a:r>
+                        <a:rPr lang="en-US" sz="1400" dirty="0" smtClean="0"/>
+                        <a:t>float</a:t>
+                      </a:r>
+                      <a:endParaRPr lang="en-US" sz="1400" dirty="0"/>
+                    </a:p>
+                  </a:txBody>
+                  <a:tcPr/>
+                </a:tc>
+                <a:tc>
+                  <a:txBody>
+                    <a:bodyPr/>
+                    <a:lstStyle/>
+                    <a:p>
+                      <a:r>
+                        <a:rPr lang="en-US" sz="1400" dirty="0" smtClean="0"/>
+                        <a:t>waist</a:t>
+                      </a:r>
+                      <a:endParaRPr lang="en-US" sz="1400" dirty="0"/>
+                    </a:p>
+                  </a:txBody>
+                  <a:tcPr/>
+                </a:tc>
+              </a:tr>
+              <a:tr h="319562">
+                <a:tc>
+                  <a:txBody>
+                    <a:bodyPr/>
+                    <a:lstStyle/>
+                    <a:p>
+                      <a:r>
+                        <a:rPr lang="en-US" sz="1400" dirty="0" smtClean="0"/>
+                        <a:t>float</a:t>
+                      </a:r>
+                      <a:endParaRPr lang="en-US" sz="1400" dirty="0"/>
+                    </a:p>
+                  </a:txBody>
+                  <a:tcPr/>
+                </a:tc>
+                <a:tc>
+                  <a:txBody>
+                    <a:bodyPr/>
+                    <a:lstStyle/>
+                    <a:p>
+                      <a:r>
+                        <a:rPr lang="en-US" sz="1400" dirty="0" smtClean="0"/>
+                        <a:t>bicep</a:t>
+                      </a:r>
+                      <a:endParaRPr lang="en-US" sz="1400" dirty="0"/>
+                    </a:p>
+                  </a:txBody>
+                  <a:tcPr/>
+                </a:tc>
+              </a:tr>
+              <a:tr h="319562">
+                <a:tc>
+                  <a:txBody>
+                    <a:bodyPr/>
+                    <a:lstStyle/>
+                    <a:p>
+                      <a:r>
+                        <a:rPr lang="en-US" sz="1400" dirty="0" smtClean="0"/>
+                        <a:t>float</a:t>
+                      </a:r>
+                      <a:endParaRPr lang="en-US" sz="1400" dirty="0"/>
+                    </a:p>
+                  </a:txBody>
+                  <a:tcPr/>
+                </a:tc>
+                <a:tc>
+                  <a:txBody>
+                    <a:bodyPr/>
+                    <a:lstStyle/>
+                    <a:p>
+                      <a:r>
+                        <a:rPr lang="en-US" sz="1400" dirty="0" smtClean="0"/>
+                        <a:t>thigh</a:t>
+                      </a:r>
+                      <a:endParaRPr lang="en-US" sz="1400" dirty="0"/>
+                    </a:p>
+                  </a:txBody>
+                  <a:tcPr/>
+                </a:tc>
+              </a:tr>
+              <a:tr h="319562">
+                <a:tc>
+                  <a:txBody>
+                    <a:bodyPr/>
+                    <a:lstStyle/>
+                    <a:p>
+                      <a:r>
+                        <a:rPr lang="en-US" sz="1400" dirty="0" smtClean="0"/>
+                        <a:t>float</a:t>
+                      </a:r>
+                      <a:endParaRPr lang="en-US" sz="1400" dirty="0"/>
+                    </a:p>
+                  </a:txBody>
+                  <a:tcPr/>
+                </a:tc>
+                <a:tc>
+                  <a:txBody>
+                    <a:bodyPr/>
+                    <a:lstStyle/>
+                    <a:p>
+                      <a:r>
+                        <a:rPr lang="en-US" sz="1400" dirty="0" smtClean="0"/>
+                        <a:t>calf</a:t>
+                      </a:r>
+                      <a:endParaRPr lang="en-US" sz="1400" dirty="0"/>
+                    </a:p>
+                  </a:txBody>
+                  <a:tcPr/>
+                </a:tc>
+              </a:tr>
+            </a:tbl>
+          </a:graphicData>
+        </a:graphic>
+      </p:graphicFrame>
+      <p:sp>
+        <p:nvSpPr>
+          <p:cNvPr id="5" name="TextBox 4"/>
+          <p:cNvSpPr txBox="1"/>
+          <p:nvPr/>
+        </p:nvSpPr>
+        <p:spPr>
+          <a:xfrm>
+            <a:off x="5624945" y="1815379"/>
+            <a:ext cx="750526" cy="369332"/>
+          </a:xfrm>
+          <a:prstGeom prst="rect">
+            <a:avLst/>
+          </a:prstGeom>
+          <a:noFill/>
+        </p:spPr>
+        <p:txBody>
+          <a:bodyPr wrap="none" rtlCol="0">
+            <a:spAutoFit/>
+          </a:bodyPr>
+          <a:lstStyle/>
+          <a:p>
+            <a:r>
+              <a:rPr lang="en-US" dirty="0" smtClean="0"/>
+              <a:t>Views</a:t>
+            </a:r>
+            <a:endParaRPr lang="en-US" dirty="0"/>
+          </a:p>
+        </p:txBody>
+      </p:sp>
+      <p:sp>
+        <p:nvSpPr>
+          <p:cNvPr id="6" name="TextBox 5"/>
+          <p:cNvSpPr txBox="1"/>
+          <p:nvPr/>
+        </p:nvSpPr>
+        <p:spPr>
+          <a:xfrm>
+            <a:off x="5624945" y="2452688"/>
+            <a:ext cx="1144865" cy="369332"/>
+          </a:xfrm>
+          <a:prstGeom prst="rect">
+            <a:avLst/>
+          </a:prstGeom>
+          <a:noFill/>
+        </p:spPr>
+        <p:txBody>
+          <a:bodyPr wrap="none" rtlCol="0">
+            <a:spAutoFit/>
+          </a:bodyPr>
+          <a:lstStyle/>
+          <a:p>
+            <a:r>
+              <a:rPr lang="en-US" dirty="0" smtClean="0"/>
+              <a:t>Controller</a:t>
+            </a:r>
+            <a:endParaRPr lang="en-US" dirty="0"/>
+          </a:p>
+        </p:txBody>
+      </p:sp>
+    </p:spTree>
+    <p:extLst>
+      <p:ext uri="{BB962C8B-B14F-4D97-AF65-F5344CB8AC3E}">
+        <p14:creationId xmlns:p14="http://schemas.microsoft.com/office/powerpoint/2010/main" val="1933665589"/>
+      </p:ext>
+    </p:extLst>
+  </p:cSld>
+  <p:clrMapOvr>
+    <a:masterClrMapping/>
+  </p:clrMapOvr>
+</p:sld>
+</file>
+
+<file path=ppt/slides/slide13.xml><?xml version="1.0" encoding="utf-8"?>
+<p:sld xmlns:a="http://schemas.openxmlformats.org/drawingml/2006/main" xmlns:r="http://schemas.openxmlformats.org/officeDocument/2006/relationships" xmlns:p="http://schemas.openxmlformats.org/presentationml/2006/main">
+  <p:cSld>
+    <p:spTree>
+      <p:nvGrpSpPr>
+        <p:cNvPr id="1" name=""/>
+        <p:cNvGrpSpPr/>
+        <p:nvPr/>
+      </p:nvGrpSpPr>
+      <p:grpSpPr>
+        <a:xfrm>
+          <a:off x="0" y="0"/>
+          <a:ext cx="0" cy="0"/>
+          <a:chOff x="0" y="0"/>
+          <a:chExt cx="0" cy="0"/>
+        </a:xfrm>
+      </p:grpSpPr>
+      <p:sp>
+        <p:nvSpPr>
+          <p:cNvPr id="6" name="Title 5"/>
+          <p:cNvSpPr>
+            <a:spLocks noGrp="1"/>
+          </p:cNvSpPr>
+          <p:nvPr>
+            <p:ph type="title"/>
+          </p:nvPr>
+        </p:nvSpPr>
+        <p:spPr/>
+        <p:txBody>
+          <a:bodyPr/>
+          <a:lstStyle/>
+          <a:p>
+            <a:r>
+              <a:rPr lang="en-US" dirty="0" smtClean="0"/>
+              <a:t>Day 2 – User Side &amp; Demo</a:t>
+            </a:r>
+            <a:endParaRPr lang="en-US" dirty="0"/>
+          </a:p>
+        </p:txBody>
+      </p:sp>
+      <p:sp>
+        <p:nvSpPr>
+          <p:cNvPr id="7" name="Content Placeholder 6"/>
+          <p:cNvSpPr>
+            <a:spLocks noGrp="1"/>
+          </p:cNvSpPr>
+          <p:nvPr>
+            <p:ph idx="1"/>
+          </p:nvPr>
+        </p:nvSpPr>
+        <p:spPr/>
+        <p:txBody>
+          <a:bodyPr/>
+          <a:lstStyle/>
+          <a:p>
+            <a:r>
+              <a:rPr lang="en-US" dirty="0"/>
+              <a:t>Client Side</a:t>
+            </a:r>
+          </a:p>
+          <a:p>
+            <a:pPr lvl="1"/>
+            <a:r>
+              <a:rPr lang="en-US" dirty="0"/>
+              <a:t>Sign Up/Login</a:t>
+            </a:r>
+          </a:p>
+          <a:p>
+            <a:pPr lvl="1"/>
+            <a:r>
+              <a:rPr lang="en-US" dirty="0"/>
+              <a:t>Goals</a:t>
+            </a:r>
+          </a:p>
+          <a:p>
+            <a:pPr lvl="1"/>
+            <a:r>
+              <a:rPr lang="en-US" dirty="0"/>
+              <a:t>Entries</a:t>
+            </a:r>
+          </a:p>
+          <a:p>
+            <a:pPr lvl="1"/>
+            <a:r>
+              <a:rPr lang="en-US" dirty="0"/>
+              <a:t>Progress</a:t>
+            </a:r>
+          </a:p>
+          <a:p>
+            <a:r>
+              <a:rPr lang="en-US" dirty="0"/>
+              <a:t>Demo</a:t>
+            </a:r>
+          </a:p>
+          <a:p>
+            <a:pPr marL="0" indent="0">
+              <a:buNone/>
+            </a:pPr>
+            <a:endParaRPr lang="en-US" dirty="0"/>
+          </a:p>
+        </p:txBody>
+      </p:sp>
+    </p:spTree>
+    <p:extLst>
+      <p:ext uri="{BB962C8B-B14F-4D97-AF65-F5344CB8AC3E}">
+        <p14:creationId xmlns:p14="http://schemas.microsoft.com/office/powerpoint/2010/main" val="1959523211"/>
+      </p:ext>
+    </p:extLst>
+  </p:cSld>
+  <p:clrMapOvr>
+    <a:masterClrMapping/>
+  </p:clrMapOvr>
+</p:sld>
+</file>
+
+<file path=ppt/slides/slide14.xml><?xml version="1.0" encoding="utf-8"?>
+<p:sld xmlns:a="http://schemas.openxmlformats.org/drawingml/2006/main" xmlns:r="http://schemas.openxmlformats.org/officeDocument/2006/relationships" xmlns:p="http://schemas.openxmlformats.org/presentationml/2006/main">
+  <p:cSld>
+    <p:spTree>
+      <p:nvGrpSpPr>
+        <p:cNvPr id="1" name=""/>
+        <p:cNvGrpSpPr/>
+        <p:nvPr/>
+      </p:nvGrpSpPr>
+      <p:grpSpPr>
+        <a:xfrm>
+          <a:off x="0" y="0"/>
+          <a:ext cx="0" cy="0"/>
+          <a:chOff x="0" y="0"/>
+          <a:chExt cx="0" cy="0"/>
+        </a:xfrm>
+      </p:grpSpPr>
+      <p:sp>
+        <p:nvSpPr>
+          <p:cNvPr id="2" name="Title 1"/>
+          <p:cNvSpPr>
+            <a:spLocks noGrp="1"/>
+          </p:cNvSpPr>
+          <p:nvPr>
+            <p:ph type="title"/>
+          </p:nvPr>
+        </p:nvSpPr>
+        <p:spPr/>
+        <p:txBody>
+          <a:bodyPr/>
+          <a:lstStyle/>
+          <a:p>
+            <a:r>
+              <a:rPr lang="en-US" dirty="0" smtClean="0"/>
+              <a:t>Signup/Login</a:t>
+            </a:r>
+            <a:endParaRPr lang="en-US" dirty="0"/>
+          </a:p>
+        </p:txBody>
+      </p:sp>
+      <p:sp>
+        <p:nvSpPr>
+          <p:cNvPr id="3" name="Content Placeholder 2"/>
+          <p:cNvSpPr>
+            <a:spLocks noGrp="1"/>
+          </p:cNvSpPr>
+          <p:nvPr>
+            <p:ph idx="1"/>
+          </p:nvPr>
+        </p:nvSpPr>
+        <p:spPr/>
+        <p:txBody>
+          <a:bodyPr/>
+          <a:lstStyle/>
+          <a:p>
+            <a:endParaRPr lang="en-US" dirty="0"/>
+          </a:p>
+        </p:txBody>
+      </p:sp>
+    </p:spTree>
+    <p:extLst>
+      <p:ext uri="{BB962C8B-B14F-4D97-AF65-F5344CB8AC3E}">
+        <p14:creationId xmlns:p14="http://schemas.microsoft.com/office/powerpoint/2010/main" val="216520187"/>
+      </p:ext>
+    </p:extLst>
+  </p:cSld>
+  <p:clrMapOvr>
+    <a:masterClrMapping/>
+  </p:clrMapOvr>
+</p:sld>
+</file>
+
+<file path=ppt/slides/slide15.xml><?xml version="1.0" encoding="utf-8"?>
+<p:sld xmlns:a="http://schemas.openxmlformats.org/drawingml/2006/main" xmlns:r="http://schemas.openxmlformats.org/officeDocument/2006/relationships" xmlns:p="http://schemas.openxmlformats.org/presentationml/2006/main">
+  <p:cSld>
+    <p:spTree>
+      <p:nvGrpSpPr>
+        <p:cNvPr id="1" name=""/>
+        <p:cNvGrpSpPr/>
+        <p:nvPr/>
+      </p:nvGrpSpPr>
+      <p:grpSpPr>
+        <a:xfrm>
+          <a:off x="0" y="0"/>
+          <a:ext cx="0" cy="0"/>
+          <a:chOff x="0" y="0"/>
+          <a:chExt cx="0" cy="0"/>
+        </a:xfrm>
+      </p:grpSpPr>
+      <p:sp>
+        <p:nvSpPr>
+          <p:cNvPr id="2" name="Title 1"/>
+          <p:cNvSpPr>
+            <a:spLocks noGrp="1"/>
+          </p:cNvSpPr>
+          <p:nvPr>
+            <p:ph type="title"/>
+          </p:nvPr>
+        </p:nvSpPr>
+        <p:spPr/>
+        <p:txBody>
+          <a:bodyPr/>
+          <a:lstStyle/>
+          <a:p>
+            <a:r>
+              <a:rPr lang="en-US" dirty="0" smtClean="0"/>
+              <a:t>Goals</a:t>
+            </a:r>
+            <a:endParaRPr lang="en-US" dirty="0"/>
+          </a:p>
+        </p:txBody>
+      </p:sp>
+      <p:sp>
+        <p:nvSpPr>
+          <p:cNvPr id="3" name="Content Placeholder 2"/>
+          <p:cNvSpPr>
+            <a:spLocks noGrp="1"/>
+          </p:cNvSpPr>
+          <p:nvPr>
+            <p:ph idx="1"/>
+          </p:nvPr>
+        </p:nvSpPr>
+        <p:spPr/>
+        <p:txBody>
+          <a:bodyPr/>
+          <a:lstStyle/>
+          <a:p>
+            <a:endParaRPr lang="en-US"/>
+          </a:p>
+        </p:txBody>
+      </p:sp>
+    </p:spTree>
+    <p:extLst>
+      <p:ext uri="{BB962C8B-B14F-4D97-AF65-F5344CB8AC3E}">
+        <p14:creationId xmlns:p14="http://schemas.microsoft.com/office/powerpoint/2010/main" val="312113819"/>
+      </p:ext>
+    </p:extLst>
+  </p:cSld>
+  <p:clrMapOvr>
+    <a:masterClrMapping/>
+  </p:clrMapOvr>
+</p:sld>
+</file>
+
+<file path=ppt/slides/slide16.xml><?xml version="1.0" encoding="utf-8"?>
+<p:sld xmlns:a="http://schemas.openxmlformats.org/drawingml/2006/main" xmlns:r="http://schemas.openxmlformats.org/officeDocument/2006/relationships" xmlns:p="http://schemas.openxmlformats.org/presentationml/2006/main">
+  <p:cSld>
+    <p:spTree>
+      <p:nvGrpSpPr>
+        <p:cNvPr id="1" name=""/>
+        <p:cNvGrpSpPr/>
+        <p:nvPr/>
+      </p:nvGrpSpPr>
+      <p:grpSpPr>
+        <a:xfrm>
+          <a:off x="0" y="0"/>
+          <a:ext cx="0" cy="0"/>
+          <a:chOff x="0" y="0"/>
+          <a:chExt cx="0" cy="0"/>
+        </a:xfrm>
+      </p:grpSpPr>
+      <p:sp>
+        <p:nvSpPr>
+          <p:cNvPr id="2" name="Title 1"/>
+          <p:cNvSpPr>
+            <a:spLocks noGrp="1"/>
+          </p:cNvSpPr>
+          <p:nvPr>
+            <p:ph type="title"/>
+          </p:nvPr>
+        </p:nvSpPr>
+        <p:spPr/>
+        <p:txBody>
+          <a:bodyPr/>
+          <a:lstStyle/>
+          <a:p>
+            <a:r>
+              <a:rPr lang="en-US" dirty="0" smtClean="0"/>
+              <a:t>Entries</a:t>
+            </a:r>
+            <a:endParaRPr lang="en-US" dirty="0"/>
+          </a:p>
+        </p:txBody>
+      </p:sp>
+      <p:sp>
+        <p:nvSpPr>
+          <p:cNvPr id="3" name="Content Placeholder 2"/>
+          <p:cNvSpPr>
+            <a:spLocks noGrp="1"/>
+          </p:cNvSpPr>
+          <p:nvPr>
+            <p:ph idx="1"/>
+          </p:nvPr>
+        </p:nvSpPr>
+        <p:spPr/>
+        <p:txBody>
+          <a:bodyPr/>
+          <a:lstStyle/>
+          <a:p>
+            <a:endParaRPr lang="en-US"/>
+          </a:p>
+        </p:txBody>
+      </p:sp>
+    </p:spTree>
+    <p:extLst>
+      <p:ext uri="{BB962C8B-B14F-4D97-AF65-F5344CB8AC3E}">
+        <p14:creationId xmlns:p14="http://schemas.microsoft.com/office/powerpoint/2010/main" val="1104864759"/>
+      </p:ext>
+    </p:extLst>
+  </p:cSld>
+  <p:clrMapOvr>
+    <a:masterClrMapping/>
+  </p:clrMapOvr>
+</p:sld>
+</file>
+
+<file path=ppt/slides/slide17.xml><?xml version="1.0" encoding="utf-8"?>
+<p:sld xmlns:a="http://schemas.openxmlformats.org/drawingml/2006/main" xmlns:r="http://schemas.openxmlformats.org/officeDocument/2006/relationships" xmlns:p="http://schemas.openxmlformats.org/presentationml/2006/main">
+  <p:cSld>
+    <p:spTree>
+      <p:nvGrpSpPr>
+        <p:cNvPr id="1" name=""/>
+        <p:cNvGrpSpPr/>
+        <p:nvPr/>
+      </p:nvGrpSpPr>
+      <p:grpSpPr>
+        <a:xfrm>
+          <a:off x="0" y="0"/>
+          <a:ext cx="0" cy="0"/>
+          <a:chOff x="0" y="0"/>
+          <a:chExt cx="0" cy="0"/>
+        </a:xfrm>
+      </p:grpSpPr>
+      <p:sp>
+        <p:nvSpPr>
+          <p:cNvPr id="2" name="Title 1"/>
+          <p:cNvSpPr>
+            <a:spLocks noGrp="1"/>
+          </p:cNvSpPr>
+          <p:nvPr>
+            <p:ph type="title"/>
+          </p:nvPr>
+        </p:nvSpPr>
+        <p:spPr/>
+        <p:txBody>
+          <a:bodyPr/>
+          <a:lstStyle/>
+          <a:p>
+            <a:r>
+              <a:rPr lang="en-US" dirty="0" smtClean="0"/>
+              <a:t>Progress</a:t>
+            </a:r>
+            <a:endParaRPr lang="en-US" dirty="0"/>
+          </a:p>
+        </p:txBody>
+      </p:sp>
+      <p:sp>
+        <p:nvSpPr>
+          <p:cNvPr id="3" name="Content Placeholder 2"/>
+          <p:cNvSpPr>
+            <a:spLocks noGrp="1"/>
+          </p:cNvSpPr>
+          <p:nvPr>
+            <p:ph idx="1"/>
+          </p:nvPr>
+        </p:nvSpPr>
+        <p:spPr/>
+        <p:txBody>
+          <a:bodyPr/>
+          <a:lstStyle/>
+          <a:p>
+            <a:endParaRPr lang="en-US"/>
+          </a:p>
+        </p:txBody>
+      </p:sp>
+    </p:spTree>
+    <p:extLst>
+      <p:ext uri="{BB962C8B-B14F-4D97-AF65-F5344CB8AC3E}">
+        <p14:creationId xmlns:p14="http://schemas.microsoft.com/office/powerpoint/2010/main" val="1100070192"/>
+      </p:ext>
+    </p:extLst>
+  </p:cSld>
+  <p:clrMapOvr>
+    <a:masterClrMapping/>
+  </p:clrMapOvr>
+</p:sld>
+</file>
+
+<file path=ppt/slides/slide18.xml><?xml version="1.0" encoding="utf-8"?>
+<p:sld xmlns:a="http://schemas.openxmlformats.org/drawingml/2006/main" xmlns:r="http://schemas.openxmlformats.org/officeDocument/2006/relationships" xmlns:p="http://schemas.openxmlformats.org/presentationml/2006/main">
+  <p:cSld>
+    <p:spTree>
+      <p:nvGrpSpPr>
+        <p:cNvPr id="1" name=""/>
+        <p:cNvGrpSpPr/>
+        <p:nvPr/>
+      </p:nvGrpSpPr>
+      <p:grpSpPr>
+        <a:xfrm>
+          <a:off x="0" y="0"/>
+          <a:ext cx="0" cy="0"/>
+          <a:chOff x="0" y="0"/>
+          <a:chExt cx="0" cy="0"/>
+        </a:xfrm>
+      </p:grpSpPr>
+      <p:sp>
+        <p:nvSpPr>
+          <p:cNvPr id="2" name="Title 1"/>
+          <p:cNvSpPr>
+            <a:spLocks noGrp="1"/>
+          </p:cNvSpPr>
+          <p:nvPr>
+            <p:ph type="title"/>
+          </p:nvPr>
+        </p:nvSpPr>
+        <p:spPr/>
+        <p:txBody>
+          <a:bodyPr/>
+          <a:lstStyle/>
+          <a:p>
+            <a:r>
+              <a:rPr lang="en-US" dirty="0" smtClean="0"/>
+              <a:t>Demo</a:t>
+            </a:r>
+            <a:endParaRPr lang="en-US" dirty="0"/>
+          </a:p>
+        </p:txBody>
+      </p:sp>
+    </p:spTree>
+    <p:extLst>
+      <p:ext uri="{BB962C8B-B14F-4D97-AF65-F5344CB8AC3E}">
+        <p14:creationId xmlns:p14="http://schemas.microsoft.com/office/powerpoint/2010/main" val="181446149"/>
+      </p:ext>
+    </p:extLst>
+  </p:cSld>
+  <p:clrMapOvr>
+    <a:masterClrMapping/>
+  </p:clrMapOvr>
+</p:sld>
+</file>
+
+<file path=ppt/slides/slide2.xml><?xml version="1.0" encoding="utf-8"?>
+<p:sld xmlns:a="http://schemas.openxmlformats.org/drawingml/2006/main" xmlns:r="http://schemas.openxmlformats.org/officeDocument/2006/relationships" xmlns:p="http://schemas.openxmlformats.org/presentationml/2006/main">
+  <p:cSld>
+    <p:spTree>
+      <p:nvGrpSpPr>
+        <p:cNvPr id="1" name=""/>
+        <p:cNvGrpSpPr/>
+        <p:nvPr/>
+      </p:nvGrpSpPr>
+      <p:grpSpPr>
+        <a:xfrm>
+          <a:off x="0" y="0"/>
+          <a:ext cx="0" cy="0"/>
+          <a:chOff x="0" y="0"/>
+          <a:chExt cx="0" cy="0"/>
+        </a:xfrm>
+      </p:grpSpPr>
+      <p:sp>
+        <p:nvSpPr>
+          <p:cNvPr id="4" name="Title 3"/>
+          <p:cNvSpPr>
+            <a:spLocks noGrp="1"/>
+          </p:cNvSpPr>
+          <p:nvPr>
+            <p:ph type="title"/>
+          </p:nvPr>
+        </p:nvSpPr>
+        <p:spPr/>
+        <p:txBody>
+          <a:bodyPr/>
+          <a:lstStyle/>
+          <a:p>
+            <a:r>
+              <a:rPr lang="en-US" dirty="0" smtClean="0"/>
+              <a:t>Introduction</a:t>
+            </a:r>
+            <a:endParaRPr lang="en-US" dirty="0"/>
+          </a:p>
+        </p:txBody>
+      </p:sp>
+      <p:sp>
+        <p:nvSpPr>
+          <p:cNvPr id="7" name="Content Placeholder 6"/>
+          <p:cNvSpPr>
+            <a:spLocks noGrp="1"/>
+          </p:cNvSpPr>
+          <p:nvPr>
+            <p:ph idx="1"/>
+          </p:nvPr>
+        </p:nvSpPr>
+        <p:spPr/>
+        <p:txBody>
+          <a:bodyPr>
+            <a:normAutofit/>
+          </a:bodyPr>
+          <a:lstStyle/>
+          <a:p>
+            <a:r>
+              <a:rPr lang="en-US" sz="4000" dirty="0" smtClean="0"/>
+              <a:t>Program Details</a:t>
+            </a:r>
+          </a:p>
+          <a:p>
+            <a:r>
+              <a:rPr lang="en-US" sz="4000" dirty="0" smtClean="0"/>
+              <a:t>Day 1 – Implementer Side</a:t>
+            </a:r>
+          </a:p>
+          <a:p>
+            <a:r>
+              <a:rPr lang="en-US" sz="4000" dirty="0" smtClean="0"/>
+              <a:t>Day 2 – Client Side &amp; Demo</a:t>
+            </a:r>
+            <a:endParaRPr lang="en-US" sz="4000" dirty="0"/>
+          </a:p>
+        </p:txBody>
+      </p:sp>
+    </p:spTree>
+    <p:extLst>
+      <p:ext uri="{BB962C8B-B14F-4D97-AF65-F5344CB8AC3E}">
+        <p14:creationId xmlns:p14="http://schemas.microsoft.com/office/powerpoint/2010/main" val="1495789145"/>
+      </p:ext>
+    </p:extLst>
+  </p:cSld>
+  <p:clrMapOvr>
+    <a:masterClrMapping/>
+  </p:clrMapOvr>
+</p:sld>
+</file>
+
+<file path=ppt/slides/slide3.xml><?xml version="1.0" encoding="utf-8"?>
+<p:sld xmlns:a="http://schemas.openxmlformats.org/drawingml/2006/main" xmlns:r="http://schemas.openxmlformats.org/officeDocument/2006/relationships" xmlns:p="http://schemas.openxmlformats.org/presentationml/2006/main">
+  <p:cSld>
+    <p:spTree>
+      <p:nvGrpSpPr>
+        <p:cNvPr id="1" name=""/>
+        <p:cNvGrpSpPr/>
+        <p:nvPr/>
+      </p:nvGrpSpPr>
+      <p:grpSpPr>
+        <a:xfrm>
+          <a:off x="0" y="0"/>
+          <a:ext cx="0" cy="0"/>
+          <a:chOff x="0" y="0"/>
+          <a:chExt cx="0" cy="0"/>
+        </a:xfrm>
+      </p:grpSpPr>
+      <p:sp>
+        <p:nvSpPr>
+          <p:cNvPr id="2" name="Title 1"/>
+          <p:cNvSpPr>
+            <a:spLocks noGrp="1"/>
+          </p:cNvSpPr>
+          <p:nvPr>
+            <p:ph type="title"/>
+          </p:nvPr>
+        </p:nvSpPr>
+        <p:spPr/>
+        <p:txBody>
+          <a:bodyPr>
+            <a:noAutofit/>
+          </a:bodyPr>
+          <a:lstStyle/>
+          <a:p>
+            <a:r>
+              <a:rPr lang="en-US" sz="4800" dirty="0" smtClean="0"/>
+              <a:t>Program Details</a:t>
+            </a:r>
+            <a:endParaRPr lang="en-US" sz="4800" dirty="0"/>
+          </a:p>
+        </p:txBody>
+      </p:sp>
+      <p:sp>
+        <p:nvSpPr>
+          <p:cNvPr id="3" name="Content Placeholder 2"/>
+          <p:cNvSpPr>
+            <a:spLocks noGrp="1"/>
+          </p:cNvSpPr>
+          <p:nvPr>
+            <p:ph idx="1"/>
+          </p:nvPr>
+        </p:nvSpPr>
+        <p:spPr/>
+        <p:txBody>
+          <a:bodyPr/>
+          <a:lstStyle/>
+          <a:p>
+            <a:pPr marL="0" indent="0">
+              <a:buNone/>
+            </a:pPr>
+            <a:endParaRPr lang="en-US" dirty="0"/>
+          </a:p>
+        </p:txBody>
+      </p:sp>
+    </p:spTree>
+    <p:extLst>
+      <p:ext uri="{BB962C8B-B14F-4D97-AF65-F5344CB8AC3E}">
+        <p14:creationId xmlns:p14="http://schemas.microsoft.com/office/powerpoint/2010/main" val="1485147723"/>
+      </p:ext>
+    </p:extLst>
+  </p:cSld>
+  <p:clrMapOvr>
+    <a:masterClrMapping/>
+  </p:clrMapOvr>
+</p:sld>
+</file>
+
+<file path=ppt/slides/slide4.xml><?xml version="1.0" encoding="utf-8"?>
+<p:sld xmlns:a="http://schemas.openxmlformats.org/drawingml/2006/main" xmlns:r="http://schemas.openxmlformats.org/officeDocument/2006/relationships" xmlns:p="http://schemas.openxmlformats.org/presentationml/2006/main">
+  <p:cSld>
+    <p:spTree>
+      <p:nvGrpSpPr>
+        <p:cNvPr id="1" name=""/>
+        <p:cNvGrpSpPr/>
+        <p:nvPr/>
+      </p:nvGrpSpPr>
+      <p:grpSpPr>
+        <a:xfrm>
+          <a:off x="0" y="0"/>
+          <a:ext cx="0" cy="0"/>
+          <a:chOff x="0" y="0"/>
+          <a:chExt cx="0" cy="0"/>
+        </a:xfrm>
+      </p:grpSpPr>
+      <p:sp>
+        <p:nvSpPr>
+          <p:cNvPr id="4" name="Title 3"/>
+          <p:cNvSpPr>
+            <a:spLocks noGrp="1"/>
+          </p:cNvSpPr>
+          <p:nvPr>
+            <p:ph type="title"/>
+          </p:nvPr>
+        </p:nvSpPr>
+        <p:spPr/>
+        <p:txBody>
+          <a:bodyPr/>
+          <a:lstStyle/>
+          <a:p>
+            <a:r>
+              <a:rPr lang="en-US" dirty="0" smtClean="0"/>
+              <a:t>Day 1 – Implementer Side</a:t>
+            </a:r>
+            <a:endParaRPr lang="en-US" dirty="0"/>
+          </a:p>
+        </p:txBody>
+      </p:sp>
+      <p:sp>
+        <p:nvSpPr>
+          <p:cNvPr id="5" name="Content Placeholder 4"/>
+          <p:cNvSpPr>
+            <a:spLocks noGrp="1"/>
+          </p:cNvSpPr>
+          <p:nvPr>
+            <p:ph idx="1"/>
+          </p:nvPr>
+        </p:nvSpPr>
+        <p:spPr>
+          <a:xfrm>
+            <a:off x="1120000" y="1825625"/>
+            <a:ext cx="10233800" cy="4588054"/>
+          </a:xfrm>
+        </p:spPr>
+        <p:txBody>
+          <a:bodyPr>
+            <a:noAutofit/>
+          </a:bodyPr>
+          <a:lstStyle/>
+          <a:p>
+            <a:r>
+              <a:rPr lang="en-US" sz="4000" dirty="0" smtClean="0"/>
+              <a:t>Technologies</a:t>
+            </a:r>
+            <a:endParaRPr lang="en-US" sz="4000" dirty="0"/>
+          </a:p>
+          <a:p>
+            <a:pPr lvl="1"/>
+            <a:r>
+              <a:rPr lang="en-US" sz="4000" dirty="0"/>
+              <a:t>Ruby on Rails</a:t>
+            </a:r>
+          </a:p>
+          <a:p>
+            <a:pPr lvl="1"/>
+            <a:r>
+              <a:rPr lang="en-US" sz="4000" dirty="0"/>
+              <a:t>Foundation</a:t>
+            </a:r>
+          </a:p>
+          <a:p>
+            <a:pPr lvl="1"/>
+            <a:r>
+              <a:rPr lang="en-US" sz="4000" dirty="0"/>
+              <a:t>Devise</a:t>
+            </a:r>
+          </a:p>
+          <a:p>
+            <a:pPr lvl="1"/>
+            <a:r>
+              <a:rPr lang="en-US" sz="4000" dirty="0" err="1"/>
+              <a:t>ChartKick</a:t>
+            </a:r>
+            <a:endParaRPr lang="en-US" sz="4000" dirty="0"/>
+          </a:p>
+          <a:p>
+            <a:pPr lvl="1"/>
+            <a:r>
+              <a:rPr lang="en-US" sz="4000" dirty="0" err="1"/>
+              <a:t>SimpleCalendar</a:t>
+            </a:r>
+            <a:endParaRPr lang="en-US" sz="4000" dirty="0"/>
+          </a:p>
+          <a:p>
+            <a:r>
+              <a:rPr lang="en-US" sz="4000" dirty="0" smtClean="0"/>
+              <a:t>Models</a:t>
+            </a:r>
+            <a:endParaRPr lang="en-US" sz="4000" dirty="0"/>
+          </a:p>
+        </p:txBody>
+      </p:sp>
+    </p:spTree>
+    <p:extLst>
+      <p:ext uri="{BB962C8B-B14F-4D97-AF65-F5344CB8AC3E}">
+        <p14:creationId xmlns:p14="http://schemas.microsoft.com/office/powerpoint/2010/main" val="663531385"/>
+      </p:ext>
+    </p:extLst>
+  </p:cSld>
+  <p:clrMapOvr>
+    <a:masterClrMapping/>
+  </p:clrMapOvr>
+</p:sld>
+</file>
+
+<file path=ppt/slides/slide5.xml><?xml version="1.0" encoding="utf-8"?>
+<p:sld xmlns:a="http://schemas.openxmlformats.org/drawingml/2006/main" xmlns:r="http://schemas.openxmlformats.org/officeDocument/2006/relationships" xmlns:p="http://schemas.openxmlformats.org/presentationml/2006/main">
+  <p:cSld>
+    <p:spTree>
+      <p:nvGrpSpPr>
+        <p:cNvPr id="1" name=""/>
+        <p:cNvGrpSpPr/>
+        <p:nvPr/>
+      </p:nvGrpSpPr>
+      <p:grpSpPr>
+        <a:xfrm>
+          <a:off x="0" y="0"/>
+          <a:ext cx="0" cy="0"/>
+          <a:chOff x="0" y="0"/>
+          <a:chExt cx="0" cy="0"/>
+        </a:xfrm>
+      </p:grpSpPr>
+      <p:sp>
+        <p:nvSpPr>
+          <p:cNvPr id="2" name="Title 1"/>
+          <p:cNvSpPr>
+            <a:spLocks noGrp="1"/>
+          </p:cNvSpPr>
+          <p:nvPr>
+            <p:ph type="title"/>
+          </p:nvPr>
+        </p:nvSpPr>
+        <p:spPr/>
+        <p:txBody>
+          <a:bodyPr/>
+          <a:lstStyle/>
+          <a:p>
+            <a:pPr algn="ctr"/>
+            <a:r>
+              <a:rPr lang="en-US" dirty="0" smtClean="0"/>
+              <a:t>Ruby on Rails &amp; Foundation</a:t>
+            </a:r>
+            <a:endParaRPr lang="en-US" dirty="0"/>
+          </a:p>
+        </p:txBody>
+      </p:sp>
+      <p:graphicFrame>
+        <p:nvGraphicFramePr>
+          <p:cNvPr id="6" name="Table 5"/>
+          <p:cNvGraphicFramePr>
+            <a:graphicFrameLocks noGrp="1"/>
+          </p:cNvGraphicFramePr>
+          <p:nvPr>
+            <p:extLst>
+              <p:ext uri="{D42A27DB-BD31-4B8C-83A1-F6EECF244321}">
+                <p14:modId xmlns:p14="http://schemas.microsoft.com/office/powerpoint/2010/main" val="1351556453"/>
+              </p:ext>
+            </p:extLst>
+          </p:nvPr>
+        </p:nvGraphicFramePr>
+        <p:xfrm>
+          <a:off x="2157132" y="1690688"/>
+          <a:ext cx="8128000" cy="1708617"/>
+        </p:xfrm>
+        <a:graphic>
+          <a:graphicData uri="http://schemas.openxmlformats.org/drawingml/2006/table">
+            <a:tbl>
+              <a:tblPr firstRow="1" bandRow="1">
+                <a:tableStyleId>{073A0DAA-6AF3-43AB-8588-CEC1D06C72B9}</a:tableStyleId>
+              </a:tblPr>
+              <a:tblGrid>
+                <a:gridCol w="8128000"/>
+              </a:tblGrid>
+              <a:tr h="1708617">
+                <a:tc>
+                  <a:txBody>
+                    <a:bodyPr/>
+                    <a:lstStyle/>
+                    <a:p>
+                      <a:r>
+                        <a:rPr lang="en-US" dirty="0" smtClean="0">
+                          <a:solidFill>
+                            <a:schemeClr val="accent4"/>
+                          </a:solidFill>
+                          <a:latin typeface="Monaco" charset="0"/>
+                          <a:ea typeface="Monaco" charset="0"/>
+                          <a:cs typeface="Monaco" charset="0"/>
+                        </a:rPr>
+                        <a:t>$ rails new </a:t>
+                      </a:r>
+                      <a:r>
+                        <a:rPr lang="en-US" dirty="0" err="1" smtClean="0">
+                          <a:solidFill>
+                            <a:schemeClr val="accent4"/>
+                          </a:solidFill>
+                          <a:latin typeface="Monaco" charset="0"/>
+                          <a:ea typeface="Monaco" charset="0"/>
+                          <a:cs typeface="Monaco" charset="0"/>
+                        </a:rPr>
+                        <a:t>fitness_tracker</a:t>
+                      </a:r>
+                      <a:endParaRPr lang="en-US" dirty="0" smtClean="0">
+                        <a:solidFill>
+                          <a:schemeClr val="accent4"/>
+                        </a:solidFill>
+                        <a:latin typeface="Monaco" charset="0"/>
+                        <a:ea typeface="Monaco" charset="0"/>
+                        <a:cs typeface="Monaco" charset="0"/>
+                      </a:endParaRPr>
+                    </a:p>
+                    <a:p>
+                      <a:r>
+                        <a:rPr lang="en-US" dirty="0" smtClean="0">
+                          <a:solidFill>
+                            <a:schemeClr val="accent4"/>
+                          </a:solidFill>
+                          <a:latin typeface="Monaco" charset="0"/>
+                          <a:ea typeface="Monaco" charset="0"/>
+                          <a:cs typeface="Monaco" charset="0"/>
+                        </a:rPr>
+                        <a:t>$</a:t>
+                      </a:r>
+                      <a:r>
+                        <a:rPr lang="en-US" baseline="0" dirty="0" smtClean="0">
+                          <a:solidFill>
+                            <a:schemeClr val="accent4"/>
+                          </a:solidFill>
+                          <a:latin typeface="Monaco" charset="0"/>
+                          <a:ea typeface="Monaco" charset="0"/>
+                          <a:cs typeface="Monaco" charset="0"/>
+                        </a:rPr>
+                        <a:t> cd </a:t>
+                      </a:r>
+                      <a:r>
+                        <a:rPr lang="en-US" baseline="0" dirty="0" err="1" smtClean="0">
+                          <a:solidFill>
+                            <a:schemeClr val="accent4"/>
+                          </a:solidFill>
+                          <a:latin typeface="Monaco" charset="0"/>
+                          <a:ea typeface="Monaco" charset="0"/>
+                          <a:cs typeface="Monaco" charset="0"/>
+                        </a:rPr>
+                        <a:t>fitness_tracker</a:t>
+                      </a:r>
+                      <a:endParaRPr lang="en-US" baseline="0" dirty="0" smtClean="0">
+                        <a:solidFill>
+                          <a:schemeClr val="accent4"/>
+                        </a:solidFill>
+                        <a:latin typeface="Monaco" charset="0"/>
+                        <a:ea typeface="Monaco" charset="0"/>
+                        <a:cs typeface="Monaco" charset="0"/>
+                      </a:endParaRPr>
+                    </a:p>
+                    <a:p>
+                      <a:r>
+                        <a:rPr lang="en-US" baseline="0" dirty="0" smtClean="0">
+                          <a:solidFill>
+                            <a:schemeClr val="accent4"/>
+                          </a:solidFill>
+                          <a:latin typeface="Monaco" charset="0"/>
+                          <a:ea typeface="Monaco" charset="0"/>
+                          <a:cs typeface="Monaco" charset="0"/>
+                        </a:rPr>
+                        <a:t>$ echo “gem ‘foundation-rails’ &gt;&gt; </a:t>
+                      </a:r>
+                      <a:r>
+                        <a:rPr lang="en-US" baseline="0" dirty="0" err="1" smtClean="0">
+                          <a:solidFill>
+                            <a:schemeClr val="accent4"/>
+                          </a:solidFill>
+                          <a:latin typeface="Monaco" charset="0"/>
+                          <a:ea typeface="Monaco" charset="0"/>
+                          <a:cs typeface="Monaco" charset="0"/>
+                        </a:rPr>
+                        <a:t>Gemfile</a:t>
+                      </a:r>
+                      <a:endParaRPr lang="en-US" baseline="0" dirty="0" smtClean="0">
+                        <a:solidFill>
+                          <a:schemeClr val="accent4"/>
+                        </a:solidFill>
+                        <a:latin typeface="Monaco" charset="0"/>
+                        <a:ea typeface="Monaco" charset="0"/>
+                        <a:cs typeface="Monaco" charset="0"/>
+                      </a:endParaRPr>
+                    </a:p>
+                    <a:p>
+                      <a:r>
+                        <a:rPr lang="en-US" baseline="0" dirty="0" smtClean="0">
+                          <a:solidFill>
+                            <a:schemeClr val="accent4"/>
+                          </a:solidFill>
+                          <a:latin typeface="Monaco" charset="0"/>
+                          <a:ea typeface="Monaco" charset="0"/>
+                          <a:cs typeface="Monaco" charset="0"/>
+                        </a:rPr>
+                        <a:t>$ bundle install</a:t>
+                      </a:r>
+                    </a:p>
+                    <a:p>
+                      <a:r>
+                        <a:rPr lang="en-US" baseline="0" dirty="0" smtClean="0">
+                          <a:solidFill>
+                            <a:schemeClr val="accent4"/>
+                          </a:solidFill>
+                          <a:latin typeface="Monaco" charset="0"/>
+                          <a:ea typeface="Monaco" charset="0"/>
+                          <a:cs typeface="Monaco" charset="0"/>
+                        </a:rPr>
+                        <a:t>$ rails g </a:t>
+                      </a:r>
+                      <a:r>
+                        <a:rPr lang="en-US" baseline="0" dirty="0" err="1" smtClean="0">
+                          <a:solidFill>
+                            <a:schemeClr val="accent4"/>
+                          </a:solidFill>
+                          <a:latin typeface="Monaco" charset="0"/>
+                          <a:ea typeface="Monaco" charset="0"/>
+                          <a:cs typeface="Monaco" charset="0"/>
+                        </a:rPr>
+                        <a:t>foundation:install</a:t>
+                      </a:r>
+                      <a:endParaRPr lang="en-US" dirty="0" smtClean="0">
+                        <a:solidFill>
+                          <a:schemeClr val="accent4"/>
+                        </a:solidFill>
+                        <a:latin typeface="Monaco" charset="0"/>
+                        <a:ea typeface="Monaco" charset="0"/>
+                        <a:cs typeface="Monaco" charset="0"/>
+                      </a:endParaRPr>
+                    </a:p>
+                  </a:txBody>
+                  <a:tcPr/>
+                </a:tc>
+              </a:tr>
+            </a:tbl>
+          </a:graphicData>
+        </a:graphic>
+      </p:graphicFrame>
+      <p:pic>
+        <p:nvPicPr>
+          <p:cNvPr id="7" name="Picture 6"/>
+          <p:cNvPicPr>
+            <a:picLocks noChangeAspect="1"/>
+          </p:cNvPicPr>
+          <p:nvPr/>
+        </p:nvPicPr>
+        <p:blipFill>
+          <a:blip r:embed="rId2">
+            <a:extLst>
+              <a:ext uri="{28A0092B-C50C-407E-A947-70E740481C1C}">
+                <a14:useLocalDpi xmlns:a14="http://schemas.microsoft.com/office/drawing/2010/main" val="0"/>
+              </a:ext>
+            </a:extLst>
+          </a:blip>
+          <a:stretch>
+            <a:fillRect/>
+          </a:stretch>
+        </p:blipFill>
+        <p:spPr>
+          <a:xfrm>
+            <a:off x="5163297" y="3909061"/>
+            <a:ext cx="1865405" cy="2414886"/>
+          </a:xfrm>
+          <a:prstGeom prst="rect">
+            <a:avLst/>
+          </a:prstGeom>
+        </p:spPr>
+      </p:pic>
+      <p:pic>
+        <p:nvPicPr>
+          <p:cNvPr id="8" name="Picture 7"/>
+          <p:cNvPicPr>
+            <a:picLocks noChangeAspect="1"/>
+          </p:cNvPicPr>
+          <p:nvPr/>
+        </p:nvPicPr>
+        <p:blipFill>
+          <a:blip r:embed="rId3">
+            <a:extLst>
+              <a:ext uri="{28A0092B-C50C-407E-A947-70E740481C1C}">
+                <a14:useLocalDpi xmlns:a14="http://schemas.microsoft.com/office/drawing/2010/main" val="0"/>
+              </a:ext>
+            </a:extLst>
+          </a:blip>
+          <a:stretch>
+            <a:fillRect/>
+          </a:stretch>
+        </p:blipFill>
+        <p:spPr>
+          <a:xfrm>
+            <a:off x="8473967" y="3909061"/>
+            <a:ext cx="1811165" cy="2414886"/>
+          </a:xfrm>
+          <a:prstGeom prst="rect">
+            <a:avLst/>
+          </a:prstGeom>
+        </p:spPr>
+      </p:pic>
+      <p:pic>
+        <p:nvPicPr>
+          <p:cNvPr id="9" name="Picture 8"/>
+          <p:cNvPicPr>
+            <a:picLocks noChangeAspect="1"/>
+          </p:cNvPicPr>
+          <p:nvPr/>
+        </p:nvPicPr>
+        <p:blipFill>
+          <a:blip r:embed="rId4">
+            <a:extLst>
+              <a:ext uri="{28A0092B-C50C-407E-A947-70E740481C1C}">
+                <a14:useLocalDpi xmlns:a14="http://schemas.microsoft.com/office/drawing/2010/main" val="0"/>
+              </a:ext>
+            </a:extLst>
+          </a:blip>
+          <a:stretch>
+            <a:fillRect/>
+          </a:stretch>
+        </p:blipFill>
+        <p:spPr>
+          <a:xfrm>
+            <a:off x="2157132" y="4426804"/>
+            <a:ext cx="1814981" cy="1576516"/>
+          </a:xfrm>
+          <a:prstGeom prst="rect">
+            <a:avLst/>
+          </a:prstGeom>
+        </p:spPr>
+      </p:pic>
+    </p:spTree>
+    <p:extLst>
+      <p:ext uri="{BB962C8B-B14F-4D97-AF65-F5344CB8AC3E}">
+        <p14:creationId xmlns:p14="http://schemas.microsoft.com/office/powerpoint/2010/main" val="1515712989"/>
+      </p:ext>
+    </p:extLst>
+  </p:cSld>
+  <p:clrMapOvr>
+    <a:masterClrMapping/>
+  </p:clrMapOvr>
+</p:sld>
+</file>
+
+<file path=ppt/slides/slide6.xml><?xml version="1.0" encoding="utf-8"?>
+<p:sld xmlns:a="http://schemas.openxmlformats.org/drawingml/2006/main" xmlns:r="http://schemas.openxmlformats.org/officeDocument/2006/relationships" xmlns:p="http://schemas.openxmlformats.org/presentationml/2006/main">
+  <p:cSld>
+    <p:spTree>
+      <p:nvGrpSpPr>
+        <p:cNvPr id="1" name=""/>
+        <p:cNvGrpSpPr/>
+        <p:nvPr/>
+      </p:nvGrpSpPr>
+      <p:grpSpPr>
+        <a:xfrm>
+          <a:off x="0" y="0"/>
+          <a:ext cx="0" cy="0"/>
+          <a:chOff x="0" y="0"/>
+          <a:chExt cx="0" cy="0"/>
+        </a:xfrm>
+      </p:grpSpPr>
+      <p:sp>
+        <p:nvSpPr>
+          <p:cNvPr id="2" name="Title 1"/>
+          <p:cNvSpPr>
+            <a:spLocks noGrp="1"/>
+          </p:cNvSpPr>
+          <p:nvPr>
+            <p:ph type="title"/>
+          </p:nvPr>
+        </p:nvSpPr>
+        <p:spPr/>
+        <p:txBody>
+          <a:bodyPr/>
+          <a:lstStyle/>
+          <a:p>
+            <a:r>
+              <a:rPr lang="en-US" dirty="0" smtClean="0"/>
+              <a:t>Devise</a:t>
+            </a:r>
+            <a:endParaRPr lang="en-US" dirty="0"/>
+          </a:p>
+        </p:txBody>
+      </p:sp>
+      <p:sp>
+        <p:nvSpPr>
+          <p:cNvPr id="3" name="Content Placeholder 2"/>
+          <p:cNvSpPr>
+            <a:spLocks noGrp="1"/>
+          </p:cNvSpPr>
+          <p:nvPr>
+            <p:ph idx="1"/>
+          </p:nvPr>
+        </p:nvSpPr>
+        <p:spPr>
+          <a:xfrm>
+            <a:off x="1120000" y="1825624"/>
+            <a:ext cx="10233800" cy="4665327"/>
+          </a:xfrm>
+        </p:spPr>
+        <p:txBody>
+          <a:bodyPr/>
+          <a:lstStyle/>
+          <a:p>
+            <a:pPr marL="0" indent="0">
+              <a:buNone/>
+            </a:pPr>
+            <a:r>
+              <a:rPr lang="en-US" dirty="0" smtClean="0"/>
+              <a:t>Flexible authentication solution for Rails</a:t>
+            </a:r>
+          </a:p>
+          <a:p>
+            <a:pPr marL="0" indent="0">
+              <a:buNone/>
+            </a:pPr>
+            <a:endParaRPr lang="en-US" dirty="0"/>
+          </a:p>
+          <a:p>
+            <a:pPr marL="0" indent="0">
+              <a:buNone/>
+            </a:pPr>
+            <a:endParaRPr lang="en-US" dirty="0" smtClean="0"/>
+          </a:p>
+          <a:p>
+            <a:pPr marL="0" indent="0">
+              <a:buNone/>
+            </a:pPr>
+            <a:endParaRPr lang="en-US" dirty="0"/>
+          </a:p>
+          <a:p>
+            <a:pPr marL="0" indent="0">
+              <a:buNone/>
+            </a:pPr>
+            <a:endParaRPr lang="en-US" dirty="0" smtClean="0"/>
+          </a:p>
+          <a:p>
+            <a:r>
+              <a:rPr lang="en-US" dirty="0" smtClean="0"/>
+              <a:t>/users/</a:t>
+            </a:r>
+            <a:r>
+              <a:rPr lang="en-US" dirty="0" err="1" smtClean="0"/>
+              <a:t>sign_up</a:t>
+            </a:r>
+            <a:endParaRPr lang="en-US" dirty="0"/>
+          </a:p>
+          <a:p>
+            <a:r>
+              <a:rPr lang="en-US" dirty="0" smtClean="0"/>
+              <a:t>/users/</a:t>
+            </a:r>
+            <a:r>
+              <a:rPr lang="en-US" dirty="0" err="1" smtClean="0"/>
+              <a:t>sign_in</a:t>
+            </a:r>
+            <a:endParaRPr lang="en-US" dirty="0" smtClean="0"/>
+          </a:p>
+          <a:p>
+            <a:r>
+              <a:rPr lang="en-US" dirty="0" smtClean="0"/>
+              <a:t>Sessions</a:t>
+            </a:r>
+          </a:p>
+          <a:p>
+            <a:r>
+              <a:rPr lang="en-US" dirty="0" smtClean="0"/>
+              <a:t>Password encryption</a:t>
+            </a:r>
+          </a:p>
+          <a:p>
+            <a:endParaRPr lang="en-US" dirty="0" smtClean="0"/>
+          </a:p>
+          <a:p>
+            <a:pPr marL="0" indent="0">
+              <a:buNone/>
+            </a:pPr>
+            <a:endParaRPr lang="en-US" dirty="0"/>
+          </a:p>
+          <a:p>
+            <a:pPr marL="0" indent="0">
+              <a:buNone/>
+            </a:pPr>
+            <a:endParaRPr lang="en-US" dirty="0"/>
+          </a:p>
+        </p:txBody>
+      </p:sp>
+      <p:graphicFrame>
+        <p:nvGraphicFramePr>
+          <p:cNvPr id="4" name="Table 3"/>
+          <p:cNvGraphicFramePr>
+            <a:graphicFrameLocks noGrp="1"/>
+          </p:cNvGraphicFramePr>
+          <p:nvPr>
+            <p:extLst>
+              <p:ext uri="{D42A27DB-BD31-4B8C-83A1-F6EECF244321}">
+                <p14:modId xmlns:p14="http://schemas.microsoft.com/office/powerpoint/2010/main" val="804979882"/>
+              </p:ext>
+            </p:extLst>
+          </p:nvPr>
+        </p:nvGraphicFramePr>
+        <p:xfrm>
+          <a:off x="1120000" y="2384613"/>
+          <a:ext cx="8128000" cy="1864658"/>
+        </p:xfrm>
+        <a:graphic>
+          <a:graphicData uri="http://schemas.openxmlformats.org/drawingml/2006/table">
+            <a:tbl>
+              <a:tblPr firstRow="1" bandRow="1">
+                <a:tableStyleId>{073A0DAA-6AF3-43AB-8588-CEC1D06C72B9}</a:tableStyleId>
+              </a:tblPr>
+              <a:tblGrid>
+                <a:gridCol w="8128000"/>
+              </a:tblGrid>
+              <a:tr h="1864658">
+                <a:tc>
+                  <a:txBody>
+                    <a:bodyPr/>
+                    <a:lstStyle/>
+                    <a:p>
+                      <a:r>
+                        <a:rPr lang="en-US" dirty="0" smtClean="0">
+                          <a:solidFill>
+                            <a:schemeClr val="accent4"/>
+                          </a:solidFill>
+                          <a:latin typeface="Monaco" charset="0"/>
+                          <a:ea typeface="Monaco" charset="0"/>
+                          <a:cs typeface="Monaco" charset="0"/>
+                        </a:rPr>
+                        <a:t>$ gem </a:t>
+                      </a:r>
+                      <a:r>
+                        <a:rPr lang="en-US" sz="1800" b="1" kern="1200" dirty="0" smtClean="0">
+                          <a:solidFill>
+                            <a:schemeClr val="accent4"/>
+                          </a:solidFill>
+                          <a:effectLst/>
+                          <a:latin typeface="Monaco" charset="0"/>
+                          <a:ea typeface="Monaco" charset="0"/>
+                          <a:cs typeface="Monaco" charset="0"/>
+                        </a:rPr>
+                        <a:t>'devise’</a:t>
+                      </a:r>
+                    </a:p>
+                    <a:p>
+                      <a:r>
+                        <a:rPr lang="en-US" sz="1800" b="1" kern="1200" dirty="0" smtClean="0">
+                          <a:solidFill>
+                            <a:schemeClr val="accent4"/>
+                          </a:solidFill>
+                          <a:effectLst/>
+                          <a:latin typeface="Monaco" charset="0"/>
+                          <a:ea typeface="Monaco" charset="0"/>
+                          <a:cs typeface="Monaco" charset="0"/>
+                        </a:rPr>
+                        <a:t>$ bundle</a:t>
+                      </a:r>
+                      <a:r>
+                        <a:rPr lang="en-US" sz="1800" b="1" kern="1200" baseline="0" dirty="0" smtClean="0">
+                          <a:solidFill>
+                            <a:schemeClr val="accent4"/>
+                          </a:solidFill>
+                          <a:effectLst/>
+                          <a:latin typeface="Monaco" charset="0"/>
+                          <a:ea typeface="Monaco" charset="0"/>
+                          <a:cs typeface="Monaco" charset="0"/>
+                        </a:rPr>
+                        <a:t> install</a:t>
+                      </a:r>
+                      <a:endParaRPr lang="en-US" dirty="0" smtClean="0">
+                        <a:solidFill>
+                          <a:schemeClr val="accent4"/>
+                        </a:solidFill>
+                        <a:latin typeface="Monaco" charset="0"/>
+                        <a:ea typeface="Monaco" charset="0"/>
+                        <a:cs typeface="Monaco" charset="0"/>
+                      </a:endParaRPr>
+                    </a:p>
+                    <a:p>
+                      <a:r>
+                        <a:rPr lang="en-US" dirty="0" smtClean="0">
+                          <a:solidFill>
+                            <a:schemeClr val="accent4"/>
+                          </a:solidFill>
+                          <a:latin typeface="Monaco" charset="0"/>
+                          <a:ea typeface="Monaco" charset="0"/>
+                          <a:cs typeface="Monaco" charset="0"/>
+                        </a:rPr>
+                        <a:t>$ rails g </a:t>
+                      </a:r>
+                      <a:r>
+                        <a:rPr lang="en-US" dirty="0" err="1" smtClean="0">
+                          <a:solidFill>
+                            <a:schemeClr val="accent4"/>
+                          </a:solidFill>
+                          <a:latin typeface="Monaco" charset="0"/>
+                          <a:ea typeface="Monaco" charset="0"/>
+                          <a:cs typeface="Monaco" charset="0"/>
+                        </a:rPr>
+                        <a:t>devise:install</a:t>
+                      </a:r>
+                      <a:endParaRPr lang="en-US" dirty="0" smtClean="0">
+                        <a:solidFill>
+                          <a:schemeClr val="accent4"/>
+                        </a:solidFill>
+                        <a:latin typeface="Monaco" charset="0"/>
+                        <a:ea typeface="Monaco" charset="0"/>
+                        <a:cs typeface="Monaco" charset="0"/>
+                      </a:endParaRPr>
+                    </a:p>
+                    <a:p>
+                      <a:r>
+                        <a:rPr lang="en-US" dirty="0" smtClean="0">
+                          <a:solidFill>
+                            <a:schemeClr val="accent4"/>
+                          </a:solidFill>
+                          <a:latin typeface="Monaco" charset="0"/>
+                          <a:ea typeface="Monaco" charset="0"/>
+                          <a:cs typeface="Monaco" charset="0"/>
+                        </a:rPr>
+                        <a:t>$ rails g devise user</a:t>
+                      </a:r>
+                    </a:p>
+                    <a:p>
+                      <a:r>
+                        <a:rPr lang="en-US" dirty="0" smtClean="0">
+                          <a:solidFill>
+                            <a:schemeClr val="accent4"/>
+                          </a:solidFill>
+                          <a:latin typeface="Monaco" charset="0"/>
+                          <a:ea typeface="Monaco" charset="0"/>
+                          <a:cs typeface="Monaco" charset="0"/>
+                        </a:rPr>
+                        <a:t>$ rake </a:t>
+                      </a:r>
+                      <a:r>
+                        <a:rPr lang="en-US" dirty="0" err="1" smtClean="0">
+                          <a:solidFill>
+                            <a:schemeClr val="accent4"/>
+                          </a:solidFill>
+                          <a:latin typeface="Monaco" charset="0"/>
+                          <a:ea typeface="Monaco" charset="0"/>
+                          <a:cs typeface="Monaco" charset="0"/>
+                        </a:rPr>
+                        <a:t>db:migrate</a:t>
+                      </a:r>
+                      <a:endParaRPr lang="en-US" dirty="0" smtClean="0">
+                        <a:solidFill>
+                          <a:schemeClr val="accent4"/>
+                        </a:solidFill>
+                        <a:latin typeface="Monaco" charset="0"/>
+                        <a:ea typeface="Monaco" charset="0"/>
+                        <a:cs typeface="Monaco" charset="0"/>
+                      </a:endParaRPr>
+                    </a:p>
+                    <a:p>
+                      <a:r>
+                        <a:rPr lang="en-US" dirty="0" smtClean="0">
+                          <a:solidFill>
+                            <a:schemeClr val="accent4"/>
+                          </a:solidFill>
+                          <a:latin typeface="Monaco" charset="0"/>
+                          <a:ea typeface="Monaco" charset="0"/>
+                          <a:cs typeface="Monaco" charset="0"/>
+                        </a:rPr>
+                        <a:t>$</a:t>
+                      </a:r>
+                      <a:r>
+                        <a:rPr lang="en-US" baseline="0" dirty="0" smtClean="0">
+                          <a:solidFill>
+                            <a:schemeClr val="accent4"/>
+                          </a:solidFill>
+                          <a:latin typeface="Monaco" charset="0"/>
+                          <a:ea typeface="Monaco" charset="0"/>
+                          <a:cs typeface="Monaco" charset="0"/>
+                        </a:rPr>
+                        <a:t> rails g </a:t>
+                      </a:r>
+                      <a:r>
+                        <a:rPr lang="en-US" baseline="0" dirty="0" err="1" smtClean="0">
+                          <a:solidFill>
+                            <a:schemeClr val="accent4"/>
+                          </a:solidFill>
+                          <a:latin typeface="Monaco" charset="0"/>
+                          <a:ea typeface="Monaco" charset="0"/>
+                          <a:cs typeface="Monaco" charset="0"/>
+                        </a:rPr>
+                        <a:t>devise:views</a:t>
+                      </a:r>
+                      <a:endParaRPr lang="en-US" dirty="0">
+                        <a:solidFill>
+                          <a:schemeClr val="accent4"/>
+                        </a:solidFill>
+                        <a:latin typeface="Monaco" charset="0"/>
+                        <a:ea typeface="Monaco" charset="0"/>
+                        <a:cs typeface="Monaco" charset="0"/>
+                      </a:endParaRPr>
+                    </a:p>
+                  </a:txBody>
+                  <a:tcPr/>
+                </a:tc>
+              </a:tr>
+            </a:tbl>
+          </a:graphicData>
+        </a:graphic>
+      </p:graphicFrame>
+    </p:spTree>
+    <p:extLst>
+      <p:ext uri="{BB962C8B-B14F-4D97-AF65-F5344CB8AC3E}">
+        <p14:creationId xmlns:p14="http://schemas.microsoft.com/office/powerpoint/2010/main" val="1634398721"/>
+      </p:ext>
+    </p:extLst>
+  </p:cSld>
+  <p:clrMapOvr>
+    <a:masterClrMapping/>
+  </p:clrMapOvr>
+</p:sld>
+</file>
+
+<file path=ppt/slides/slide7.xml><?xml version="1.0" encoding="utf-8"?>
+<p:sld xmlns:a="http://schemas.openxmlformats.org/drawingml/2006/main" xmlns:r="http://schemas.openxmlformats.org/officeDocument/2006/relationships" xmlns:p="http://schemas.openxmlformats.org/presentationml/2006/main">
+  <p:cSld>
+    <p:spTree>
+      <p:nvGrpSpPr>
+        <p:cNvPr id="1" name=""/>
+        <p:cNvGrpSpPr/>
+        <p:nvPr/>
+      </p:nvGrpSpPr>
+      <p:grpSpPr>
+        <a:xfrm>
+          <a:off x="0" y="0"/>
+          <a:ext cx="0" cy="0"/>
+          <a:chOff x="0" y="0"/>
+          <a:chExt cx="0" cy="0"/>
+        </a:xfrm>
+      </p:grpSpPr>
+      <p:sp>
+        <p:nvSpPr>
+          <p:cNvPr id="2" name="Title 1"/>
+          <p:cNvSpPr>
+            <a:spLocks noGrp="1"/>
+          </p:cNvSpPr>
+          <p:nvPr>
+            <p:ph type="title"/>
+          </p:nvPr>
+        </p:nvSpPr>
+        <p:spPr/>
+        <p:txBody>
+          <a:bodyPr/>
+          <a:lstStyle/>
+          <a:p>
+            <a:r>
+              <a:rPr lang="en-US" dirty="0" err="1" smtClean="0"/>
+              <a:t>ChartKick</a:t>
+            </a:r>
+            <a:endParaRPr lang="en-US" dirty="0"/>
+          </a:p>
+        </p:txBody>
+      </p:sp>
+      <p:sp>
+        <p:nvSpPr>
+          <p:cNvPr id="3" name="Content Placeholder 2"/>
+          <p:cNvSpPr>
+            <a:spLocks noGrp="1"/>
+          </p:cNvSpPr>
+          <p:nvPr>
+            <p:ph idx="1"/>
+          </p:nvPr>
+        </p:nvSpPr>
+        <p:spPr/>
+        <p:txBody>
+          <a:bodyPr/>
+          <a:lstStyle/>
+          <a:p>
+            <a:endParaRPr lang="en-US"/>
+          </a:p>
+        </p:txBody>
+      </p:sp>
+    </p:spTree>
+    <p:extLst>
+      <p:ext uri="{BB962C8B-B14F-4D97-AF65-F5344CB8AC3E}">
+        <p14:creationId xmlns:p14="http://schemas.microsoft.com/office/powerpoint/2010/main" val="2107986310"/>
+      </p:ext>
+    </p:extLst>
+  </p:cSld>
+  <p:clrMapOvr>
+    <a:masterClrMapping/>
+  </p:clrMapOvr>
+</p:sld>
+</file>
+
+<file path=ppt/slides/slide8.xml><?xml version="1.0" encoding="utf-8"?>
+<p:sld xmlns:a="http://schemas.openxmlformats.org/drawingml/2006/main" xmlns:r="http://schemas.openxmlformats.org/officeDocument/2006/relationships" xmlns:p="http://schemas.openxmlformats.org/presentationml/2006/main">
+  <p:cSld>
+    <p:spTree>
+      <p:nvGrpSpPr>
+        <p:cNvPr id="1" name=""/>
+        <p:cNvGrpSpPr/>
+        <p:nvPr/>
+      </p:nvGrpSpPr>
+      <p:grpSpPr>
+        <a:xfrm>
+          <a:off x="0" y="0"/>
+          <a:ext cx="0" cy="0"/>
+          <a:chOff x="0" y="0"/>
+          <a:chExt cx="0" cy="0"/>
+        </a:xfrm>
+      </p:grpSpPr>
+      <p:sp>
+        <p:nvSpPr>
+          <p:cNvPr id="2" name="Title 1"/>
+          <p:cNvSpPr>
+            <a:spLocks noGrp="1"/>
+          </p:cNvSpPr>
+          <p:nvPr>
+            <p:ph type="title"/>
+          </p:nvPr>
+        </p:nvSpPr>
+        <p:spPr/>
+        <p:txBody>
+          <a:bodyPr/>
+          <a:lstStyle/>
+          <a:p>
+            <a:r>
+              <a:rPr lang="en-US" dirty="0" err="1" smtClean="0"/>
+              <a:t>SimpleCalendar</a:t>
+            </a:r>
+            <a:endParaRPr lang="en-US" dirty="0"/>
+          </a:p>
+        </p:txBody>
+      </p:sp>
+      <p:sp>
+        <p:nvSpPr>
+          <p:cNvPr id="3" name="Content Placeholder 2"/>
+          <p:cNvSpPr>
+            <a:spLocks noGrp="1"/>
+          </p:cNvSpPr>
+          <p:nvPr>
+            <p:ph idx="1"/>
+          </p:nvPr>
+        </p:nvSpPr>
+        <p:spPr/>
+        <p:txBody>
+          <a:bodyPr/>
+          <a:lstStyle/>
+          <a:p>
+            <a:endParaRPr lang="en-US"/>
+          </a:p>
+        </p:txBody>
+      </p:sp>
+    </p:spTree>
+    <p:extLst>
+      <p:ext uri="{BB962C8B-B14F-4D97-AF65-F5344CB8AC3E}">
+        <p14:creationId xmlns:p14="http://schemas.microsoft.com/office/powerpoint/2010/main" val="1480213789"/>
+      </p:ext>
+    </p:extLst>
+  </p:cSld>
+  <p:clrMapOvr>
+    <a:masterClrMapping/>
+  </p:clrMapOvr>
+</p:sld>
+</file>
+
+<file path=ppt/slides/slide9.xml><?xml version="1.0" encoding="utf-8"?>
+<p:sld xmlns:a="http://schemas.openxmlformats.org/drawingml/2006/main" xmlns:r="http://schemas.openxmlformats.org/officeDocument/2006/relationships" xmlns:p="http://schemas.openxmlformats.org/presentationml/2006/main">
+  <p:cSld>
+    <p:spTree>
+      <p:nvGrpSpPr>
+        <p:cNvPr id="1" name=""/>
+        <p:cNvGrpSpPr/>
+        <p:nvPr/>
+      </p:nvGrpSpPr>
+      <p:grpSpPr>
+        <a:xfrm>
+          <a:off x="0" y="0"/>
+          <a:ext cx="0" cy="0"/>
+          <a:chOff x="0" y="0"/>
+          <a:chExt cx="0" cy="0"/>
+        </a:xfrm>
+      </p:grpSpPr>
+      <p:sp>
+        <p:nvSpPr>
+          <p:cNvPr id="2" name="Title 1"/>
+          <p:cNvSpPr>
+            <a:spLocks noGrp="1"/>
+          </p:cNvSpPr>
+          <p:nvPr>
+            <p:ph type="title"/>
+          </p:nvPr>
+        </p:nvSpPr>
+        <p:spPr/>
+        <p:txBody>
+          <a:bodyPr/>
+          <a:lstStyle/>
+          <a:p>
+            <a:r>
+              <a:rPr lang="en-US" dirty="0" smtClean="0"/>
+              <a:t>Architecture</a:t>
+            </a:r>
+            <a:endParaRPr lang="en-US" dirty="0"/>
+          </a:p>
+        </p:txBody>
+      </p:sp>
+      <p:graphicFrame>
+        <p:nvGraphicFramePr>
+          <p:cNvPr id="7" name="Diagram 6"/>
+          <p:cNvGraphicFramePr/>
+          <p:nvPr>
+            <p:extLst>
+              <p:ext uri="{D42A27DB-BD31-4B8C-83A1-F6EECF244321}">
+                <p14:modId xmlns:p14="http://schemas.microsoft.com/office/powerpoint/2010/main" val="69982817"/>
+              </p:ext>
+            </p:extLst>
+          </p:nvPr>
+        </p:nvGraphicFramePr>
+        <p:xfrm>
+          <a:off x="2150918" y="1413164"/>
+          <a:ext cx="7890163" cy="5167746"/>
+        </p:xfrm>
+        <a:graphic>
+          <a:graphicData uri="http://schemas.openxmlformats.org/drawingml/2006/diagram">
+            <dgm:relIds xmlns:dgm="http://schemas.openxmlformats.org/drawingml/2006/diagram" xmlns:r="http://schemas.openxmlformats.org/officeDocument/2006/relationships" r:dm="rId2" r:lo="rId3" r:qs="rId4" r:cs="rId5"/>
+          </a:graphicData>
+        </a:graphic>
+      </p:graphicFrame>
+    </p:spTree>
+    <p:extLst>
+      <p:ext uri="{BB962C8B-B14F-4D97-AF65-F5344CB8AC3E}">
+        <p14:creationId xmlns:p14="http://schemas.microsoft.com/office/powerpoint/2010/main" val="769983254"/>
       </p:ext>
     </p:extLst>
   </p:cSld>

--- a/Presentation.pptx
+++ b/Presentation.pptx
@@ -4,6 +4,9 @@
   <p:sldMasterIdLst>
     <p:sldMasterId id="2147483648" r:id="rId1"/>
   </p:sldMasterIdLst>
+  <p:notesMasterIdLst>
+    <p:notesMasterId r:id="rId20"/>
+  </p:notesMasterIdLst>
   <p:sldIdLst>
     <p:sldId id="256" r:id="rId2"/>
     <p:sldId id="273" r:id="rId3"/>
@@ -1469,6 +1472,13 @@
         </dgm:presLayoutVars>
       </dgm:prSet>
       <dgm:spPr/>
+      <dgm:t>
+        <a:bodyPr/>
+        <a:lstStyle/>
+        <a:p>
+          <a:endParaRPr lang="en-US"/>
+        </a:p>
+      </dgm:t>
     </dgm:pt>
     <dgm:pt modelId="{CA9DF486-C3A0-6A42-AB8B-C73D9E3A417B}" type="pres">
       <dgm:prSet presAssocID="{46F6E394-227C-DB49-88BB-F8E3A97F298B}" presName="node" presStyleLbl="node1" presStyleIdx="0" presStyleCnt="3" custScaleY="119353" custRadScaleRad="82339">
@@ -1488,10 +1498,24 @@
     <dgm:pt modelId="{099C6AC5-F29A-BB4F-AAAE-42B5A3FF3498}" type="pres">
       <dgm:prSet presAssocID="{82B3FB4D-1A40-2A4F-86A2-EDA5E3E8CA95}" presName="sibTrans" presStyleLbl="sibTrans2D1" presStyleIdx="0" presStyleCnt="3" custAng="577954" custScaleX="84819" custLinFactNeighborX="5115"/>
       <dgm:spPr/>
+      <dgm:t>
+        <a:bodyPr/>
+        <a:lstStyle/>
+        <a:p>
+          <a:endParaRPr lang="en-US"/>
+        </a:p>
+      </dgm:t>
     </dgm:pt>
     <dgm:pt modelId="{5D018A5C-7647-7C48-8D70-F2604E096796}" type="pres">
       <dgm:prSet presAssocID="{82B3FB4D-1A40-2A4F-86A2-EDA5E3E8CA95}" presName="connectorText" presStyleLbl="sibTrans2D1" presStyleIdx="0" presStyleCnt="3"/>
       <dgm:spPr/>
+      <dgm:t>
+        <a:bodyPr/>
+        <a:lstStyle/>
+        <a:p>
+          <a:endParaRPr lang="en-US"/>
+        </a:p>
+      </dgm:t>
     </dgm:pt>
     <dgm:pt modelId="{BD424B58-7C4B-924F-A6D0-29AA3A6E0DA3}" type="pres">
       <dgm:prSet presAssocID="{C25DA871-9390-4F49-9165-FEA19EAEDAD6}" presName="node" presStyleLbl="node1" presStyleIdx="1" presStyleCnt="3" custScaleY="137330" custRadScaleRad="94542" custRadScaleInc="-9241">
@@ -1511,10 +1535,24 @@
     <dgm:pt modelId="{FFF6FBD4-145B-5049-B0D0-74F575A69218}" type="pres">
       <dgm:prSet presAssocID="{7D92888A-94E1-874F-99F4-AAD20F52308C}" presName="sibTrans" presStyleLbl="sibTrans2D1" presStyleIdx="1" presStyleCnt="3"/>
       <dgm:spPr/>
+      <dgm:t>
+        <a:bodyPr/>
+        <a:lstStyle/>
+        <a:p>
+          <a:endParaRPr lang="en-US"/>
+        </a:p>
+      </dgm:t>
     </dgm:pt>
     <dgm:pt modelId="{02EE73D7-6C71-5C46-B588-F2F53E7CFC1B}" type="pres">
       <dgm:prSet presAssocID="{7D92888A-94E1-874F-99F4-AAD20F52308C}" presName="connectorText" presStyleLbl="sibTrans2D1" presStyleIdx="1" presStyleCnt="3"/>
       <dgm:spPr/>
+      <dgm:t>
+        <a:bodyPr/>
+        <a:lstStyle/>
+        <a:p>
+          <a:endParaRPr lang="en-US"/>
+        </a:p>
+      </dgm:t>
     </dgm:pt>
     <dgm:pt modelId="{16D2087C-AD30-4D47-8459-3242BC07C7A4}" type="pres">
       <dgm:prSet presAssocID="{C21A54E0-F1A3-3448-91D3-28DB80ADDD60}" presName="node" presStyleLbl="node1" presStyleIdx="2" presStyleCnt="3" custScaleY="132997" custRadScaleRad="95488" custRadScaleInc="8477">
@@ -1545,46 +1583,53 @@
     <dgm:pt modelId="{00FAAA09-DE32-0E41-8978-A0DCD42450DC}" type="pres">
       <dgm:prSet presAssocID="{02D521BB-9D6E-AE4A-BF01-69904886C38E}" presName="connectorText" presStyleLbl="sibTrans2D1" presStyleIdx="2" presStyleCnt="3"/>
       <dgm:spPr/>
+      <dgm:t>
+        <a:bodyPr/>
+        <a:lstStyle/>
+        <a:p>
+          <a:endParaRPr lang="en-US"/>
+        </a:p>
+      </dgm:t>
     </dgm:pt>
   </dgm:ptLst>
   <dgm:cxnLst>
+    <dgm:cxn modelId="{D624FB87-6929-B546-A3A7-6B82A6F275FD}" srcId="{C25DA871-9390-4F49-9165-FEA19EAEDAD6}" destId="{A3033D2A-55D9-0240-A10C-D55687930357}" srcOrd="0" destOrd="0" parTransId="{5EF3D1CA-8285-D647-B6EE-FB3346FE218D}" sibTransId="{E91EE832-3B26-8B45-BF45-48D3DFC88AE2}"/>
+    <dgm:cxn modelId="{4EB942E7-73A7-B64D-92F5-57337AACB3BA}" srcId="{46F6E394-227C-DB49-88BB-F8E3A97F298B}" destId="{916ECD92-7A02-5E4B-ADEB-2918DC3CD55C}" srcOrd="1" destOrd="0" parTransId="{2FDBB221-967C-5E46-B7BA-7BD69CF9306B}" sibTransId="{FB9E940C-20CF-5244-8B00-E91442118B85}"/>
+    <dgm:cxn modelId="{3625FCE7-11BA-A843-93D5-25019BF39257}" type="presOf" srcId="{0E4D7888-19F2-0849-9455-EBC0BFA3DE79}" destId="{CA9DF486-C3A0-6A42-AB8B-C73D9E3A417B}" srcOrd="0" destOrd="4" presId="urn:microsoft.com/office/officeart/2005/8/layout/cycle7"/>
+    <dgm:cxn modelId="{CEB0D67F-B68E-0242-BC49-296A1B46B2DA}" type="presOf" srcId="{82B3FB4D-1A40-2A4F-86A2-EDA5E3E8CA95}" destId="{5D018A5C-7647-7C48-8D70-F2604E096796}" srcOrd="1" destOrd="0" presId="urn:microsoft.com/office/officeart/2005/8/layout/cycle7"/>
+    <dgm:cxn modelId="{897B152F-4DD1-4F4D-BA76-449C10A3BBE0}" srcId="{46F6E394-227C-DB49-88BB-F8E3A97F298B}" destId="{0E4D7888-19F2-0849-9455-EBC0BFA3DE79}" srcOrd="3" destOrd="0" parTransId="{64E7D98B-B57C-1941-8E75-7C7A70D6AAD0}" sibTransId="{A621D469-B865-BD4A-B8CC-C3A5B275A9EE}"/>
+    <dgm:cxn modelId="{A68F0551-CD66-054E-8101-EC9770A6396E}" srcId="{F1FDF8C5-3BF1-0148-A830-2AF5FA0F1929}" destId="{C21A54E0-F1A3-3448-91D3-28DB80ADDD60}" srcOrd="2" destOrd="0" parTransId="{21FC1A68-250C-E64B-ADB7-890AC9F32CBD}" sibTransId="{02D521BB-9D6E-AE4A-BF01-69904886C38E}"/>
+    <dgm:cxn modelId="{439095AF-8136-9C4A-8840-3E77BB3A4278}" srcId="{F1FDF8C5-3BF1-0148-A830-2AF5FA0F1929}" destId="{46F6E394-227C-DB49-88BB-F8E3A97F298B}" srcOrd="0" destOrd="0" parTransId="{952C1203-0623-5042-906A-DBADC6CC783C}" sibTransId="{82B3FB4D-1A40-2A4F-86A2-EDA5E3E8CA95}"/>
+    <dgm:cxn modelId="{EB06170F-F583-3F41-8477-669B6BAA3057}" type="presOf" srcId="{5476B833-8A93-7D4E-88B7-4D88C954B19C}" destId="{BD424B58-7C4B-924F-A6D0-29AA3A6E0DA3}" srcOrd="0" destOrd="4" presId="urn:microsoft.com/office/officeart/2005/8/layout/cycle7"/>
+    <dgm:cxn modelId="{C97623DE-A426-FF48-B163-84F9D2DA4F8B}" type="presOf" srcId="{02D521BB-9D6E-AE4A-BF01-69904886C38E}" destId="{00FAAA09-DE32-0E41-8978-A0DCD42450DC}" srcOrd="1" destOrd="0" presId="urn:microsoft.com/office/officeart/2005/8/layout/cycle7"/>
+    <dgm:cxn modelId="{610941E7-3531-E943-8531-89F033A6464D}" type="presOf" srcId="{82B3FB4D-1A40-2A4F-86A2-EDA5E3E8CA95}" destId="{099C6AC5-F29A-BB4F-AAAE-42B5A3FF3498}" srcOrd="0" destOrd="0" presId="urn:microsoft.com/office/officeart/2005/8/layout/cycle7"/>
+    <dgm:cxn modelId="{769EAF18-E7FC-EE4F-9381-ECB4F437283B}" type="presOf" srcId="{0F386312-2CC3-7141-84FA-87573BDAF383}" destId="{BD424B58-7C4B-924F-A6D0-29AA3A6E0DA3}" srcOrd="0" destOrd="2" presId="urn:microsoft.com/office/officeart/2005/8/layout/cycle7"/>
+    <dgm:cxn modelId="{BF865890-628E-3745-BE75-FB7EB6118BB3}" srcId="{C25DA871-9390-4F49-9165-FEA19EAEDAD6}" destId="{0F386312-2CC3-7141-84FA-87573BDAF383}" srcOrd="1" destOrd="0" parTransId="{852AE919-DE99-304D-9CEC-CA8EF5B1F0EF}" sibTransId="{824A92D6-B6C4-A441-B04B-9A22A44DDD83}"/>
+    <dgm:cxn modelId="{9C69C240-398A-9F49-AE2A-8957FABE77F2}" type="presOf" srcId="{916ECD92-7A02-5E4B-ADEB-2918DC3CD55C}" destId="{CA9DF486-C3A0-6A42-AB8B-C73D9E3A417B}" srcOrd="0" destOrd="2" presId="urn:microsoft.com/office/officeart/2005/8/layout/cycle7"/>
     <dgm:cxn modelId="{413AEA23-D6C8-D74C-B211-A27DFBC931F1}" type="presOf" srcId="{90BF0259-B653-D343-B3D9-53B2D661D792}" destId="{16D2087C-AD30-4D47-8459-3242BC07C7A4}" srcOrd="0" destOrd="3" presId="urn:microsoft.com/office/officeart/2005/8/layout/cycle7"/>
-    <dgm:cxn modelId="{3625FCE7-11BA-A843-93D5-25019BF39257}" type="presOf" srcId="{0E4D7888-19F2-0849-9455-EBC0BFA3DE79}" destId="{CA9DF486-C3A0-6A42-AB8B-C73D9E3A417B}" srcOrd="0" destOrd="4" presId="urn:microsoft.com/office/officeart/2005/8/layout/cycle7"/>
-    <dgm:cxn modelId="{77C7A835-51EE-3946-BB97-6FC628AB17BD}" type="presOf" srcId="{40C8740C-D20E-6849-9D81-EE1A7B382A5A}" destId="{CA9DF486-C3A0-6A42-AB8B-C73D9E3A417B}" srcOrd="0" destOrd="1" presId="urn:microsoft.com/office/officeart/2005/8/layout/cycle7"/>
-    <dgm:cxn modelId="{897B152F-4DD1-4F4D-BA76-449C10A3BBE0}" srcId="{46F6E394-227C-DB49-88BB-F8E3A97F298B}" destId="{0E4D7888-19F2-0849-9455-EBC0BFA3DE79}" srcOrd="3" destOrd="0" parTransId="{64E7D98B-B57C-1941-8E75-7C7A70D6AAD0}" sibTransId="{A621D469-B865-BD4A-B8CC-C3A5B275A9EE}"/>
+    <dgm:cxn modelId="{1BDD6A9D-7B2C-F147-8B93-9690C055E093}" srcId="{C21A54E0-F1A3-3448-91D3-28DB80ADDD60}" destId="{ECAEFA44-4957-DD4E-9EC7-3B8AFFE8F03D}" srcOrd="0" destOrd="0" parTransId="{2E56FF09-6D0A-A548-B846-6B17B91B1D79}" sibTransId="{B98F66F2-62A4-7A4F-A76A-AB5EBDE10157}"/>
+    <dgm:cxn modelId="{AE497691-12A0-644B-8A9B-7CD43475B532}" srcId="{46F6E394-227C-DB49-88BB-F8E3A97F298B}" destId="{40C8740C-D20E-6849-9D81-EE1A7B382A5A}" srcOrd="0" destOrd="0" parTransId="{156975FF-FC8F-BC42-907A-0999888B2E6C}" sibTransId="{70719985-FECE-2743-AFD3-F7A0E77DA067}"/>
+    <dgm:cxn modelId="{386C516A-E133-7B46-B3B4-681DD3A19749}" type="presOf" srcId="{C25DA871-9390-4F49-9165-FEA19EAEDAD6}" destId="{BD424B58-7C4B-924F-A6D0-29AA3A6E0DA3}" srcOrd="0" destOrd="0" presId="urn:microsoft.com/office/officeart/2005/8/layout/cycle7"/>
+    <dgm:cxn modelId="{882E81BB-6343-E146-8D03-7D4D900BEE25}" type="presOf" srcId="{7D92888A-94E1-874F-99F4-AAD20F52308C}" destId="{FFF6FBD4-145B-5049-B0D0-74F575A69218}" srcOrd="0" destOrd="0" presId="urn:microsoft.com/office/officeart/2005/8/layout/cycle7"/>
+    <dgm:cxn modelId="{E94E874A-CF72-774A-9A18-59603591BC47}" type="presOf" srcId="{46F6E394-227C-DB49-88BB-F8E3A97F298B}" destId="{CA9DF486-C3A0-6A42-AB8B-C73D9E3A417B}" srcOrd="0" destOrd="0" presId="urn:microsoft.com/office/officeart/2005/8/layout/cycle7"/>
+    <dgm:cxn modelId="{87E251B6-3176-6744-A5F7-24B6694E3D1F}" srcId="{C25DA871-9390-4F49-9165-FEA19EAEDAD6}" destId="{5476B833-8A93-7D4E-88B7-4D88C954B19C}" srcOrd="3" destOrd="0" parTransId="{283D7C26-8BB1-D644-92E0-4256CBC8EEAB}" sibTransId="{A66627DC-5498-5B4A-BCA7-0AF0DB67DDD9}"/>
+    <dgm:cxn modelId="{205814AF-D8A1-CB44-9C8C-F63C2543C3FB}" type="presOf" srcId="{C21A54E0-F1A3-3448-91D3-28DB80ADDD60}" destId="{16D2087C-AD30-4D47-8459-3242BC07C7A4}" srcOrd="0" destOrd="0" presId="urn:microsoft.com/office/officeart/2005/8/layout/cycle7"/>
+    <dgm:cxn modelId="{5C33DB29-353F-304C-8DEA-0D7B287B26F3}" srcId="{46F6E394-227C-DB49-88BB-F8E3A97F298B}" destId="{BD4C8A68-C6CD-2F46-BE25-0DAAC161B703}" srcOrd="2" destOrd="0" parTransId="{B681CF90-C456-C145-B3B0-B2DF617594E5}" sibTransId="{A7D1DC22-3B83-DD46-B0C7-C5678672CA70}"/>
+    <dgm:cxn modelId="{7AABBF30-6962-6444-ACDB-94D0F5194570}" type="presOf" srcId="{7D92888A-94E1-874F-99F4-AAD20F52308C}" destId="{02EE73D7-6C71-5C46-B588-F2F53E7CFC1B}" srcOrd="1" destOrd="0" presId="urn:microsoft.com/office/officeart/2005/8/layout/cycle7"/>
+    <dgm:cxn modelId="{F8BA5307-BDD5-7B4A-A178-944674F2524D}" type="presOf" srcId="{02D521BB-9D6E-AE4A-BF01-69904886C38E}" destId="{6077CF13-8F28-954E-8B0C-22AC9F9E93CF}" srcOrd="0" destOrd="0" presId="urn:microsoft.com/office/officeart/2005/8/layout/cycle7"/>
+    <dgm:cxn modelId="{775DFD4A-828C-314C-BD31-D8A36D3683AB}" type="presOf" srcId="{F5594C39-B98E-B645-9950-735BA30F8E8C}" destId="{BD424B58-7C4B-924F-A6D0-29AA3A6E0DA3}" srcOrd="0" destOrd="3" presId="urn:microsoft.com/office/officeart/2005/8/layout/cycle7"/>
+    <dgm:cxn modelId="{066B4F64-A233-F842-836A-5C91E87AA49C}" type="presOf" srcId="{BD4C8A68-C6CD-2F46-BE25-0DAAC161B703}" destId="{CA9DF486-C3A0-6A42-AB8B-C73D9E3A417B}" srcOrd="0" destOrd="3" presId="urn:microsoft.com/office/officeart/2005/8/layout/cycle7"/>
+    <dgm:cxn modelId="{744F02D0-EB56-F541-AF76-A16A50773F4A}" type="presOf" srcId="{A3033D2A-55D9-0240-A10C-D55687930357}" destId="{BD424B58-7C4B-924F-A6D0-29AA3A6E0DA3}" srcOrd="0" destOrd="1" presId="urn:microsoft.com/office/officeart/2005/8/layout/cycle7"/>
+    <dgm:cxn modelId="{FD1FDC2B-AF2B-0748-82EA-FADAEBA6B99A}" type="presOf" srcId="{79501A34-D2BB-9749-83D7-6B7FFC0661F3}" destId="{BD424B58-7C4B-924F-A6D0-29AA3A6E0DA3}" srcOrd="0" destOrd="5" presId="urn:microsoft.com/office/officeart/2005/8/layout/cycle7"/>
+    <dgm:cxn modelId="{E4875718-4359-C847-A266-E0B696ECB966}" srcId="{C21A54E0-F1A3-3448-91D3-28DB80ADDD60}" destId="{90BF0259-B653-D343-B3D9-53B2D661D792}" srcOrd="2" destOrd="0" parTransId="{8DA0D4A6-3720-5247-B09A-22331FBC6501}" sibTransId="{57F34B26-141D-D34D-9B01-C47A69D3BF6C}"/>
     <dgm:cxn modelId="{C3F2C9CE-8571-F646-BB84-704F309E3618}" type="presOf" srcId="{ECAEFA44-4957-DD4E-9EC7-3B8AFFE8F03D}" destId="{16D2087C-AD30-4D47-8459-3242BC07C7A4}" srcOrd="0" destOrd="1" presId="urn:microsoft.com/office/officeart/2005/8/layout/cycle7"/>
     <dgm:cxn modelId="{24CC9B9D-17CF-9F4C-9FAD-70A63AC661CB}" srcId="{F1FDF8C5-3BF1-0148-A830-2AF5FA0F1929}" destId="{C25DA871-9390-4F49-9165-FEA19EAEDAD6}" srcOrd="1" destOrd="0" parTransId="{CAEDE6BE-4DBC-2144-B554-A60FDFCEFC63}" sibTransId="{7D92888A-94E1-874F-99F4-AAD20F52308C}"/>
-    <dgm:cxn modelId="{E94E874A-CF72-774A-9A18-59603591BC47}" type="presOf" srcId="{46F6E394-227C-DB49-88BB-F8E3A97F298B}" destId="{CA9DF486-C3A0-6A42-AB8B-C73D9E3A417B}" srcOrd="0" destOrd="0" presId="urn:microsoft.com/office/officeart/2005/8/layout/cycle7"/>
-    <dgm:cxn modelId="{5C33DB29-353F-304C-8DEA-0D7B287B26F3}" srcId="{46F6E394-227C-DB49-88BB-F8E3A97F298B}" destId="{BD4C8A68-C6CD-2F46-BE25-0DAAC161B703}" srcOrd="2" destOrd="0" parTransId="{B681CF90-C456-C145-B3B0-B2DF617594E5}" sibTransId="{A7D1DC22-3B83-DD46-B0C7-C5678672CA70}"/>
-    <dgm:cxn modelId="{386C516A-E133-7B46-B3B4-681DD3A19749}" type="presOf" srcId="{C25DA871-9390-4F49-9165-FEA19EAEDAD6}" destId="{BD424B58-7C4B-924F-A6D0-29AA3A6E0DA3}" srcOrd="0" destOrd="0" presId="urn:microsoft.com/office/officeart/2005/8/layout/cycle7"/>
-    <dgm:cxn modelId="{882E81BB-6343-E146-8D03-7D4D900BEE25}" type="presOf" srcId="{7D92888A-94E1-874F-99F4-AAD20F52308C}" destId="{FFF6FBD4-145B-5049-B0D0-74F575A69218}" srcOrd="0" destOrd="0" presId="urn:microsoft.com/office/officeart/2005/8/layout/cycle7"/>
-    <dgm:cxn modelId="{87E251B6-3176-6744-A5F7-24B6694E3D1F}" srcId="{C25DA871-9390-4F49-9165-FEA19EAEDAD6}" destId="{5476B833-8A93-7D4E-88B7-4D88C954B19C}" srcOrd="3" destOrd="0" parTransId="{283D7C26-8BB1-D644-92E0-4256CBC8EEAB}" sibTransId="{A66627DC-5498-5B4A-BCA7-0AF0DB67DDD9}"/>
-    <dgm:cxn modelId="{2D771C96-352A-6446-8972-5DA18CD67DC2}" srcId="{C25DA871-9390-4F49-9165-FEA19EAEDAD6}" destId="{F5594C39-B98E-B645-9950-735BA30F8E8C}" srcOrd="2" destOrd="0" parTransId="{C803A8E6-23F6-E142-9AC1-9E66374B726D}" sibTransId="{52A1E060-DAAA-9443-9AEB-C039D6F4E6CB}"/>
-    <dgm:cxn modelId="{D624FB87-6929-B546-A3A7-6B82A6F275FD}" srcId="{C25DA871-9390-4F49-9165-FEA19EAEDAD6}" destId="{A3033D2A-55D9-0240-A10C-D55687930357}" srcOrd="0" destOrd="0" parTransId="{5EF3D1CA-8285-D647-B6EE-FB3346FE218D}" sibTransId="{E91EE832-3B26-8B45-BF45-48D3DFC88AE2}"/>
-    <dgm:cxn modelId="{610941E7-3531-E943-8531-89F033A6464D}" type="presOf" srcId="{82B3FB4D-1A40-2A4F-86A2-EDA5E3E8CA95}" destId="{099C6AC5-F29A-BB4F-AAAE-42B5A3FF3498}" srcOrd="0" destOrd="0" presId="urn:microsoft.com/office/officeart/2005/8/layout/cycle7"/>
+    <dgm:cxn modelId="{77C7A835-51EE-3946-BB97-6FC628AB17BD}" type="presOf" srcId="{40C8740C-D20E-6849-9D81-EE1A7B382A5A}" destId="{CA9DF486-C3A0-6A42-AB8B-C73D9E3A417B}" srcOrd="0" destOrd="1" presId="urn:microsoft.com/office/officeart/2005/8/layout/cycle7"/>
     <dgm:cxn modelId="{88665C7E-2FAD-104F-995A-CF51B66F6C5D}" type="presOf" srcId="{322C1E70-58F0-2444-82B9-2EF93C4E3587}" destId="{16D2087C-AD30-4D47-8459-3242BC07C7A4}" srcOrd="0" destOrd="2" presId="urn:microsoft.com/office/officeart/2005/8/layout/cycle7"/>
-    <dgm:cxn modelId="{E4875718-4359-C847-A266-E0B696ECB966}" srcId="{C21A54E0-F1A3-3448-91D3-28DB80ADDD60}" destId="{90BF0259-B653-D343-B3D9-53B2D661D792}" srcOrd="2" destOrd="0" parTransId="{8DA0D4A6-3720-5247-B09A-22331FBC6501}" sibTransId="{57F34B26-141D-D34D-9B01-C47A69D3BF6C}"/>
-    <dgm:cxn modelId="{439095AF-8136-9C4A-8840-3E77BB3A4278}" srcId="{F1FDF8C5-3BF1-0148-A830-2AF5FA0F1929}" destId="{46F6E394-227C-DB49-88BB-F8E3A97F298B}" srcOrd="0" destOrd="0" parTransId="{952C1203-0623-5042-906A-DBADC6CC783C}" sibTransId="{82B3FB4D-1A40-2A4F-86A2-EDA5E3E8CA95}"/>
-    <dgm:cxn modelId="{BF865890-628E-3745-BE75-FB7EB6118BB3}" srcId="{C25DA871-9390-4F49-9165-FEA19EAEDAD6}" destId="{0F386312-2CC3-7141-84FA-87573BDAF383}" srcOrd="1" destOrd="0" parTransId="{852AE919-DE99-304D-9CEC-CA8EF5B1F0EF}" sibTransId="{824A92D6-B6C4-A441-B04B-9A22A44DDD83}"/>
     <dgm:cxn modelId="{B49D9AFE-55F8-8248-9D10-1D92BA06FE04}" srcId="{C21A54E0-F1A3-3448-91D3-28DB80ADDD60}" destId="{322C1E70-58F0-2444-82B9-2EF93C4E3587}" srcOrd="1" destOrd="0" parTransId="{3DAADC81-F98F-E649-914F-B54F4302D686}" sibTransId="{C468F150-2103-3A41-A4C7-73F5BAE2C496}"/>
     <dgm:cxn modelId="{3F9461E5-C6FC-8D4A-BD18-B3DB586896E8}" srcId="{C25DA871-9390-4F49-9165-FEA19EAEDAD6}" destId="{79501A34-D2BB-9749-83D7-6B7FFC0661F3}" srcOrd="4" destOrd="0" parTransId="{E9E4C34C-2A3C-7D44-BAA3-AAD003DDA5A3}" sibTransId="{F2C57C73-7EFF-A44E-8F00-CA98274044DB}"/>
-    <dgm:cxn modelId="{744F02D0-EB56-F541-AF76-A16A50773F4A}" type="presOf" srcId="{A3033D2A-55D9-0240-A10C-D55687930357}" destId="{BD424B58-7C4B-924F-A6D0-29AA3A6E0DA3}" srcOrd="0" destOrd="1" presId="urn:microsoft.com/office/officeart/2005/8/layout/cycle7"/>
+    <dgm:cxn modelId="{2D771C96-352A-6446-8972-5DA18CD67DC2}" srcId="{C25DA871-9390-4F49-9165-FEA19EAEDAD6}" destId="{F5594C39-B98E-B645-9950-735BA30F8E8C}" srcOrd="2" destOrd="0" parTransId="{C803A8E6-23F6-E142-9AC1-9E66374B726D}" sibTransId="{52A1E060-DAAA-9443-9AEB-C039D6F4E6CB}"/>
     <dgm:cxn modelId="{7123EA1B-E52C-E747-92DE-2075034F2266}" type="presOf" srcId="{F1FDF8C5-3BF1-0148-A830-2AF5FA0F1929}" destId="{F4277413-575A-FD42-A8A0-BE562F49A1F3}" srcOrd="0" destOrd="0" presId="urn:microsoft.com/office/officeart/2005/8/layout/cycle7"/>
-    <dgm:cxn modelId="{F8BA5307-BDD5-7B4A-A178-944674F2524D}" type="presOf" srcId="{02D521BB-9D6E-AE4A-BF01-69904886C38E}" destId="{6077CF13-8F28-954E-8B0C-22AC9F9E93CF}" srcOrd="0" destOrd="0" presId="urn:microsoft.com/office/officeart/2005/8/layout/cycle7"/>
-    <dgm:cxn modelId="{CEB0D67F-B68E-0242-BC49-296A1B46B2DA}" type="presOf" srcId="{82B3FB4D-1A40-2A4F-86A2-EDA5E3E8CA95}" destId="{5D018A5C-7647-7C48-8D70-F2604E096796}" srcOrd="1" destOrd="0" presId="urn:microsoft.com/office/officeart/2005/8/layout/cycle7"/>
-    <dgm:cxn modelId="{9C69C240-398A-9F49-AE2A-8957FABE77F2}" type="presOf" srcId="{916ECD92-7A02-5E4B-ADEB-2918DC3CD55C}" destId="{CA9DF486-C3A0-6A42-AB8B-C73D9E3A417B}" srcOrd="0" destOrd="2" presId="urn:microsoft.com/office/officeart/2005/8/layout/cycle7"/>
-    <dgm:cxn modelId="{EB06170F-F583-3F41-8477-669B6BAA3057}" type="presOf" srcId="{5476B833-8A93-7D4E-88B7-4D88C954B19C}" destId="{BD424B58-7C4B-924F-A6D0-29AA3A6E0DA3}" srcOrd="0" destOrd="4" presId="urn:microsoft.com/office/officeart/2005/8/layout/cycle7"/>
-    <dgm:cxn modelId="{7AABBF30-6962-6444-ACDB-94D0F5194570}" type="presOf" srcId="{7D92888A-94E1-874F-99F4-AAD20F52308C}" destId="{02EE73D7-6C71-5C46-B588-F2F53E7CFC1B}" srcOrd="1" destOrd="0" presId="urn:microsoft.com/office/officeart/2005/8/layout/cycle7"/>
-    <dgm:cxn modelId="{A68F0551-CD66-054E-8101-EC9770A6396E}" srcId="{F1FDF8C5-3BF1-0148-A830-2AF5FA0F1929}" destId="{C21A54E0-F1A3-3448-91D3-28DB80ADDD60}" srcOrd="2" destOrd="0" parTransId="{21FC1A68-250C-E64B-ADB7-890AC9F32CBD}" sibTransId="{02D521BB-9D6E-AE4A-BF01-69904886C38E}"/>
-    <dgm:cxn modelId="{066B4F64-A233-F842-836A-5C91E87AA49C}" type="presOf" srcId="{BD4C8A68-C6CD-2F46-BE25-0DAAC161B703}" destId="{CA9DF486-C3A0-6A42-AB8B-C73D9E3A417B}" srcOrd="0" destOrd="3" presId="urn:microsoft.com/office/officeart/2005/8/layout/cycle7"/>
-    <dgm:cxn modelId="{AE497691-12A0-644B-8A9B-7CD43475B532}" srcId="{46F6E394-227C-DB49-88BB-F8E3A97F298B}" destId="{40C8740C-D20E-6849-9D81-EE1A7B382A5A}" srcOrd="0" destOrd="0" parTransId="{156975FF-FC8F-BC42-907A-0999888B2E6C}" sibTransId="{70719985-FECE-2743-AFD3-F7A0E77DA067}"/>
-    <dgm:cxn modelId="{1BDD6A9D-7B2C-F147-8B93-9690C055E093}" srcId="{C21A54E0-F1A3-3448-91D3-28DB80ADDD60}" destId="{ECAEFA44-4957-DD4E-9EC7-3B8AFFE8F03D}" srcOrd="0" destOrd="0" parTransId="{2E56FF09-6D0A-A548-B846-6B17B91B1D79}" sibTransId="{B98F66F2-62A4-7A4F-A76A-AB5EBDE10157}"/>
-    <dgm:cxn modelId="{4EB942E7-73A7-B64D-92F5-57337AACB3BA}" srcId="{46F6E394-227C-DB49-88BB-F8E3A97F298B}" destId="{916ECD92-7A02-5E4B-ADEB-2918DC3CD55C}" srcOrd="1" destOrd="0" parTransId="{2FDBB221-967C-5E46-B7BA-7BD69CF9306B}" sibTransId="{FB9E940C-20CF-5244-8B00-E91442118B85}"/>
-    <dgm:cxn modelId="{FD1FDC2B-AF2B-0748-82EA-FADAEBA6B99A}" type="presOf" srcId="{79501A34-D2BB-9749-83D7-6B7FFC0661F3}" destId="{BD424B58-7C4B-924F-A6D0-29AA3A6E0DA3}" srcOrd="0" destOrd="5" presId="urn:microsoft.com/office/officeart/2005/8/layout/cycle7"/>
-    <dgm:cxn modelId="{775DFD4A-828C-314C-BD31-D8A36D3683AB}" type="presOf" srcId="{F5594C39-B98E-B645-9950-735BA30F8E8C}" destId="{BD424B58-7C4B-924F-A6D0-29AA3A6E0DA3}" srcOrd="0" destOrd="3" presId="urn:microsoft.com/office/officeart/2005/8/layout/cycle7"/>
-    <dgm:cxn modelId="{C97623DE-A426-FF48-B163-84F9D2DA4F8B}" type="presOf" srcId="{02D521BB-9D6E-AE4A-BF01-69904886C38E}" destId="{00FAAA09-DE32-0E41-8978-A0DCD42450DC}" srcOrd="1" destOrd="0" presId="urn:microsoft.com/office/officeart/2005/8/layout/cycle7"/>
-    <dgm:cxn modelId="{769EAF18-E7FC-EE4F-9381-ECB4F437283B}" type="presOf" srcId="{0F386312-2CC3-7141-84FA-87573BDAF383}" destId="{BD424B58-7C4B-924F-A6D0-29AA3A6E0DA3}" srcOrd="0" destOrd="2" presId="urn:microsoft.com/office/officeart/2005/8/layout/cycle7"/>
-    <dgm:cxn modelId="{205814AF-D8A1-CB44-9C8C-F63C2543C3FB}" type="presOf" srcId="{C21A54E0-F1A3-3448-91D3-28DB80ADDD60}" destId="{16D2087C-AD30-4D47-8459-3242BC07C7A4}" srcOrd="0" destOrd="0" presId="urn:microsoft.com/office/officeart/2005/8/layout/cycle7"/>
     <dgm:cxn modelId="{D26C9AB8-35FF-464C-9800-20513D8C89B5}" type="presParOf" srcId="{F4277413-575A-FD42-A8A0-BE562F49A1F3}" destId="{CA9DF486-C3A0-6A42-AB8B-C73D9E3A417B}" srcOrd="0" destOrd="0" presId="urn:microsoft.com/office/officeart/2005/8/layout/cycle7"/>
     <dgm:cxn modelId="{6000B9B2-EE47-C144-BD1A-39060FC521CA}" type="presParOf" srcId="{F4277413-575A-FD42-A8A0-BE562F49A1F3}" destId="{099C6AC5-F29A-BB4F-AAAE-42B5A3FF3498}" srcOrd="1" destOrd="0" presId="urn:microsoft.com/office/officeart/2005/8/layout/cycle7"/>
     <dgm:cxn modelId="{05DD4B05-E05D-A94B-8433-8826AE0C437A}" type="presParOf" srcId="{099C6AC5-F29A-BB4F-AAAE-42B5A3FF3498}" destId="{5D018A5C-7647-7C48-8D70-F2604E096796}" srcOrd="0" destOrd="0" presId="urn:microsoft.com/office/officeart/2005/8/layout/cycle7"/>
@@ -3632,6 +3677,546 @@
 </dgm:styleDef>
 </file>
 
+<file path=ppt/notesMasters/notesMaster1.xml><?xml version="1.0" encoding="utf-8"?>
+<p:notesMaster xmlns:a="http://schemas.openxmlformats.org/drawingml/2006/main" xmlns:r="http://schemas.openxmlformats.org/officeDocument/2006/relationships" xmlns:p="http://schemas.openxmlformats.org/presentationml/2006/main">
+  <p:cSld>
+    <p:bg>
+      <p:bgRef idx="1001">
+        <a:schemeClr val="bg1"/>
+      </p:bgRef>
+    </p:bg>
+    <p:spTree>
+      <p:nvGrpSpPr>
+        <p:cNvPr id="1" name=""/>
+        <p:cNvGrpSpPr/>
+        <p:nvPr/>
+      </p:nvGrpSpPr>
+      <p:grpSpPr>
+        <a:xfrm>
+          <a:off x="0" y="0"/>
+          <a:ext cx="0" cy="0"/>
+          <a:chOff x="0" y="0"/>
+          <a:chExt cx="0" cy="0"/>
+        </a:xfrm>
+      </p:grpSpPr>
+      <p:sp>
+        <p:nvSpPr>
+          <p:cNvPr id="2" name="Header Placeholder 1"/>
+          <p:cNvSpPr>
+            <a:spLocks noGrp="1"/>
+          </p:cNvSpPr>
+          <p:nvPr>
+            <p:ph type="hdr" sz="quarter"/>
+          </p:nvPr>
+        </p:nvSpPr>
+        <p:spPr>
+          <a:xfrm>
+            <a:off x="0" y="0"/>
+            <a:ext cx="2971800" cy="458788"/>
+          </a:xfrm>
+          <a:prstGeom prst="rect">
+            <a:avLst/>
+          </a:prstGeom>
+        </p:spPr>
+        <p:txBody>
+          <a:bodyPr vert="horz" lIns="91440" tIns="45720" rIns="91440" bIns="45720" rtlCol="0"/>
+          <a:lstStyle>
+            <a:lvl1pPr algn="l">
+              <a:defRPr sz="1200"/>
+            </a:lvl1pPr>
+          </a:lstStyle>
+          <a:p>
+            <a:endParaRPr lang="en-US"/>
+          </a:p>
+        </p:txBody>
+      </p:sp>
+      <p:sp>
+        <p:nvSpPr>
+          <p:cNvPr id="3" name="Date Placeholder 2"/>
+          <p:cNvSpPr>
+            <a:spLocks noGrp="1"/>
+          </p:cNvSpPr>
+          <p:nvPr>
+            <p:ph type="dt" idx="1"/>
+          </p:nvPr>
+        </p:nvSpPr>
+        <p:spPr>
+          <a:xfrm>
+            <a:off x="3884613" y="0"/>
+            <a:ext cx="2971800" cy="458788"/>
+          </a:xfrm>
+          <a:prstGeom prst="rect">
+            <a:avLst/>
+          </a:prstGeom>
+        </p:spPr>
+        <p:txBody>
+          <a:bodyPr vert="horz" lIns="91440" tIns="45720" rIns="91440" bIns="45720" rtlCol="0"/>
+          <a:lstStyle>
+            <a:lvl1pPr algn="r">
+              <a:defRPr sz="1200"/>
+            </a:lvl1pPr>
+          </a:lstStyle>
+          <a:p>
+            <a:fld id="{EE184097-97C1-F24F-87FA-8C9433E02F0D}" type="datetimeFigureOut">
+              <a:rPr lang="en-US" smtClean="0"/>
+              <a:t>12/7/15</a:t>
+            </a:fld>
+            <a:endParaRPr lang="en-US"/>
+          </a:p>
+        </p:txBody>
+      </p:sp>
+      <p:sp>
+        <p:nvSpPr>
+          <p:cNvPr id="4" name="Slide Image Placeholder 3"/>
+          <p:cNvSpPr>
+            <a:spLocks noGrp="1" noRot="1" noChangeAspect="1"/>
+          </p:cNvSpPr>
+          <p:nvPr>
+            <p:ph type="sldImg" idx="2"/>
+          </p:nvPr>
+        </p:nvSpPr>
+        <p:spPr>
+          <a:xfrm>
+            <a:off x="685800" y="1143000"/>
+            <a:ext cx="5486400" cy="3086100"/>
+          </a:xfrm>
+          <a:prstGeom prst="rect">
+            <a:avLst/>
+          </a:prstGeom>
+          <a:noFill/>
+          <a:ln w="12700">
+            <a:solidFill>
+              <a:prstClr val="black"/>
+            </a:solidFill>
+          </a:ln>
+        </p:spPr>
+        <p:txBody>
+          <a:bodyPr vert="horz" lIns="91440" tIns="45720" rIns="91440" bIns="45720" rtlCol="0" anchor="ctr"/>
+          <a:lstStyle/>
+          <a:p>
+            <a:endParaRPr lang="en-US"/>
+          </a:p>
+        </p:txBody>
+      </p:sp>
+      <p:sp>
+        <p:nvSpPr>
+          <p:cNvPr id="5" name="Notes Placeholder 4"/>
+          <p:cNvSpPr>
+            <a:spLocks noGrp="1"/>
+          </p:cNvSpPr>
+          <p:nvPr>
+            <p:ph type="body" sz="quarter" idx="3"/>
+          </p:nvPr>
+        </p:nvSpPr>
+        <p:spPr>
+          <a:xfrm>
+            <a:off x="685800" y="4400550"/>
+            <a:ext cx="5486400" cy="3600450"/>
+          </a:xfrm>
+          <a:prstGeom prst="rect">
+            <a:avLst/>
+          </a:prstGeom>
+        </p:spPr>
+        <p:txBody>
+          <a:bodyPr vert="horz" lIns="91440" tIns="45720" rIns="91440" bIns="45720" rtlCol="0"/>
+          <a:lstStyle/>
+          <a:p>
+            <a:pPr lvl="0"/>
+            <a:r>
+              <a:rPr lang="en-US" smtClean="0"/>
+              <a:t>Click to edit Master text styles</a:t>
+            </a:r>
+          </a:p>
+          <a:p>
+            <a:pPr lvl="1"/>
+            <a:r>
+              <a:rPr lang="en-US" smtClean="0"/>
+              <a:t>Second level</a:t>
+            </a:r>
+          </a:p>
+          <a:p>
+            <a:pPr lvl="2"/>
+            <a:r>
+              <a:rPr lang="en-US" smtClean="0"/>
+              <a:t>Third level</a:t>
+            </a:r>
+          </a:p>
+          <a:p>
+            <a:pPr lvl="3"/>
+            <a:r>
+              <a:rPr lang="en-US" smtClean="0"/>
+              <a:t>Fourth level</a:t>
+            </a:r>
+          </a:p>
+          <a:p>
+            <a:pPr lvl="4"/>
+            <a:r>
+              <a:rPr lang="en-US" smtClean="0"/>
+              <a:t>Fifth level</a:t>
+            </a:r>
+            <a:endParaRPr lang="en-US"/>
+          </a:p>
+        </p:txBody>
+      </p:sp>
+      <p:sp>
+        <p:nvSpPr>
+          <p:cNvPr id="6" name="Footer Placeholder 5"/>
+          <p:cNvSpPr>
+            <a:spLocks noGrp="1"/>
+          </p:cNvSpPr>
+          <p:nvPr>
+            <p:ph type="ftr" sz="quarter" idx="4"/>
+          </p:nvPr>
+        </p:nvSpPr>
+        <p:spPr>
+          <a:xfrm>
+            <a:off x="0" y="8685213"/>
+            <a:ext cx="2971800" cy="458787"/>
+          </a:xfrm>
+          <a:prstGeom prst="rect">
+            <a:avLst/>
+          </a:prstGeom>
+        </p:spPr>
+        <p:txBody>
+          <a:bodyPr vert="horz" lIns="91440" tIns="45720" rIns="91440" bIns="45720" rtlCol="0" anchor="b"/>
+          <a:lstStyle>
+            <a:lvl1pPr algn="l">
+              <a:defRPr sz="1200"/>
+            </a:lvl1pPr>
+          </a:lstStyle>
+          <a:p>
+            <a:endParaRPr lang="en-US"/>
+          </a:p>
+        </p:txBody>
+      </p:sp>
+      <p:sp>
+        <p:nvSpPr>
+          <p:cNvPr id="7" name="Slide Number Placeholder 6"/>
+          <p:cNvSpPr>
+            <a:spLocks noGrp="1"/>
+          </p:cNvSpPr>
+          <p:nvPr>
+            <p:ph type="sldNum" sz="quarter" idx="5"/>
+          </p:nvPr>
+        </p:nvSpPr>
+        <p:spPr>
+          <a:xfrm>
+            <a:off x="3884613" y="8685213"/>
+            <a:ext cx="2971800" cy="458787"/>
+          </a:xfrm>
+          <a:prstGeom prst="rect">
+            <a:avLst/>
+          </a:prstGeom>
+        </p:spPr>
+        <p:txBody>
+          <a:bodyPr vert="horz" lIns="91440" tIns="45720" rIns="91440" bIns="45720" rtlCol="0" anchor="b"/>
+          <a:lstStyle>
+            <a:lvl1pPr algn="r">
+              <a:defRPr sz="1200"/>
+            </a:lvl1pPr>
+          </a:lstStyle>
+          <a:p>
+            <a:fld id="{F95F0DC2-549E-7541-8018-6C1359EE6273}" type="slidenum">
+              <a:rPr lang="en-US" smtClean="0"/>
+              <a:t>‹#›</a:t>
+            </a:fld>
+            <a:endParaRPr lang="en-US"/>
+          </a:p>
+        </p:txBody>
+      </p:sp>
+    </p:spTree>
+    <p:extLst>
+      <p:ext uri="{BB962C8B-B14F-4D97-AF65-F5344CB8AC3E}">
+        <p14:creationId xmlns:p14="http://schemas.microsoft.com/office/powerpoint/2010/main" val="1244007455"/>
+      </p:ext>
+    </p:extLst>
+  </p:cSld>
+  <p:clrMap bg1="lt1" tx1="dk1" bg2="lt2" tx2="dk2" accent1="accent1" accent2="accent2" accent3="accent3" accent4="accent4" accent5="accent5" accent6="accent6" hlink="hlink" folHlink="folHlink"/>
+  <p:notesStyle>
+    <a:lvl1pPr marL="0" algn="l" defTabSz="914400" rtl="0" eaLnBrk="1" latinLnBrk="0" hangingPunct="1">
+      <a:defRPr sz="1200" kern="1200">
+        <a:solidFill>
+          <a:schemeClr val="tx1"/>
+        </a:solidFill>
+        <a:latin typeface="+mn-lt"/>
+        <a:ea typeface="+mn-ea"/>
+        <a:cs typeface="+mn-cs"/>
+      </a:defRPr>
+    </a:lvl1pPr>
+    <a:lvl2pPr marL="457200" algn="l" defTabSz="914400" rtl="0" eaLnBrk="1" latinLnBrk="0" hangingPunct="1">
+      <a:defRPr sz="1200" kern="1200">
+        <a:solidFill>
+          <a:schemeClr val="tx1"/>
+        </a:solidFill>
+        <a:latin typeface="+mn-lt"/>
+        <a:ea typeface="+mn-ea"/>
+        <a:cs typeface="+mn-cs"/>
+      </a:defRPr>
+    </a:lvl2pPr>
+    <a:lvl3pPr marL="914400" algn="l" defTabSz="914400" rtl="0" eaLnBrk="1" latinLnBrk="0" hangingPunct="1">
+      <a:defRPr sz="1200" kern="1200">
+        <a:solidFill>
+          <a:schemeClr val="tx1"/>
+        </a:solidFill>
+        <a:latin typeface="+mn-lt"/>
+        <a:ea typeface="+mn-ea"/>
+        <a:cs typeface="+mn-cs"/>
+      </a:defRPr>
+    </a:lvl3pPr>
+    <a:lvl4pPr marL="1371600" algn="l" defTabSz="914400" rtl="0" eaLnBrk="1" latinLnBrk="0" hangingPunct="1">
+      <a:defRPr sz="1200" kern="1200">
+        <a:solidFill>
+          <a:schemeClr val="tx1"/>
+        </a:solidFill>
+        <a:latin typeface="+mn-lt"/>
+        <a:ea typeface="+mn-ea"/>
+        <a:cs typeface="+mn-cs"/>
+      </a:defRPr>
+    </a:lvl4pPr>
+    <a:lvl5pPr marL="1828800" algn="l" defTabSz="914400" rtl="0" eaLnBrk="1" latinLnBrk="0" hangingPunct="1">
+      <a:defRPr sz="1200" kern="1200">
+        <a:solidFill>
+          <a:schemeClr val="tx1"/>
+        </a:solidFill>
+        <a:latin typeface="+mn-lt"/>
+        <a:ea typeface="+mn-ea"/>
+        <a:cs typeface="+mn-cs"/>
+      </a:defRPr>
+    </a:lvl5pPr>
+    <a:lvl6pPr marL="2286000" algn="l" defTabSz="914400" rtl="0" eaLnBrk="1" latinLnBrk="0" hangingPunct="1">
+      <a:defRPr sz="1200" kern="1200">
+        <a:solidFill>
+          <a:schemeClr val="tx1"/>
+        </a:solidFill>
+        <a:latin typeface="+mn-lt"/>
+        <a:ea typeface="+mn-ea"/>
+        <a:cs typeface="+mn-cs"/>
+      </a:defRPr>
+    </a:lvl6pPr>
+    <a:lvl7pPr marL="2743200" algn="l" defTabSz="914400" rtl="0" eaLnBrk="1" latinLnBrk="0" hangingPunct="1">
+      <a:defRPr sz="1200" kern="1200">
+        <a:solidFill>
+          <a:schemeClr val="tx1"/>
+        </a:solidFill>
+        <a:latin typeface="+mn-lt"/>
+        <a:ea typeface="+mn-ea"/>
+        <a:cs typeface="+mn-cs"/>
+      </a:defRPr>
+    </a:lvl7pPr>
+    <a:lvl8pPr marL="3200400" algn="l" defTabSz="914400" rtl="0" eaLnBrk="1" latinLnBrk="0" hangingPunct="1">
+      <a:defRPr sz="1200" kern="1200">
+        <a:solidFill>
+          <a:schemeClr val="tx1"/>
+        </a:solidFill>
+        <a:latin typeface="+mn-lt"/>
+        <a:ea typeface="+mn-ea"/>
+        <a:cs typeface="+mn-cs"/>
+      </a:defRPr>
+    </a:lvl8pPr>
+    <a:lvl9pPr marL="3657600" algn="l" defTabSz="914400" rtl="0" eaLnBrk="1" latinLnBrk="0" hangingPunct="1">
+      <a:defRPr sz="1200" kern="1200">
+        <a:solidFill>
+          <a:schemeClr val="tx1"/>
+        </a:solidFill>
+        <a:latin typeface="+mn-lt"/>
+        <a:ea typeface="+mn-ea"/>
+        <a:cs typeface="+mn-cs"/>
+      </a:defRPr>
+    </a:lvl9pPr>
+  </p:notesStyle>
+</p:notesMaster>
+</file>
+
+<file path=ppt/notesSlides/notesSlide1.xml><?xml version="1.0" encoding="utf-8"?>
+<p:notes xmlns:a="http://schemas.openxmlformats.org/drawingml/2006/main" xmlns:r="http://schemas.openxmlformats.org/officeDocument/2006/relationships" xmlns:p="http://schemas.openxmlformats.org/presentationml/2006/main">
+  <p:cSld>
+    <p:spTree>
+      <p:nvGrpSpPr>
+        <p:cNvPr id="1" name=""/>
+        <p:cNvGrpSpPr/>
+        <p:nvPr/>
+      </p:nvGrpSpPr>
+      <p:grpSpPr>
+        <a:xfrm>
+          <a:off x="0" y="0"/>
+          <a:ext cx="0" cy="0"/>
+          <a:chOff x="0" y="0"/>
+          <a:chExt cx="0" cy="0"/>
+        </a:xfrm>
+      </p:grpSpPr>
+      <p:sp>
+        <p:nvSpPr>
+          <p:cNvPr id="2" name="Slide Image Placeholder 1"/>
+          <p:cNvSpPr>
+            <a:spLocks noGrp="1" noRot="1" noChangeAspect="1"/>
+          </p:cNvSpPr>
+          <p:nvPr>
+            <p:ph type="sldImg"/>
+          </p:nvPr>
+        </p:nvSpPr>
+        <p:spPr/>
+      </p:sp>
+      <p:sp>
+        <p:nvSpPr>
+          <p:cNvPr id="3" name="Notes Placeholder 2"/>
+          <p:cNvSpPr>
+            <a:spLocks noGrp="1"/>
+          </p:cNvSpPr>
+          <p:nvPr>
+            <p:ph type="body" idx="1"/>
+          </p:nvPr>
+        </p:nvSpPr>
+        <p:spPr/>
+        <p:txBody>
+          <a:bodyPr/>
+          <a:lstStyle/>
+          <a:p>
+            <a:r>
+              <a:rPr lang="en-US" dirty="0" smtClean="0"/>
+              <a:t>Easy to install framework with ruby on rails. Used to create navigation</a:t>
+            </a:r>
+            <a:r>
+              <a:rPr lang="en-US" baseline="0" dirty="0" smtClean="0"/>
+              <a:t> bar, form formatting, and buttons</a:t>
+            </a:r>
+            <a:endParaRPr lang="en-US" dirty="0"/>
+          </a:p>
+        </p:txBody>
+      </p:sp>
+      <p:sp>
+        <p:nvSpPr>
+          <p:cNvPr id="4" name="Slide Number Placeholder 3"/>
+          <p:cNvSpPr>
+            <a:spLocks noGrp="1"/>
+          </p:cNvSpPr>
+          <p:nvPr>
+            <p:ph type="sldNum" sz="quarter" idx="10"/>
+          </p:nvPr>
+        </p:nvSpPr>
+        <p:spPr/>
+        <p:txBody>
+          <a:bodyPr/>
+          <a:lstStyle/>
+          <a:p>
+            <a:fld id="{F95F0DC2-549E-7541-8018-6C1359EE6273}" type="slidenum">
+              <a:rPr lang="en-US" smtClean="0"/>
+              <a:t>5</a:t>
+            </a:fld>
+            <a:endParaRPr lang="en-US"/>
+          </a:p>
+        </p:txBody>
+      </p:sp>
+    </p:spTree>
+    <p:extLst>
+      <p:ext uri="{BB962C8B-B14F-4D97-AF65-F5344CB8AC3E}">
+        <p14:creationId xmlns:p14="http://schemas.microsoft.com/office/powerpoint/2010/main" val="132508993"/>
+      </p:ext>
+    </p:extLst>
+  </p:cSld>
+  <p:clrMapOvr>
+    <a:masterClrMapping/>
+  </p:clrMapOvr>
+</p:notes>
+</file>
+
+<file path=ppt/notesSlides/notesSlide2.xml><?xml version="1.0" encoding="utf-8"?>
+<p:notes xmlns:a="http://schemas.openxmlformats.org/drawingml/2006/main" xmlns:r="http://schemas.openxmlformats.org/officeDocument/2006/relationships" xmlns:p="http://schemas.openxmlformats.org/presentationml/2006/main">
+  <p:cSld>
+    <p:spTree>
+      <p:nvGrpSpPr>
+        <p:cNvPr id="1" name=""/>
+        <p:cNvGrpSpPr/>
+        <p:nvPr/>
+      </p:nvGrpSpPr>
+      <p:grpSpPr>
+        <a:xfrm>
+          <a:off x="0" y="0"/>
+          <a:ext cx="0" cy="0"/>
+          <a:chOff x="0" y="0"/>
+          <a:chExt cx="0" cy="0"/>
+        </a:xfrm>
+      </p:grpSpPr>
+      <p:sp>
+        <p:nvSpPr>
+          <p:cNvPr id="2" name="Slide Image Placeholder 1"/>
+          <p:cNvSpPr>
+            <a:spLocks noGrp="1" noRot="1" noChangeAspect="1"/>
+          </p:cNvSpPr>
+          <p:nvPr>
+            <p:ph type="sldImg"/>
+          </p:nvPr>
+        </p:nvSpPr>
+        <p:spPr/>
+      </p:sp>
+      <p:sp>
+        <p:nvSpPr>
+          <p:cNvPr id="3" name="Notes Placeholder 2"/>
+          <p:cNvSpPr>
+            <a:spLocks noGrp="1"/>
+          </p:cNvSpPr>
+          <p:nvPr>
+            <p:ph type="body" idx="1"/>
+          </p:nvPr>
+        </p:nvSpPr>
+        <p:spPr/>
+        <p:txBody>
+          <a:bodyPr/>
+          <a:lstStyle/>
+          <a:p>
+            <a:r>
+              <a:rPr lang="en-US" dirty="0" smtClean="0"/>
+              <a:t>Easy to install devise with rails. Used to create</a:t>
+            </a:r>
+            <a:r>
+              <a:rPr lang="en-US" baseline="0" dirty="0" smtClean="0"/>
+              <a:t> user model; devise automatically creates user controller and login/signup views</a:t>
+            </a:r>
+          </a:p>
+          <a:p>
+            <a:r>
+              <a:rPr lang="en-US" baseline="0" dirty="0" smtClean="0"/>
+              <a:t>Passwords are encrypted upon sign up and sessions are created to keep use logged in on log in page</a:t>
+            </a:r>
+            <a:endParaRPr lang="en-US" dirty="0"/>
+          </a:p>
+        </p:txBody>
+      </p:sp>
+      <p:sp>
+        <p:nvSpPr>
+          <p:cNvPr id="4" name="Slide Number Placeholder 3"/>
+          <p:cNvSpPr>
+            <a:spLocks noGrp="1"/>
+          </p:cNvSpPr>
+          <p:nvPr>
+            <p:ph type="sldNum" sz="quarter" idx="10"/>
+          </p:nvPr>
+        </p:nvSpPr>
+        <p:spPr/>
+        <p:txBody>
+          <a:bodyPr/>
+          <a:lstStyle/>
+          <a:p>
+            <a:fld id="{F95F0DC2-549E-7541-8018-6C1359EE6273}" type="slidenum">
+              <a:rPr lang="en-US" smtClean="0"/>
+              <a:t>6</a:t>
+            </a:fld>
+            <a:endParaRPr lang="en-US"/>
+          </a:p>
+        </p:txBody>
+      </p:sp>
+    </p:spTree>
+    <p:extLst>
+      <p:ext uri="{BB962C8B-B14F-4D97-AF65-F5344CB8AC3E}">
+        <p14:creationId xmlns:p14="http://schemas.microsoft.com/office/powerpoint/2010/main" val="1547590594"/>
+      </p:ext>
+    </p:extLst>
+  </p:cSld>
+  <p:clrMapOvr>
+    <a:masterClrMapping/>
+  </p:clrMapOvr>
+</p:notes>
+</file>
+
 <file path=ppt/slideLayouts/slideLayout1.xml><?xml version="1.0" encoding="utf-8"?>
 <p:sldLayout xmlns:a="http://schemas.openxmlformats.org/drawingml/2006/main" xmlns:r="http://schemas.openxmlformats.org/officeDocument/2006/relationships" xmlns:p="http://schemas.openxmlformats.org/presentationml/2006/main" type="title" preserve="1">
   <p:cSld name="Title Slide">
@@ -9915,8 +10500,8 @@
         </p:nvSpPr>
         <p:spPr>
           <a:xfrm>
-            <a:off x="5624945" y="1815379"/>
-            <a:ext cx="750526" cy="369332"/>
+            <a:off x="5230794" y="1753033"/>
+            <a:ext cx="5381787" cy="2785378"/>
           </a:xfrm>
           <a:prstGeom prst="rect">
             <a:avLst/>
@@ -9924,46 +10509,80 @@
           <a:noFill/>
         </p:spPr>
         <p:txBody>
-          <a:bodyPr wrap="none" rtlCol="0">
+          <a:bodyPr wrap="square" rtlCol="0">
             <a:spAutoFit/>
           </a:bodyPr>
           <a:lstStyle/>
           <a:p>
             <a:r>
-              <a:rPr lang="en-US" dirty="0" smtClean="0"/>
+              <a:rPr lang="en-US" sz="2500" dirty="0" smtClean="0"/>
               <a:t>Views</a:t>
             </a:r>
-            <a:endParaRPr lang="en-US" dirty="0"/>
-          </a:p>
-        </p:txBody>
-      </p:sp>
-      <p:sp>
-        <p:nvSpPr>
-          <p:cNvPr id="6" name="TextBox 5"/>
-          <p:cNvSpPr txBox="1"/>
-          <p:nvPr/>
-        </p:nvSpPr>
-        <p:spPr>
-          <a:xfrm>
-            <a:off x="5624945" y="2452688"/>
-            <a:ext cx="1144865" cy="369332"/>
-          </a:xfrm>
-          <a:prstGeom prst="rect">
-            <a:avLst/>
-          </a:prstGeom>
-          <a:noFill/>
-        </p:spPr>
-        <p:txBody>
-          <a:bodyPr wrap="none" rtlCol="0">
-            <a:spAutoFit/>
-          </a:bodyPr>
-          <a:lstStyle/>
-          <a:p>
-            <a:r>
-              <a:rPr lang="en-US" dirty="0" smtClean="0"/>
-              <a:t>Controller</a:t>
-            </a:r>
-            <a:endParaRPr lang="en-US" dirty="0"/>
+          </a:p>
+          <a:p>
+            <a:pPr marL="285750" indent="-285750">
+              <a:buFont typeface="Arial" charset="0"/>
+              <a:buChar char="•"/>
+            </a:pPr>
+            <a:r>
+              <a:rPr lang="en-US" sz="2500" dirty="0" smtClean="0"/>
+              <a:t>Sign Up</a:t>
+            </a:r>
+          </a:p>
+          <a:p>
+            <a:pPr marL="285750" indent="-285750">
+              <a:buFont typeface="Arial" charset="0"/>
+              <a:buChar char="•"/>
+            </a:pPr>
+            <a:r>
+              <a:rPr lang="en-US" sz="2500" dirty="0" smtClean="0"/>
+              <a:t>Login</a:t>
+            </a:r>
+          </a:p>
+          <a:p>
+            <a:pPr marL="285750" indent="-285750">
+              <a:buFont typeface="Arial" charset="0"/>
+              <a:buChar char="•"/>
+            </a:pPr>
+            <a:endParaRPr lang="en-US" sz="2500" dirty="0"/>
+          </a:p>
+          <a:p>
+            <a:r>
+              <a:rPr lang="en-US" sz="2500" dirty="0" smtClean="0"/>
+              <a:t>Model</a:t>
+            </a:r>
+          </a:p>
+          <a:p>
+            <a:pPr marL="285750" indent="-285750">
+              <a:buFont typeface="Arial" charset="0"/>
+              <a:buChar char="•"/>
+            </a:pPr>
+            <a:r>
+              <a:rPr lang="en-US" sz="2500" dirty="0" err="1" smtClean="0"/>
+              <a:t>has_many</a:t>
+            </a:r>
+            <a:r>
+              <a:rPr lang="en-US" sz="2500" dirty="0" smtClean="0"/>
+              <a:t> :entries</a:t>
+            </a:r>
+          </a:p>
+          <a:p>
+            <a:pPr marL="285750" indent="-285750">
+              <a:buFont typeface="Arial" charset="0"/>
+              <a:buChar char="•"/>
+            </a:pPr>
+            <a:r>
+              <a:rPr lang="en-US" sz="2500" dirty="0" err="1"/>
+              <a:t>h</a:t>
+            </a:r>
+            <a:r>
+              <a:rPr lang="en-US" sz="2500" dirty="0" err="1" smtClean="0"/>
+              <a:t>as_many</a:t>
+            </a:r>
+            <a:r>
+              <a:rPr lang="en-US" sz="2500" dirty="0" smtClean="0"/>
+              <a:t> :goals</a:t>
+            </a:r>
           </a:p>
         </p:txBody>
       </p:sp>
@@ -10264,14 +10883,14 @@
       </p:graphicFrame>
       <p:sp>
         <p:nvSpPr>
-          <p:cNvPr id="5" name="TextBox 4"/>
+          <p:cNvPr id="7" name="TextBox 6"/>
           <p:cNvSpPr txBox="1"/>
           <p:nvPr/>
         </p:nvSpPr>
         <p:spPr>
           <a:xfrm>
-            <a:off x="5624945" y="1815379"/>
-            <a:ext cx="750526" cy="369332"/>
+            <a:off x="5230794" y="1753033"/>
+            <a:ext cx="5381787" cy="3170099"/>
           </a:xfrm>
           <a:prstGeom prst="rect">
             <a:avLst/>
@@ -10279,46 +10898,87 @@
           <a:noFill/>
         </p:spPr>
         <p:txBody>
-          <a:bodyPr wrap="none" rtlCol="0">
+          <a:bodyPr wrap="square" rtlCol="0">
             <a:spAutoFit/>
           </a:bodyPr>
           <a:lstStyle/>
           <a:p>
             <a:r>
-              <a:rPr lang="en-US" dirty="0" smtClean="0"/>
+              <a:rPr lang="en-US" sz="2500" dirty="0" smtClean="0"/>
               <a:t>Views</a:t>
             </a:r>
-            <a:endParaRPr lang="en-US" dirty="0"/>
-          </a:p>
-        </p:txBody>
-      </p:sp>
-      <p:sp>
-        <p:nvSpPr>
-          <p:cNvPr id="6" name="TextBox 5"/>
-          <p:cNvSpPr txBox="1"/>
-          <p:nvPr/>
-        </p:nvSpPr>
-        <p:spPr>
-          <a:xfrm>
-            <a:off x="5624945" y="2452688"/>
-            <a:ext cx="1144865" cy="369332"/>
-          </a:xfrm>
-          <a:prstGeom prst="rect">
-            <a:avLst/>
-          </a:prstGeom>
-          <a:noFill/>
-        </p:spPr>
-        <p:txBody>
-          <a:bodyPr wrap="none" rtlCol="0">
-            <a:spAutoFit/>
-          </a:bodyPr>
-          <a:lstStyle/>
-          <a:p>
-            <a:r>
-              <a:rPr lang="en-US" dirty="0" smtClean="0"/>
-              <a:t>Controller</a:t>
-            </a:r>
-            <a:endParaRPr lang="en-US" dirty="0"/>
+          </a:p>
+          <a:p>
+            <a:pPr marL="285750" indent="-285750">
+              <a:buFont typeface="Arial" charset="0"/>
+              <a:buChar char="•"/>
+            </a:pPr>
+            <a:r>
+              <a:rPr lang="en-US" sz="2500" dirty="0" smtClean="0"/>
+              <a:t>View All Goals</a:t>
+            </a:r>
+          </a:p>
+          <a:p>
+            <a:pPr marL="285750" indent="-285750">
+              <a:buFont typeface="Arial" charset="0"/>
+              <a:buChar char="•"/>
+            </a:pPr>
+            <a:r>
+              <a:rPr lang="en-US" sz="2500" dirty="0" smtClean="0"/>
+              <a:t>View Single Goal</a:t>
+            </a:r>
+          </a:p>
+          <a:p>
+            <a:pPr marL="285750" indent="-285750">
+              <a:buFont typeface="Arial" charset="0"/>
+              <a:buChar char="•"/>
+            </a:pPr>
+            <a:r>
+              <a:rPr lang="en-US" sz="2500" dirty="0" smtClean="0"/>
+              <a:t>Add Goal</a:t>
+            </a:r>
+          </a:p>
+          <a:p>
+            <a:pPr marL="285750" indent="-285750">
+              <a:buFont typeface="Arial" charset="0"/>
+              <a:buChar char="•"/>
+            </a:pPr>
+            <a:r>
+              <a:rPr lang="en-US" sz="2500" dirty="0" smtClean="0"/>
+              <a:t>Edit Goals</a:t>
+            </a:r>
+            <a:endParaRPr lang="en-US" sz="2500" dirty="0" smtClean="0"/>
+          </a:p>
+          <a:p>
+            <a:pPr marL="285750" indent="-285750">
+              <a:buFont typeface="Arial" charset="0"/>
+              <a:buChar char="•"/>
+            </a:pPr>
+            <a:endParaRPr lang="en-US" sz="2500" dirty="0"/>
+          </a:p>
+          <a:p>
+            <a:r>
+              <a:rPr lang="en-US" sz="2500" dirty="0" smtClean="0"/>
+              <a:t>Model</a:t>
+            </a:r>
+          </a:p>
+          <a:p>
+            <a:pPr marL="285750" indent="-285750">
+              <a:buFont typeface="Arial" charset="0"/>
+              <a:buChar char="•"/>
+            </a:pPr>
+            <a:r>
+              <a:rPr lang="en-US" sz="2500" dirty="0" err="1"/>
+              <a:t>b</a:t>
+            </a:r>
+            <a:r>
+              <a:rPr lang="en-US" sz="2500" dirty="0" err="1" smtClean="0"/>
+              <a:t>elongs_to</a:t>
+            </a:r>
+            <a:r>
+              <a:rPr lang="en-US" sz="2500" dirty="0" smtClean="0"/>
+              <a:t> :user</a:t>
+            </a:r>
           </a:p>
         </p:txBody>
       </p:sp>
@@ -10859,14 +11519,14 @@
       </p:graphicFrame>
       <p:sp>
         <p:nvSpPr>
-          <p:cNvPr id="5" name="TextBox 4"/>
+          <p:cNvPr id="7" name="TextBox 6"/>
           <p:cNvSpPr txBox="1"/>
           <p:nvPr/>
         </p:nvSpPr>
         <p:spPr>
           <a:xfrm>
-            <a:off x="5624945" y="1815379"/>
-            <a:ext cx="750526" cy="369332"/>
+            <a:off x="5230794" y="1753033"/>
+            <a:ext cx="5381787" cy="3554819"/>
           </a:xfrm>
           <a:prstGeom prst="rect">
             <a:avLst/>
@@ -10874,46 +11534,96 @@
           <a:noFill/>
         </p:spPr>
         <p:txBody>
-          <a:bodyPr wrap="none" rtlCol="0">
+          <a:bodyPr wrap="square" rtlCol="0">
             <a:spAutoFit/>
           </a:bodyPr>
           <a:lstStyle/>
           <a:p>
             <a:r>
-              <a:rPr lang="en-US" dirty="0" smtClean="0"/>
+              <a:rPr lang="en-US" sz="2500" dirty="0" smtClean="0"/>
               <a:t>Views</a:t>
             </a:r>
-            <a:endParaRPr lang="en-US" dirty="0"/>
-          </a:p>
-        </p:txBody>
-      </p:sp>
-      <p:sp>
-        <p:nvSpPr>
-          <p:cNvPr id="6" name="TextBox 5"/>
-          <p:cNvSpPr txBox="1"/>
-          <p:nvPr/>
-        </p:nvSpPr>
-        <p:spPr>
-          <a:xfrm>
-            <a:off x="5624945" y="2452688"/>
-            <a:ext cx="1144865" cy="369332"/>
-          </a:xfrm>
-          <a:prstGeom prst="rect">
-            <a:avLst/>
-          </a:prstGeom>
-          <a:noFill/>
-        </p:spPr>
-        <p:txBody>
-          <a:bodyPr wrap="none" rtlCol="0">
-            <a:spAutoFit/>
-          </a:bodyPr>
-          <a:lstStyle/>
-          <a:p>
-            <a:r>
-              <a:rPr lang="en-US" dirty="0" smtClean="0"/>
-              <a:t>Controller</a:t>
-            </a:r>
-            <a:endParaRPr lang="en-US" dirty="0"/>
+          </a:p>
+          <a:p>
+            <a:pPr marL="285750" indent="-285750">
+              <a:buFont typeface="Arial" charset="0"/>
+              <a:buChar char="•"/>
+            </a:pPr>
+            <a:r>
+              <a:rPr lang="en-US" sz="2500" dirty="0" smtClean="0"/>
+              <a:t>View All Entries (on calendar)</a:t>
+            </a:r>
+          </a:p>
+          <a:p>
+            <a:pPr marL="285750" indent="-285750">
+              <a:buFont typeface="Arial" charset="0"/>
+              <a:buChar char="•"/>
+            </a:pPr>
+            <a:r>
+              <a:rPr lang="en-US" sz="2500" dirty="0" smtClean="0"/>
+              <a:t>View Single Entry</a:t>
+            </a:r>
+          </a:p>
+          <a:p>
+            <a:pPr marL="285750" indent="-285750">
+              <a:buFont typeface="Arial" charset="0"/>
+              <a:buChar char="•"/>
+            </a:pPr>
+            <a:r>
+              <a:rPr lang="en-US" sz="2500" dirty="0" smtClean="0"/>
+              <a:t>Add Entry</a:t>
+            </a:r>
+          </a:p>
+          <a:p>
+            <a:pPr marL="285750" indent="-285750">
+              <a:buFont typeface="Arial" charset="0"/>
+              <a:buChar char="•"/>
+            </a:pPr>
+            <a:r>
+              <a:rPr lang="en-US" sz="2500" dirty="0" smtClean="0"/>
+              <a:t>Edit Entry</a:t>
+            </a:r>
+          </a:p>
+          <a:p>
+            <a:pPr marL="285750" indent="-285750">
+              <a:buFont typeface="Arial" charset="0"/>
+              <a:buChar char="•"/>
+            </a:pPr>
+            <a:r>
+              <a:rPr lang="en-US" sz="2500" dirty="0" smtClean="0"/>
+              <a:t>View Progress</a:t>
+            </a:r>
+          </a:p>
+          <a:p>
+            <a:pPr marL="285750" indent="-285750">
+              <a:buFont typeface="Arial" charset="0"/>
+              <a:buChar char="•"/>
+            </a:pPr>
+            <a:endParaRPr lang="en-US" sz="2500" dirty="0"/>
+          </a:p>
+          <a:p>
+            <a:r>
+              <a:rPr lang="en-US" sz="2500" dirty="0" smtClean="0"/>
+              <a:t>Model</a:t>
+            </a:r>
+          </a:p>
+          <a:p>
+            <a:pPr marL="285750" indent="-285750">
+              <a:buFont typeface="Arial" charset="0"/>
+              <a:buChar char="•"/>
+            </a:pPr>
+            <a:r>
+              <a:rPr lang="en-US" sz="2500" dirty="0" err="1"/>
+              <a:t>b</a:t>
+            </a:r>
+            <a:r>
+              <a:rPr lang="en-US" sz="2500" dirty="0" err="1" smtClean="0"/>
+              <a:t>elongs_to</a:t>
+            </a:r>
+            <a:r>
+              <a:rPr lang="en-US" sz="2500" dirty="0" smtClean="0"/>
+              <a:t> :user</a:t>
+            </a:r>
           </a:p>
         </p:txBody>
       </p:sp>
@@ -11660,8 +12370,8 @@
           </a:p>
           <a:p>
             <a:r>
-              <a:rPr lang="en-US" sz="4000" dirty="0" smtClean="0"/>
-              <a:t>Models</a:t>
+              <a:rPr lang="en-US" sz="4000" smtClean="0"/>
+              <a:t>Architecture &amp; Models</a:t>
             </a:r>
             <a:endParaRPr lang="en-US" sz="4000" dirty="0"/>
           </a:p>
@@ -11922,7 +12632,7 @@
           <p:nvPr/>
         </p:nvPicPr>
         <p:blipFill>
-          <a:blip r:embed="rId2">
+          <a:blip r:embed="rId3">
             <a:extLst>
               <a:ext uri="{28A0092B-C50C-407E-A947-70E740481C1C}">
                 <a14:useLocalDpi xmlns:a14="http://schemas.microsoft.com/office/drawing/2010/main" val="0"/>
@@ -11952,7 +12662,7 @@
           <p:nvPr/>
         </p:nvPicPr>
         <p:blipFill>
-          <a:blip r:embed="rId3">
+          <a:blip r:embed="rId4">
             <a:extLst>
               <a:ext uri="{28A0092B-C50C-407E-A947-70E740481C1C}">
                 <a14:useLocalDpi xmlns:a14="http://schemas.microsoft.com/office/drawing/2010/main" val="0"/>
@@ -11982,7 +12692,7 @@
           <p:nvPr/>
         </p:nvPicPr>
         <p:blipFill>
-          <a:blip r:embed="rId4">
+          <a:blip r:embed="rId5">
             <a:extLst>
               <a:ext uri="{28A0092B-C50C-407E-A947-70E740481C1C}">
                 <a14:useLocalDpi xmlns:a14="http://schemas.microsoft.com/office/drawing/2010/main" val="0"/>
@@ -12068,12 +12778,14 @@
         </p:nvSpPr>
         <p:spPr>
           <a:xfrm>
-            <a:off x="1120000" y="1825624"/>
+            <a:off x="1120000" y="1690688"/>
             <a:ext cx="10233800" cy="4665327"/>
           </a:xfrm>
         </p:spPr>
         <p:txBody>
-          <a:bodyPr/>
+          <a:bodyPr>
+            <a:normAutofit/>
+          </a:bodyPr>
           <a:lstStyle/>
           <a:p>
             <a:pPr marL="0" indent="0">
@@ -12109,24 +12821,19 @@
             <a:endParaRPr lang="en-US" dirty="0" smtClean="0"/>
           </a:p>
           <a:p>
+            <a:endParaRPr lang="en-US" dirty="0" smtClean="0"/>
+          </a:p>
+          <a:p>
             <a:r>
               <a:rPr lang="en-US" dirty="0" smtClean="0"/>
-              <a:t>/users/</a:t>
-            </a:r>
-            <a:r>
-              <a:rPr lang="en-US" dirty="0" err="1" smtClean="0"/>
-              <a:t>sign_up</a:t>
+              <a:t>Automatically creates user controller and login/signup views</a:t>
             </a:r>
             <a:endParaRPr lang="en-US" dirty="0"/>
           </a:p>
           <a:p>
             <a:r>
               <a:rPr lang="en-US" dirty="0" smtClean="0"/>
-              <a:t>/users/</a:t>
-            </a:r>
-            <a:r>
-              <a:rPr lang="en-US" dirty="0" err="1" smtClean="0"/>
-              <a:t>sign_in</a:t>
+              <a:t>Password encryption</a:t>
             </a:r>
             <a:endParaRPr lang="en-US" dirty="0" smtClean="0"/>
           </a:p>
@@ -12135,12 +12842,7 @@
               <a:rPr lang="en-US" dirty="0" smtClean="0"/>
               <a:t>Sessions</a:t>
             </a:r>
-          </a:p>
-          <a:p>
-            <a:r>
-              <a:rPr lang="en-US" dirty="0" smtClean="0"/>
-              <a:t>Password encryption</a:t>
-            </a:r>
+            <a:endParaRPr lang="en-US" dirty="0" smtClean="0"/>
           </a:p>
           <a:p>
             <a:endParaRPr lang="en-US" dirty="0" smtClean="0"/>
@@ -12869,4 +13571,265 @@
     </a:ext>
   </a:extLst>
 </a:theme>
+</file>
+
+<file path=ppt/theme/theme2.xml><?xml version="1.0" encoding="utf-8"?>
+<a:theme xmlns:a="http://schemas.openxmlformats.org/drawingml/2006/main" name="Office Theme">
+  <a:themeElements>
+    <a:clrScheme name="Office">
+      <a:dk1>
+        <a:sysClr val="windowText" lastClr="000000"/>
+      </a:dk1>
+      <a:lt1>
+        <a:sysClr val="window" lastClr="FFFFFF"/>
+      </a:lt1>
+      <a:dk2>
+        <a:srgbClr val="44546A"/>
+      </a:dk2>
+      <a:lt2>
+        <a:srgbClr val="E7E6E6"/>
+      </a:lt2>
+      <a:accent1>
+        <a:srgbClr val="5B9BD5"/>
+      </a:accent1>
+      <a:accent2>
+        <a:srgbClr val="ED7D31"/>
+      </a:accent2>
+      <a:accent3>
+        <a:srgbClr val="A5A5A5"/>
+      </a:accent3>
+      <a:accent4>
+        <a:srgbClr val="FFC000"/>
+      </a:accent4>
+      <a:accent5>
+        <a:srgbClr val="4472C4"/>
+      </a:accent5>
+      <a:accent6>
+        <a:srgbClr val="70AD47"/>
+      </a:accent6>
+      <a:hlink>
+        <a:srgbClr val="0563C1"/>
+      </a:hlink>
+      <a:folHlink>
+        <a:srgbClr val="954F72"/>
+      </a:folHlink>
+    </a:clrScheme>
+    <a:fontScheme name="Office">
+      <a:majorFont>
+        <a:latin typeface="Calibri Light" panose="020F0302020204030204"/>
+        <a:ea typeface=""/>
+        <a:cs typeface=""/>
+        <a:font script="Jpan" typeface="Yu Gothic Light"/>
+        <a:font script="Hang" typeface="맑은 고딕"/>
+        <a:font script="Hans" typeface="DengXian Light"/>
+        <a:font script="Hant" typeface="新細明體"/>
+        <a:font script="Arab" typeface="Times New Roman"/>
+        <a:font script="Hebr" typeface="Times New Roman"/>
+        <a:font script="Thai" typeface="Angsana New"/>
+        <a:font script="Ethi" typeface="Nyala"/>
+        <a:font script="Beng" typeface="Vrinda"/>
+        <a:font script="Gujr" typeface="Shruti"/>
+        <a:font script="Khmr" typeface="MoolBoran"/>
+        <a:font script="Knda" typeface="Tunga"/>
+        <a:font script="Guru" typeface="Raavi"/>
+        <a:font script="Cans" typeface="Euphemia"/>
+        <a:font script="Cher" typeface="Plantagenet Cherokee"/>
+        <a:font script="Yiii" typeface="Microsoft Yi Baiti"/>
+        <a:font script="Tibt" typeface="Microsoft Himalaya"/>
+        <a:font script="Thaa" typeface="MV Boli"/>
+        <a:font script="Deva" typeface="Mangal"/>
+        <a:font script="Telu" typeface="Gautami"/>
+        <a:font script="Taml" typeface="Latha"/>
+        <a:font script="Syrc" typeface="Estrangelo Edessa"/>
+        <a:font script="Orya" typeface="Kalinga"/>
+        <a:font script="Mlym" typeface="Kartika"/>
+        <a:font script="Laoo" typeface="DokChampa"/>
+        <a:font script="Sinh" typeface="Iskoola Pota"/>
+        <a:font script="Mong" typeface="Mongolian Baiti"/>
+        <a:font script="Viet" typeface="Times New Roman"/>
+        <a:font script="Uigh" typeface="Microsoft Uighur"/>
+        <a:font script="Geor" typeface="Sylfaen"/>
+      </a:majorFont>
+      <a:minorFont>
+        <a:latin typeface="Calibri" panose="020F0502020204030204"/>
+        <a:ea typeface=""/>
+        <a:cs typeface=""/>
+        <a:font script="Jpan" typeface="Yu Gothic"/>
+        <a:font script="Hang" typeface="맑은 고딕"/>
+        <a:font script="Hans" typeface="DengXian"/>
+        <a:font script="Hant" typeface="新細明體"/>
+        <a:font script="Arab" typeface="Arial"/>
+        <a:font script="Hebr" typeface="Arial"/>
+        <a:font script="Thai" typeface="Cordia New"/>
+        <a:font script="Ethi" typeface="Nyala"/>
+        <a:font script="Beng" typeface="Vrinda"/>
+        <a:font script="Gujr" typeface="Shruti"/>
+        <a:font script="Khmr" typeface="DaunPenh"/>
+        <a:font script="Knda" typeface="Tunga"/>
+        <a:font script="Guru" typeface="Raavi"/>
+        <a:font script="Cans" typeface="Euphemia"/>
+        <a:font script="Cher" typeface="Plantagenet Cherokee"/>
+        <a:font script="Yiii" typeface="Microsoft Yi Baiti"/>
+        <a:font script="Tibt" typeface="Microsoft Himalaya"/>
+        <a:font script="Thaa" typeface="MV Boli"/>
+        <a:font script="Deva" typeface="Mangal"/>
+        <a:font script="Telu" typeface="Gautami"/>
+        <a:font script="Taml" typeface="Latha"/>
+        <a:font script="Syrc" typeface="Estrangelo Edessa"/>
+        <a:font script="Orya" typeface="Kalinga"/>
+        <a:font script="Mlym" typeface="Kartika"/>
+        <a:font script="Laoo" typeface="DokChampa"/>
+        <a:font script="Sinh" typeface="Iskoola Pota"/>
+        <a:font script="Mong" typeface="Mongolian Baiti"/>
+        <a:font script="Viet" typeface="Arial"/>
+        <a:font script="Uigh" typeface="Microsoft Uighur"/>
+        <a:font script="Geor" typeface="Sylfaen"/>
+      </a:minorFont>
+    </a:fontScheme>
+    <a:fmtScheme name="Office">
+      <a:fillStyleLst>
+        <a:solidFill>
+          <a:schemeClr val="phClr"/>
+        </a:solidFill>
+        <a:gradFill rotWithShape="1">
+          <a:gsLst>
+            <a:gs pos="0">
+              <a:schemeClr val="phClr">
+                <a:lumMod val="110000"/>
+                <a:satMod val="105000"/>
+                <a:tint val="67000"/>
+              </a:schemeClr>
+            </a:gs>
+            <a:gs pos="50000">
+              <a:schemeClr val="phClr">
+                <a:lumMod val="105000"/>
+                <a:satMod val="103000"/>
+                <a:tint val="73000"/>
+              </a:schemeClr>
+            </a:gs>
+            <a:gs pos="100000">
+              <a:schemeClr val="phClr">
+                <a:lumMod val="105000"/>
+                <a:satMod val="109000"/>
+                <a:tint val="81000"/>
+              </a:schemeClr>
+            </a:gs>
+          </a:gsLst>
+          <a:lin ang="5400000" scaled="0"/>
+        </a:gradFill>
+        <a:gradFill rotWithShape="1">
+          <a:gsLst>
+            <a:gs pos="0">
+              <a:schemeClr val="phClr">
+                <a:satMod val="103000"/>
+                <a:lumMod val="102000"/>
+                <a:tint val="94000"/>
+              </a:schemeClr>
+            </a:gs>
+            <a:gs pos="50000">
+              <a:schemeClr val="phClr">
+                <a:satMod val="110000"/>
+                <a:lumMod val="100000"/>
+                <a:shade val="100000"/>
+              </a:schemeClr>
+            </a:gs>
+            <a:gs pos="100000">
+              <a:schemeClr val="phClr">
+                <a:lumMod val="99000"/>
+                <a:satMod val="120000"/>
+                <a:shade val="78000"/>
+              </a:schemeClr>
+            </a:gs>
+          </a:gsLst>
+          <a:lin ang="5400000" scaled="0"/>
+        </a:gradFill>
+      </a:fillStyleLst>
+      <a:lnStyleLst>
+        <a:ln w="6350" cap="flat" cmpd="sng" algn="ctr">
+          <a:solidFill>
+            <a:schemeClr val="phClr"/>
+          </a:solidFill>
+          <a:prstDash val="solid"/>
+          <a:miter lim="800000"/>
+        </a:ln>
+        <a:ln w="12700" cap="flat" cmpd="sng" algn="ctr">
+          <a:solidFill>
+            <a:schemeClr val="phClr"/>
+          </a:solidFill>
+          <a:prstDash val="solid"/>
+          <a:miter lim="800000"/>
+        </a:ln>
+        <a:ln w="19050" cap="flat" cmpd="sng" algn="ctr">
+          <a:solidFill>
+            <a:schemeClr val="phClr"/>
+          </a:solidFill>
+          <a:prstDash val="solid"/>
+          <a:miter lim="800000"/>
+        </a:ln>
+      </a:lnStyleLst>
+      <a:effectStyleLst>
+        <a:effectStyle>
+          <a:effectLst/>
+        </a:effectStyle>
+        <a:effectStyle>
+          <a:effectLst/>
+        </a:effectStyle>
+        <a:effectStyle>
+          <a:effectLst>
+            <a:outerShdw blurRad="57150" dist="19050" dir="5400000" algn="ctr" rotWithShape="0">
+              <a:srgbClr val="000000">
+                <a:alpha val="63000"/>
+              </a:srgbClr>
+            </a:outerShdw>
+          </a:effectLst>
+        </a:effectStyle>
+      </a:effectStyleLst>
+      <a:bgFillStyleLst>
+        <a:solidFill>
+          <a:schemeClr val="phClr"/>
+        </a:solidFill>
+        <a:solidFill>
+          <a:schemeClr val="phClr">
+            <a:tint val="95000"/>
+            <a:satMod val="170000"/>
+          </a:schemeClr>
+        </a:solidFill>
+        <a:gradFill rotWithShape="1">
+          <a:gsLst>
+            <a:gs pos="0">
+              <a:schemeClr val="phClr">
+                <a:tint val="93000"/>
+                <a:satMod val="150000"/>
+                <a:shade val="98000"/>
+                <a:lumMod val="102000"/>
+              </a:schemeClr>
+            </a:gs>
+            <a:gs pos="50000">
+              <a:schemeClr val="phClr">
+                <a:tint val="98000"/>
+                <a:satMod val="130000"/>
+                <a:shade val="90000"/>
+                <a:lumMod val="103000"/>
+              </a:schemeClr>
+            </a:gs>
+            <a:gs pos="100000">
+              <a:schemeClr val="phClr">
+                <a:shade val="63000"/>
+                <a:satMod val="120000"/>
+              </a:schemeClr>
+            </a:gs>
+          </a:gsLst>
+          <a:lin ang="5400000" scaled="0"/>
+        </a:gradFill>
+      </a:bgFillStyleLst>
+    </a:fmtScheme>
+  </a:themeElements>
+  <a:objectDefaults/>
+  <a:extraClrSchemeLst/>
+  <a:extLst>
+    <a:ext uri="{05A4C25C-085E-4340-85A3-A5531E510DB2}">
+      <thm15:themeFamily xmlns:thm15="http://schemas.microsoft.com/office/thememl/2012/main" name="Office Theme" id="{62F939B6-93AF-4DB8-9C6B-D6C7DFDC589F}" vid="{4A3C46E8-61CC-4603-A589-7422A47A8E4A}"/>
+    </a:ext>
+  </a:extLst>
+</a:theme>
 </file>
--- a/Presentation.pptx
+++ b/Presentation.pptx
@@ -204,7 +204,7 @@
           <a:bodyPr lIns="0" rIns="0" tIns="0" bIns="0" anchor="b"/>
           <a:p>
             <a:pPr algn="r"/>
-            <a:fld id="{3B0B7554-526B-4F76-8A1D-18DE3A9F1C75}" type="slidenum">
+            <a:fld id="{8981B9BC-A699-431B-8723-5F8F919D67CA}" type="slidenum">
               <a:rPr lang="en-US" sz="1400">
                 <a:latin typeface="Times New Roman"/>
               </a:rPr>
@@ -239,7 +239,7 @@
       </p:grpSpPr>
       <p:sp>
         <p:nvSpPr>
-          <p:cNvPr id="165" name="PlaceHolder 1"/>
+          <p:cNvPr id="168" name="PlaceHolder 1"/>
           <p:cNvSpPr>
             <a:spLocks noGrp="1"/>
           </p:cNvSpPr>
@@ -250,7 +250,7 @@
         <p:spPr>
           <a:xfrm>
             <a:off x="685800" y="4400640"/>
-            <a:ext cx="5485320" cy="3599280"/>
+            <a:ext cx="5484960" cy="3598920"/>
           </a:xfrm>
           <a:prstGeom prst="rect">
             <a:avLst/>
@@ -271,14 +271,14 @@
       </p:sp>
       <p:sp>
         <p:nvSpPr>
-          <p:cNvPr id="166" name="CustomShape 2"/>
+          <p:cNvPr id="169" name="CustomShape 2"/>
           <p:cNvSpPr/>
           <p:nvPr/>
         </p:nvSpPr>
         <p:spPr>
           <a:xfrm>
             <a:off x="3884760" y="8685360"/>
-            <a:ext cx="2970720" cy="457560"/>
+            <a:ext cx="2970360" cy="457200"/>
           </a:xfrm>
           <a:prstGeom prst="rect">
             <a:avLst/>
@@ -296,7 +296,7 @@
                 <a:spcPct val="100000"/>
               </a:lnSpc>
             </a:pPr>
-            <a:fld id="{7D2587AA-5C13-4083-BB05-E24AE53C9BB4}" type="slidenum">
+            <a:fld id="{81C3A462-52DA-4ABB-AFF1-9C67CC9DB625}" type="slidenum">
               <a:rPr lang="en-US" sz="1200">
                 <a:solidFill>
                   <a:srgbClr val="000000"/>
@@ -334,7 +334,7 @@
       </p:grpSpPr>
       <p:sp>
         <p:nvSpPr>
-          <p:cNvPr id="167" name="PlaceHolder 1"/>
+          <p:cNvPr id="170" name="PlaceHolder 1"/>
           <p:cNvSpPr>
             <a:spLocks noGrp="1"/>
           </p:cNvSpPr>
@@ -345,7 +345,7 @@
         <p:spPr>
           <a:xfrm>
             <a:off x="685800" y="4400640"/>
-            <a:ext cx="5485320" cy="3599280"/>
+            <a:ext cx="5484960" cy="3598920"/>
           </a:xfrm>
           <a:prstGeom prst="rect">
             <a:avLst/>
@@ -375,14 +375,14 @@
       </p:sp>
       <p:sp>
         <p:nvSpPr>
-          <p:cNvPr id="168" name="CustomShape 2"/>
+          <p:cNvPr id="171" name="CustomShape 2"/>
           <p:cNvSpPr/>
           <p:nvPr/>
         </p:nvSpPr>
         <p:spPr>
           <a:xfrm>
             <a:off x="3884760" y="8685360"/>
-            <a:ext cx="2970720" cy="457560"/>
+            <a:ext cx="2970360" cy="457200"/>
           </a:xfrm>
           <a:prstGeom prst="rect">
             <a:avLst/>
@@ -400,7 +400,7 @@
                 <a:spcPct val="100000"/>
               </a:lnSpc>
             </a:pPr>
-            <a:fld id="{E030283D-27AE-49A8-B9B6-70E74C327EBC}" type="slidenum">
+            <a:fld id="{D537C831-01F8-48A4-96A6-644AD037CBD0}" type="slidenum">
               <a:rPr lang="en-US" sz="1200">
                 <a:solidFill>
                   <a:srgbClr val="000000"/>
@@ -752,7 +752,7 @@
         <p:spPr>
           <a:xfrm>
             <a:off x="609480" y="1604520"/>
-            <a:ext cx="10972440" cy="3977280"/>
+            <a:ext cx="10972440" cy="3976920"/>
           </a:xfrm>
           <a:prstGeom prst="rect">
             <a:avLst/>
@@ -778,7 +778,7 @@
         <p:spPr>
           <a:xfrm>
             <a:off x="609480" y="1604520"/>
-            <a:ext cx="10972440" cy="3977280"/>
+            <a:ext cx="10972440" cy="3976920"/>
           </a:xfrm>
           <a:prstGeom prst="rect">
             <a:avLst/>
@@ -805,8 +805,8 @@
         </p:blipFill>
         <p:spPr>
           <a:xfrm>
-            <a:off x="3602880" y="1604520"/>
-            <a:ext cx="4984920" cy="3977280"/>
+            <a:off x="3603240" y="1604160"/>
+            <a:ext cx="4984200" cy="3976920"/>
           </a:xfrm>
           <a:prstGeom prst="rect">
             <a:avLst/>
@@ -830,8 +830,8 @@
         </p:blipFill>
         <p:spPr>
           <a:xfrm>
-            <a:off x="3602880" y="1604520"/>
-            <a:ext cx="4984920" cy="3977280"/>
+            <a:off x="3603240" y="1604160"/>
+            <a:ext cx="4984200" cy="3976920"/>
           </a:xfrm>
           <a:prstGeom prst="rect">
             <a:avLst/>
@@ -925,7 +925,7 @@
         <p:spPr>
           <a:xfrm>
             <a:off x="609480" y="1604520"/>
-            <a:ext cx="10972440" cy="3977640"/>
+            <a:ext cx="10972440" cy="3977280"/>
           </a:xfrm>
           <a:prstGeom prst="rect">
             <a:avLst/>
@@ -1001,7 +1001,7 @@
         <p:spPr>
           <a:xfrm>
             <a:off x="609480" y="1604520"/>
-            <a:ext cx="10972440" cy="3977280"/>
+            <a:ext cx="10972440" cy="3976920"/>
           </a:xfrm>
           <a:prstGeom prst="rect">
             <a:avLst/>
@@ -1076,7 +1076,7 @@
         <p:spPr>
           <a:xfrm>
             <a:off x="609480" y="1604520"/>
-            <a:ext cx="5354280" cy="3977280"/>
+            <a:ext cx="5354280" cy="3976920"/>
           </a:xfrm>
           <a:prstGeom prst="rect">
             <a:avLst/>
@@ -1102,7 +1102,7 @@
         <p:spPr>
           <a:xfrm>
             <a:off x="6231960" y="1604520"/>
-            <a:ext cx="5354280" cy="3977280"/>
+            <a:ext cx="5354280" cy="3976920"/>
           </a:xfrm>
           <a:prstGeom prst="rect">
             <a:avLst/>
@@ -1327,7 +1327,7 @@
         <p:spPr>
           <a:xfrm>
             <a:off x="6231960" y="1604520"/>
-            <a:ext cx="5354280" cy="3977280"/>
+            <a:ext cx="5354280" cy="3976920"/>
           </a:xfrm>
           <a:prstGeom prst="rect">
             <a:avLst/>
@@ -1402,7 +1402,7 @@
         <p:spPr>
           <a:xfrm>
             <a:off x="609480" y="1604520"/>
-            <a:ext cx="10972440" cy="3977640"/>
+            <a:ext cx="10972440" cy="3977280"/>
           </a:xfrm>
           <a:prstGeom prst="rect">
             <a:avLst/>
@@ -1478,7 +1478,7 @@
         <p:spPr>
           <a:xfrm>
             <a:off x="609480" y="1604520"/>
-            <a:ext cx="5354280" cy="3977280"/>
+            <a:ext cx="5354280" cy="3976920"/>
           </a:xfrm>
           <a:prstGeom prst="rect">
             <a:avLst/>
@@ -1986,7 +1986,7 @@
         <p:spPr>
           <a:xfrm>
             <a:off x="609480" y="1604520"/>
-            <a:ext cx="10972440" cy="3977280"/>
+            <a:ext cx="10972440" cy="3976920"/>
           </a:xfrm>
           <a:prstGeom prst="rect">
             <a:avLst/>
@@ -2012,7 +2012,7 @@
         <p:spPr>
           <a:xfrm>
             <a:off x="609480" y="1604520"/>
-            <a:ext cx="10972440" cy="3977280"/>
+            <a:ext cx="10972440" cy="3976920"/>
           </a:xfrm>
           <a:prstGeom prst="rect">
             <a:avLst/>
@@ -2039,8 +2039,8 @@
         </p:blipFill>
         <p:spPr>
           <a:xfrm>
-            <a:off x="3602880" y="1604520"/>
-            <a:ext cx="4984920" cy="3977280"/>
+            <a:off x="3603240" y="1604160"/>
+            <a:ext cx="4984200" cy="3976920"/>
           </a:xfrm>
           <a:prstGeom prst="rect">
             <a:avLst/>
@@ -2064,8 +2064,8 @@
         </p:blipFill>
         <p:spPr>
           <a:xfrm>
-            <a:off x="3602880" y="1604520"/>
-            <a:ext cx="4984920" cy="3977280"/>
+            <a:off x="3603240" y="1604160"/>
+            <a:ext cx="4984200" cy="3976920"/>
           </a:xfrm>
           <a:prstGeom prst="rect">
             <a:avLst/>
@@ -2159,7 +2159,7 @@
         <p:spPr>
           <a:xfrm>
             <a:off x="609480" y="1604520"/>
-            <a:ext cx="10972440" cy="3977640"/>
+            <a:ext cx="10972440" cy="3977280"/>
           </a:xfrm>
           <a:prstGeom prst="rect">
             <a:avLst/>
@@ -2235,7 +2235,7 @@
         <p:spPr>
           <a:xfrm>
             <a:off x="609480" y="1604520"/>
-            <a:ext cx="10972440" cy="3977280"/>
+            <a:ext cx="10972440" cy="3976920"/>
           </a:xfrm>
           <a:prstGeom prst="rect">
             <a:avLst/>
@@ -2310,7 +2310,7 @@
         <p:spPr>
           <a:xfrm>
             <a:off x="609480" y="1604520"/>
-            <a:ext cx="5354280" cy="3977280"/>
+            <a:ext cx="5354280" cy="3976920"/>
           </a:xfrm>
           <a:prstGeom prst="rect">
             <a:avLst/>
@@ -2336,7 +2336,7 @@
         <p:spPr>
           <a:xfrm>
             <a:off x="6231960" y="1604520"/>
-            <a:ext cx="5354280" cy="3977280"/>
+            <a:ext cx="5354280" cy="3976920"/>
           </a:xfrm>
           <a:prstGeom prst="rect">
             <a:avLst/>
@@ -2460,7 +2460,7 @@
         <p:spPr>
           <a:xfrm>
             <a:off x="609480" y="1604520"/>
-            <a:ext cx="10972440" cy="3977280"/>
+            <a:ext cx="10972440" cy="3976920"/>
           </a:xfrm>
           <a:prstGeom prst="rect">
             <a:avLst/>
@@ -2636,7 +2636,7 @@
         <p:spPr>
           <a:xfrm>
             <a:off x="6231960" y="1604520"/>
-            <a:ext cx="5354280" cy="3977280"/>
+            <a:ext cx="5354280" cy="3976920"/>
           </a:xfrm>
           <a:prstGeom prst="rect">
             <a:avLst/>
@@ -2711,7 +2711,7 @@
         <p:spPr>
           <a:xfrm>
             <a:off x="609480" y="1604520"/>
-            <a:ext cx="5354280" cy="3977280"/>
+            <a:ext cx="5354280" cy="3976920"/>
           </a:xfrm>
           <a:prstGeom prst="rect">
             <a:avLst/>
@@ -3219,7 +3219,7 @@
         <p:spPr>
           <a:xfrm>
             <a:off x="609480" y="1604520"/>
-            <a:ext cx="10972440" cy="3977280"/>
+            <a:ext cx="10972440" cy="3976920"/>
           </a:xfrm>
           <a:prstGeom prst="rect">
             <a:avLst/>
@@ -3245,7 +3245,7 @@
         <p:spPr>
           <a:xfrm>
             <a:off x="609480" y="1604520"/>
-            <a:ext cx="10972440" cy="3977280"/>
+            <a:ext cx="10972440" cy="3976920"/>
           </a:xfrm>
           <a:prstGeom prst="rect">
             <a:avLst/>
@@ -3272,8 +3272,8 @@
         </p:blipFill>
         <p:spPr>
           <a:xfrm>
-            <a:off x="3602880" y="1604520"/>
-            <a:ext cx="4984920" cy="3977280"/>
+            <a:off x="3603240" y="1604160"/>
+            <a:ext cx="4984200" cy="3976920"/>
           </a:xfrm>
           <a:prstGeom prst="rect">
             <a:avLst/>
@@ -3297,8 +3297,8 @@
         </p:blipFill>
         <p:spPr>
           <a:xfrm>
-            <a:off x="3602880" y="1604520"/>
-            <a:ext cx="4984920" cy="3977280"/>
+            <a:off x="3603240" y="1604160"/>
+            <a:ext cx="4984200" cy="3976920"/>
           </a:xfrm>
           <a:prstGeom prst="rect">
             <a:avLst/>
@@ -3370,7 +3370,7 @@
         <p:spPr>
           <a:xfrm>
             <a:off x="609480" y="1604520"/>
-            <a:ext cx="5354280" cy="3977280"/>
+            <a:ext cx="5354280" cy="3976920"/>
           </a:xfrm>
           <a:prstGeom prst="rect">
             <a:avLst/>
@@ -3396,7 +3396,7 @@
         <p:spPr>
           <a:xfrm>
             <a:off x="6231960" y="1604520"/>
-            <a:ext cx="5354280" cy="3977280"/>
+            <a:ext cx="5354280" cy="3976920"/>
           </a:xfrm>
           <a:prstGeom prst="rect">
             <a:avLst/>
@@ -3621,7 +3621,7 @@
         <p:spPr>
           <a:xfrm>
             <a:off x="6231960" y="1604520"/>
-            <a:ext cx="5354280" cy="3977280"/>
+            <a:ext cx="5354280" cy="3976920"/>
           </a:xfrm>
           <a:prstGeom prst="rect">
             <a:avLst/>
@@ -3696,7 +3696,7 @@
         <p:spPr>
           <a:xfrm>
             <a:off x="609480" y="1604520"/>
-            <a:ext cx="5354280" cy="3977280"/>
+            <a:ext cx="5354280" cy="3976920"/>
           </a:xfrm>
           <a:prstGeom prst="rect">
             <a:avLst/>
@@ -3933,7 +3933,7 @@
         <p:spPr>
           <a:xfrm>
             <a:off x="609480" y="273600"/>
-            <a:ext cx="10972080" cy="1144800"/>
+            <a:ext cx="10972440" cy="1144800"/>
           </a:xfrm>
           <a:prstGeom prst="rect">
             <a:avLst/>
@@ -3942,8 +3942,9 @@
         <p:txBody>
           <a:bodyPr lIns="0" rIns="0" tIns="0" bIns="0" anchor="ctr"/>
           <a:p>
-            <a:r>
-              <a:rPr lang="en-US">
+            <a:pPr algn="ctr"/>
+            <a:r>
+              <a:rPr lang="en-US" sz="4400">
                 <a:latin typeface="Arial"/>
               </a:rPr>
               <a:t>Click to edit the title text format</a:t>
@@ -3965,7 +3966,7 @@
         <p:spPr>
           <a:xfrm>
             <a:off x="609480" y="1604520"/>
-            <a:ext cx="10972080" cy="3976920"/>
+            <a:ext cx="10972440" cy="3976920"/>
           </a:xfrm>
           <a:prstGeom prst="rect">
             <a:avLst/>
@@ -3980,7 +3981,7 @@
               <a:buChar char=""/>
             </a:pPr>
             <a:r>
-              <a:rPr lang="en-US">
+              <a:rPr lang="en-US" sz="3200">
                 <a:latin typeface="Arial"/>
               </a:rPr>
               <a:t>Click to edit the outline text format</a:t>
@@ -3994,7 +3995,7 @@
               <a:buChar char=""/>
             </a:pPr>
             <a:r>
-              <a:rPr lang="en-US">
+              <a:rPr lang="en-US" sz="2800">
                 <a:latin typeface="Arial"/>
               </a:rPr>
               <a:t>Second Outline Level</a:t>
@@ -4008,7 +4009,7 @@
               <a:buChar char=""/>
             </a:pPr>
             <a:r>
-              <a:rPr lang="en-US">
+              <a:rPr lang="en-US" sz="2400">
                 <a:latin typeface="Arial"/>
               </a:rPr>
               <a:t>Third Outline Level</a:t>
@@ -4022,7 +4023,7 @@
               <a:buChar char=""/>
             </a:pPr>
             <a:r>
-              <a:rPr lang="en-US">
+              <a:rPr lang="en-US" sz="2000">
                 <a:latin typeface="Arial"/>
               </a:rPr>
               <a:t>Fourth Outline Level</a:t>
@@ -4036,7 +4037,7 @@
               <a:buChar char=""/>
             </a:pPr>
             <a:r>
-              <a:rPr lang="en-US">
+              <a:rPr lang="en-US" sz="2000">
                 <a:latin typeface="Arial"/>
               </a:rPr>
               <a:t>Fifth Outline Level</a:t>
@@ -4050,7 +4051,7 @@
               <a:buChar char=""/>
             </a:pPr>
             <a:r>
-              <a:rPr lang="en-US">
+              <a:rPr lang="en-US" sz="2000">
                 <a:latin typeface="Arial"/>
               </a:rPr>
               <a:t>Sixth Outline Level</a:t>
@@ -4064,7 +4065,7 @@
               <a:buChar char=""/>
             </a:pPr>
             <a:r>
-              <a:rPr lang="en-US">
+              <a:rPr lang="en-US" sz="2000">
                 <a:latin typeface="Arial"/>
               </a:rPr>
               <a:t>Seventh Outline Level</a:t>
@@ -4166,7 +4167,7 @@
         <p:spPr>
           <a:xfrm>
             <a:off x="609480" y="1604520"/>
-            <a:ext cx="10972440" cy="3977280"/>
+            <a:ext cx="10972440" cy="3976920"/>
           </a:xfrm>
           <a:prstGeom prst="rect">
             <a:avLst/>
@@ -4334,7 +4335,7 @@
         <p:spPr>
           <a:xfrm>
             <a:off x="609480" y="273600"/>
-            <a:ext cx="10972080" cy="1144800"/>
+            <a:ext cx="10972440" cy="1144800"/>
           </a:xfrm>
           <a:prstGeom prst="rect">
             <a:avLst/>
@@ -4343,8 +4344,9 @@
         <p:txBody>
           <a:bodyPr lIns="0" rIns="0" tIns="0" bIns="0" anchor="ctr"/>
           <a:p>
-            <a:r>
-              <a:rPr lang="en-US">
+            <a:pPr algn="ctr"/>
+            <a:r>
+              <a:rPr lang="en-US" sz="4400">
                 <a:latin typeface="Arial"/>
               </a:rPr>
               <a:t>Click to edit the title text format</a:t>
@@ -4366,7 +4368,7 @@
         <p:spPr>
           <a:xfrm>
             <a:off x="609480" y="1604520"/>
-            <a:ext cx="10972080" cy="3976920"/>
+            <a:ext cx="10972440" cy="3976920"/>
           </a:xfrm>
           <a:prstGeom prst="rect">
             <a:avLst/>
@@ -4381,7 +4383,7 @@
               <a:buChar char=""/>
             </a:pPr>
             <a:r>
-              <a:rPr lang="en-US">
+              <a:rPr lang="en-US" sz="3200">
                 <a:latin typeface="Arial"/>
               </a:rPr>
               <a:t>Click to edit the outline text format</a:t>
@@ -4395,7 +4397,7 @@
               <a:buChar char=""/>
             </a:pPr>
             <a:r>
-              <a:rPr lang="en-US">
+              <a:rPr lang="en-US" sz="2800">
                 <a:latin typeface="Arial"/>
               </a:rPr>
               <a:t>Second Outline Level</a:t>
@@ -4409,7 +4411,7 @@
               <a:buChar char=""/>
             </a:pPr>
             <a:r>
-              <a:rPr lang="en-US">
+              <a:rPr lang="en-US" sz="2400">
                 <a:latin typeface="Arial"/>
               </a:rPr>
               <a:t>Third Outline Level</a:t>
@@ -4423,7 +4425,7 @@
               <a:buChar char=""/>
             </a:pPr>
             <a:r>
-              <a:rPr lang="en-US">
+              <a:rPr lang="en-US" sz="2000">
                 <a:latin typeface="Arial"/>
               </a:rPr>
               <a:t>Fourth Outline Level</a:t>
@@ -4437,7 +4439,7 @@
               <a:buChar char=""/>
             </a:pPr>
             <a:r>
-              <a:rPr lang="en-US">
+              <a:rPr lang="en-US" sz="2000">
                 <a:latin typeface="Arial"/>
               </a:rPr>
               <a:t>Fifth Outline Level</a:t>
@@ -4451,7 +4453,7 @@
               <a:buChar char=""/>
             </a:pPr>
             <a:r>
-              <a:rPr lang="en-US">
+              <a:rPr lang="en-US" sz="2000">
                 <a:latin typeface="Arial"/>
               </a:rPr>
               <a:t>Sixth Outline Level</a:t>
@@ -4465,7 +4467,7 @@
               <a:buChar char=""/>
             </a:pPr>
             <a:r>
-              <a:rPr lang="en-US">
+              <a:rPr lang="en-US" sz="2000">
                 <a:latin typeface="Arial"/>
               </a:rPr>
               <a:t>Seventh Outline Level</a:t>
@@ -4520,7 +4522,7 @@
         <p:spPr>
           <a:xfrm>
             <a:off x="598680" y="2292480"/>
-            <a:ext cx="10753920" cy="1640520"/>
+            <a:ext cx="10753560" cy="1640160"/>
           </a:xfrm>
           <a:prstGeom prst="rect">
             <a:avLst/>
@@ -4533,13 +4535,13 @@
         <p:txBody>
           <a:bodyPr lIns="90000" rIns="90000" tIns="45000" bIns="45000"/>
           <a:p>
-            <a:pPr algn="r">
+            <a:pPr algn="ctr">
               <a:lnSpc>
                 <a:spcPct val="100000"/>
               </a:lnSpc>
             </a:pPr>
             <a:r>
-              <a:rPr lang="en-US" sz="8800">
+              <a:rPr lang="en-US" sz="6000">
                 <a:solidFill>
                   <a:srgbClr val="969696"/>
                 </a:solidFill>
@@ -4561,7 +4563,7 @@
         <p:spPr>
           <a:xfrm>
             <a:off x="598680" y="3933720"/>
-            <a:ext cx="10753920" cy="753120"/>
+            <a:ext cx="10753560" cy="752760"/>
           </a:xfrm>
           <a:prstGeom prst="rect">
             <a:avLst/>
@@ -4662,14 +4664,14 @@
       </p:grpSpPr>
       <p:sp>
         <p:nvSpPr>
-          <p:cNvPr id="138" name="CustomShape 1"/>
+          <p:cNvPr id="141" name="CustomShape 1"/>
           <p:cNvSpPr/>
           <p:nvPr/>
         </p:nvSpPr>
         <p:spPr>
           <a:xfrm>
             <a:off x="838080" y="365040"/>
-            <a:ext cx="10514520" cy="1324440"/>
+            <a:ext cx="10514160" cy="1324080"/>
           </a:xfrm>
           <a:prstGeom prst="rect">
             <a:avLst/>
@@ -4703,14 +4705,14 @@
       </p:sp>
       <p:sp>
         <p:nvSpPr>
-          <p:cNvPr id="139" name="CustomShape 2"/>
+          <p:cNvPr id="142" name="CustomShape 2"/>
           <p:cNvSpPr/>
           <p:nvPr/>
         </p:nvSpPr>
         <p:spPr>
           <a:xfrm>
             <a:off x="4757040" y="1675080"/>
-            <a:ext cx="2676600" cy="1596960"/>
+            <a:ext cx="2676240" cy="1596600"/>
           </a:xfrm>
           <a:prstGeom prst="roundRect">
             <a:avLst>
@@ -4836,14 +4838,14 @@
       </p:sp>
       <p:sp>
         <p:nvSpPr>
-          <p:cNvPr id="140" name="CustomShape 3"/>
+          <p:cNvPr id="143" name="CustomShape 3"/>
           <p:cNvSpPr/>
           <p:nvPr/>
         </p:nvSpPr>
         <p:spPr>
           <a:xfrm rot="3859200">
-            <a:off x="6646320" y="3728880"/>
-            <a:ext cx="1147320" cy="467640"/>
+            <a:off x="6646320" y="3728520"/>
+            <a:ext cx="1146960" cy="467280"/>
           </a:xfrm>
           <a:prstGeom prst="leftRightArrow">
             <a:avLst>
@@ -4869,14 +4871,14 @@
       </p:sp>
       <p:sp>
         <p:nvSpPr>
-          <p:cNvPr id="141" name="CustomShape 4"/>
+          <p:cNvPr id="144" name="CustomShape 4"/>
           <p:cNvSpPr/>
           <p:nvPr/>
         </p:nvSpPr>
         <p:spPr>
           <a:xfrm>
             <a:off x="6952680" y="4654080"/>
-            <a:ext cx="2676600" cy="1837440"/>
+            <a:ext cx="2676240" cy="1837080"/>
           </a:xfrm>
           <a:prstGeom prst="roundRect">
             <a:avLst>
@@ -5022,14 +5024,14 @@
       </p:sp>
       <p:sp>
         <p:nvSpPr>
-          <p:cNvPr id="142" name="CustomShape 5"/>
+          <p:cNvPr id="145" name="CustomShape 5"/>
           <p:cNvSpPr/>
           <p:nvPr/>
         </p:nvSpPr>
         <p:spPr>
           <a:xfrm rot="10778400">
             <a:off x="5412240" y="5352840"/>
-            <a:ext cx="1352880" cy="467640"/>
+            <a:ext cx="1352520" cy="467280"/>
           </a:xfrm>
           <a:prstGeom prst="leftRightArrow">
             <a:avLst>
@@ -5045,14 +5047,14 @@
       </p:sp>
       <p:sp>
         <p:nvSpPr>
-          <p:cNvPr id="143" name="CustomShape 6"/>
+          <p:cNvPr id="146" name="CustomShape 6"/>
           <p:cNvSpPr/>
           <p:nvPr/>
         </p:nvSpPr>
         <p:spPr>
           <a:xfrm>
             <a:off x="2547720" y="4710600"/>
-            <a:ext cx="2676600" cy="1779480"/>
+            <a:ext cx="2676240" cy="1779120"/>
           </a:xfrm>
           <a:prstGeom prst="roundRect">
             <a:avLst>
@@ -5158,14 +5160,14 @@
       </p:sp>
       <p:sp>
         <p:nvSpPr>
-          <p:cNvPr id="144" name="CustomShape 7"/>
+          <p:cNvPr id="147" name="CustomShape 7"/>
           <p:cNvSpPr/>
           <p:nvPr/>
         </p:nvSpPr>
         <p:spPr>
           <a:xfrm rot="17749200">
-            <a:off x="4370040" y="3757680"/>
-            <a:ext cx="1166760" cy="467640"/>
+            <a:off x="4369680" y="3757680"/>
+            <a:ext cx="1166400" cy="467280"/>
           </a:xfrm>
           <a:prstGeom prst="leftRightArrow">
             <a:avLst>
@@ -5240,14 +5242,14 @@
       </p:grpSpPr>
       <p:sp>
         <p:nvSpPr>
-          <p:cNvPr id="145" name="CustomShape 1"/>
+          <p:cNvPr id="148" name="CustomShape 1"/>
           <p:cNvSpPr/>
           <p:nvPr/>
         </p:nvSpPr>
         <p:spPr>
           <a:xfrm>
             <a:off x="332640" y="105480"/>
-            <a:ext cx="10514520" cy="1324440"/>
+            <a:ext cx="10514160" cy="1324080"/>
           </a:xfrm>
           <a:prstGeom prst="rect">
             <a:avLst/>
@@ -5281,13 +5283,13 @@
       </p:sp>
       <p:graphicFrame>
         <p:nvGraphicFramePr>
-          <p:cNvPr id="146" name="Table 2"/>
+          <p:cNvPr id="149" name="Table 2"/>
           <p:cNvGraphicFramePr/>
           <p:nvPr/>
         </p:nvGraphicFramePr>
         <p:xfrm>
           <a:off x="742320" y="1430640"/>
-          <a:ext cx="4487400" cy="4832280"/>
+          <a:ext cx="4487040" cy="4831920"/>
         </p:xfrm>
         <a:graphic>
           <a:graphicData uri="http://schemas.openxmlformats.org/drawingml/2006/table">
@@ -5295,9 +5297,9 @@
               <a:tblPr/>
               <a:tblGrid>
                 <a:gridCol w="1695960"/>
-                <a:gridCol w="2791800"/>
+                <a:gridCol w="2791080"/>
               </a:tblGrid>
-              <a:tr h="315720">
+              <a:tr h="321840">
                 <a:tc>
                   <a:txBody>
                     <a:bodyPr/>
@@ -5345,7 +5347,7 @@
                   <a:tcPr/>
                 </a:tc>
               </a:tr>
-              <a:tr h="315720">
+              <a:tr h="321840">
                 <a:tc>
                   <a:txBody>
                     <a:bodyPr/>
@@ -5393,7 +5395,7 @@
                   <a:tcPr/>
                 </a:tc>
               </a:tr>
-              <a:tr h="315720">
+              <a:tr h="321840">
                 <a:tc>
                   <a:txBody>
                     <a:bodyPr/>
@@ -5441,7 +5443,7 @@
                   <a:tcPr/>
                 </a:tc>
               </a:tr>
-              <a:tr h="315720">
+              <a:tr h="321840">
                 <a:tc>
                   <a:txBody>
                     <a:bodyPr/>
@@ -5489,7 +5491,7 @@
                   <a:tcPr/>
                 </a:tc>
               </a:tr>
-              <a:tr h="315720">
+              <a:tr h="321840">
                 <a:tc>
                   <a:txBody>
                     <a:bodyPr/>
@@ -5537,7 +5539,7 @@
                   <a:tcPr/>
                 </a:tc>
               </a:tr>
-              <a:tr h="315720">
+              <a:tr h="321840">
                 <a:tc>
                   <a:txBody>
                     <a:bodyPr/>
@@ -5585,7 +5587,7 @@
                   <a:tcPr/>
                 </a:tc>
               </a:tr>
-              <a:tr h="315720">
+              <a:tr h="321840">
                 <a:tc>
                   <a:txBody>
                     <a:bodyPr/>
@@ -5633,7 +5635,7 @@
                   <a:tcPr/>
                 </a:tc>
               </a:tr>
-              <a:tr h="315720">
+              <a:tr h="321840">
                 <a:tc>
                   <a:txBody>
                     <a:bodyPr/>
@@ -5681,7 +5683,7 @@
                   <a:tcPr/>
                 </a:tc>
               </a:tr>
-              <a:tr h="315720">
+              <a:tr h="321840">
                 <a:tc>
                   <a:txBody>
                     <a:bodyPr/>
@@ -5729,7 +5731,7 @@
                   <a:tcPr/>
                 </a:tc>
               </a:tr>
-              <a:tr h="315720">
+              <a:tr h="321840">
                 <a:tc>
                   <a:txBody>
                     <a:bodyPr/>
@@ -5777,7 +5779,7 @@
                   <a:tcPr/>
                 </a:tc>
               </a:tr>
-              <a:tr h="315720">
+              <a:tr h="321840">
                 <a:tc>
                   <a:txBody>
                     <a:bodyPr/>
@@ -5825,7 +5827,7 @@
                   <a:tcPr/>
                 </a:tc>
               </a:tr>
-              <a:tr h="315720">
+              <a:tr h="321840">
                 <a:tc>
                   <a:txBody>
                     <a:bodyPr/>
@@ -5873,7 +5875,7 @@
                   <a:tcPr/>
                 </a:tc>
               </a:tr>
-              <a:tr h="315720">
+              <a:tr h="321840">
                 <a:tc>
                   <a:txBody>
                     <a:bodyPr/>
@@ -5921,7 +5923,7 @@
                   <a:tcPr/>
                 </a:tc>
               </a:tr>
-              <a:tr h="315720">
+              <a:tr h="321840">
                 <a:tc>
                   <a:txBody>
                     <a:bodyPr/>
@@ -5969,7 +5971,7 @@
                   <a:tcPr/>
                 </a:tc>
               </a:tr>
-              <a:tr h="315720">
+              <a:tr h="326160">
                 <a:tc>
                   <a:txBody>
                     <a:bodyPr/>
@@ -6023,14 +6025,14 @@
       </p:graphicFrame>
       <p:sp>
         <p:nvSpPr>
-          <p:cNvPr id="147" name="CustomShape 3"/>
+          <p:cNvPr id="150" name="CustomShape 3"/>
           <p:cNvSpPr/>
           <p:nvPr/>
         </p:nvSpPr>
         <p:spPr>
           <a:xfrm>
             <a:off x="5957640" y="1737360"/>
-            <a:ext cx="5380560" cy="3926520"/>
+            <a:ext cx="5380200" cy="3926160"/>
           </a:xfrm>
           <a:prstGeom prst="rect">
             <a:avLst/>
@@ -6245,14 +6247,14 @@
       </p:grpSpPr>
       <p:sp>
         <p:nvSpPr>
-          <p:cNvPr id="148" name="CustomShape 1"/>
+          <p:cNvPr id="151" name="CustomShape 1"/>
           <p:cNvSpPr/>
           <p:nvPr/>
         </p:nvSpPr>
         <p:spPr>
           <a:xfrm>
             <a:off x="510480" y="228600"/>
-            <a:ext cx="10514520" cy="1324440"/>
+            <a:ext cx="10514160" cy="1324080"/>
           </a:xfrm>
           <a:prstGeom prst="rect">
             <a:avLst/>
@@ -6286,13 +6288,13 @@
       </p:sp>
       <p:graphicFrame>
         <p:nvGraphicFramePr>
-          <p:cNvPr id="149" name="Table 2"/>
+          <p:cNvPr id="152" name="Table 2"/>
           <p:cNvGraphicFramePr/>
           <p:nvPr/>
         </p:nvGraphicFramePr>
         <p:xfrm>
           <a:off x="838080" y="1704960"/>
-          <a:ext cx="3663360" cy="2594880"/>
+          <a:ext cx="3663000" cy="2594520"/>
         </p:xfrm>
         <a:graphic>
           <a:graphicData uri="http://schemas.openxmlformats.org/drawingml/2006/table">
@@ -6590,7 +6592,7 @@
                   <a:tcPr/>
                 </a:tc>
               </a:tr>
-              <a:tr h="370080">
+              <a:tr h="369720">
                 <a:tc>
                   <a:txBody>
                     <a:bodyPr/>
@@ -6644,14 +6646,14 @@
       </p:graphicFrame>
       <p:sp>
         <p:nvSpPr>
-          <p:cNvPr id="150" name="CustomShape 3"/>
+          <p:cNvPr id="153" name="CustomShape 3"/>
           <p:cNvSpPr/>
           <p:nvPr/>
         </p:nvSpPr>
         <p:spPr>
           <a:xfrm>
             <a:off x="5230800" y="1753200"/>
-            <a:ext cx="5380560" cy="3136680"/>
+            <a:ext cx="5380200" cy="3136320"/>
           </a:xfrm>
           <a:prstGeom prst="rect">
             <a:avLst/>
@@ -6860,14 +6862,14 @@
       </p:grpSpPr>
       <p:sp>
         <p:nvSpPr>
-          <p:cNvPr id="151" name="CustomShape 1"/>
+          <p:cNvPr id="154" name="CustomShape 1"/>
           <p:cNvSpPr/>
           <p:nvPr/>
         </p:nvSpPr>
         <p:spPr>
           <a:xfrm>
             <a:off x="646920" y="242280"/>
-            <a:ext cx="10514520" cy="1324440"/>
+            <a:ext cx="10514160" cy="1324080"/>
           </a:xfrm>
           <a:prstGeom prst="rect">
             <a:avLst/>
@@ -6901,13 +6903,13 @@
       </p:sp>
       <p:graphicFrame>
         <p:nvGraphicFramePr>
-          <p:cNvPr id="152" name="Table 2"/>
+          <p:cNvPr id="155" name="Table 2"/>
           <p:cNvGraphicFramePr/>
           <p:nvPr/>
         </p:nvGraphicFramePr>
         <p:xfrm>
           <a:off x="838080" y="1567440"/>
-          <a:ext cx="3551040" cy="5028120"/>
+          <a:ext cx="3550680" cy="5027760"/>
         </p:xfrm>
         <a:graphic>
           <a:graphicData uri="http://schemas.openxmlformats.org/drawingml/2006/table">
@@ -7589,7 +7591,7 @@
                   <a:tcPr/>
                 </a:tc>
               </a:tr>
-              <a:tr h="341280">
+              <a:tr h="340560">
                 <a:tc>
                   <a:txBody>
                     <a:bodyPr/>
@@ -7643,14 +7645,14 @@
       </p:graphicFrame>
       <p:sp>
         <p:nvSpPr>
-          <p:cNvPr id="153" name="CustomShape 3"/>
+          <p:cNvPr id="156" name="CustomShape 3"/>
           <p:cNvSpPr/>
           <p:nvPr/>
         </p:nvSpPr>
         <p:spPr>
           <a:xfrm>
             <a:off x="5230800" y="1567440"/>
-            <a:ext cx="5516280" cy="4691160"/>
+            <a:ext cx="5515920" cy="4690800"/>
           </a:xfrm>
           <a:prstGeom prst="rect">
             <a:avLst/>
@@ -7919,14 +7921,14 @@
       </p:grpSpPr>
       <p:sp>
         <p:nvSpPr>
-          <p:cNvPr id="154" name="CustomShape 1"/>
+          <p:cNvPr id="157" name="CustomShape 1"/>
           <p:cNvSpPr/>
           <p:nvPr/>
         </p:nvSpPr>
         <p:spPr>
           <a:xfrm>
             <a:off x="838080" y="365040"/>
-            <a:ext cx="10514520" cy="1324440"/>
+            <a:ext cx="10514160" cy="1324080"/>
           </a:xfrm>
           <a:prstGeom prst="rect">
             <a:avLst/>
@@ -7960,14 +7962,14 @@
       </p:sp>
       <p:sp>
         <p:nvSpPr>
-          <p:cNvPr id="155" name="CustomShape 2"/>
+          <p:cNvPr id="158" name="CustomShape 2"/>
           <p:cNvSpPr/>
           <p:nvPr/>
         </p:nvSpPr>
         <p:spPr>
           <a:xfrm>
             <a:off x="1119960" y="1825560"/>
-            <a:ext cx="10232640" cy="4350240"/>
+            <a:ext cx="10232280" cy="4349880"/>
           </a:xfrm>
           <a:prstGeom prst="rect">
             <a:avLst/>
@@ -8160,14 +8162,14 @@
       </p:grpSpPr>
       <p:sp>
         <p:nvSpPr>
-          <p:cNvPr id="156" name="CustomShape 1"/>
+          <p:cNvPr id="159" name="CustomShape 1"/>
           <p:cNvSpPr/>
           <p:nvPr/>
         </p:nvSpPr>
         <p:spPr>
           <a:xfrm>
             <a:off x="838080" y="365040"/>
-            <a:ext cx="10514520" cy="1324440"/>
+            <a:ext cx="10514160" cy="1324080"/>
           </a:xfrm>
           <a:prstGeom prst="rect">
             <a:avLst/>
@@ -8201,14 +8203,14 @@
       </p:sp>
       <p:sp>
         <p:nvSpPr>
-          <p:cNvPr id="157" name="CustomShape 2"/>
+          <p:cNvPr id="160" name="CustomShape 2"/>
           <p:cNvSpPr/>
           <p:nvPr/>
         </p:nvSpPr>
         <p:spPr>
           <a:xfrm>
             <a:off x="1119960" y="1825560"/>
-            <a:ext cx="10232640" cy="4350240"/>
+            <a:ext cx="10232280" cy="4349880"/>
           </a:xfrm>
           <a:prstGeom prst="rect">
             <a:avLst/>
@@ -8270,14 +8272,14 @@
       </p:grpSpPr>
       <p:sp>
         <p:nvSpPr>
-          <p:cNvPr id="158" name="CustomShape 1"/>
+          <p:cNvPr id="161" name="CustomShape 1"/>
           <p:cNvSpPr/>
           <p:nvPr/>
         </p:nvSpPr>
         <p:spPr>
           <a:xfrm>
             <a:off x="838080" y="365040"/>
-            <a:ext cx="10514520" cy="1324440"/>
+            <a:ext cx="10514160" cy="1324080"/>
           </a:xfrm>
           <a:prstGeom prst="rect">
             <a:avLst/>
@@ -8311,14 +8313,14 @@
       </p:sp>
       <p:sp>
         <p:nvSpPr>
-          <p:cNvPr id="159" name="CustomShape 2"/>
+          <p:cNvPr id="162" name="CustomShape 2"/>
           <p:cNvSpPr/>
           <p:nvPr/>
         </p:nvSpPr>
         <p:spPr>
           <a:xfrm>
             <a:off x="1119960" y="1825560"/>
-            <a:ext cx="10232640" cy="4350240"/>
+            <a:ext cx="10232280" cy="4349880"/>
           </a:xfrm>
           <a:prstGeom prst="rect">
             <a:avLst/>
@@ -8380,14 +8382,14 @@
       </p:grpSpPr>
       <p:sp>
         <p:nvSpPr>
-          <p:cNvPr id="160" name="CustomShape 1"/>
+          <p:cNvPr id="163" name="CustomShape 1"/>
           <p:cNvSpPr/>
           <p:nvPr/>
         </p:nvSpPr>
         <p:spPr>
           <a:xfrm>
             <a:off x="838080" y="365040"/>
-            <a:ext cx="10514520" cy="1324440"/>
+            <a:ext cx="10514160" cy="1324080"/>
           </a:xfrm>
           <a:prstGeom prst="rect">
             <a:avLst/>
@@ -8421,14 +8423,14 @@
       </p:sp>
       <p:sp>
         <p:nvSpPr>
-          <p:cNvPr id="161" name="CustomShape 2"/>
+          <p:cNvPr id="164" name="CustomShape 2"/>
           <p:cNvSpPr/>
           <p:nvPr/>
         </p:nvSpPr>
         <p:spPr>
           <a:xfrm>
             <a:off x="1119960" y="1825560"/>
-            <a:ext cx="10232640" cy="4350240"/>
+            <a:ext cx="10232280" cy="4349880"/>
           </a:xfrm>
           <a:prstGeom prst="rect">
             <a:avLst/>
@@ -8463,14 +8465,14 @@
       </p:grpSpPr>
       <p:sp>
         <p:nvSpPr>
-          <p:cNvPr id="162" name="CustomShape 1"/>
+          <p:cNvPr id="165" name="CustomShape 1"/>
           <p:cNvSpPr/>
           <p:nvPr/>
         </p:nvSpPr>
         <p:spPr>
           <a:xfrm>
             <a:off x="838080" y="365040"/>
-            <a:ext cx="10514520" cy="1324440"/>
+            <a:ext cx="10514160" cy="1324080"/>
           </a:xfrm>
           <a:prstGeom prst="rect">
             <a:avLst/>
@@ -8504,14 +8506,14 @@
       </p:sp>
       <p:sp>
         <p:nvSpPr>
-          <p:cNvPr id="163" name="CustomShape 2"/>
+          <p:cNvPr id="166" name="CustomShape 2"/>
           <p:cNvSpPr/>
           <p:nvPr/>
         </p:nvSpPr>
         <p:spPr>
           <a:xfrm>
             <a:off x="1119960" y="1825560"/>
-            <a:ext cx="10232640" cy="4350240"/>
+            <a:ext cx="10232280" cy="4349880"/>
           </a:xfrm>
           <a:prstGeom prst="rect">
             <a:avLst/>
@@ -8546,14 +8548,14 @@
       </p:grpSpPr>
       <p:sp>
         <p:nvSpPr>
-          <p:cNvPr id="164" name="CustomShape 1"/>
+          <p:cNvPr id="167" name="CustomShape 1"/>
           <p:cNvSpPr/>
           <p:nvPr/>
         </p:nvSpPr>
         <p:spPr>
           <a:xfrm>
             <a:off x="838080" y="365040"/>
-            <a:ext cx="10514520" cy="1324440"/>
+            <a:ext cx="10514160" cy="1324080"/>
           </a:xfrm>
           <a:prstGeom prst="rect">
             <a:avLst/>
@@ -8616,7 +8618,7 @@
         <p:spPr>
           <a:xfrm>
             <a:off x="838080" y="365040"/>
-            <a:ext cx="10514520" cy="1324440"/>
+            <a:ext cx="10514160" cy="1324080"/>
           </a:xfrm>
           <a:prstGeom prst="rect">
             <a:avLst/>
@@ -8657,7 +8659,7 @@
         <p:spPr>
           <a:xfrm>
             <a:off x="1119960" y="1825560"/>
-            <a:ext cx="10232640" cy="4350240"/>
+            <a:ext cx="10232280" cy="4349880"/>
           </a:xfrm>
           <a:prstGeom prst="rect">
             <a:avLst/>
@@ -8789,7 +8791,7 @@
         <p:spPr>
           <a:xfrm>
             <a:off x="838080" y="365040"/>
-            <a:ext cx="10514520" cy="1324440"/>
+            <a:ext cx="10514160" cy="1324080"/>
           </a:xfrm>
           <a:prstGeom prst="rect">
             <a:avLst/>
@@ -8830,7 +8832,7 @@
         <p:spPr>
           <a:xfrm>
             <a:off x="1119960" y="1825560"/>
-            <a:ext cx="10232640" cy="4350240"/>
+            <a:ext cx="10232280" cy="4349880"/>
           </a:xfrm>
           <a:prstGeom prst="rect">
             <a:avLst/>
@@ -8852,7 +8854,7 @@
               <a:buChar char="•"/>
             </a:pPr>
             <a:r>
-              <a:rPr lang="en-US" sz="2800">
+              <a:rPr lang="en-US" sz="3600">
                 <a:solidFill>
                   <a:srgbClr val="eeece1"/>
                 </a:solidFill>
@@ -8873,7 +8875,7 @@
               <a:buChar char="•"/>
             </a:pPr>
             <a:r>
-              <a:rPr lang="en-US" sz="2800">
+              <a:rPr lang="en-US" sz="3600">
                 <a:solidFill>
                   <a:srgbClr val="eeece1"/>
                 </a:solidFill>
@@ -8894,7 +8896,7 @@
               <a:buChar char="•"/>
             </a:pPr>
             <a:r>
-              <a:rPr lang="en-US" sz="2800">
+              <a:rPr lang="en-US" sz="3600">
                 <a:solidFill>
                   <a:srgbClr val="eeece1"/>
                 </a:solidFill>
@@ -8965,7 +8967,7 @@
         <p:spPr>
           <a:xfrm>
             <a:off x="838080" y="365040"/>
-            <a:ext cx="10514520" cy="1324440"/>
+            <a:ext cx="10514160" cy="1324080"/>
           </a:xfrm>
           <a:prstGeom prst="rect">
             <a:avLst/>
@@ -9006,7 +9008,7 @@
         <p:spPr>
           <a:xfrm>
             <a:off x="1119960" y="1825560"/>
-            <a:ext cx="10232640" cy="4587120"/>
+            <a:ext cx="10232280" cy="4586760"/>
           </a:xfrm>
           <a:prstGeom prst="rect">
             <a:avLst/>
@@ -9218,7 +9220,7 @@
         <p:spPr>
           <a:xfrm>
             <a:off x="838080" y="365040"/>
-            <a:ext cx="10514520" cy="1324440"/>
+            <a:ext cx="10514160" cy="1324080"/>
           </a:xfrm>
           <a:prstGeom prst="rect">
             <a:avLst/>
@@ -9258,16 +9260,16 @@
         </p:nvGraphicFramePr>
         <p:xfrm>
           <a:off x="2157120" y="1690560"/>
-          <a:ext cx="8127000" cy="1707480"/>
+          <a:ext cx="8126640" cy="1707120"/>
         </p:xfrm>
         <a:graphic>
           <a:graphicData uri="http://schemas.openxmlformats.org/drawingml/2006/table">
             <a:tbl>
               <a:tblPr/>
               <a:tblGrid>
-                <a:gridCol w="8127000"/>
+                <a:gridCol w="8126640"/>
               </a:tblGrid>
-              <a:tr h="1707480">
+              <a:tr h="1707120">
                 <a:tc>
                   <a:txBody>
                     <a:bodyPr/>
@@ -9384,7 +9386,7 @@
         <p:spPr>
           <a:xfrm>
             <a:off x="5163120" y="3909240"/>
-            <a:ext cx="1864440" cy="2413800"/>
+            <a:ext cx="1864080" cy="2413440"/>
           </a:xfrm>
           <a:prstGeom prst="rect">
             <a:avLst/>
@@ -9409,7 +9411,7 @@
         <p:spPr>
           <a:xfrm>
             <a:off x="8474040" y="3909240"/>
-            <a:ext cx="1810080" cy="2413800"/>
+            <a:ext cx="1809720" cy="2413440"/>
           </a:xfrm>
           <a:prstGeom prst="rect">
             <a:avLst/>
@@ -9434,7 +9436,7 @@
         <p:spPr>
           <a:xfrm>
             <a:off x="2157120" y="4426920"/>
-            <a:ext cx="1814040" cy="1575360"/>
+            <a:ext cx="1813680" cy="1575000"/>
           </a:xfrm>
           <a:prstGeom prst="rect">
             <a:avLst/>
@@ -9502,7 +9504,7 @@
         <p:spPr>
           <a:xfrm>
             <a:off x="838080" y="365040"/>
-            <a:ext cx="10514520" cy="1324440"/>
+            <a:ext cx="10514160" cy="1324080"/>
           </a:xfrm>
           <a:prstGeom prst="rect">
             <a:avLst/>
@@ -9542,8 +9544,8 @@
         </p:nvSpPr>
         <p:spPr>
           <a:xfrm>
-            <a:off x="1119960" y="1690560"/>
-            <a:ext cx="10232640" cy="4664160"/>
+            <a:off x="1119960" y="1463040"/>
+            <a:ext cx="10232280" cy="4065120"/>
           </a:xfrm>
           <a:prstGeom prst="rect">
             <a:avLst/>
@@ -9731,16 +9733,16 @@
         </p:nvGraphicFramePr>
         <p:xfrm>
           <a:off x="1119960" y="2384640"/>
-          <a:ext cx="8127000" cy="1863720"/>
+          <a:ext cx="8126640" cy="1863360"/>
         </p:xfrm>
         <a:graphic>
           <a:graphicData uri="http://schemas.openxmlformats.org/drawingml/2006/table">
             <a:tbl>
               <a:tblPr/>
               <a:tblGrid>
-                <a:gridCol w="8127000"/>
+                <a:gridCol w="8126640"/>
               </a:tblGrid>
-              <a:tr h="1863720">
+              <a:tr h="1863360">
                 <a:tc>
                   <a:txBody>
                     <a:bodyPr/>
@@ -9918,7 +9920,7 @@
         <p:spPr>
           <a:xfrm>
             <a:off x="838080" y="365040"/>
-            <a:ext cx="10514520" cy="1324440"/>
+            <a:ext cx="10514160" cy="1324080"/>
           </a:xfrm>
           <a:prstGeom prst="rect">
             <a:avLst/>
@@ -9928,27 +9930,6 @@
             <a:noFill/>
           </a:ln>
         </p:spPr>
-        <p:txBody>
-          <a:bodyPr lIns="90000" rIns="90000" tIns="45000" bIns="45000" anchor="ctr"/>
-          <a:p>
-            <a:pPr>
-              <a:lnSpc>
-                <a:spcPct val="90000"/>
-              </a:lnSpc>
-            </a:pPr>
-            <a:r>
-              <a:rPr lang="en-US" sz="5400">
-                <a:solidFill>
-                  <a:srgbClr val="bfbfbf"/>
-                </a:solidFill>
-                <a:latin typeface="Corbel"/>
-                <a:ea typeface="DejaVu Sans"/>
-              </a:rPr>
-              <a:t>ChartKick</a:t>
-            </a:r>
-            <a:endParaRPr/>
-          </a:p>
-        </p:txBody>
       </p:sp>
       <p:sp>
         <p:nvSpPr>
@@ -9959,7 +9940,7 @@
         <p:spPr>
           <a:xfrm>
             <a:off x="1119960" y="1825560"/>
-            <a:ext cx="10232640" cy="4350240"/>
+            <a:ext cx="10232280" cy="4349880"/>
           </a:xfrm>
           <a:prstGeom prst="rect">
             <a:avLst/>
@@ -9970,6 +9951,140 @@
           </a:ln>
         </p:spPr>
       </p:sp>
+      <p:sp>
+        <p:nvSpPr>
+          <p:cNvPr id="131" name="TextShape 3"/>
+          <p:cNvSpPr txBox="1"/>
+          <p:nvPr/>
+        </p:nvSpPr>
+        <p:spPr>
+          <a:xfrm>
+            <a:off x="609480" y="273600"/>
+            <a:ext cx="10972440" cy="1144800"/>
+          </a:xfrm>
+          <a:prstGeom prst="rect">
+            <a:avLst/>
+          </a:prstGeom>
+        </p:spPr>
+        <p:txBody>
+          <a:bodyPr lIns="0" rIns="0" tIns="0" bIns="0" anchor="ctr"/>
+          <a:p>
+            <a:r>
+              <a:rPr lang="en-US" sz="6000">
+                <a:latin typeface="Arial"/>
+              </a:rPr>
+              <a:t>ChartKick</a:t>
+            </a:r>
+            <a:endParaRPr/>
+          </a:p>
+        </p:txBody>
+      </p:sp>
+      <p:sp>
+        <p:nvSpPr>
+          <p:cNvPr id="132" name="TextShape 4"/>
+          <p:cNvSpPr txBox="1"/>
+          <p:nvPr/>
+        </p:nvSpPr>
+        <p:spPr>
+          <a:xfrm>
+            <a:off x="609480" y="1604520"/>
+            <a:ext cx="10972440" cy="3976920"/>
+          </a:xfrm>
+          <a:prstGeom prst="rect">
+            <a:avLst/>
+          </a:prstGeom>
+        </p:spPr>
+        <p:txBody>
+          <a:bodyPr lIns="0" rIns="0" tIns="0" bIns="0"/>
+          <a:p>
+            <a:pPr>
+              <a:buSzPct val="45000"/>
+              <a:buFont typeface="StarSymbol"/>
+              <a:buChar char=""/>
+            </a:pPr>
+            <a:r>
+              <a:rPr lang="en-US" sz="3200">
+                <a:latin typeface="Arial"/>
+              </a:rPr>
+              <a:t>Charting library for Ruby on Rails to make nice looking charts</a:t>
+            </a:r>
+            <a:endParaRPr/>
+          </a:p>
+          <a:p>
+            <a:pPr>
+              <a:buSzPct val="45000"/>
+              <a:buFont typeface="StarSymbol"/>
+              <a:buChar char=""/>
+            </a:pPr>
+            <a:r>
+              <a:rPr lang="en-US" sz="3200">
+                <a:latin typeface="Arial"/>
+              </a:rPr>
+              <a:t>Compatible with all major browsers</a:t>
+            </a:r>
+            <a:endParaRPr/>
+          </a:p>
+          <a:p>
+            <a:pPr>
+              <a:buSzPct val="45000"/>
+              <a:buFont typeface="StarSymbol"/>
+              <a:buChar char=""/>
+            </a:pPr>
+            <a:r>
+              <a:rPr lang="en-US" sz="3200">
+                <a:latin typeface="Arial"/>
+              </a:rPr>
+              <a:t>Creates dynamic, interactive charts</a:t>
+            </a:r>
+            <a:endParaRPr/>
+          </a:p>
+          <a:p>
+            <a:pPr>
+              <a:buSzPct val="45000"/>
+              <a:buFont typeface="StarSymbol"/>
+              <a:buChar char=""/>
+            </a:pPr>
+            <a:r>
+              <a:rPr lang="en-US" sz="3200">
+                <a:latin typeface="Arial"/>
+              </a:rPr>
+              <a:t>Example:    </a:t>
+            </a:r>
+            <a:r>
+              <a:rPr lang="en-US">
+                <a:latin typeface="Arial"/>
+              </a:rPr>
+              <a:t>&lt;%= line_chart User.group_by_day(:created_at).count %&gt;</a:t>
+            </a:r>
+            <a:endParaRPr/>
+          </a:p>
+        </p:txBody>
+      </p:sp>
+      <p:pic>
+        <p:nvPicPr>
+          <p:cNvPr id="133" name="" descr=""/>
+          <p:cNvPicPr/>
+          <p:nvPr/>
+        </p:nvPicPr>
+        <p:blipFill>
+          <a:blip r:embed="rId1"/>
+          <a:stretch>
+            <a:fillRect/>
+          </a:stretch>
+        </p:blipFill>
+        <p:spPr>
+          <a:xfrm>
+            <a:off x="1814040" y="4119120"/>
+            <a:ext cx="7329960" cy="2556000"/>
+          </a:xfrm>
+          <a:prstGeom prst="rect">
+            <a:avLst/>
+          </a:prstGeom>
+          <a:ln>
+            <a:noFill/>
+          </a:ln>
+        </p:spPr>
+      </p:pic>
     </p:spTree>
   </p:cSld>
   <p:timing>
@@ -10021,14 +10136,14 @@
       </p:grpSpPr>
       <p:sp>
         <p:nvSpPr>
-          <p:cNvPr id="131" name="CustomShape 1"/>
+          <p:cNvPr id="134" name="CustomShape 1"/>
           <p:cNvSpPr/>
           <p:nvPr/>
         </p:nvSpPr>
         <p:spPr>
           <a:xfrm>
             <a:off x="523800" y="365040"/>
-            <a:ext cx="10514520" cy="1324440"/>
+            <a:ext cx="10514160" cy="1324080"/>
           </a:xfrm>
           <a:prstGeom prst="rect">
             <a:avLst/>
@@ -10062,14 +10177,14 @@
       </p:sp>
       <p:sp>
         <p:nvSpPr>
-          <p:cNvPr id="132" name="CustomShape 2"/>
+          <p:cNvPr id="135" name="CustomShape 2"/>
           <p:cNvSpPr/>
           <p:nvPr/>
         </p:nvSpPr>
         <p:spPr>
           <a:xfrm>
             <a:off x="1119960" y="1690560"/>
-            <a:ext cx="10232640" cy="4664160"/>
+            <a:ext cx="10232280" cy="4663800"/>
           </a:xfrm>
           <a:prstGeom prst="rect">
             <a:avLst/>
@@ -10109,14 +10224,14 @@
       </p:sp>
       <p:sp>
         <p:nvSpPr>
-          <p:cNvPr id="133" name="CustomShape 3"/>
+          <p:cNvPr id="136" name="CustomShape 3"/>
           <p:cNvSpPr/>
           <p:nvPr/>
         </p:nvSpPr>
         <p:spPr>
           <a:xfrm>
             <a:off x="1272240" y="1842840"/>
-            <a:ext cx="10232640" cy="4664160"/>
+            <a:ext cx="10232280" cy="4663800"/>
           </a:xfrm>
           <a:prstGeom prst="rect">
             <a:avLst/>
@@ -10156,14 +10271,14 @@
       </p:sp>
       <p:sp>
         <p:nvSpPr>
-          <p:cNvPr id="134" name="CustomShape 4"/>
+          <p:cNvPr id="137" name="CustomShape 4"/>
           <p:cNvSpPr/>
           <p:nvPr/>
         </p:nvSpPr>
         <p:spPr>
           <a:xfrm>
             <a:off x="969840" y="1575360"/>
-            <a:ext cx="10232640" cy="5062680"/>
+            <a:ext cx="10232280" cy="5062320"/>
           </a:xfrm>
           <a:prstGeom prst="rect">
             <a:avLst/>
@@ -10184,7 +10299,7 @@
               <a:buChar char="•"/>
             </a:pPr>
             <a:r>
-              <a:rPr lang="en-US" sz="2800">
+              <a:rPr lang="en-US" sz="2400">
                 <a:solidFill>
                   <a:srgbClr val="bfbfbf"/>
                 </a:solidFill>
@@ -10204,7 +10319,7 @@
               <a:buChar char="•"/>
             </a:pPr>
             <a:r>
-              <a:rPr lang="en-US" sz="2800">
+              <a:rPr lang="en-US" sz="2400">
                 <a:solidFill>
                   <a:srgbClr val="bfbfbf"/>
                 </a:solidFill>
@@ -10224,7 +10339,7 @@
               <a:buChar char="•"/>
             </a:pPr>
             <a:r>
-              <a:rPr lang="en-US" sz="2800">
+              <a:rPr lang="en-US" sz="2400">
                 <a:solidFill>
                   <a:srgbClr val="bfbfbf"/>
                 </a:solidFill>
@@ -10244,7 +10359,7 @@
               <a:buChar char="•"/>
             </a:pPr>
             <a:r>
-              <a:rPr lang="en-US" sz="2800">
+              <a:rPr lang="en-US" sz="2400">
                 <a:solidFill>
                   <a:srgbClr val="bfbfbf"/>
                 </a:solidFill>
@@ -10264,7 +10379,7 @@
               <a:buChar char="•"/>
             </a:pPr>
             <a:r>
-              <a:rPr lang="en-US" sz="2800">
+              <a:rPr lang="en-US" sz="2400">
                 <a:solidFill>
                   <a:srgbClr val="bfbfbf"/>
                 </a:solidFill>
@@ -10284,7 +10399,7 @@
               <a:buChar char="•"/>
             </a:pPr>
             <a:r>
-              <a:rPr lang="en-US" sz="2800">
+              <a:rPr lang="en-US" sz="2400">
                 <a:solidFill>
                   <a:srgbClr val="bfbfbf"/>
                 </a:solidFill>
@@ -10304,7 +10419,7 @@
               <a:buChar char="•"/>
             </a:pPr>
             <a:r>
-              <a:rPr lang="en-US" sz="2800">
+              <a:rPr lang="en-US" sz="2400">
                 <a:solidFill>
                   <a:srgbClr val="bfbfbf"/>
                 </a:solidFill>
@@ -10324,7 +10439,7 @@
               <a:buChar char="•"/>
             </a:pPr>
             <a:r>
-              <a:rPr lang="en-US" sz="2800">
+              <a:rPr lang="en-US" sz="2400">
                 <a:solidFill>
                   <a:srgbClr val="bfbfbf"/>
                 </a:solidFill>
@@ -10344,7 +10459,7 @@
               <a:buChar char="•"/>
             </a:pPr>
             <a:r>
-              <a:rPr lang="en-US" sz="2800">
+              <a:rPr lang="en-US" sz="2400">
                 <a:solidFill>
                   <a:srgbClr val="bfbfbf"/>
                 </a:solidFill>
@@ -10364,7 +10479,7 @@
               <a:buChar char="•"/>
             </a:pPr>
             <a:r>
-              <a:rPr lang="en-US" sz="2800">
+              <a:rPr lang="en-US" sz="2400">
                 <a:solidFill>
                   <a:srgbClr val="bfbfbf"/>
                 </a:solidFill>
@@ -10384,7 +10499,7 @@
               <a:buChar char="•"/>
             </a:pPr>
             <a:r>
-              <a:rPr lang="en-US" sz="2800">
+              <a:rPr lang="en-US" sz="2400">
                 <a:solidFill>
                   <a:srgbClr val="bfbfbf"/>
                 </a:solidFill>
@@ -10404,7 +10519,7 @@
               <a:buChar char="•"/>
             </a:pPr>
             <a:r>
-              <a:rPr lang="en-US" sz="2800">
+              <a:rPr lang="en-US" sz="2400">
                 <a:solidFill>
                   <a:srgbClr val="bfbfbf"/>
                 </a:solidFill>
@@ -10424,7 +10539,7 @@
               <a:buChar char="•"/>
             </a:pPr>
             <a:r>
-              <a:rPr lang="en-US" sz="2800">
+              <a:rPr lang="en-US" sz="2400">
                 <a:solidFill>
                   <a:srgbClr val="bfbfbf"/>
                 </a:solidFill>
@@ -10444,7 +10559,7 @@
               <a:buChar char="•"/>
             </a:pPr>
             <a:r>
-              <a:rPr lang="en-US" sz="2800">
+              <a:rPr lang="en-US" sz="2400">
                 <a:solidFill>
                   <a:srgbClr val="bfbfbf"/>
                 </a:solidFill>
@@ -10524,14 +10639,14 @@
       </p:grpSpPr>
       <p:sp>
         <p:nvSpPr>
-          <p:cNvPr id="135" name="CustomShape 1"/>
+          <p:cNvPr id="138" name="CustomShape 1"/>
           <p:cNvSpPr/>
           <p:nvPr/>
         </p:nvSpPr>
         <p:spPr>
           <a:xfrm>
             <a:off x="838080" y="1417320"/>
-            <a:ext cx="10232640" cy="2529360"/>
+            <a:ext cx="10232280" cy="2529000"/>
           </a:xfrm>
           <a:prstGeom prst="rect">
             <a:avLst/>
@@ -10664,14 +10779,14 @@
       </p:sp>
       <p:sp>
         <p:nvSpPr>
-          <p:cNvPr id="136" name="CustomShape 2"/>
+          <p:cNvPr id="139" name="CustomShape 2"/>
           <p:cNvSpPr/>
           <p:nvPr/>
         </p:nvSpPr>
         <p:spPr>
           <a:xfrm>
             <a:off x="838080" y="105480"/>
-            <a:ext cx="10514520" cy="1324800"/>
+            <a:ext cx="10514160" cy="1324440"/>
           </a:xfrm>
           <a:prstGeom prst="rect">
             <a:avLst/>
@@ -10704,7 +10819,7 @@
       </p:sp>
       <p:pic>
         <p:nvPicPr>
-          <p:cNvPr id="137" name="Picture 4" descr=""/>
+          <p:cNvPr id="140" name="Picture 4" descr=""/>
           <p:cNvPicPr/>
           <p:nvPr/>
         </p:nvPicPr>
@@ -10717,7 +10832,7 @@
         <p:spPr>
           <a:xfrm>
             <a:off x="3605400" y="3709800"/>
-            <a:ext cx="5130720" cy="2847240"/>
+            <a:ext cx="5130360" cy="2846880"/>
           </a:xfrm>
           <a:prstGeom prst="rect">
             <a:avLst/>

--- a/Presentation.pptx
+++ b/Presentation.pptx
@@ -204,7 +204,7 @@
           <a:bodyPr lIns="0" rIns="0" tIns="0" bIns="0" anchor="b"/>
           <a:p>
             <a:pPr algn="r"/>
-            <a:fld id="{8981B9BC-A699-431B-8723-5F8F919D67CA}" type="slidenum">
+            <a:fld id="{5D170145-D0E1-4014-9F79-F34FB02CADB6}" type="slidenum">
               <a:rPr lang="en-US" sz="1400">
                 <a:latin typeface="Times New Roman"/>
               </a:rPr>
@@ -296,7 +296,7 @@
                 <a:spcPct val="100000"/>
               </a:lnSpc>
             </a:pPr>
-            <a:fld id="{81C3A462-52DA-4ABB-AFF1-9C67CC9DB625}" type="slidenum">
+            <a:fld id="{BFAF9D2E-25C4-4E64-8023-EB60C08A62BF}" type="slidenum">
               <a:rPr lang="en-US" sz="1200">
                 <a:solidFill>
                   <a:srgbClr val="000000"/>
@@ -400,7 +400,7 @@
                 <a:spcPct val="100000"/>
               </a:lnSpc>
             </a:pPr>
-            <a:fld id="{D537C831-01F8-48A4-96A6-644AD037CBD0}" type="slidenum">
+            <a:fld id="{2A540E88-71F2-47CF-B848-A091E7533D6F}" type="slidenum">
               <a:rPr lang="en-US" sz="1200">
                 <a:solidFill>
                   <a:srgbClr val="000000"/>
@@ -9563,6 +9563,22 @@
                 <a:spcPct val="100000"/>
               </a:lnSpc>
             </a:pPr>
+            <a:endParaRPr/>
+          </a:p>
+          <a:p>
+            <a:pPr>
+              <a:lnSpc>
+                <a:spcPct val="100000"/>
+              </a:lnSpc>
+            </a:pPr>
+            <a:endParaRPr/>
+          </a:p>
+          <a:p>
+            <a:pPr>
+              <a:lnSpc>
+                <a:spcPct val="100000"/>
+              </a:lnSpc>
+            </a:pPr>
             <a:r>
               <a:rPr lang="en-US" sz="2800">
                 <a:solidFill>
@@ -9971,6 +9987,9 @@
           <a:p>
             <a:r>
               <a:rPr lang="en-US" sz="6000">
+                <a:solidFill>
+                  <a:srgbClr val="999999"/>
+                </a:solidFill>
                 <a:latin typeface="Arial"/>
               </a:rPr>
               <a:t>ChartKick</a:t>
@@ -10004,6 +10023,9 @@
             </a:pPr>
             <a:r>
               <a:rPr lang="en-US" sz="3200">
+                <a:solidFill>
+                  <a:srgbClr val="999999"/>
+                </a:solidFill>
                 <a:latin typeface="Arial"/>
               </a:rPr>
               <a:t>Charting library for Ruby on Rails to make nice looking charts</a:t>
@@ -10018,6 +10040,9 @@
             </a:pPr>
             <a:r>
               <a:rPr lang="en-US" sz="3200">
+                <a:solidFill>
+                  <a:srgbClr val="999999"/>
+                </a:solidFill>
                 <a:latin typeface="Arial"/>
               </a:rPr>
               <a:t>Compatible with all major browsers</a:t>
@@ -10032,6 +10057,9 @@
             </a:pPr>
             <a:r>
               <a:rPr lang="en-US" sz="3200">
+                <a:solidFill>
+                  <a:srgbClr val="999999"/>
+                </a:solidFill>
                 <a:latin typeface="Arial"/>
               </a:rPr>
               <a:t>Creates dynamic, interactive charts</a:t>
@@ -10046,12 +10074,18 @@
             </a:pPr>
             <a:r>
               <a:rPr lang="en-US" sz="3200">
+                <a:solidFill>
+                  <a:srgbClr val="999999"/>
+                </a:solidFill>
                 <a:latin typeface="Arial"/>
               </a:rPr>
               <a:t>Example:    </a:t>
             </a:r>
             <a:r>
               <a:rPr lang="en-US">
+                <a:solidFill>
+                  <a:srgbClr val="999999"/>
+                </a:solidFill>
                 <a:latin typeface="Arial"/>
               </a:rPr>
               <a:t>&lt;%= line_chart User.group_by_day(:created_at).count %&gt;</a:t>

--- a/Presentation.pptx
+++ b/Presentation.pptx
@@ -204,7 +204,7 @@
           <a:bodyPr lIns="0" rIns="0" tIns="0" bIns="0" anchor="b"/>
           <a:p>
             <a:pPr algn="r"/>
-            <a:fld id="{5D170145-D0E1-4014-9F79-F34FB02CADB6}" type="slidenum">
+            <a:fld id="{86FFB888-FA79-4915-9084-F80537691578}" type="slidenum">
               <a:rPr lang="en-US" sz="1400">
                 <a:latin typeface="Times New Roman"/>
               </a:rPr>
@@ -296,7 +296,7 @@
                 <a:spcPct val="100000"/>
               </a:lnSpc>
             </a:pPr>
-            <a:fld id="{BFAF9D2E-25C4-4E64-8023-EB60C08A62BF}" type="slidenum">
+            <a:fld id="{D48CD2B0-4ACF-4B8F-BFA2-8CBB11FA0775}" type="slidenum">
               <a:rPr lang="en-US" sz="1200">
                 <a:solidFill>
                   <a:srgbClr val="000000"/>
@@ -400,7 +400,7 @@
                 <a:spcPct val="100000"/>
               </a:lnSpc>
             </a:pPr>
-            <a:fld id="{2A540E88-71F2-47CF-B848-A091E7533D6F}" type="slidenum">
+            <a:fld id="{9B8B5AB9-9C00-4D08-83F5-A499325FFEE7}" type="slidenum">
               <a:rPr lang="en-US" sz="1200">
                 <a:solidFill>
                   <a:srgbClr val="000000"/>
@@ -9571,14 +9571,6 @@
                 <a:spcPct val="100000"/>
               </a:lnSpc>
             </a:pPr>
-            <a:endParaRPr/>
-          </a:p>
-          <a:p>
-            <a:pPr>
-              <a:lnSpc>
-                <a:spcPct val="100000"/>
-              </a:lnSpc>
-            </a:pPr>
             <a:r>
               <a:rPr lang="en-US" sz="2800">
                 <a:solidFill>
@@ -9748,7 +9740,7 @@
           <p:nvPr/>
         </p:nvGraphicFramePr>
         <p:xfrm>
-          <a:off x="1119960" y="2384640"/>
+          <a:off x="1218600" y="2788200"/>
           <a:ext cx="8126640" cy="1863360"/>
         </p:xfrm>
         <a:graphic>

--- a/Presentation.pptx
+++ b/Presentation.pptx
@@ -204,7 +204,7 @@
           <a:bodyPr lIns="0" rIns="0" tIns="0" bIns="0" anchor="b"/>
           <a:p>
             <a:pPr algn="r"/>
-            <a:fld id="{86FFB888-FA79-4915-9084-F80537691578}" type="slidenum">
+            <a:fld id="{964D6E8B-FF0D-4453-976F-6E297223AF48}" type="slidenum">
               <a:rPr lang="en-US" sz="1400">
                 <a:latin typeface="Times New Roman"/>
               </a:rPr>
@@ -296,7 +296,7 @@
                 <a:spcPct val="100000"/>
               </a:lnSpc>
             </a:pPr>
-            <a:fld id="{D48CD2B0-4ACF-4B8F-BFA2-8CBB11FA0775}" type="slidenum">
+            <a:fld id="{F41CFF4E-20AC-440D-8BCF-39C920798B98}" type="slidenum">
               <a:rPr lang="en-US" sz="1200">
                 <a:solidFill>
                   <a:srgbClr val="000000"/>
@@ -400,7 +400,7 @@
                 <a:spcPct val="100000"/>
               </a:lnSpc>
             </a:pPr>
-            <a:fld id="{9B8B5AB9-9C00-4D08-83F5-A499325FFEE7}" type="slidenum">
+            <a:fld id="{74BB6A60-1456-420D-8BBD-EA495958C544}" type="slidenum">
               <a:rPr lang="en-US" sz="1200">
                 <a:solidFill>
                   <a:srgbClr val="000000"/>
@@ -9644,6 +9644,16 @@
               <a:lnSpc>
                 <a:spcPct val="90000"/>
               </a:lnSpc>
+            </a:pPr>
+            <a:endParaRPr/>
+          </a:p>
+          <a:p>
+            <a:pPr>
+              <a:lnSpc>
+                <a:spcPct val="90000"/>
+              </a:lnSpc>
+              <a:buFont typeface="Arial"/>
+              <a:buChar char="•"/>
             </a:pPr>
             <a:endParaRPr/>
           </a:p>
